--- a/4. Complex-Conditions/4. Complex-Conditions.pptx
+++ b/4. Complex-Conditions/4. Complex-Conditions.pptx
@@ -5,10 +5,10 @@
     <p:sldMasterId id="2147483660" r:id="rId2"/>
   </p:sldMasterIdLst>
   <p:notesMasterIdLst>
-    <p:notesMasterId r:id="rId40"/>
+    <p:notesMasterId r:id="rId32"/>
   </p:notesMasterIdLst>
   <p:handoutMasterIdLst>
-    <p:handoutMasterId r:id="rId41"/>
+    <p:handoutMasterId r:id="rId33"/>
   </p:handoutMasterIdLst>
   <p:sldIdLst>
     <p:sldId id="274" r:id="rId3"/>
@@ -36,18 +36,10 @@
     <p:sldId id="429" r:id="rId25"/>
     <p:sldId id="417" r:id="rId26"/>
     <p:sldId id="442" r:id="rId27"/>
-    <p:sldId id="422" r:id="rId28"/>
-    <p:sldId id="423" r:id="rId29"/>
-    <p:sldId id="443" r:id="rId30"/>
-    <p:sldId id="446" r:id="rId31"/>
-    <p:sldId id="447" r:id="rId32"/>
-    <p:sldId id="444" r:id="rId33"/>
-    <p:sldId id="448" r:id="rId34"/>
-    <p:sldId id="449" r:id="rId35"/>
-    <p:sldId id="349" r:id="rId36"/>
-    <p:sldId id="458" r:id="rId37"/>
-    <p:sldId id="413" r:id="rId38"/>
-    <p:sldId id="414" r:id="rId39"/>
+    <p:sldId id="349" r:id="rId28"/>
+    <p:sldId id="458" r:id="rId29"/>
+    <p:sldId id="413" r:id="rId30"/>
+    <p:sldId id="414" r:id="rId31"/>
   </p:sldIdLst>
   <p:sldSz cx="12188825" cy="6858000"/>
   <p:notesSz cx="6858000" cy="9144000"/>
@@ -262,7 +254,7 @@
             <a:fld id="{FE5B4EDC-59C0-49C7-8ADA-5A781B329E02}" type="datetimeFigureOut">
               <a:rPr lang="en-US"/>
               <a:pPr/>
-              <a:t>2/5/2017</a:t>
+              <a:t>2/6/2017</a:t>
             </a:fld>
             <a:endParaRPr dirty="0"/>
           </a:p>
@@ -467,7 +459,7 @@
             <a:fld id="{F2D8D46A-B586-417D-BFBD-8C8FE0AAF762}" type="datetimeFigureOut">
               <a:rPr lang="en-US" smtClean="0"/>
               <a:pPr/>
-              <a:t>2/5/2017</a:t>
+              <a:t>2/6/2017</a:t>
             </a:fld>
             <a:endParaRPr lang="en-US"/>
           </a:p>
@@ -1155,7 +1147,7 @@
             <a:fld id="{3EBA5BD7-F043-4D1B-AA17-CD412FC534DE}" type="slidenum">
               <a:rPr lang="en-US" smtClean="0"/>
               <a:pPr/>
-              <a:t>34</a:t>
+              <a:t>26</a:t>
             </a:fld>
             <a:endParaRPr lang="en-US" dirty="0"/>
           </a:p>
@@ -1324,7 +1316,7 @@
                 </a:solidFill>
               </a:rPr>
               <a:pPr/>
-              <a:t>35</a:t>
+              <a:t>27</a:t>
             </a:fld>
             <a:endParaRPr lang="en-US" dirty="0">
               <a:solidFill>
@@ -1463,7 +1455,7 @@
             <a:fld id="{3EBA5BD7-F043-4D1B-AA17-CD412FC534DE}" type="slidenum">
               <a:rPr lang="en-US" smtClean="0"/>
               <a:pPr/>
-              <a:t>36</a:t>
+              <a:t>28</a:t>
             </a:fld>
             <a:endParaRPr lang="en-US" dirty="0"/>
           </a:p>
@@ -1598,7 +1590,7 @@
             <a:fld id="{3EBA5BD7-F043-4D1B-AA17-CD412FC534DE}" type="slidenum">
               <a:rPr lang="en-US" smtClean="0"/>
               <a:pPr/>
-              <a:t>37</a:t>
+              <a:t>29</a:t>
             </a:fld>
             <a:endParaRPr lang="en-US" dirty="0"/>
           </a:p>
@@ -2217,7 +2209,7 @@
             <a:fld id="{055373AC-9AA7-423B-BA00-BA1C74164DBD}" type="datetime1">
               <a:rPr lang="en-US" smtClean="0"/>
               <a:pPr/>
-              <a:t>2/5/2017</a:t>
+              <a:t>2/6/2017</a:t>
             </a:fld>
             <a:endParaRPr lang="en-US" dirty="0"/>
           </a:p>
@@ -3491,7 +3483,7 @@
             <a:fld id="{055373AC-9AA7-423B-BA00-BA1C74164DBD}" type="datetime1">
               <a:rPr lang="en-US" smtClean="0"/>
               <a:pPr/>
-              <a:t>2/5/2017</a:t>
+              <a:t>2/6/2017</a:t>
             </a:fld>
             <a:endParaRPr lang="en-US" dirty="0"/>
           </a:p>
@@ -5399,7 +5391,7 @@
         <p:spPr bwMode="auto">
           <a:xfrm>
             <a:off x="705820" y="3056563"/>
-            <a:ext cx="10777184" cy="3247043"/>
+            <a:ext cx="10777184" cy="2754600"/>
           </a:xfrm>
           <a:prstGeom prst="rect">
             <a:avLst/>
@@ -5436,21 +5428,55 @@
               <a:buSzPct val="70000"/>
             </a:pPr>
             <a:r>
-              <a:rPr lang="en-US" sz="2000" b="1" noProof="1" smtClean="0">
-                <a:solidFill>
-                  <a:srgbClr val="FBEEDC"/>
-                </a:solidFill>
-                <a:effectLst>
-                  <a:outerShdw blurRad="38100" dist="38100" dir="2700000" algn="tl">
-                    <a:srgbClr val="000000">
-                      <a:alpha val="43137"/>
-                    </a:srgbClr>
-                  </a:outerShdw>
-                </a:effectLst>
-                <a:latin typeface="Consolas" pitchFamily="49" charset="0"/>
-                <a:cs typeface="Consolas" pitchFamily="49" charset="0"/>
-              </a:rPr>
-              <a:t>x = 8</a:t>
+              <a:rPr lang="en-US" b="1" noProof="1" smtClean="0">
+                <a:solidFill>
+                  <a:srgbClr val="FBEEDC"/>
+                </a:solidFill>
+                <a:effectLst>
+                  <a:outerShdw blurRad="38100" dist="38100" dir="2700000" algn="tl">
+                    <a:srgbClr val="000000">
+                      <a:alpha val="43137"/>
+                    </a:srgbClr>
+                  </a:outerShdw>
+                </a:effectLst>
+                <a:latin typeface="Consolas" pitchFamily="49" charset="0"/>
+                <a:cs typeface="Consolas" pitchFamily="49" charset="0"/>
+              </a:rPr>
+              <a:t>x = </a:t>
+            </a:r>
+            <a:r>
+              <a:rPr lang="en-US" b="1" noProof="1" smtClean="0">
+                <a:solidFill>
+                  <a:srgbClr val="FBEEDC"/>
+                </a:solidFill>
+                <a:effectLst>
+                  <a:outerShdw blurRad="38100" dist="38100" dir="2700000" algn="tl">
+                    <a:srgbClr val="000000">
+                      <a:alpha val="43137"/>
+                    </a:srgbClr>
+                  </a:outerShdw>
+                </a:effectLst>
+                <a:latin typeface="Consolas" pitchFamily="49" charset="0"/>
+                <a:cs typeface="Consolas" pitchFamily="49" charset="0"/>
+              </a:rPr>
+              <a:t>8; y </a:t>
+            </a:r>
+            <a:r>
+              <a:rPr lang="en-US" b="1" noProof="1" smtClean="0">
+                <a:solidFill>
+                  <a:srgbClr val="FBEEDC"/>
+                </a:solidFill>
+                <a:effectLst>
+                  <a:outerShdw blurRad="38100" dist="38100" dir="2700000" algn="tl">
+                    <a:srgbClr val="000000">
+                      <a:alpha val="43137"/>
+                    </a:srgbClr>
+                  </a:outerShdw>
+                </a:effectLst>
+                <a:latin typeface="Consolas" pitchFamily="49" charset="0"/>
+                <a:cs typeface="Consolas" pitchFamily="49" charset="0"/>
+              </a:rPr>
+              <a:t>= -1</a:t>
             </a:r>
           </a:p>
           <a:p>
@@ -5464,21 +5490,55 @@
               <a:buSzPct val="70000"/>
             </a:pPr>
             <a:r>
-              <a:rPr lang="en-US" sz="2000" b="1" noProof="1" smtClean="0">
-                <a:solidFill>
-                  <a:srgbClr val="FBEEDC"/>
-                </a:solidFill>
-                <a:effectLst>
-                  <a:outerShdw blurRad="38100" dist="38100" dir="2700000" algn="tl">
-                    <a:srgbClr val="000000">
-                      <a:alpha val="43137"/>
-                    </a:srgbClr>
-                  </a:outerShdw>
-                </a:effectLst>
-                <a:latin typeface="Consolas" pitchFamily="49" charset="0"/>
-                <a:cs typeface="Consolas" pitchFamily="49" charset="0"/>
-              </a:rPr>
-              <a:t>y = -1</a:t>
+              <a:rPr lang="en-US" b="1" noProof="1" smtClean="0">
+                <a:solidFill>
+                  <a:srgbClr val="FBEEDC"/>
+                </a:solidFill>
+                <a:effectLst>
+                  <a:outerShdw blurRad="38100" dist="38100" dir="2700000" algn="tl">
+                    <a:srgbClr val="000000">
+                      <a:alpha val="43137"/>
+                    </a:srgbClr>
+                  </a:outerShdw>
+                </a:effectLst>
+                <a:latin typeface="Consolas" pitchFamily="49" charset="0"/>
+                <a:cs typeface="Consolas" pitchFamily="49" charset="0"/>
+              </a:rPr>
+              <a:t>x1 = </a:t>
+            </a:r>
+            <a:r>
+              <a:rPr lang="en-US" b="1" noProof="1" smtClean="0">
+                <a:solidFill>
+                  <a:srgbClr val="FBEEDC"/>
+                </a:solidFill>
+                <a:effectLst>
+                  <a:outerShdw blurRad="38100" dist="38100" dir="2700000" algn="tl">
+                    <a:srgbClr val="000000">
+                      <a:alpha val="43137"/>
+                    </a:srgbClr>
+                  </a:outerShdw>
+                </a:effectLst>
+                <a:latin typeface="Consolas" pitchFamily="49" charset="0"/>
+                <a:cs typeface="Consolas" pitchFamily="49" charset="0"/>
+              </a:rPr>
+              <a:t>2; y1 </a:t>
+            </a:r>
+            <a:r>
+              <a:rPr lang="en-US" b="1" noProof="1" smtClean="0">
+                <a:solidFill>
+                  <a:srgbClr val="FBEEDC"/>
+                </a:solidFill>
+                <a:effectLst>
+                  <a:outerShdw blurRad="38100" dist="38100" dir="2700000" algn="tl">
+                    <a:srgbClr val="000000">
+                      <a:alpha val="43137"/>
+                    </a:srgbClr>
+                  </a:outerShdw>
+                </a:effectLst>
+                <a:latin typeface="Consolas" pitchFamily="49" charset="0"/>
+                <a:cs typeface="Consolas" pitchFamily="49" charset="0"/>
+              </a:rPr>
+              <a:t>= -3</a:t>
             </a:r>
           </a:p>
           <a:p>
@@ -5492,105 +5552,55 @@
               <a:buSzPct val="70000"/>
             </a:pPr>
             <a:r>
-              <a:rPr lang="en-US" sz="2000" b="1" noProof="1" smtClean="0">
-                <a:solidFill>
-                  <a:srgbClr val="FBEEDC"/>
-                </a:solidFill>
-                <a:effectLst>
-                  <a:outerShdw blurRad="38100" dist="38100" dir="2700000" algn="tl">
-                    <a:srgbClr val="000000">
-                      <a:alpha val="43137"/>
-                    </a:srgbClr>
-                  </a:outerShdw>
-                </a:effectLst>
-                <a:latin typeface="Consolas" pitchFamily="49" charset="0"/>
-                <a:cs typeface="Consolas" pitchFamily="49" charset="0"/>
-              </a:rPr>
-              <a:t>x1 = 2</a:t>
-            </a:r>
-          </a:p>
-          <a:p>
-            <a:pPr eaLnBrk="0" hangingPunct="0">
-              <a:buClr>
-                <a:schemeClr val="accent5">
-                  <a:lumMod val="40000"/>
-                  <a:lumOff val="60000"/>
-                </a:schemeClr>
-              </a:buClr>
-              <a:buSzPct val="70000"/>
-            </a:pPr>
-            <a:r>
-              <a:rPr lang="en-US" sz="2000" b="1" noProof="1" smtClean="0">
-                <a:solidFill>
-                  <a:srgbClr val="FBEEDC"/>
-                </a:solidFill>
-                <a:effectLst>
-                  <a:outerShdw blurRad="38100" dist="38100" dir="2700000" algn="tl">
-                    <a:srgbClr val="000000">
-                      <a:alpha val="43137"/>
-                    </a:srgbClr>
-                  </a:outerShdw>
-                </a:effectLst>
-                <a:latin typeface="Consolas" pitchFamily="49" charset="0"/>
-                <a:cs typeface="Consolas" pitchFamily="49" charset="0"/>
-              </a:rPr>
-              <a:t>y1 = -3</a:t>
-            </a:r>
-          </a:p>
-          <a:p>
-            <a:pPr eaLnBrk="0" hangingPunct="0">
-              <a:buClr>
-                <a:schemeClr val="accent5">
-                  <a:lumMod val="40000"/>
-                  <a:lumOff val="60000"/>
-                </a:schemeClr>
-              </a:buClr>
-              <a:buSzPct val="70000"/>
-            </a:pPr>
-            <a:r>
-              <a:rPr lang="en-US" sz="2000" b="1" noProof="1" smtClean="0">
-                <a:solidFill>
-                  <a:srgbClr val="FBEEDC"/>
-                </a:solidFill>
-                <a:effectLst>
-                  <a:outerShdw blurRad="38100" dist="38100" dir="2700000" algn="tl">
-                    <a:srgbClr val="000000">
-                      <a:alpha val="43137"/>
-                    </a:srgbClr>
-                  </a:outerShdw>
-                </a:effectLst>
-                <a:latin typeface="Consolas" pitchFamily="49" charset="0"/>
-                <a:cs typeface="Consolas" pitchFamily="49" charset="0"/>
-              </a:rPr>
-              <a:t>x2 = 12</a:t>
-            </a:r>
-          </a:p>
-          <a:p>
-            <a:pPr eaLnBrk="0" hangingPunct="0">
-              <a:buClr>
-                <a:schemeClr val="accent5">
-                  <a:lumMod val="40000"/>
-                  <a:lumOff val="60000"/>
-                </a:schemeClr>
-              </a:buClr>
-              <a:buSzPct val="70000"/>
-            </a:pPr>
-            <a:r>
-              <a:rPr lang="en-US" sz="2000" b="1" noProof="1" smtClean="0">
-                <a:solidFill>
-                  <a:srgbClr val="FBEEDC"/>
-                </a:solidFill>
-                <a:effectLst>
-                  <a:outerShdw blurRad="38100" dist="38100" dir="2700000" algn="tl">
-                    <a:srgbClr val="000000">
-                      <a:alpha val="43137"/>
-                    </a:srgbClr>
-                  </a:outerShdw>
-                </a:effectLst>
-                <a:latin typeface="Consolas" pitchFamily="49" charset="0"/>
-                <a:cs typeface="Consolas" pitchFamily="49" charset="0"/>
-              </a:rPr>
-              <a:t>y2 = 3</a:t>
+              <a:rPr lang="en-US" b="1" noProof="1" smtClean="0">
+                <a:solidFill>
+                  <a:srgbClr val="FBEEDC"/>
+                </a:solidFill>
+                <a:effectLst>
+                  <a:outerShdw blurRad="38100" dist="38100" dir="2700000" algn="tl">
+                    <a:srgbClr val="000000">
+                      <a:alpha val="43137"/>
+                    </a:srgbClr>
+                  </a:outerShdw>
+                </a:effectLst>
+                <a:latin typeface="Consolas" pitchFamily="49" charset="0"/>
+                <a:cs typeface="Consolas" pitchFamily="49" charset="0"/>
+              </a:rPr>
+              <a:t>x2 = </a:t>
+            </a:r>
+            <a:r>
+              <a:rPr lang="en-US" b="1" noProof="1" smtClean="0">
+                <a:solidFill>
+                  <a:srgbClr val="FBEEDC"/>
+                </a:solidFill>
+                <a:effectLst>
+                  <a:outerShdw blurRad="38100" dist="38100" dir="2700000" algn="tl">
+                    <a:srgbClr val="000000">
+                      <a:alpha val="43137"/>
+                    </a:srgbClr>
+                  </a:outerShdw>
+                </a:effectLst>
+                <a:latin typeface="Consolas" pitchFamily="49" charset="0"/>
+                <a:cs typeface="Consolas" pitchFamily="49" charset="0"/>
+              </a:rPr>
+              <a:t>12; y2 </a:t>
+            </a:r>
+            <a:r>
+              <a:rPr lang="en-US" b="1" noProof="1" smtClean="0">
+                <a:solidFill>
+                  <a:srgbClr val="FBEEDC"/>
+                </a:solidFill>
+                <a:effectLst>
+                  <a:outerShdw blurRad="38100" dist="38100" dir="2700000" algn="tl">
+                    <a:srgbClr val="000000">
+                      <a:alpha val="43137"/>
+                    </a:srgbClr>
+                  </a:outerShdw>
+                </a:effectLst>
+                <a:latin typeface="Consolas" pitchFamily="49" charset="0"/>
+                <a:cs typeface="Consolas" pitchFamily="49" charset="0"/>
+              </a:rPr>
+              <a:t>= 3</a:t>
             </a:r>
           </a:p>
           <a:p>
@@ -5607,7 +5617,7 @@
               <a:buSzPct val="70000"/>
             </a:pPr>
             <a:r>
-              <a:rPr lang="en-US" sz="2000" b="1" noProof="1" smtClean="0">
+              <a:rPr lang="en-US" b="1" noProof="1" smtClean="0">
                 <a:solidFill>
                   <a:srgbClr val="FBEEDC"/>
                 </a:solidFill>
@@ -5624,7 +5634,7 @@
               <a:t>if (x &gt;= x1 </a:t>
             </a:r>
             <a:r>
-              <a:rPr lang="en-US" sz="2000" b="1" noProof="1" smtClean="0">
+              <a:rPr lang="en-US" b="1" noProof="1" smtClean="0">
                 <a:solidFill>
                   <a:schemeClr val="tx2">
                     <a:lumMod val="75000"/>
@@ -5643,7 +5653,7 @@
               <a:t>and</a:t>
             </a:r>
             <a:r>
-              <a:rPr lang="en-US" sz="2000" b="1" noProof="1" smtClean="0">
+              <a:rPr lang="en-US" b="1" noProof="1" smtClean="0">
                 <a:solidFill>
                   <a:srgbClr val="FBEEDC"/>
                 </a:solidFill>
@@ -5660,7 +5670,7 @@
               <a:t> x &lt;= x2 </a:t>
             </a:r>
             <a:r>
-              <a:rPr lang="en-US" sz="2000" b="1" noProof="1" smtClean="0">
+              <a:rPr lang="en-US" b="1" noProof="1" smtClean="0">
                 <a:solidFill>
                   <a:schemeClr val="tx2">
                     <a:lumMod val="75000"/>
@@ -5679,7 +5689,7 @@
               <a:t>and </a:t>
             </a:r>
             <a:r>
-              <a:rPr lang="en-US" sz="2000" b="1" noProof="1" smtClean="0">
+              <a:rPr lang="en-US" b="1" noProof="1" smtClean="0">
                 <a:solidFill>
                   <a:srgbClr val="FBEEDC"/>
                 </a:solidFill>
@@ -5696,7 +5706,7 @@
               <a:t>y &gt;=</a:t>
             </a:r>
             <a:r>
-              <a:rPr lang="bg-BG" sz="2000" b="1" noProof="1" smtClean="0">
+              <a:rPr lang="bg-BG" b="1" noProof="1" smtClean="0">
                 <a:solidFill>
                   <a:srgbClr val="FBEEDC"/>
                 </a:solidFill>
@@ -5713,7 +5723,7 @@
               <a:t> </a:t>
             </a:r>
             <a:r>
-              <a:rPr lang="en-US" sz="2000" b="1" noProof="1" smtClean="0">
+              <a:rPr lang="en-US" b="1" noProof="1" smtClean="0">
                 <a:solidFill>
                   <a:srgbClr val="FBEEDC"/>
                 </a:solidFill>
@@ -5730,7 +5740,7 @@
               <a:t>y1 </a:t>
             </a:r>
             <a:r>
-              <a:rPr lang="en-US" sz="2000" b="1" noProof="1" smtClean="0">
+              <a:rPr lang="en-US" b="1" noProof="1" smtClean="0">
                 <a:solidFill>
                   <a:schemeClr val="tx2">
                     <a:lumMod val="75000"/>
@@ -5749,7 +5759,7 @@
               <a:t>and</a:t>
             </a:r>
             <a:r>
-              <a:rPr lang="en-US" sz="2000" b="1" noProof="1" smtClean="0">
+              <a:rPr lang="en-US" b="1" noProof="1" smtClean="0">
                 <a:solidFill>
                   <a:srgbClr val="FBEEDC"/>
                 </a:solidFill>
@@ -5777,7 +5787,7 @@
               <a:buSzPct val="70000"/>
             </a:pPr>
             <a:r>
-              <a:rPr lang="en-US" sz="2000" b="1" noProof="1">
+              <a:rPr lang="en-US" b="1" noProof="1">
                 <a:solidFill>
                   <a:srgbClr val="FBEEDC"/>
                 </a:solidFill>
@@ -5794,7 +5804,7 @@
               <a:t> </a:t>
             </a:r>
             <a:r>
-              <a:rPr lang="en-US" sz="2000" b="1" noProof="1" smtClean="0">
+              <a:rPr lang="en-US" b="1" noProof="1" smtClean="0">
                 <a:solidFill>
                   <a:srgbClr val="FBEEDC"/>
                 </a:solidFill>
@@ -5810,7 +5820,7 @@
               </a:rPr>
               <a:t>  print("Inside")</a:t>
             </a:r>
-            <a:endParaRPr lang="en-US" sz="2000" b="1" noProof="1">
+            <a:endParaRPr lang="en-US" b="1" noProof="1">
               <a:solidFill>
                 <a:srgbClr val="FBEEDC"/>
               </a:solidFill>
@@ -5836,7 +5846,7 @@
               <a:buSzPct val="70000"/>
             </a:pPr>
             <a:r>
-              <a:rPr lang="en-US" sz="2000" b="1" noProof="1" smtClean="0">
+              <a:rPr lang="en-US" b="1" noProof="1" smtClean="0">
                 <a:solidFill>
                   <a:srgbClr val="FBEEDC"/>
                 </a:solidFill>
@@ -5864,7 +5874,7 @@
               <a:buSzPct val="70000"/>
             </a:pPr>
             <a:r>
-              <a:rPr lang="en-US" sz="2000" b="1" noProof="1" smtClean="0">
+              <a:rPr lang="en-US" b="1" noProof="1" smtClean="0">
                 <a:solidFill>
                   <a:srgbClr val="FBEEDC"/>
                 </a:solidFill>
@@ -7375,7 +7385,41 @@
                 <a:latin typeface="Consolas" pitchFamily="49" charset="0"/>
                 <a:cs typeface="Consolas" pitchFamily="49" charset="0"/>
               </a:rPr>
-              <a:t>if s </a:t>
+              <a:t>if </a:t>
+            </a:r>
+            <a:r>
+              <a:rPr lang="en-US" sz="2800" b="1" noProof="1">
+                <a:solidFill>
+                  <a:srgbClr val="FBEEDC"/>
+                </a:solidFill>
+                <a:effectLst>
+                  <a:outerShdw blurRad="38100" dist="38100" dir="2700000" algn="tl">
+                    <a:srgbClr val="000000">
+                      <a:alpha val="43137"/>
+                    </a:srgbClr>
+                  </a:outerShdw>
+                </a:effectLst>
+                <a:latin typeface="Consolas" pitchFamily="49" charset="0"/>
+                <a:cs typeface="Consolas" pitchFamily="49" charset="0"/>
+              </a:rPr>
+              <a:t>(</a:t>
+            </a:r>
+            <a:r>
+              <a:rPr lang="en-US" sz="2800" b="1" noProof="1" smtClean="0">
+                <a:solidFill>
+                  <a:srgbClr val="FBEEDC"/>
+                </a:solidFill>
+                <a:effectLst>
+                  <a:outerShdw blurRad="38100" dist="38100" dir="2700000" algn="tl">
+                    <a:srgbClr val="000000">
+                      <a:alpha val="43137"/>
+                    </a:srgbClr>
+                  </a:outerShdw>
+                </a:effectLst>
+                <a:latin typeface="Consolas" pitchFamily="49" charset="0"/>
+                <a:cs typeface="Consolas" pitchFamily="49" charset="0"/>
+              </a:rPr>
+              <a:t>s </a:t>
             </a:r>
             <a:r>
               <a:rPr lang="en-US" sz="2800" b="1" noProof="1">
@@ -7517,7 +7561,7 @@
                 <a:latin typeface="Consolas" pitchFamily="49" charset="0"/>
                 <a:cs typeface="Consolas" pitchFamily="49" charset="0"/>
               </a:rPr>
-              <a:t>or</a:t>
+              <a:t>or </a:t>
             </a:r>
           </a:p>
           <a:p>
@@ -7569,7 +7613,7 @@
                 <a:latin typeface="Consolas" pitchFamily="49" charset="0"/>
                 <a:cs typeface="Consolas" pitchFamily="49" charset="0"/>
               </a:rPr>
-              <a:t>   </a:t>
+              <a:t>  </a:t>
             </a:r>
             <a:r>
               <a:rPr lang="en-US" sz="2800" b="1" noProof="1" smtClean="0">
@@ -7743,7 +7787,7 @@
                 <a:latin typeface="Consolas" pitchFamily="49" charset="0"/>
                 <a:cs typeface="Consolas" pitchFamily="49" charset="0"/>
               </a:rPr>
-              <a:t>grapes":</a:t>
+              <a:t>grapes"):</a:t>
             </a:r>
             <a:endParaRPr lang="en-US" sz="2800" b="1" noProof="1">
               <a:solidFill>
@@ -7867,7 +7911,24 @@
                 <a:latin typeface="Consolas" pitchFamily="49" charset="0"/>
                 <a:cs typeface="Consolas" pitchFamily="49" charset="0"/>
               </a:rPr>
-              <a:t>elif s </a:t>
+              <a:t>elif </a:t>
+            </a:r>
+            <a:r>
+              <a:rPr lang="en-US" sz="2800" b="1" noProof="1" smtClean="0">
+                <a:solidFill>
+                  <a:srgbClr val="FBEEDC"/>
+                </a:solidFill>
+                <a:effectLst>
+                  <a:outerShdw blurRad="38100" dist="38100" dir="2700000" algn="tl">
+                    <a:srgbClr val="000000">
+                      <a:alpha val="43137"/>
+                    </a:srgbClr>
+                  </a:outerShdw>
+                </a:effectLst>
+                <a:latin typeface="Consolas" pitchFamily="49" charset="0"/>
+                <a:cs typeface="Consolas" pitchFamily="49" charset="0"/>
+              </a:rPr>
+              <a:t>(s </a:t>
             </a:r>
             <a:r>
               <a:rPr lang="en-US" sz="2800" b="1" noProof="1">
@@ -8114,8 +8175,39 @@
                 <a:latin typeface="Consolas" pitchFamily="49" charset="0"/>
                 <a:cs typeface="Consolas" pitchFamily="49" charset="0"/>
               </a:rPr>
-              <a:t>"carrot":</a:t>
-            </a:r>
+              <a:t>"</a:t>
+            </a:r>
+            <a:r>
+              <a:rPr lang="en-US" sz="2800" b="1" noProof="1" smtClean="0">
+                <a:solidFill>
+                  <a:srgbClr val="FBEEDC"/>
+                </a:solidFill>
+                <a:effectLst>
+                  <a:outerShdw blurRad="38100" dist="38100" dir="2700000" algn="tl">
+                    <a:srgbClr val="000000">
+                      <a:alpha val="43137"/>
+                    </a:srgbClr>
+                  </a:outerShdw>
+                </a:effectLst>
+                <a:latin typeface="Consolas" pitchFamily="49" charset="0"/>
+                <a:cs typeface="Consolas" pitchFamily="49" charset="0"/>
+              </a:rPr>
+              <a:t>carrot"):</a:t>
+            </a:r>
+            <a:endParaRPr lang="en-US" sz="2800" b="1" noProof="1" smtClean="0">
+              <a:solidFill>
+                <a:srgbClr val="FBEEDC"/>
+              </a:solidFill>
+              <a:effectLst>
+                <a:outerShdw blurRad="38100" dist="38100" dir="2700000" algn="tl">
+                  <a:srgbClr val="000000">
+                    <a:alpha val="43137"/>
+                  </a:srgbClr>
+                </a:outerShdw>
+              </a:effectLst>
+              <a:latin typeface="Consolas" pitchFamily="49" charset="0"/>
+              <a:cs typeface="Consolas" pitchFamily="49" charset="0"/>
+            </a:endParaRPr>
           </a:p>
           <a:p>
             <a:pPr eaLnBrk="0" hangingPunct="0">
@@ -8616,7 +8708,7 @@
         <p:spPr bwMode="auto">
           <a:xfrm>
             <a:off x="649308" y="2535300"/>
-            <a:ext cx="10882198" cy="1902059"/>
+            <a:ext cx="10882198" cy="2806922"/>
           </a:xfrm>
           <a:prstGeom prst="rect">
             <a:avLst/>
@@ -8670,7 +8762,86 @@
                 <a:latin typeface="Consolas" pitchFamily="49" charset="0"/>
                 <a:cs typeface="Consolas" pitchFamily="49" charset="0"/>
               </a:rPr>
-              <a:t>if girl1 </a:t>
+              <a:t>girl1 = input()</a:t>
+            </a:r>
+          </a:p>
+          <a:p>
+            <a:pPr eaLnBrk="0" hangingPunct="0">
+              <a:lnSpc>
+                <a:spcPct val="105000"/>
+              </a:lnSpc>
+              <a:buClr>
+                <a:schemeClr val="accent5">
+                  <a:lumMod val="40000"/>
+                  <a:lumOff val="60000"/>
+                </a:schemeClr>
+              </a:buClr>
+              <a:buSzPct val="70000"/>
+            </a:pPr>
+            <a:r>
+              <a:rPr lang="en-US" sz="2800" b="1" noProof="1" smtClean="0">
+                <a:solidFill>
+                  <a:srgbClr val="FBEEDC"/>
+                </a:solidFill>
+                <a:effectLst>
+                  <a:outerShdw blurRad="38100" dist="38100" dir="2700000" algn="tl">
+                    <a:srgbClr val="000000">
+                      <a:alpha val="43137"/>
+                    </a:srgbClr>
+                  </a:outerShdw>
+                </a:effectLst>
+                <a:latin typeface="Consolas" pitchFamily="49" charset="0"/>
+                <a:cs typeface="Consolas" pitchFamily="49" charset="0"/>
+              </a:rPr>
+              <a:t>girl2 = input()</a:t>
+            </a:r>
+          </a:p>
+          <a:p>
+            <a:pPr eaLnBrk="0" hangingPunct="0">
+              <a:lnSpc>
+                <a:spcPct val="105000"/>
+              </a:lnSpc>
+              <a:buClr>
+                <a:schemeClr val="accent5">
+                  <a:lumMod val="40000"/>
+                  <a:lumOff val="60000"/>
+                </a:schemeClr>
+              </a:buClr>
+              <a:buSzPct val="70000"/>
+            </a:pPr>
+            <a:r>
+              <a:rPr lang="en-US" sz="2800" b="1" noProof="1" smtClean="0">
+                <a:solidFill>
+                  <a:srgbClr val="FBEEDC"/>
+                </a:solidFill>
+                <a:effectLst>
+                  <a:outerShdw blurRad="38100" dist="38100" dir="2700000" algn="tl">
+                    <a:srgbClr val="000000">
+                      <a:alpha val="43137"/>
+                    </a:srgbClr>
+                  </a:outerShdw>
+                </a:effectLst>
+                <a:latin typeface="Consolas" pitchFamily="49" charset="0"/>
+                <a:cs typeface="Consolas" pitchFamily="49" charset="0"/>
+              </a:rPr>
+              <a:t>if </a:t>
+            </a:r>
+            <a:r>
+              <a:rPr lang="en-US" sz="2800" b="1" noProof="1" smtClean="0">
+                <a:solidFill>
+                  <a:srgbClr val="FBEEDC"/>
+                </a:solidFill>
+                <a:effectLst>
+                  <a:outerShdw blurRad="38100" dist="38100" dir="2700000" algn="tl">
+                    <a:srgbClr val="000000">
+                      <a:alpha val="43137"/>
+                    </a:srgbClr>
+                  </a:outerShdw>
+                </a:effectLst>
+                <a:latin typeface="Consolas" pitchFamily="49" charset="0"/>
+                <a:cs typeface="Consolas" pitchFamily="49" charset="0"/>
+              </a:rPr>
+              <a:t>girl1 </a:t>
             </a:r>
             <a:r>
               <a:rPr lang="en-US" sz="2800" b="1" noProof="1">
@@ -12205,19 +12376,38 @@
             <a:r>
               <a:rPr lang="en-US" sz="2600" b="1" noProof="1" smtClean="0">
                 <a:solidFill>
-                  <a:srgbClr val="FBEEDC"/>
-                </a:solidFill>
-                <a:effectLst>
-                  <a:outerShdw blurRad="38100" dist="38100" dir="2700000" algn="tl">
-                    <a:srgbClr val="000000">
-                      <a:alpha val="43137"/>
-                    </a:srgbClr>
-                  </a:outerShdw>
-                </a:effectLst>
-                <a:latin typeface="Consolas" pitchFamily="49" charset="0"/>
-                <a:cs typeface="Consolas" pitchFamily="49" charset="0"/>
-              </a:rPr>
-              <a:t>or </a:t>
+                  <a:schemeClr val="tx2">
+                    <a:lumMod val="75000"/>
+                  </a:schemeClr>
+                </a:solidFill>
+                <a:effectLst>
+                  <a:outerShdw blurRad="38100" dist="38100" dir="2700000" algn="tl">
+                    <a:srgbClr val="000000">
+                      <a:alpha val="43137"/>
+                    </a:srgbClr>
+                  </a:outerShdw>
+                </a:effectLst>
+                <a:latin typeface="Consolas" pitchFamily="49" charset="0"/>
+                <a:cs typeface="Consolas" pitchFamily="49" charset="0"/>
+              </a:rPr>
+              <a:t>or</a:t>
+            </a:r>
+            <a:r>
+              <a:rPr lang="en-US" sz="2600" b="1" noProof="1" smtClean="0">
+                <a:solidFill>
+                  <a:srgbClr val="FBEEDC"/>
+                </a:solidFill>
+                <a:effectLst>
+                  <a:outerShdw blurRad="38100" dist="38100" dir="2700000" algn="tl">
+                    <a:srgbClr val="000000">
+                      <a:alpha val="43137"/>
+                    </a:srgbClr>
+                  </a:outerShdw>
+                </a:effectLst>
+                <a:latin typeface="Consolas" pitchFamily="49" charset="0"/>
+                <a:cs typeface="Consolas" pitchFamily="49" charset="0"/>
+              </a:rPr>
+              <a:t> </a:t>
             </a:r>
             <a:r>
               <a:rPr lang="en-US" sz="2600" b="1" noProof="1">
@@ -12239,19 +12429,38 @@
             <a:r>
               <a:rPr lang="en-US" sz="2600" b="1" noProof="1" smtClean="0">
                 <a:solidFill>
-                  <a:srgbClr val="FBEEDC"/>
-                </a:solidFill>
-                <a:effectLst>
-                  <a:outerShdw blurRad="38100" dist="38100" dir="2700000" algn="tl">
-                    <a:srgbClr val="000000">
-                      <a:alpha val="43137"/>
-                    </a:srgbClr>
-                  </a:outerShdw>
-                </a:effectLst>
-                <a:latin typeface="Consolas" pitchFamily="49" charset="0"/>
-                <a:cs typeface="Consolas" pitchFamily="49" charset="0"/>
-              </a:rPr>
-              <a:t>or </a:t>
+                  <a:schemeClr val="tx2">
+                    <a:lumMod val="75000"/>
+                  </a:schemeClr>
+                </a:solidFill>
+                <a:effectLst>
+                  <a:outerShdw blurRad="38100" dist="38100" dir="2700000" algn="tl">
+                    <a:srgbClr val="000000">
+                      <a:alpha val="43137"/>
+                    </a:srgbClr>
+                  </a:outerShdw>
+                </a:effectLst>
+                <a:latin typeface="Consolas" pitchFamily="49" charset="0"/>
+                <a:cs typeface="Consolas" pitchFamily="49" charset="0"/>
+              </a:rPr>
+              <a:t>or</a:t>
+            </a:r>
+            <a:r>
+              <a:rPr lang="en-US" sz="2600" b="1" noProof="1" smtClean="0">
+                <a:solidFill>
+                  <a:srgbClr val="FBEEDC"/>
+                </a:solidFill>
+                <a:effectLst>
+                  <a:outerShdw blurRad="38100" dist="38100" dir="2700000" algn="tl">
+                    <a:srgbClr val="000000">
+                      <a:alpha val="43137"/>
+                    </a:srgbClr>
+                  </a:outerShdw>
+                </a:effectLst>
+                <a:latin typeface="Consolas" pitchFamily="49" charset="0"/>
+                <a:cs typeface="Consolas" pitchFamily="49" charset="0"/>
+              </a:rPr>
+              <a:t> </a:t>
             </a:r>
             <a:r>
               <a:rPr lang="bg-BG" sz="2600" b="1" noProof="1" smtClean="0">
@@ -12318,7 +12527,43 @@
                 <a:latin typeface="Consolas" pitchFamily="49" charset="0"/>
                 <a:cs typeface="Consolas" pitchFamily="49" charset="0"/>
               </a:rPr>
-              <a:t>onUpSide or </a:t>
+              <a:t>onUpSide </a:t>
+            </a:r>
+            <a:r>
+              <a:rPr lang="en-US" sz="2600" b="1" noProof="1" smtClean="0">
+                <a:solidFill>
+                  <a:schemeClr val="tx2">
+                    <a:lumMod val="75000"/>
+                  </a:schemeClr>
+                </a:solidFill>
+                <a:effectLst>
+                  <a:outerShdw blurRad="38100" dist="38100" dir="2700000" algn="tl">
+                    <a:srgbClr val="000000">
+                      <a:alpha val="43137"/>
+                    </a:srgbClr>
+                  </a:outerShdw>
+                </a:effectLst>
+                <a:latin typeface="Consolas" pitchFamily="49" charset="0"/>
+                <a:cs typeface="Consolas" pitchFamily="49" charset="0"/>
+              </a:rPr>
+              <a:t>or</a:t>
+            </a:r>
+            <a:r>
+              <a:rPr lang="en-US" sz="2600" b="1" noProof="1" smtClean="0">
+                <a:solidFill>
+                  <a:srgbClr val="FBEEDC"/>
+                </a:solidFill>
+                <a:effectLst>
+                  <a:outerShdw blurRad="38100" dist="38100" dir="2700000" algn="tl">
+                    <a:srgbClr val="000000">
+                      <a:alpha val="43137"/>
+                    </a:srgbClr>
+                  </a:outerShdw>
+                </a:effectLst>
+                <a:latin typeface="Consolas" pitchFamily="49" charset="0"/>
+                <a:cs typeface="Consolas" pitchFamily="49" charset="0"/>
+              </a:rPr>
+              <a:t> </a:t>
             </a:r>
             <a:r>
               <a:rPr lang="en-US" sz="2600" b="1" noProof="1">
@@ -12352,7 +12597,7 @@
                 <a:latin typeface="Consolas" pitchFamily="49" charset="0"/>
                 <a:cs typeface="Consolas" pitchFamily="49" charset="0"/>
               </a:rPr>
-              <a:t>)</a:t>
+              <a:t>):</a:t>
             </a:r>
             <a:endParaRPr lang="en-US" sz="2600" b="1" noProof="1">
               <a:solidFill>
@@ -12699,30 +12944,62 @@
             </a:r>
             <a:r>
               <a:rPr lang="bg-BG" dirty="0" smtClean="0"/>
-              <a:t>", логическо </a:t>
-            </a:r>
-            <a:r>
-              <a:rPr lang="bg-BG" b="1" dirty="0" smtClean="0">
+              <a:t>", </a:t>
+            </a:r>
+            <a:r>
+              <a:rPr lang="bg-BG" dirty="0" smtClean="0"/>
+              <a:t>логическо "</a:t>
+            </a:r>
+            <a:r>
+              <a:rPr lang="bg-BG" dirty="0" smtClean="0">
                 <a:solidFill>
                   <a:schemeClr val="tx2">
                     <a:lumMod val="75000"/>
                   </a:schemeClr>
                 </a:solidFill>
               </a:rPr>
-              <a:t>отрицание</a:t>
+              <a:t>изключващо</a:t>
             </a:r>
             <a:r>
               <a:rPr lang="bg-BG" dirty="0" smtClean="0"/>
-              <a:t> и </a:t>
-            </a:r>
-            <a:r>
-              <a:rPr lang="bg-BG" b="1" dirty="0">
+              <a:t> </a:t>
+            </a:r>
+            <a:r>
+              <a:rPr lang="bg-BG" b="1" dirty="0" smtClean="0">
                 <a:solidFill>
                   <a:schemeClr val="tx2">
                     <a:lumMod val="75000"/>
                   </a:schemeClr>
                 </a:solidFill>
               </a:rPr>
+              <a:t>или</a:t>
+            </a:r>
+            <a:r>
+              <a:rPr lang="bg-BG" dirty="0" smtClean="0"/>
+              <a:t>", логическо </a:t>
+            </a:r>
+            <a:r>
+              <a:rPr lang="bg-BG" b="1" dirty="0" smtClean="0">
+                <a:solidFill>
+                  <a:schemeClr val="tx2">
+                    <a:lumMod val="75000"/>
+                  </a:schemeClr>
+                </a:solidFill>
+              </a:rPr>
+              <a:t>отрицание</a:t>
+            </a:r>
+            <a:r>
+              <a:rPr lang="bg-BG" dirty="0" smtClean="0"/>
+              <a:t> и </a:t>
+            </a:r>
+            <a:r>
+              <a:rPr lang="bg-BG" b="1" dirty="0">
+                <a:solidFill>
+                  <a:schemeClr val="tx2">
+                    <a:lumMod val="75000"/>
+                  </a:schemeClr>
+                </a:solidFill>
+              </a:rPr>
               <a:t>скоби</a:t>
             </a:r>
           </a:p>
@@ -12730,27 +13007,13 @@
             <a:pPr marL="723900" lvl="1" indent="-420688"/>
             <a:r>
               <a:rPr lang="bg-BG" dirty="0" smtClean="0"/>
-              <a:t>Задачи със сложни проверки</a:t>
-            </a:r>
-          </a:p>
-          <a:p>
-            <a:pPr marL="514350" indent="-514350">
-              <a:buFont typeface="+mj-lt"/>
-              <a:buAutoNum type="arabicPeriod"/>
-            </a:pPr>
+              <a:t>Задачи със сложни </a:t>
+            </a:r>
             <a:r>
               <a:rPr lang="bg-BG" dirty="0" smtClean="0"/>
-              <a:t>Точка и правоъгълник – графично (</a:t>
-            </a:r>
-            <a:r>
-              <a:rPr lang="en-US" dirty="0" smtClean="0"/>
-              <a:t>GUI) </a:t>
-            </a:r>
-            <a:r>
-              <a:rPr lang="bg-BG" dirty="0" smtClean="0"/>
-              <a:t>приложение</a:t>
-            </a:r>
-            <a:endParaRPr lang="en-US" dirty="0"/>
+              <a:t>проверки</a:t>
+            </a:r>
+            <a:endParaRPr lang="bg-BG" dirty="0" smtClean="0"/>
           </a:p>
         </p:txBody>
       </p:sp>
@@ -16111,7 +16374,24 @@
                 <a:latin typeface="Consolas" pitchFamily="49" charset="0"/>
                 <a:cs typeface="Consolas" pitchFamily="49" charset="0"/>
               </a:rPr>
-              <a:t>elif day </a:t>
+              <a:t>elif </a:t>
+            </a:r>
+            <a:r>
+              <a:rPr lang="en-US" sz="2600" b="1" noProof="1" smtClean="0">
+                <a:solidFill>
+                  <a:srgbClr val="FBEEDC"/>
+                </a:solidFill>
+                <a:effectLst>
+                  <a:outerShdw blurRad="38100" dist="38100" dir="2700000" algn="tl">
+                    <a:srgbClr val="000000">
+                      <a:alpha val="43137"/>
+                    </a:srgbClr>
+                  </a:outerShdw>
+                </a:effectLst>
+                <a:latin typeface="Consolas" pitchFamily="49" charset="0"/>
+                <a:cs typeface="Consolas" pitchFamily="49" charset="0"/>
+              </a:rPr>
+              <a:t>(day </a:t>
             </a:r>
             <a:r>
               <a:rPr lang="en-US" sz="2600" b="1" noProof="1">
@@ -16326,8 +16606,22 @@
                 <a:latin typeface="Consolas" pitchFamily="49" charset="0"/>
                 <a:cs typeface="Consolas" pitchFamily="49" charset="0"/>
               </a:rPr>
-              <a:t>friday":</a:t>
-            </a:r>
+              <a:t>friday"):</a:t>
+            </a:r>
+            <a:endParaRPr lang="en-US" sz="2600" b="1" noProof="1" smtClean="0">
+              <a:solidFill>
+                <a:srgbClr val="FBEEDC"/>
+              </a:solidFill>
+              <a:effectLst>
+                <a:outerShdw blurRad="38100" dist="38100" dir="2700000" algn="tl">
+                  <a:srgbClr val="000000">
+                    <a:alpha val="43137"/>
+                  </a:srgbClr>
+                </a:outerShdw>
+              </a:effectLst>
+              <a:latin typeface="Consolas" pitchFamily="49" charset="0"/>
+              <a:cs typeface="Consolas" pitchFamily="49" charset="0"/>
+            </a:endParaRPr>
           </a:p>
           <a:p>
             <a:pPr eaLnBrk="0" hangingPunct="0">
@@ -18503,24 +18797,7 @@
                 <a:latin typeface="Consolas" pitchFamily="49" charset="0"/>
                 <a:cs typeface="Consolas" pitchFamily="49" charset="0"/>
               </a:rPr>
-              <a:t>  if </a:t>
-            </a:r>
-            <a:r>
-              <a:rPr lang="en-US" sz="2100" b="1" noProof="1" smtClean="0">
-                <a:solidFill>
-                  <a:srgbClr val="FBEEDC"/>
-                </a:solidFill>
-                <a:effectLst>
-                  <a:outerShdw blurRad="38100" dist="38100" dir="2700000" algn="tl">
-                    <a:srgbClr val="000000">
-                      <a:alpha val="43137"/>
-                    </a:srgbClr>
-                  </a:outerShdw>
-                </a:effectLst>
-                <a:latin typeface="Consolas" pitchFamily="49" charset="0"/>
-                <a:cs typeface="Consolas" pitchFamily="49" charset="0"/>
-              </a:rPr>
-              <a:t>0 </a:t>
+              <a:t>  if 0 </a:t>
             </a:r>
             <a:r>
               <a:rPr lang="en-US" sz="2100" b="1" noProof="1">
@@ -18633,41 +18910,7 @@
                 <a:latin typeface="Consolas" pitchFamily="49" charset="0"/>
                 <a:cs typeface="Consolas" pitchFamily="49" charset="0"/>
               </a:rPr>
-              <a:t>   </a:t>
-            </a:r>
-            <a:r>
-              <a:rPr lang="en-US" sz="2100" b="1" noProof="1" smtClean="0">
-                <a:solidFill>
-                  <a:srgbClr val="FBEEDC"/>
-                </a:solidFill>
-                <a:effectLst>
-                  <a:outerShdw blurRad="38100" dist="38100" dir="2700000" algn="tl">
-                    <a:srgbClr val="000000">
-                      <a:alpha val="43137"/>
-                    </a:srgbClr>
-                  </a:outerShdw>
-                </a:effectLst>
-                <a:latin typeface="Consolas" pitchFamily="49" charset="0"/>
-                <a:cs typeface="Consolas" pitchFamily="49" charset="0"/>
-              </a:rPr>
-              <a:t> </a:t>
-            </a:r>
-            <a:r>
-              <a:rPr lang="en-US" sz="2100" b="1" noProof="1" smtClean="0">
-                <a:solidFill>
-                  <a:srgbClr val="FBEEDC"/>
-                </a:solidFill>
-                <a:effectLst>
-                  <a:outerShdw blurRad="38100" dist="38100" dir="2700000" algn="tl">
-                    <a:srgbClr val="000000">
-                      <a:alpha val="43137"/>
-                    </a:srgbClr>
-                  </a:outerShdw>
-                </a:effectLst>
-                <a:latin typeface="Consolas" pitchFamily="49" charset="0"/>
-                <a:cs typeface="Consolas" pitchFamily="49" charset="0"/>
-              </a:rPr>
-              <a:t>comission </a:t>
+              <a:t>    comission </a:t>
             </a:r>
             <a:r>
               <a:rPr lang="en-US" sz="2100" b="1" noProof="1">
@@ -18873,24 +19116,7 @@
                 <a:latin typeface="Consolas" pitchFamily="49" charset="0"/>
                 <a:cs typeface="Consolas" pitchFamily="49" charset="0"/>
               </a:rPr>
-              <a:t>   </a:t>
-            </a:r>
-            <a:r>
-              <a:rPr lang="en-US" sz="2100" b="1" noProof="1" smtClean="0">
-                <a:solidFill>
-                  <a:srgbClr val="FBEEDC"/>
-                </a:solidFill>
-                <a:effectLst>
-                  <a:outerShdw blurRad="38100" dist="38100" dir="2700000" algn="tl">
-                    <a:srgbClr val="000000">
-                      <a:alpha val="43137"/>
-                    </a:srgbClr>
-                  </a:outerShdw>
-                </a:effectLst>
-                <a:latin typeface="Consolas" pitchFamily="49" charset="0"/>
-                <a:cs typeface="Consolas" pitchFamily="49" charset="0"/>
-              </a:rPr>
-              <a:t> </a:t>
+              <a:t>    </a:t>
             </a:r>
             <a:r>
               <a:rPr lang="en-US" sz="2100" b="1" noProof="1">
@@ -19121,24 +19347,7 @@
                 <a:latin typeface="Consolas" pitchFamily="49" charset="0"/>
                 <a:cs typeface="Consolas" pitchFamily="49" charset="0"/>
               </a:rPr>
-              <a:t> </a:t>
-            </a:r>
-            <a:r>
-              <a:rPr lang="en-US" sz="2100" b="1" noProof="1" smtClean="0">
-                <a:solidFill>
-                  <a:srgbClr val="FBEEDC"/>
-                </a:solidFill>
-                <a:effectLst>
-                  <a:outerShdw blurRad="38100" dist="38100" dir="2700000" algn="tl">
-                    <a:srgbClr val="000000">
-                      <a:alpha val="43137"/>
-                    </a:srgbClr>
-                  </a:outerShdw>
-                </a:effectLst>
-                <a:latin typeface="Consolas" pitchFamily="49" charset="0"/>
-                <a:cs typeface="Consolas" pitchFamily="49" charset="0"/>
-              </a:rPr>
-              <a:t># </a:t>
+              <a:t> # </a:t>
             </a:r>
             <a:r>
               <a:rPr lang="en-US" sz="2100" b="1" noProof="1">
@@ -19293,24 +19502,7 @@
                 <a:latin typeface="Consolas" pitchFamily="49" charset="0"/>
                 <a:cs typeface="Consolas" pitchFamily="49" charset="0"/>
               </a:rPr>
-              <a:t> </a:t>
-            </a:r>
-            <a:r>
-              <a:rPr lang="en-US" sz="2100" b="1" noProof="1" smtClean="0">
-                <a:solidFill>
-                  <a:srgbClr val="FBEEDC"/>
-                </a:solidFill>
-                <a:effectLst>
-                  <a:outerShdw blurRad="38100" dist="38100" dir="2700000" algn="tl">
-                    <a:srgbClr val="000000">
-                      <a:alpha val="43137"/>
-                    </a:srgbClr>
-                  </a:outerShdw>
-                </a:effectLst>
-                <a:latin typeface="Consolas" pitchFamily="49" charset="0"/>
-                <a:cs typeface="Consolas" pitchFamily="49" charset="0"/>
-              </a:rPr>
-              <a:t># </a:t>
+              <a:t> # </a:t>
             </a:r>
             <a:r>
               <a:rPr lang="en-US" sz="2100" b="1" noProof="1">
@@ -19389,7 +19581,24 @@
                 <a:latin typeface="Consolas" pitchFamily="49" charset="0"/>
                 <a:cs typeface="Consolas" pitchFamily="49" charset="0"/>
               </a:rPr>
-              <a:t>if </a:t>
+              <a:t>if (omission </a:t>
+            </a:r>
+            <a:r>
+              <a:rPr lang="en-US" sz="2100" b="1" noProof="1">
+                <a:solidFill>
+                  <a:srgbClr val="FBEEDC"/>
+                </a:solidFill>
+                <a:effectLst>
+                  <a:outerShdw blurRad="38100" dist="38100" dir="2700000" algn="tl">
+                    <a:srgbClr val="000000">
+                      <a:alpha val="43137"/>
+                    </a:srgbClr>
+                  </a:outerShdw>
+                </a:effectLst>
+                <a:latin typeface="Consolas" pitchFamily="49" charset="0"/>
+                <a:cs typeface="Consolas" pitchFamily="49" charset="0"/>
+              </a:rPr>
+              <a:t>&gt;= </a:t>
             </a:r>
             <a:r>
               <a:rPr lang="en-US" sz="2100" b="1" noProof="1" smtClean="0">
@@ -19406,56 +19615,8 @@
                 <a:latin typeface="Consolas" pitchFamily="49" charset="0"/>
                 <a:cs typeface="Consolas" pitchFamily="49" charset="0"/>
               </a:rPr>
-              <a:t>(omission </a:t>
-            </a:r>
-            <a:r>
-              <a:rPr lang="en-US" sz="2100" b="1" noProof="1">
-                <a:solidFill>
-                  <a:srgbClr val="FBEEDC"/>
-                </a:solidFill>
-                <a:effectLst>
-                  <a:outerShdw blurRad="38100" dist="38100" dir="2700000" algn="tl">
-                    <a:srgbClr val="000000">
-                      <a:alpha val="43137"/>
-                    </a:srgbClr>
-                  </a:outerShdw>
-                </a:effectLst>
-                <a:latin typeface="Consolas" pitchFamily="49" charset="0"/>
-                <a:cs typeface="Consolas" pitchFamily="49" charset="0"/>
-              </a:rPr>
-              <a:t>&gt;= </a:t>
-            </a:r>
-            <a:r>
-              <a:rPr lang="en-US" sz="2100" b="1" noProof="1" smtClean="0">
-                <a:solidFill>
-                  <a:srgbClr val="FBEEDC"/>
-                </a:solidFill>
-                <a:effectLst>
-                  <a:outerShdw blurRad="38100" dist="38100" dir="2700000" algn="tl">
-                    <a:srgbClr val="000000">
-                      <a:alpha val="43137"/>
-                    </a:srgbClr>
-                  </a:outerShdw>
-                </a:effectLst>
-                <a:latin typeface="Consolas" pitchFamily="49" charset="0"/>
-                <a:cs typeface="Consolas" pitchFamily="49" charset="0"/>
-              </a:rPr>
               <a:t>0:</a:t>
             </a:r>
-            <a:endParaRPr lang="en-US" sz="2100" b="1" noProof="1" smtClean="0">
-              <a:solidFill>
-                <a:srgbClr val="FBEEDC"/>
-              </a:solidFill>
-              <a:effectLst>
-                <a:outerShdw blurRad="38100" dist="38100" dir="2700000" algn="tl">
-                  <a:srgbClr val="000000">
-                    <a:alpha val="43137"/>
-                  </a:srgbClr>
-                </a:outerShdw>
-              </a:effectLst>
-              <a:latin typeface="Consolas" pitchFamily="49" charset="0"/>
-              <a:cs typeface="Consolas" pitchFamily="49" charset="0"/>
-            </a:endParaRPr>
           </a:p>
           <a:p>
             <a:pPr eaLnBrk="0" hangingPunct="0">
@@ -19482,73 +19643,8 @@
                 <a:latin typeface="Consolas" pitchFamily="49" charset="0"/>
                 <a:cs typeface="Consolas" pitchFamily="49" charset="0"/>
               </a:rPr>
-              <a:t>  </a:t>
-            </a:r>
-            <a:r>
-              <a:rPr lang="en-US" sz="2100" b="1" noProof="1" smtClean="0">
-                <a:solidFill>
-                  <a:srgbClr val="FBEEDC"/>
-                </a:solidFill>
-                <a:effectLst>
-                  <a:outerShdw blurRad="38100" dist="38100" dir="2700000" algn="tl">
-                    <a:srgbClr val="000000">
-                      <a:alpha val="43137"/>
-                    </a:srgbClr>
-                  </a:outerShdw>
-                </a:effectLst>
-                <a:latin typeface="Consolas" pitchFamily="49" charset="0"/>
-                <a:cs typeface="Consolas" pitchFamily="49" charset="0"/>
-              </a:rPr>
-              <a:t>print(round(sales </a:t>
-            </a:r>
-            <a:r>
-              <a:rPr lang="en-US" sz="2100" b="1" noProof="1" smtClean="0">
-                <a:solidFill>
-                  <a:srgbClr val="FBEEDC"/>
-                </a:solidFill>
-                <a:effectLst>
-                  <a:outerShdw blurRad="38100" dist="38100" dir="2700000" algn="tl">
-                    <a:srgbClr val="000000">
-                      <a:alpha val="43137"/>
-                    </a:srgbClr>
-                  </a:outerShdw>
-                </a:effectLst>
-                <a:latin typeface="Consolas" pitchFamily="49" charset="0"/>
-                <a:cs typeface="Consolas" pitchFamily="49" charset="0"/>
-              </a:rPr>
-              <a:t>* </a:t>
-            </a:r>
-            <a:r>
-              <a:rPr lang="en-US" sz="2100" b="1" noProof="1" smtClean="0">
-                <a:solidFill>
-                  <a:srgbClr val="FBEEDC"/>
-                </a:solidFill>
-                <a:effectLst>
-                  <a:outerShdw blurRad="38100" dist="38100" dir="2700000" algn="tl">
-                    <a:srgbClr val="000000">
-                      <a:alpha val="43137"/>
-                    </a:srgbClr>
-                  </a:outerShdw>
-                </a:effectLst>
-                <a:latin typeface="Consolas" pitchFamily="49" charset="0"/>
-                <a:cs typeface="Consolas" pitchFamily="49" charset="0"/>
-              </a:rPr>
-              <a:t>commission, 2))</a:t>
-            </a:r>
-            <a:endParaRPr lang="en-US" sz="2100" b="1" noProof="1" smtClean="0">
-              <a:solidFill>
-                <a:srgbClr val="FBEEDC"/>
-              </a:solidFill>
-              <a:effectLst>
-                <a:outerShdw blurRad="38100" dist="38100" dir="2700000" algn="tl">
-                  <a:srgbClr val="000000">
-                    <a:alpha val="43137"/>
-                  </a:srgbClr>
-                </a:outerShdw>
-              </a:effectLst>
-              <a:latin typeface="Consolas" pitchFamily="49" charset="0"/>
-              <a:cs typeface="Consolas" pitchFamily="49" charset="0"/>
-            </a:endParaRPr>
+              <a:t>  print(round(sales * commission, 2))</a:t>
+            </a:r>
           </a:p>
           <a:p>
             <a:pPr eaLnBrk="0" hangingPunct="0">
@@ -19620,24 +19716,7 @@
                 <a:latin typeface="Consolas" pitchFamily="49" charset="0"/>
                 <a:cs typeface="Consolas" pitchFamily="49" charset="0"/>
               </a:rPr>
-              <a:t> </a:t>
-            </a:r>
-            <a:r>
-              <a:rPr lang="en-US" sz="2100" b="1" noProof="1" smtClean="0">
-                <a:solidFill>
-                  <a:srgbClr val="FBEEDC"/>
-                </a:solidFill>
-                <a:effectLst>
-                  <a:outerShdw blurRad="38100" dist="38100" dir="2700000" algn="tl">
-                    <a:srgbClr val="000000">
-                      <a:alpha val="43137"/>
-                    </a:srgbClr>
-                  </a:outerShdw>
-                </a:effectLst>
-                <a:latin typeface="Consolas" pitchFamily="49" charset="0"/>
-                <a:cs typeface="Consolas" pitchFamily="49" charset="0"/>
-              </a:rPr>
-              <a:t>print("error")</a:t>
+              <a:t> print("error")</a:t>
             </a:r>
             <a:endParaRPr lang="en-US" sz="2100" b="1" noProof="1">
               <a:solidFill>
@@ -19984,4096 +20063,6 @@
       </p:grpSpPr>
       <p:sp>
         <p:nvSpPr>
-          <p:cNvPr id="2" name="Title 1"/>
-          <p:cNvSpPr>
-            <a:spLocks noGrp="1"/>
-          </p:cNvSpPr>
-          <p:nvPr>
-            <p:ph type="title"/>
-          </p:nvPr>
-        </p:nvSpPr>
-        <p:spPr>
-          <a:xfrm>
-            <a:off x="912813" y="4920139"/>
-            <a:ext cx="10363200" cy="820600"/>
-          </a:xfrm>
-        </p:spPr>
-        <p:txBody>
-          <a:bodyPr/>
-          <a:lstStyle/>
-          <a:p>
-            <a:r>
-              <a:rPr lang="bg-BG" dirty="0" smtClean="0"/>
-              <a:t>Точка и правоъгълник</a:t>
-            </a:r>
-            <a:endParaRPr lang="en-US" dirty="0"/>
-          </a:p>
-        </p:txBody>
-      </p:sp>
-      <p:sp>
-        <p:nvSpPr>
-          <p:cNvPr id="4" name="Text Placeholder 3"/>
-          <p:cNvSpPr>
-            <a:spLocks noGrp="1"/>
-          </p:cNvSpPr>
-          <p:nvPr>
-            <p:ph type="body" idx="1"/>
-          </p:nvPr>
-        </p:nvSpPr>
-        <p:spPr>
-          <a:xfrm>
-            <a:off x="912813" y="5757966"/>
-            <a:ext cx="10363200" cy="719034"/>
-          </a:xfrm>
-        </p:spPr>
-        <p:txBody>
-          <a:bodyPr/>
-          <a:lstStyle/>
-          <a:p>
-            <a:r>
-              <a:rPr lang="bg-BG" dirty="0" smtClean="0"/>
-              <a:t>Графично (</a:t>
-            </a:r>
-            <a:r>
-              <a:rPr lang="en-US" dirty="0"/>
-              <a:t>GUI) </a:t>
-            </a:r>
-            <a:r>
-              <a:rPr lang="bg-BG" dirty="0"/>
-              <a:t>приложение</a:t>
-            </a:r>
-            <a:endParaRPr lang="en-US" dirty="0"/>
-          </a:p>
-        </p:txBody>
-      </p:sp>
-      <p:pic>
-        <p:nvPicPr>
-          <p:cNvPr id="7" name="Picture 6"/>
-          <p:cNvPicPr>
-            <a:picLocks noChangeAspect="1"/>
-          </p:cNvPicPr>
-          <p:nvPr/>
-        </p:nvPicPr>
-        <p:blipFill>
-          <a:blip r:embed="rId2"/>
-          <a:stretch>
-            <a:fillRect/>
-          </a:stretch>
-        </p:blipFill>
-        <p:spPr>
-          <a:xfrm>
-            <a:off x="2717799" y="838200"/>
-            <a:ext cx="6753225" cy="3829050"/>
-          </a:xfrm>
-          <a:prstGeom prst="rect">
-            <a:avLst/>
-          </a:prstGeom>
-        </p:spPr>
-      </p:pic>
-    </p:spTree>
-    <p:extLst>
-      <p:ext uri="{BB962C8B-B14F-4D97-AF65-F5344CB8AC3E}">
-        <p14:creationId xmlns:p14="http://schemas.microsoft.com/office/powerpoint/2010/main" val="1355696247"/>
-      </p:ext>
-    </p:extLst>
-  </p:cSld>
-  <p:clrMapOvr>
-    <a:masterClrMapping/>
-  </p:clrMapOvr>
-  <mc:AlternateContent xmlns:mc="http://schemas.openxmlformats.org/markup-compatibility/2006" xmlns:p14="http://schemas.microsoft.com/office/powerpoint/2010/main">
-    <mc:Choice Requires="p14">
-      <p:transition p14:dur="0"/>
-    </mc:Choice>
-    <mc:Fallback xmlns="">
-      <p:transition/>
-    </mc:Fallback>
-  </mc:AlternateContent>
-  <p:timing>
-    <p:tnLst>
-      <p:par>
-        <p:cTn id="1" dur="indefinite" restart="never" nodeType="tmRoot"/>
-      </p:par>
-    </p:tnLst>
-  </p:timing>
-</p:sld>
-</file>
-
-<file path=ppt/slides/slide27.xml><?xml version="1.0" encoding="utf-8"?>
-<p:sld xmlns:a="http://schemas.openxmlformats.org/drawingml/2006/main" xmlns:r="http://schemas.openxmlformats.org/officeDocument/2006/relationships" xmlns:p="http://schemas.openxmlformats.org/presentationml/2006/main">
-  <p:cSld>
-    <p:spTree>
-      <p:nvGrpSpPr>
-        <p:cNvPr id="1" name=""/>
-        <p:cNvGrpSpPr/>
-        <p:nvPr/>
-      </p:nvGrpSpPr>
-      <p:grpSpPr>
-        <a:xfrm>
-          <a:off x="0" y="0"/>
-          <a:ext cx="0" cy="0"/>
-          <a:chOff x="0" y="0"/>
-          <a:chExt cx="0" cy="0"/>
-        </a:xfrm>
-      </p:grpSpPr>
-      <p:sp>
-        <p:nvSpPr>
-          <p:cNvPr id="2" name="Slide Number Placeholder 1"/>
-          <p:cNvSpPr>
-            <a:spLocks noGrp="1"/>
-          </p:cNvSpPr>
-          <p:nvPr>
-            <p:ph type="sldNum" sz="quarter" idx="4"/>
-          </p:nvPr>
-        </p:nvSpPr>
-        <p:spPr/>
-        <p:txBody>
-          <a:bodyPr/>
-          <a:lstStyle/>
-          <a:p>
-            <a:fld id="{C014DD1E-5D91-48A3-AD6D-45FBA980D106}" type="slidenum">
-              <a:rPr lang="en-US" smtClean="0"/>
-              <a:pPr/>
-              <a:t>27</a:t>
-            </a:fld>
-            <a:endParaRPr lang="en-US" dirty="0"/>
-          </a:p>
-        </p:txBody>
-      </p:sp>
-      <p:sp>
-        <p:nvSpPr>
-          <p:cNvPr id="4" name="Title 3"/>
-          <p:cNvSpPr>
-            <a:spLocks noGrp="1"/>
-          </p:cNvSpPr>
-          <p:nvPr>
-            <p:ph type="title"/>
-          </p:nvPr>
-        </p:nvSpPr>
-        <p:spPr/>
-        <p:txBody>
-          <a:bodyPr/>
-          <a:lstStyle/>
-          <a:p>
-            <a:r>
-              <a:rPr lang="bg-BG" dirty="0" smtClean="0"/>
-              <a:t>Нов </a:t>
-            </a:r>
-            <a:r>
-              <a:rPr lang="en-US" dirty="0" smtClean="0"/>
-              <a:t>Windows Forms </a:t>
-            </a:r>
-            <a:r>
-              <a:rPr lang="bg-BG" dirty="0" smtClean="0"/>
-              <a:t>проект</a:t>
-            </a:r>
-            <a:endParaRPr lang="en-US" dirty="0"/>
-          </a:p>
-        </p:txBody>
-      </p:sp>
-      <p:pic>
-        <p:nvPicPr>
-          <p:cNvPr id="5" name="Picture 4"/>
-          <p:cNvPicPr/>
-          <p:nvPr/>
-        </p:nvPicPr>
-        <p:blipFill>
-          <a:blip r:embed="rId2"/>
-          <a:stretch>
-            <a:fillRect/>
-          </a:stretch>
-        </p:blipFill>
-        <p:spPr>
-          <a:xfrm>
-            <a:off x="1598612" y="1257194"/>
-            <a:ext cx="8991600" cy="5067406"/>
-          </a:xfrm>
-          <a:prstGeom prst="rect">
-            <a:avLst/>
-          </a:prstGeom>
-        </p:spPr>
-      </p:pic>
-    </p:spTree>
-    <p:extLst>
-      <p:ext uri="{BB962C8B-B14F-4D97-AF65-F5344CB8AC3E}">
-        <p14:creationId xmlns:p14="http://schemas.microsoft.com/office/powerpoint/2010/main" val="3471221916"/>
-      </p:ext>
-    </p:extLst>
-  </p:cSld>
-  <p:clrMapOvr>
-    <a:masterClrMapping/>
-  </p:clrMapOvr>
-  <mc:AlternateContent xmlns:mc="http://schemas.openxmlformats.org/markup-compatibility/2006" xmlns:p14="http://schemas.microsoft.com/office/powerpoint/2010/main">
-    <mc:Choice Requires="p14">
-      <p:transition p14:dur="0"/>
-    </mc:Choice>
-    <mc:Fallback xmlns="">
-      <p:transition/>
-    </mc:Fallback>
-  </mc:AlternateContent>
-  <p:timing>
-    <p:tnLst>
-      <p:par>
-        <p:cTn id="1" dur="indefinite" restart="never" nodeType="tmRoot"/>
-      </p:par>
-    </p:tnLst>
-  </p:timing>
-</p:sld>
-</file>
-
-<file path=ppt/slides/slide28.xml><?xml version="1.0" encoding="utf-8"?>
-<p:sld xmlns:a="http://schemas.openxmlformats.org/drawingml/2006/main" xmlns:r="http://schemas.openxmlformats.org/officeDocument/2006/relationships" xmlns:p="http://schemas.openxmlformats.org/presentationml/2006/main">
-  <p:cSld>
-    <p:spTree>
-      <p:nvGrpSpPr>
-        <p:cNvPr id="1" name=""/>
-        <p:cNvGrpSpPr/>
-        <p:nvPr/>
-      </p:nvGrpSpPr>
-      <p:grpSpPr>
-        <a:xfrm>
-          <a:off x="0" y="0"/>
-          <a:ext cx="0" cy="0"/>
-          <a:chOff x="0" y="0"/>
-          <a:chExt cx="0" cy="0"/>
-        </a:xfrm>
-      </p:grpSpPr>
-      <p:sp>
-        <p:nvSpPr>
-          <p:cNvPr id="2" name="Slide Number Placeholder 1"/>
-          <p:cNvSpPr>
-            <a:spLocks noGrp="1"/>
-          </p:cNvSpPr>
-          <p:nvPr>
-            <p:ph type="sldNum" sz="quarter" idx="4"/>
-          </p:nvPr>
-        </p:nvSpPr>
-        <p:spPr/>
-        <p:txBody>
-          <a:bodyPr/>
-          <a:lstStyle/>
-          <a:p>
-            <a:fld id="{C014DD1E-5D91-48A3-AD6D-45FBA980D106}" type="slidenum">
-              <a:rPr lang="en-US" smtClean="0"/>
-              <a:pPr/>
-              <a:t>28</a:t>
-            </a:fld>
-            <a:endParaRPr lang="en-US" dirty="0"/>
-          </a:p>
-        </p:txBody>
-      </p:sp>
-      <p:sp>
-        <p:nvSpPr>
-          <p:cNvPr id="4" name="Title 3"/>
-          <p:cNvSpPr>
-            <a:spLocks noGrp="1"/>
-          </p:cNvSpPr>
-          <p:nvPr>
-            <p:ph type="title"/>
-          </p:nvPr>
-        </p:nvSpPr>
-        <p:spPr/>
-        <p:txBody>
-          <a:bodyPr>
-            <a:normAutofit/>
-          </a:bodyPr>
-          <a:lstStyle/>
-          <a:p>
-            <a:r>
-              <a:rPr lang="bg-BG" dirty="0" smtClean="0"/>
-              <a:t>Нареждане на контролите във формата</a:t>
-            </a:r>
-            <a:endParaRPr lang="en-US" dirty="0"/>
-          </a:p>
-        </p:txBody>
-      </p:sp>
-      <p:pic>
-        <p:nvPicPr>
-          <p:cNvPr id="5" name="Picture 4"/>
-          <p:cNvPicPr/>
-          <p:nvPr/>
-        </p:nvPicPr>
-        <p:blipFill>
-          <a:blip r:embed="rId2"/>
-          <a:stretch>
-            <a:fillRect/>
-          </a:stretch>
-        </p:blipFill>
-        <p:spPr>
-          <a:xfrm>
-            <a:off x="2208214" y="1222998"/>
-            <a:ext cx="7772398" cy="5108100"/>
-          </a:xfrm>
-          <a:prstGeom prst="rect">
-            <a:avLst/>
-          </a:prstGeom>
-          <a:ln>
-            <a:solidFill>
-              <a:schemeClr val="bg1">
-                <a:lumMod val="50000"/>
-              </a:schemeClr>
-            </a:solidFill>
-          </a:ln>
-        </p:spPr>
-      </p:pic>
-    </p:spTree>
-    <p:extLst>
-      <p:ext uri="{BB962C8B-B14F-4D97-AF65-F5344CB8AC3E}">
-        <p14:creationId xmlns:p14="http://schemas.microsoft.com/office/powerpoint/2010/main" val="4105911146"/>
-      </p:ext>
-    </p:extLst>
-  </p:cSld>
-  <p:clrMapOvr>
-    <a:masterClrMapping/>
-  </p:clrMapOvr>
-  <mc:AlternateContent xmlns:mc="http://schemas.openxmlformats.org/markup-compatibility/2006" xmlns:p14="http://schemas.microsoft.com/office/powerpoint/2010/main">
-    <mc:Choice Requires="p14">
-      <p:transition p14:dur="0"/>
-    </mc:Choice>
-    <mc:Fallback xmlns="">
-      <p:transition/>
-    </mc:Fallback>
-  </mc:AlternateContent>
-  <p:timing>
-    <p:tnLst>
-      <p:par>
-        <p:cTn id="1" dur="indefinite" restart="never" nodeType="tmRoot"/>
-      </p:par>
-    </p:tnLst>
-  </p:timing>
-</p:sld>
-</file>
-
-<file path=ppt/slides/slide29.xml><?xml version="1.0" encoding="utf-8"?>
-<p:sld xmlns:a="http://schemas.openxmlformats.org/drawingml/2006/main" xmlns:r="http://schemas.openxmlformats.org/officeDocument/2006/relationships" xmlns:p="http://schemas.openxmlformats.org/presentationml/2006/main">
-  <p:cSld>
-    <p:spTree>
-      <p:nvGrpSpPr>
-        <p:cNvPr id="1" name=""/>
-        <p:cNvGrpSpPr/>
-        <p:nvPr/>
-      </p:nvGrpSpPr>
-      <p:grpSpPr>
-        <a:xfrm>
-          <a:off x="0" y="0"/>
-          <a:ext cx="0" cy="0"/>
-          <a:chOff x="0" y="0"/>
-          <a:chExt cx="0" cy="0"/>
-        </a:xfrm>
-      </p:grpSpPr>
-      <p:sp>
-        <p:nvSpPr>
-          <p:cNvPr id="2" name="Slide Number Placeholder 1"/>
-          <p:cNvSpPr>
-            <a:spLocks noGrp="1"/>
-          </p:cNvSpPr>
-          <p:nvPr>
-            <p:ph type="sldNum" sz="quarter" idx="4"/>
-          </p:nvPr>
-        </p:nvSpPr>
-        <p:spPr/>
-        <p:txBody>
-          <a:bodyPr/>
-          <a:lstStyle/>
-          <a:p>
-            <a:fld id="{C014DD1E-5D91-48A3-AD6D-45FBA980D106}" type="slidenum">
-              <a:rPr lang="en-US" smtClean="0"/>
-              <a:pPr/>
-              <a:t>29</a:t>
-            </a:fld>
-            <a:endParaRPr lang="en-US" dirty="0"/>
-          </a:p>
-        </p:txBody>
-      </p:sp>
-      <p:sp>
-        <p:nvSpPr>
-          <p:cNvPr id="4" name="Title 3"/>
-          <p:cNvSpPr>
-            <a:spLocks noGrp="1"/>
-          </p:cNvSpPr>
-          <p:nvPr>
-            <p:ph type="title"/>
-          </p:nvPr>
-        </p:nvSpPr>
-        <p:spPr/>
-        <p:txBody>
-          <a:bodyPr/>
-          <a:lstStyle/>
-          <a:p>
-            <a:r>
-              <a:rPr lang="bg-BG" dirty="0" smtClean="0"/>
-              <a:t>Задаване свойства на контролите</a:t>
-            </a:r>
-            <a:endParaRPr lang="en-US" dirty="0"/>
-          </a:p>
-        </p:txBody>
-      </p:sp>
-      <p:pic>
-        <p:nvPicPr>
-          <p:cNvPr id="14" name="Picture 13"/>
-          <p:cNvPicPr>
-            <a:picLocks noChangeAspect="1"/>
-          </p:cNvPicPr>
-          <p:nvPr/>
-        </p:nvPicPr>
-        <p:blipFill>
-          <a:blip r:embed="rId2"/>
-          <a:stretch>
-            <a:fillRect/>
-          </a:stretch>
-        </p:blipFill>
-        <p:spPr>
-          <a:xfrm>
-            <a:off x="2132012" y="1186980"/>
-            <a:ext cx="7468247" cy="5182049"/>
-          </a:xfrm>
-          <a:prstGeom prst="rect">
-            <a:avLst/>
-          </a:prstGeom>
-        </p:spPr>
-      </p:pic>
-      <p:sp>
-        <p:nvSpPr>
-          <p:cNvPr id="6" name="AutoShape 7"/>
-          <p:cNvSpPr>
-            <a:spLocks noChangeArrowheads="1"/>
-          </p:cNvSpPr>
-          <p:nvPr/>
-        </p:nvSpPr>
-        <p:spPr bwMode="auto">
-          <a:xfrm>
-            <a:off x="5637212" y="1308981"/>
-            <a:ext cx="5410200" cy="2553891"/>
-          </a:xfrm>
-          <a:prstGeom prst="wedgeRoundRectCallout">
-            <a:avLst>
-              <a:gd name="adj1" fmla="val -73807"/>
-              <a:gd name="adj2" fmla="val -45744"/>
-              <a:gd name="adj3" fmla="val 16667"/>
-            </a:avLst>
-          </a:prstGeom>
-          <a:solidFill>
-            <a:srgbClr val="663606">
-              <a:alpha val="94902"/>
-            </a:srgbClr>
-          </a:solidFill>
-          <a:ln w="19050">
-            <a:solidFill>
-              <a:srgbClr val="F8D49E">
-                <a:alpha val="80000"/>
-              </a:srgbClr>
-            </a:solidFill>
-          </a:ln>
-        </p:spPr>
-        <p:style>
-          <a:lnRef idx="2">
-            <a:schemeClr val="accent1">
-              <a:shade val="50000"/>
-            </a:schemeClr>
-          </a:lnRef>
-          <a:fillRef idx="1">
-            <a:schemeClr val="accent1"/>
-          </a:fillRef>
-          <a:effectRef idx="0">
-            <a:schemeClr val="accent1"/>
-          </a:effectRef>
-          <a:fontRef idx="minor">
-            <a:schemeClr val="lt1"/>
-          </a:fontRef>
-        </p:style>
-        <p:txBody>
-          <a:bodyPr rot="0" spcFirstLastPara="0" vertOverflow="overflow" horzOverflow="overflow" vert="horz" wrap="square" lIns="91440" tIns="45720" rIns="91440" bIns="45720" numCol="1" spcCol="0" rtlCol="0" fromWordArt="0" anchor="ctr" anchorCtr="0" forceAA="0" compatLnSpc="1">
-            <a:prstTxWarp prst="textNoShape">
-              <a:avLst/>
-            </a:prstTxWarp>
-            <a:spAutoFit/>
-          </a:bodyPr>
-          <a:lstStyle/>
-          <a:p>
-            <a:r>
-              <a:rPr lang="en-US" b="1" noProof="1">
-                <a:solidFill>
-                  <a:schemeClr val="tx2">
-                    <a:lumMod val="75000"/>
-                  </a:schemeClr>
-                </a:solidFill>
-                <a:effectLst>
-                  <a:outerShdw blurRad="38100" dist="38100" dir="2700000" algn="tl">
-                    <a:srgbClr val="000000">
-                      <a:alpha val="43137"/>
-                    </a:srgbClr>
-                  </a:outerShdw>
-                </a:effectLst>
-                <a:latin typeface="Consolas" panose="020B0609020204030204" pitchFamily="49" charset="0"/>
-              </a:rPr>
-              <a:t>FormPointAndRectangle</a:t>
-            </a:r>
-            <a:endParaRPr lang="en-US" b="1" noProof="1" smtClean="0">
-              <a:solidFill>
-                <a:schemeClr val="tx2">
-                  <a:lumMod val="75000"/>
-                </a:schemeClr>
-              </a:solidFill>
-              <a:effectLst>
-                <a:outerShdw blurRad="38100" dist="38100" dir="2700000" algn="tl">
-                  <a:srgbClr val="000000">
-                    <a:alpha val="43137"/>
-                  </a:srgbClr>
-                </a:outerShdw>
-              </a:effectLst>
-              <a:latin typeface="Consolas" panose="020B0609020204030204" pitchFamily="49" charset="0"/>
-            </a:endParaRPr>
-          </a:p>
-          <a:p>
-            <a:r>
-              <a:rPr lang="en-US" b="1" noProof="1">
-                <a:solidFill>
-                  <a:srgbClr val="FFFFFF"/>
-                </a:solidFill>
-                <a:effectLst>
-                  <a:outerShdw blurRad="38100" dist="38100" dir="2700000" algn="tl">
-                    <a:srgbClr val="000000">
-                      <a:alpha val="43137"/>
-                    </a:srgbClr>
-                  </a:outerShdw>
-                </a:effectLst>
-                <a:latin typeface="Consolas" panose="020B0609020204030204" pitchFamily="49" charset="0"/>
-              </a:rPr>
-              <a:t>Text = "Point and Rectangle"</a:t>
-            </a:r>
-            <a:endParaRPr lang="en-US" b="1" noProof="1" smtClean="0">
-              <a:solidFill>
-                <a:srgbClr val="FFFFFF"/>
-              </a:solidFill>
-              <a:effectLst>
-                <a:outerShdw blurRad="38100" dist="38100" dir="2700000" algn="tl">
-                  <a:srgbClr val="000000">
-                    <a:alpha val="43137"/>
-                  </a:srgbClr>
-                </a:outerShdw>
-              </a:effectLst>
-              <a:latin typeface="Consolas" panose="020B0609020204030204" pitchFamily="49" charset="0"/>
-            </a:endParaRPr>
-          </a:p>
-          <a:p>
-            <a:r>
-              <a:rPr lang="en-US" b="1" noProof="1" smtClean="0">
-                <a:solidFill>
-                  <a:srgbClr val="FFFFFF"/>
-                </a:solidFill>
-                <a:effectLst>
-                  <a:outerShdw blurRad="38100" dist="38100" dir="2700000" algn="tl">
-                    <a:srgbClr val="000000">
-                      <a:alpha val="43137"/>
-                    </a:srgbClr>
-                  </a:outerShdw>
-                </a:effectLst>
-                <a:latin typeface="Consolas" panose="020B0609020204030204" pitchFamily="49" charset="0"/>
-              </a:rPr>
-              <a:t>Font.Size = 12</a:t>
-            </a:r>
-            <a:endParaRPr lang="en-US" b="1" noProof="1">
-              <a:solidFill>
-                <a:schemeClr val="tx2">
-                  <a:lumMod val="75000"/>
-                </a:schemeClr>
-              </a:solidFill>
-              <a:effectLst>
-                <a:outerShdw blurRad="38100" dist="38100" dir="2700000" algn="tl">
-                  <a:srgbClr val="000000">
-                    <a:alpha val="43137"/>
-                  </a:srgbClr>
-                </a:outerShdw>
-              </a:effectLst>
-              <a:latin typeface="Consolas" panose="020B0609020204030204" pitchFamily="49" charset="0"/>
-            </a:endParaRPr>
-          </a:p>
-          <a:p>
-            <a:r>
-              <a:rPr lang="en-US" b="1" noProof="1" smtClean="0">
-                <a:solidFill>
-                  <a:srgbClr val="FFFFFF"/>
-                </a:solidFill>
-                <a:effectLst>
-                  <a:outerShdw blurRad="38100" dist="38100" dir="2700000" algn="tl">
-                    <a:srgbClr val="000000">
-                      <a:alpha val="43137"/>
-                    </a:srgbClr>
-                  </a:outerShdw>
-                </a:effectLst>
-                <a:latin typeface="Consolas" panose="020B0609020204030204" pitchFamily="49" charset="0"/>
-              </a:rPr>
-              <a:t>Size = 700, 410</a:t>
-            </a:r>
-          </a:p>
-          <a:p>
-            <a:r>
-              <a:rPr lang="en-US" b="1" noProof="1" smtClean="0">
-                <a:solidFill>
-                  <a:srgbClr val="FFFFFF"/>
-                </a:solidFill>
-                <a:effectLst>
-                  <a:outerShdw blurRad="38100" dist="38100" dir="2700000" algn="tl">
-                    <a:srgbClr val="000000">
-                      <a:alpha val="43137"/>
-                    </a:srgbClr>
-                  </a:outerShdw>
-                </a:effectLst>
-                <a:latin typeface="Consolas" panose="020B0609020204030204" pitchFamily="49" charset="0"/>
-              </a:rPr>
-              <a:t>MinimumSize = 500, 400</a:t>
-            </a:r>
-            <a:endParaRPr lang="bg-BG" b="1" noProof="1" smtClean="0">
-              <a:solidFill>
-                <a:srgbClr val="FFFFFF"/>
-              </a:solidFill>
-              <a:effectLst>
-                <a:outerShdw blurRad="38100" dist="38100" dir="2700000" algn="tl">
-                  <a:srgbClr val="000000">
-                    <a:alpha val="43137"/>
-                  </a:srgbClr>
-                </a:outerShdw>
-              </a:effectLst>
-              <a:latin typeface="Consolas" panose="020B0609020204030204" pitchFamily="49" charset="0"/>
-            </a:endParaRPr>
-          </a:p>
-          <a:p>
-            <a:r>
-              <a:rPr lang="en-US" b="1" noProof="1" smtClean="0">
-                <a:solidFill>
-                  <a:srgbClr val="FFFFFF"/>
-                </a:solidFill>
-                <a:effectLst>
-                  <a:outerShdw blurRad="38100" dist="38100" dir="2700000" algn="tl">
-                    <a:srgbClr val="000000">
-                      <a:alpha val="43137"/>
-                    </a:srgbClr>
-                  </a:outerShdw>
-                </a:effectLst>
-                <a:latin typeface="Consolas" panose="020B0609020204030204" pitchFamily="49" charset="0"/>
-              </a:rPr>
-              <a:t>FormBorderStyle = FixedSingle</a:t>
-            </a:r>
-          </a:p>
-        </p:txBody>
-      </p:sp>
-      <p:sp>
-        <p:nvSpPr>
-          <p:cNvPr id="8" name="AutoShape 7"/>
-          <p:cNvSpPr>
-            <a:spLocks noChangeArrowheads="1"/>
-          </p:cNvSpPr>
-          <p:nvPr/>
-        </p:nvSpPr>
-        <p:spPr bwMode="auto">
-          <a:xfrm>
-            <a:off x="5713412" y="4026932"/>
-            <a:ext cx="5327140" cy="2145268"/>
-          </a:xfrm>
-          <a:prstGeom prst="wedgeRoundRectCallout">
-            <a:avLst>
-              <a:gd name="adj1" fmla="val -90342"/>
-              <a:gd name="adj2" fmla="val -37194"/>
-              <a:gd name="adj3" fmla="val 16667"/>
-            </a:avLst>
-          </a:prstGeom>
-          <a:solidFill>
-            <a:srgbClr val="663606">
-              <a:alpha val="94902"/>
-            </a:srgbClr>
-          </a:solidFill>
-          <a:ln w="19050">
-            <a:solidFill>
-              <a:srgbClr val="F8D49E">
-                <a:alpha val="80000"/>
-              </a:srgbClr>
-            </a:solidFill>
-          </a:ln>
-        </p:spPr>
-        <p:style>
-          <a:lnRef idx="2">
-            <a:schemeClr val="accent1">
-              <a:shade val="50000"/>
-            </a:schemeClr>
-          </a:lnRef>
-          <a:fillRef idx="1">
-            <a:schemeClr val="accent1"/>
-          </a:fillRef>
-          <a:effectRef idx="0">
-            <a:schemeClr val="accent1"/>
-          </a:effectRef>
-          <a:fontRef idx="minor">
-            <a:schemeClr val="lt1"/>
-          </a:fontRef>
-        </p:style>
-        <p:txBody>
-          <a:bodyPr rot="0" spcFirstLastPara="0" vertOverflow="overflow" horzOverflow="overflow" vert="horz" wrap="square" lIns="91440" tIns="45720" rIns="91440" bIns="45720" numCol="1" spcCol="0" rtlCol="0" fromWordArt="0" anchor="ctr" anchorCtr="0" forceAA="0" compatLnSpc="1">
-            <a:prstTxWarp prst="textNoShape">
-              <a:avLst/>
-            </a:prstTxWarp>
-            <a:spAutoFit/>
-          </a:bodyPr>
-          <a:lstStyle/>
-          <a:p>
-            <a:r>
-              <a:rPr lang="en-US" b="1" noProof="1" smtClean="0">
-                <a:solidFill>
-                  <a:schemeClr val="tx2">
-                    <a:lumMod val="75000"/>
-                  </a:schemeClr>
-                </a:solidFill>
-                <a:effectLst>
-                  <a:outerShdw blurRad="38100" dist="38100" dir="2700000" algn="tl">
-                    <a:srgbClr val="000000">
-                      <a:alpha val="43137"/>
-                    </a:srgbClr>
-                  </a:outerShdw>
-                </a:effectLst>
-                <a:latin typeface="Consolas" panose="020B0609020204030204" pitchFamily="49" charset="0"/>
-              </a:rPr>
-              <a:t>numericUpDownX1</a:t>
-            </a:r>
-            <a:r>
-              <a:rPr lang="bg-BG" b="1" noProof="1" smtClean="0">
-                <a:solidFill>
-                  <a:schemeClr val="tx2">
-                    <a:lumMod val="75000"/>
-                  </a:schemeClr>
-                </a:solidFill>
-                <a:effectLst>
-                  <a:outerShdw blurRad="38100" dist="38100" dir="2700000" algn="tl">
-                    <a:srgbClr val="000000">
-                      <a:alpha val="43137"/>
-                    </a:srgbClr>
-                  </a:outerShdw>
-                </a:effectLst>
-                <a:latin typeface="Consolas" panose="020B0609020204030204" pitchFamily="49" charset="0"/>
-              </a:rPr>
-              <a:t>,</a:t>
-            </a:r>
-            <a:r>
-              <a:rPr lang="en-US" b="1" noProof="1" smtClean="0">
-                <a:solidFill>
-                  <a:schemeClr val="tx2">
-                    <a:lumMod val="75000"/>
-                  </a:schemeClr>
-                </a:solidFill>
-                <a:effectLst>
-                  <a:outerShdw blurRad="38100" dist="38100" dir="2700000" algn="tl">
-                    <a:srgbClr val="000000">
-                      <a:alpha val="43137"/>
-                    </a:srgbClr>
-                  </a:outerShdw>
-                </a:effectLst>
-                <a:latin typeface="Consolas" panose="020B0609020204030204" pitchFamily="49" charset="0"/>
-              </a:rPr>
-              <a:t>X2,Y1,Y2,X,Y</a:t>
-            </a:r>
-          </a:p>
-          <a:p>
-            <a:r>
-              <a:rPr lang="en-US" b="1" noProof="1" smtClean="0">
-                <a:solidFill>
-                  <a:srgbClr val="FFFFFF"/>
-                </a:solidFill>
-                <a:effectLst>
-                  <a:outerShdw blurRad="38100" dist="38100" dir="2700000" algn="tl">
-                    <a:srgbClr val="000000">
-                      <a:alpha val="43137"/>
-                    </a:srgbClr>
-                  </a:outerShdw>
-                </a:effectLst>
-                <a:latin typeface="Consolas" panose="020B0609020204030204" pitchFamily="49" charset="0"/>
-              </a:rPr>
-              <a:t>Values </a:t>
-            </a:r>
-            <a:r>
-              <a:rPr lang="en-US" b="1" noProof="1">
-                <a:solidFill>
-                  <a:srgbClr val="FFFFFF"/>
-                </a:solidFill>
-                <a:effectLst>
-                  <a:outerShdw blurRad="38100" dist="38100" dir="2700000" algn="tl">
-                    <a:srgbClr val="000000">
-                      <a:alpha val="43137"/>
-                    </a:srgbClr>
-                  </a:outerShdw>
-                </a:effectLst>
-                <a:latin typeface="Consolas" panose="020B0609020204030204" pitchFamily="49" charset="0"/>
-              </a:rPr>
-              <a:t>= </a:t>
-            </a:r>
-            <a:r>
-              <a:rPr lang="en-US" b="1" noProof="1" smtClean="0">
-                <a:solidFill>
-                  <a:srgbClr val="FFFFFF"/>
-                </a:solidFill>
-                <a:effectLst>
-                  <a:outerShdw blurRad="38100" dist="38100" dir="2700000" algn="tl">
-                    <a:srgbClr val="000000">
-                      <a:alpha val="43137"/>
-                    </a:srgbClr>
-                  </a:outerShdw>
-                </a:effectLst>
-                <a:latin typeface="Consolas" panose="020B0609020204030204" pitchFamily="49" charset="0"/>
-              </a:rPr>
-              <a:t>2 </a:t>
-            </a:r>
-            <a:r>
-              <a:rPr lang="en-US" b="1" noProof="1">
-                <a:solidFill>
-                  <a:srgbClr val="FFFFFF"/>
-                </a:solidFill>
-                <a:effectLst>
-                  <a:outerShdw blurRad="38100" dist="38100" dir="2700000" algn="tl">
-                    <a:srgbClr val="000000">
-                      <a:alpha val="43137"/>
-                    </a:srgbClr>
-                  </a:outerShdw>
-                </a:effectLst>
-                <a:latin typeface="Consolas" panose="020B0609020204030204" pitchFamily="49" charset="0"/>
-              </a:rPr>
-              <a:t>-</a:t>
-            </a:r>
-            <a:r>
-              <a:rPr lang="en-US" b="1" noProof="1" smtClean="0">
-                <a:solidFill>
-                  <a:srgbClr val="FFFFFF"/>
-                </a:solidFill>
-                <a:effectLst>
-                  <a:outerShdw blurRad="38100" dist="38100" dir="2700000" algn="tl">
-                    <a:srgbClr val="000000">
-                      <a:alpha val="43137"/>
-                    </a:srgbClr>
-                  </a:outerShdw>
-                </a:effectLst>
-                <a:latin typeface="Consolas" panose="020B0609020204030204" pitchFamily="49" charset="0"/>
-              </a:rPr>
-              <a:t>3 12 3 8 </a:t>
-            </a:r>
-            <a:r>
-              <a:rPr lang="en-US" b="1" noProof="1">
-                <a:solidFill>
-                  <a:srgbClr val="FFFFFF"/>
-                </a:solidFill>
-                <a:effectLst>
-                  <a:outerShdw blurRad="38100" dist="38100" dir="2700000" algn="tl">
-                    <a:srgbClr val="000000">
-                      <a:alpha val="43137"/>
-                    </a:srgbClr>
-                  </a:outerShdw>
-                </a:effectLst>
-                <a:latin typeface="Consolas" panose="020B0609020204030204" pitchFamily="49" charset="0"/>
-              </a:rPr>
-              <a:t>-</a:t>
-            </a:r>
-            <a:r>
-              <a:rPr lang="en-US" b="1" noProof="1" smtClean="0">
-                <a:solidFill>
-                  <a:srgbClr val="FFFFFF"/>
-                </a:solidFill>
-                <a:effectLst>
-                  <a:outerShdw blurRad="38100" dist="38100" dir="2700000" algn="tl">
-                    <a:srgbClr val="000000">
-                      <a:alpha val="43137"/>
-                    </a:srgbClr>
-                  </a:outerShdw>
-                </a:effectLst>
-                <a:latin typeface="Consolas" panose="020B0609020204030204" pitchFamily="49" charset="0"/>
-              </a:rPr>
-              <a:t>1</a:t>
-            </a:r>
-          </a:p>
-          <a:p>
-            <a:r>
-              <a:rPr lang="pt-BR" b="1" noProof="1" smtClean="0">
-                <a:solidFill>
-                  <a:srgbClr val="FFFFFF"/>
-                </a:solidFill>
-                <a:effectLst>
-                  <a:outerShdw blurRad="38100" dist="38100" dir="2700000" algn="tl">
-                    <a:srgbClr val="000000">
-                      <a:alpha val="43137"/>
-                    </a:srgbClr>
-                  </a:outerShdw>
-                </a:effectLst>
-                <a:latin typeface="Consolas" panose="020B0609020204030204" pitchFamily="49" charset="0"/>
-              </a:rPr>
-              <a:t>Minimum </a:t>
-            </a:r>
-            <a:r>
-              <a:rPr lang="pt-BR" b="1" noProof="1">
-                <a:solidFill>
-                  <a:srgbClr val="FFFFFF"/>
-                </a:solidFill>
-                <a:effectLst>
-                  <a:outerShdw blurRad="38100" dist="38100" dir="2700000" algn="tl">
-                    <a:srgbClr val="000000">
-                      <a:alpha val="43137"/>
-                    </a:srgbClr>
-                  </a:outerShdw>
-                </a:effectLst>
-                <a:latin typeface="Consolas" panose="020B0609020204030204" pitchFamily="49" charset="0"/>
-              </a:rPr>
-              <a:t>= -100000</a:t>
-            </a:r>
-          </a:p>
-          <a:p>
-            <a:r>
-              <a:rPr lang="pt-BR" b="1" noProof="1" smtClean="0">
-                <a:solidFill>
-                  <a:srgbClr val="FFFFFF"/>
-                </a:solidFill>
-                <a:effectLst>
-                  <a:outerShdw blurRad="38100" dist="38100" dir="2700000" algn="tl">
-                    <a:srgbClr val="000000">
-                      <a:alpha val="43137"/>
-                    </a:srgbClr>
-                  </a:outerShdw>
-                </a:effectLst>
-                <a:latin typeface="Consolas" panose="020B0609020204030204" pitchFamily="49" charset="0"/>
-              </a:rPr>
-              <a:t>Maximum </a:t>
-            </a:r>
-            <a:r>
-              <a:rPr lang="pt-BR" b="1" noProof="1">
-                <a:solidFill>
-                  <a:srgbClr val="FFFFFF"/>
-                </a:solidFill>
-                <a:effectLst>
-                  <a:outerShdw blurRad="38100" dist="38100" dir="2700000" algn="tl">
-                    <a:srgbClr val="000000">
-                      <a:alpha val="43137"/>
-                    </a:srgbClr>
-                  </a:outerShdw>
-                </a:effectLst>
-                <a:latin typeface="Consolas" panose="020B0609020204030204" pitchFamily="49" charset="0"/>
-              </a:rPr>
-              <a:t>= 100000</a:t>
-            </a:r>
-          </a:p>
-          <a:p>
-            <a:r>
-              <a:rPr lang="pt-BR" b="1" noProof="1" smtClean="0">
-                <a:solidFill>
-                  <a:srgbClr val="FFFFFF"/>
-                </a:solidFill>
-                <a:effectLst>
-                  <a:outerShdw blurRad="38100" dist="38100" dir="2700000" algn="tl">
-                    <a:srgbClr val="000000">
-                      <a:alpha val="43137"/>
-                    </a:srgbClr>
-                  </a:outerShdw>
-                </a:effectLst>
-                <a:latin typeface="Consolas" panose="020B0609020204030204" pitchFamily="49" charset="0"/>
-              </a:rPr>
-              <a:t>DecimalPlaces </a:t>
-            </a:r>
-            <a:r>
-              <a:rPr lang="pt-BR" b="1" noProof="1">
-                <a:solidFill>
-                  <a:srgbClr val="FFFFFF"/>
-                </a:solidFill>
-                <a:effectLst>
-                  <a:outerShdw blurRad="38100" dist="38100" dir="2700000" algn="tl">
-                    <a:srgbClr val="000000">
-                      <a:alpha val="43137"/>
-                    </a:srgbClr>
-                  </a:outerShdw>
-                </a:effectLst>
-                <a:latin typeface="Consolas" panose="020B0609020204030204" pitchFamily="49" charset="0"/>
-              </a:rPr>
-              <a:t>= </a:t>
-            </a:r>
-            <a:r>
-              <a:rPr lang="pt-BR" b="1" noProof="1" smtClean="0">
-                <a:solidFill>
-                  <a:srgbClr val="FFFFFF"/>
-                </a:solidFill>
-                <a:effectLst>
-                  <a:outerShdw blurRad="38100" dist="38100" dir="2700000" algn="tl">
-                    <a:srgbClr val="000000">
-                      <a:alpha val="43137"/>
-                    </a:srgbClr>
-                  </a:outerShdw>
-                </a:effectLst>
-                <a:latin typeface="Consolas" panose="020B0609020204030204" pitchFamily="49" charset="0"/>
-              </a:rPr>
-              <a:t>2</a:t>
-            </a:r>
-            <a:endParaRPr lang="en-US" b="1" noProof="1" smtClean="0">
-              <a:solidFill>
-                <a:srgbClr val="FFFFFF"/>
-              </a:solidFill>
-              <a:effectLst>
-                <a:outerShdw blurRad="38100" dist="38100" dir="2700000" algn="tl">
-                  <a:srgbClr val="000000">
-                    <a:alpha val="43137"/>
-                  </a:srgbClr>
-                </a:outerShdw>
-              </a:effectLst>
-              <a:latin typeface="Consolas" panose="020B0609020204030204" pitchFamily="49" charset="0"/>
-            </a:endParaRPr>
-          </a:p>
-        </p:txBody>
-      </p:sp>
-    </p:spTree>
-    <p:extLst>
-      <p:ext uri="{BB962C8B-B14F-4D97-AF65-F5344CB8AC3E}">
-        <p14:creationId xmlns:p14="http://schemas.microsoft.com/office/powerpoint/2010/main" val="2318803686"/>
-      </p:ext>
-    </p:extLst>
-  </p:cSld>
-  <p:clrMapOvr>
-    <a:masterClrMapping/>
-  </p:clrMapOvr>
-  <mc:AlternateContent xmlns:mc="http://schemas.openxmlformats.org/markup-compatibility/2006" xmlns:p14="http://schemas.microsoft.com/office/powerpoint/2010/main">
-    <mc:Choice Requires="p14">
-      <p:transition p14:dur="0"/>
-    </mc:Choice>
-    <mc:Fallback xmlns="">
-      <p:transition/>
-    </mc:Fallback>
-  </mc:AlternateContent>
-  <p:timing>
-    <p:tnLst>
-      <p:par>
-        <p:cTn id="1" dur="indefinite" restart="never" nodeType="tmRoot"/>
-      </p:par>
-    </p:tnLst>
-  </p:timing>
-</p:sld>
-</file>
-
-<file path=ppt/slides/slide3.xml><?xml version="1.0" encoding="utf-8"?>
-<p:sld xmlns:a="http://schemas.openxmlformats.org/drawingml/2006/main" xmlns:r="http://schemas.openxmlformats.org/officeDocument/2006/relationships" xmlns:p="http://schemas.openxmlformats.org/presentationml/2006/main">
-  <p:cSld>
-    <p:spTree>
-      <p:nvGrpSpPr>
-        <p:cNvPr id="1" name=""/>
-        <p:cNvGrpSpPr/>
-        <p:nvPr/>
-      </p:nvGrpSpPr>
-      <p:grpSpPr>
-        <a:xfrm>
-          <a:off x="0" y="0"/>
-          <a:ext cx="0" cy="0"/>
-          <a:chOff x="0" y="0"/>
-          <a:chExt cx="0" cy="0"/>
-        </a:xfrm>
-      </p:grpSpPr>
-      <p:sp>
-        <p:nvSpPr>
-          <p:cNvPr id="2" name="Title 1"/>
-          <p:cNvSpPr>
-            <a:spLocks noGrp="1"/>
-          </p:cNvSpPr>
-          <p:nvPr>
-            <p:ph type="title"/>
-          </p:nvPr>
-        </p:nvSpPr>
-        <p:spPr>
-          <a:xfrm>
-            <a:off x="912813" y="4800600"/>
-            <a:ext cx="10363200" cy="820600"/>
-          </a:xfrm>
-        </p:spPr>
-        <p:txBody>
-          <a:bodyPr/>
-          <a:lstStyle/>
-          <a:p>
-            <a:r>
-              <a:rPr lang="bg-BG" dirty="0" smtClean="0"/>
-              <a:t>Вложени проверки</a:t>
-            </a:r>
-            <a:endParaRPr lang="en-US" dirty="0"/>
-          </a:p>
-        </p:txBody>
-      </p:sp>
-      <p:sp>
-        <p:nvSpPr>
-          <p:cNvPr id="6" name="Text Placeholder 5"/>
-          <p:cNvSpPr>
-            <a:spLocks noGrp="1"/>
-          </p:cNvSpPr>
-          <p:nvPr>
-            <p:ph type="body" idx="1"/>
-          </p:nvPr>
-        </p:nvSpPr>
-        <p:spPr>
-          <a:xfrm>
-            <a:off x="912813" y="5651472"/>
-            <a:ext cx="10363200" cy="719034"/>
-          </a:xfrm>
-        </p:spPr>
-        <p:txBody>
-          <a:bodyPr/>
-          <a:lstStyle/>
-          <a:p>
-            <a:r>
-              <a:rPr lang="en-US" dirty="0" smtClean="0"/>
-              <a:t>If-</a:t>
-            </a:r>
-            <a:r>
-              <a:rPr lang="bg-BG" dirty="0" smtClean="0"/>
-              <a:t>конструкции, вложени една в друга</a:t>
-            </a:r>
-            <a:endParaRPr lang="en-US" dirty="0"/>
-          </a:p>
-        </p:txBody>
-      </p:sp>
-      <p:pic>
-        <p:nvPicPr>
-          <p:cNvPr id="7" name="Picture 6"/>
-          <p:cNvPicPr>
-            <a:picLocks noChangeAspect="1"/>
-          </p:cNvPicPr>
-          <p:nvPr/>
-        </p:nvPicPr>
-        <p:blipFill>
-          <a:blip r:embed="rId2"/>
-          <a:stretch>
-            <a:fillRect/>
-          </a:stretch>
-        </p:blipFill>
-        <p:spPr>
-          <a:xfrm>
-            <a:off x="4664777" y="1219200"/>
-            <a:ext cx="2859272" cy="3334801"/>
-          </a:xfrm>
-          <a:prstGeom prst="rect">
-            <a:avLst/>
-          </a:prstGeom>
-        </p:spPr>
-      </p:pic>
-      <p:pic>
-        <p:nvPicPr>
-          <p:cNvPr id="3076" name="Picture 4" descr="http://findicons.com/files/icons/1671/simplicio/128/notification_done.png"/>
-          <p:cNvPicPr>
-            <a:picLocks noChangeAspect="1" noChangeArrowheads="1"/>
-          </p:cNvPicPr>
-          <p:nvPr/>
-        </p:nvPicPr>
-        <p:blipFill>
-          <a:blip r:embed="rId3">
-            <a:extLst>
-              <a:ext uri="{28A0092B-C50C-407E-A947-70E740481C1C}">
-                <a14:useLocalDpi xmlns:a14="http://schemas.microsoft.com/office/drawing/2010/main" val="0"/>
-              </a:ext>
-            </a:extLst>
-          </a:blip>
-          <a:srcRect/>
-          <a:stretch>
-            <a:fillRect/>
-          </a:stretch>
-        </p:blipFill>
-        <p:spPr bwMode="auto">
-          <a:xfrm>
-            <a:off x="1903412" y="1896000"/>
-            <a:ext cx="1981200" cy="1981200"/>
-          </a:xfrm>
-          <a:prstGeom prst="rect">
-            <a:avLst/>
-          </a:prstGeom>
-          <a:noFill/>
-          <a:extLst>
-            <a:ext uri="{909E8E84-426E-40DD-AFC4-6F175D3DCCD1}">
-              <a14:hiddenFill xmlns:a14="http://schemas.microsoft.com/office/drawing/2010/main">
-                <a:solidFill>
-                  <a:srgbClr val="FFFFFF"/>
-                </a:solidFill>
-              </a14:hiddenFill>
-            </a:ext>
-          </a:extLst>
-        </p:spPr>
-      </p:pic>
-      <p:pic>
-        <p:nvPicPr>
-          <p:cNvPr id="3078" name="Picture 6" descr="https://en.opensuse.org/images/thumb/3/3b/Icon-warning.png/120px-Icon-warning.png"/>
-          <p:cNvPicPr>
-            <a:picLocks noChangeAspect="1" noChangeArrowheads="1"/>
-          </p:cNvPicPr>
-          <p:nvPr/>
-        </p:nvPicPr>
-        <p:blipFill>
-          <a:blip r:embed="rId4">
-            <a:extLst>
-              <a:ext uri="{28A0092B-C50C-407E-A947-70E740481C1C}">
-                <a14:useLocalDpi xmlns:a14="http://schemas.microsoft.com/office/drawing/2010/main" val="0"/>
-              </a:ext>
-            </a:extLst>
-          </a:blip>
-          <a:srcRect/>
-          <a:stretch>
-            <a:fillRect/>
-          </a:stretch>
-        </p:blipFill>
-        <p:spPr bwMode="auto">
-          <a:xfrm>
-            <a:off x="8195130" y="1872116"/>
-            <a:ext cx="2242682" cy="2242684"/>
-          </a:xfrm>
-          <a:prstGeom prst="rect">
-            <a:avLst/>
-          </a:prstGeom>
-          <a:noFill/>
-          <a:extLst>
-            <a:ext uri="{909E8E84-426E-40DD-AFC4-6F175D3DCCD1}">
-              <a14:hiddenFill xmlns:a14="http://schemas.microsoft.com/office/drawing/2010/main">
-                <a:solidFill>
-                  <a:srgbClr val="FFFFFF"/>
-                </a:solidFill>
-              </a14:hiddenFill>
-            </a:ext>
-          </a:extLst>
-        </p:spPr>
-      </p:pic>
-    </p:spTree>
-    <p:extLst>
-      <p:ext uri="{BB962C8B-B14F-4D97-AF65-F5344CB8AC3E}">
-        <p14:creationId xmlns:p14="http://schemas.microsoft.com/office/powerpoint/2010/main" val="372496572"/>
-      </p:ext>
-    </p:extLst>
-  </p:cSld>
-  <p:clrMapOvr>
-    <a:masterClrMapping/>
-  </p:clrMapOvr>
-  <mc:AlternateContent xmlns:mc="http://schemas.openxmlformats.org/markup-compatibility/2006" xmlns:p14="http://schemas.microsoft.com/office/powerpoint/2010/main">
-    <mc:Choice Requires="p14">
-      <p:transition p14:dur="0"/>
-    </mc:Choice>
-    <mc:Fallback xmlns="">
-      <p:transition/>
-    </mc:Fallback>
-  </mc:AlternateContent>
-  <p:timing>
-    <p:tnLst>
-      <p:par>
-        <p:cTn id="1" dur="indefinite" restart="never" nodeType="tmRoot"/>
-      </p:par>
-    </p:tnLst>
-  </p:timing>
-</p:sld>
-</file>
-
-<file path=ppt/slides/slide30.xml><?xml version="1.0" encoding="utf-8"?>
-<p:sld xmlns:a="http://schemas.openxmlformats.org/drawingml/2006/main" xmlns:r="http://schemas.openxmlformats.org/officeDocument/2006/relationships" xmlns:p="http://schemas.openxmlformats.org/presentationml/2006/main">
-  <p:cSld>
-    <p:spTree>
-      <p:nvGrpSpPr>
-        <p:cNvPr id="1" name=""/>
-        <p:cNvGrpSpPr/>
-        <p:nvPr/>
-      </p:nvGrpSpPr>
-      <p:grpSpPr>
-        <a:xfrm>
-          <a:off x="0" y="0"/>
-          <a:ext cx="0" cy="0"/>
-          <a:chOff x="0" y="0"/>
-          <a:chExt cx="0" cy="0"/>
-        </a:xfrm>
-      </p:grpSpPr>
-      <p:sp>
-        <p:nvSpPr>
-          <p:cNvPr id="2" name="Slide Number Placeholder 1"/>
-          <p:cNvSpPr>
-            <a:spLocks noGrp="1"/>
-          </p:cNvSpPr>
-          <p:nvPr>
-            <p:ph type="sldNum" sz="quarter" idx="4"/>
-          </p:nvPr>
-        </p:nvSpPr>
-        <p:spPr/>
-        <p:txBody>
-          <a:bodyPr/>
-          <a:lstStyle/>
-          <a:p>
-            <a:fld id="{C014DD1E-5D91-48A3-AD6D-45FBA980D106}" type="slidenum">
-              <a:rPr lang="en-US" smtClean="0"/>
-              <a:pPr/>
-              <a:t>30</a:t>
-            </a:fld>
-            <a:endParaRPr lang="en-US" dirty="0"/>
-          </a:p>
-        </p:txBody>
-      </p:sp>
-      <p:sp>
-        <p:nvSpPr>
-          <p:cNvPr id="4" name="Title 3"/>
-          <p:cNvSpPr>
-            <a:spLocks noGrp="1"/>
-          </p:cNvSpPr>
-          <p:nvPr>
-            <p:ph type="title"/>
-          </p:nvPr>
-        </p:nvSpPr>
-        <p:spPr/>
-        <p:txBody>
-          <a:bodyPr/>
-          <a:lstStyle/>
-          <a:p>
-            <a:r>
-              <a:rPr lang="bg-BG" dirty="0" smtClean="0"/>
-              <a:t>Задаване свойства на контролите (2)</a:t>
-            </a:r>
-            <a:endParaRPr lang="en-US" dirty="0"/>
-          </a:p>
-        </p:txBody>
-      </p:sp>
-      <p:pic>
-        <p:nvPicPr>
-          <p:cNvPr id="14" name="Picture 13"/>
-          <p:cNvPicPr>
-            <a:picLocks noChangeAspect="1"/>
-          </p:cNvPicPr>
-          <p:nvPr/>
-        </p:nvPicPr>
-        <p:blipFill>
-          <a:blip r:embed="rId2"/>
-          <a:stretch>
-            <a:fillRect/>
-          </a:stretch>
-        </p:blipFill>
-        <p:spPr>
-          <a:xfrm>
-            <a:off x="2132012" y="1186980"/>
-            <a:ext cx="7468247" cy="5182049"/>
-          </a:xfrm>
-          <a:prstGeom prst="rect">
-            <a:avLst/>
-          </a:prstGeom>
-        </p:spPr>
-      </p:pic>
-      <p:sp>
-        <p:nvSpPr>
-          <p:cNvPr id="6" name="AutoShape 7"/>
-          <p:cNvSpPr>
-            <a:spLocks noChangeArrowheads="1"/>
-          </p:cNvSpPr>
-          <p:nvPr/>
-        </p:nvSpPr>
-        <p:spPr bwMode="auto">
-          <a:xfrm>
-            <a:off x="684212" y="4191000"/>
-            <a:ext cx="2514600" cy="919401"/>
-          </a:xfrm>
-          <a:prstGeom prst="wedgeRoundRectCallout">
-            <a:avLst>
-              <a:gd name="adj1" fmla="val 65968"/>
-              <a:gd name="adj2" fmla="val 64594"/>
-              <a:gd name="adj3" fmla="val 16667"/>
-            </a:avLst>
-          </a:prstGeom>
-          <a:solidFill>
-            <a:srgbClr val="663606">
-              <a:alpha val="94902"/>
-            </a:srgbClr>
-          </a:solidFill>
-          <a:ln w="19050">
-            <a:solidFill>
-              <a:srgbClr val="F8D49E">
-                <a:alpha val="80000"/>
-              </a:srgbClr>
-            </a:solidFill>
-          </a:ln>
-        </p:spPr>
-        <p:style>
-          <a:lnRef idx="2">
-            <a:schemeClr val="accent1">
-              <a:shade val="50000"/>
-            </a:schemeClr>
-          </a:lnRef>
-          <a:fillRef idx="1">
-            <a:schemeClr val="accent1"/>
-          </a:fillRef>
-          <a:effectRef idx="0">
-            <a:schemeClr val="accent1"/>
-          </a:effectRef>
-          <a:fontRef idx="minor">
-            <a:schemeClr val="lt1"/>
-          </a:fontRef>
-        </p:style>
-        <p:txBody>
-          <a:bodyPr rot="0" spcFirstLastPara="0" vertOverflow="overflow" horzOverflow="overflow" vert="horz" wrap="square" lIns="91440" tIns="45720" rIns="91440" bIns="45720" numCol="1" spcCol="0" rtlCol="0" fromWordArt="0" anchor="ctr" anchorCtr="0" forceAA="0" compatLnSpc="1">
-            <a:prstTxWarp prst="textNoShape">
-              <a:avLst/>
-            </a:prstTxWarp>
-            <a:spAutoFit/>
-          </a:bodyPr>
-          <a:lstStyle/>
-          <a:p>
-            <a:r>
-              <a:rPr lang="en-US" b="1" noProof="1">
-                <a:solidFill>
-                  <a:schemeClr val="tx2">
-                    <a:lumMod val="75000"/>
-                  </a:schemeClr>
-                </a:solidFill>
-                <a:effectLst>
-                  <a:outerShdw blurRad="38100" dist="38100" dir="2700000" algn="tl">
-                    <a:srgbClr val="000000">
-                      <a:alpha val="43137"/>
-                    </a:srgbClr>
-                  </a:outerShdw>
-                </a:effectLst>
-                <a:latin typeface="Consolas" panose="020B0609020204030204" pitchFamily="49" charset="0"/>
-              </a:rPr>
-              <a:t>buttonDraw</a:t>
-            </a:r>
-            <a:endParaRPr lang="en-US" b="1" noProof="1" smtClean="0">
-              <a:solidFill>
-                <a:schemeClr val="tx2">
-                  <a:lumMod val="75000"/>
-                </a:schemeClr>
-              </a:solidFill>
-              <a:effectLst>
-                <a:outerShdw blurRad="38100" dist="38100" dir="2700000" algn="tl">
-                  <a:srgbClr val="000000">
-                    <a:alpha val="43137"/>
-                  </a:srgbClr>
-                </a:outerShdw>
-              </a:effectLst>
-              <a:latin typeface="Consolas" panose="020B0609020204030204" pitchFamily="49" charset="0"/>
-            </a:endParaRPr>
-          </a:p>
-          <a:p>
-            <a:r>
-              <a:rPr lang="en-US" b="1" noProof="1">
-                <a:solidFill>
-                  <a:srgbClr val="FFFFFF"/>
-                </a:solidFill>
-                <a:effectLst>
-                  <a:outerShdw blurRad="38100" dist="38100" dir="2700000" algn="tl">
-                    <a:srgbClr val="000000">
-                      <a:alpha val="43137"/>
-                    </a:srgbClr>
-                  </a:outerShdw>
-                </a:effectLst>
-                <a:latin typeface="Consolas" panose="020B0609020204030204" pitchFamily="49" charset="0"/>
-              </a:rPr>
-              <a:t>Text = </a:t>
-            </a:r>
-            <a:r>
-              <a:rPr lang="en-US" b="1" noProof="1" smtClean="0">
-                <a:solidFill>
-                  <a:srgbClr val="FFFFFF"/>
-                </a:solidFill>
-                <a:effectLst>
-                  <a:outerShdw blurRad="38100" dist="38100" dir="2700000" algn="tl">
-                    <a:srgbClr val="000000">
-                      <a:alpha val="43137"/>
-                    </a:srgbClr>
-                  </a:outerShdw>
-                </a:effectLst>
-                <a:latin typeface="Consolas" panose="020B0609020204030204" pitchFamily="49" charset="0"/>
-              </a:rPr>
-              <a:t>"Draw"</a:t>
-            </a:r>
-          </a:p>
-        </p:txBody>
-      </p:sp>
-      <p:sp>
-        <p:nvSpPr>
-          <p:cNvPr id="8" name="AutoShape 7"/>
-          <p:cNvSpPr>
-            <a:spLocks noChangeArrowheads="1"/>
-          </p:cNvSpPr>
-          <p:nvPr/>
-        </p:nvSpPr>
-        <p:spPr bwMode="auto">
-          <a:xfrm>
-            <a:off x="4646612" y="4191000"/>
-            <a:ext cx="4419600" cy="1736646"/>
-          </a:xfrm>
-          <a:prstGeom prst="wedgeRoundRectCallout">
-            <a:avLst>
-              <a:gd name="adj1" fmla="val -74113"/>
-              <a:gd name="adj2" fmla="val 41417"/>
-              <a:gd name="adj3" fmla="val 16667"/>
-            </a:avLst>
-          </a:prstGeom>
-          <a:solidFill>
-            <a:srgbClr val="663606">
-              <a:alpha val="94902"/>
-            </a:srgbClr>
-          </a:solidFill>
-          <a:ln w="19050">
-            <a:solidFill>
-              <a:srgbClr val="F8D49E">
-                <a:alpha val="80000"/>
-              </a:srgbClr>
-            </a:solidFill>
-          </a:ln>
-        </p:spPr>
-        <p:style>
-          <a:lnRef idx="2">
-            <a:schemeClr val="accent1">
-              <a:shade val="50000"/>
-            </a:schemeClr>
-          </a:lnRef>
-          <a:fillRef idx="1">
-            <a:schemeClr val="accent1"/>
-          </a:fillRef>
-          <a:effectRef idx="0">
-            <a:schemeClr val="accent1"/>
-          </a:effectRef>
-          <a:fontRef idx="minor">
-            <a:schemeClr val="lt1"/>
-          </a:fontRef>
-        </p:style>
-        <p:txBody>
-          <a:bodyPr rot="0" spcFirstLastPara="0" vertOverflow="overflow" horzOverflow="overflow" vert="horz" wrap="square" lIns="91440" tIns="45720" rIns="91440" bIns="45720" numCol="1" spcCol="0" rtlCol="0" fromWordArt="0" anchor="ctr" anchorCtr="0" forceAA="0" compatLnSpc="1">
-            <a:prstTxWarp prst="textNoShape">
-              <a:avLst/>
-            </a:prstTxWarp>
-            <a:spAutoFit/>
-          </a:bodyPr>
-          <a:lstStyle/>
-          <a:p>
-            <a:r>
-              <a:rPr lang="en-US" b="1" noProof="1" smtClean="0">
-                <a:solidFill>
-                  <a:schemeClr val="tx2">
-                    <a:lumMod val="75000"/>
-                  </a:schemeClr>
-                </a:solidFill>
-                <a:effectLst>
-                  <a:outerShdw blurRad="38100" dist="38100" dir="2700000" algn="tl">
-                    <a:srgbClr val="000000">
-                      <a:alpha val="43137"/>
-                    </a:srgbClr>
-                  </a:outerShdw>
-                </a:effectLst>
-                <a:latin typeface="Consolas" panose="020B0609020204030204" pitchFamily="49" charset="0"/>
-              </a:rPr>
-              <a:t>labelLocation</a:t>
-            </a:r>
-          </a:p>
-          <a:p>
-            <a:r>
-              <a:rPr lang="en-US" b="1" noProof="1" smtClean="0">
-                <a:solidFill>
-                  <a:srgbClr val="FFFFFF"/>
-                </a:solidFill>
-                <a:effectLst>
-                  <a:outerShdw blurRad="38100" dist="38100" dir="2700000" algn="tl">
-                    <a:srgbClr val="000000">
-                      <a:alpha val="43137"/>
-                    </a:srgbClr>
-                  </a:outerShdw>
-                </a:effectLst>
-                <a:latin typeface="Consolas" panose="020B0609020204030204" pitchFamily="49" charset="0"/>
-              </a:rPr>
-              <a:t>AutoSize </a:t>
-            </a:r>
-            <a:r>
-              <a:rPr lang="en-US" b="1" noProof="1">
-                <a:solidFill>
-                  <a:srgbClr val="FFFFFF"/>
-                </a:solidFill>
-                <a:effectLst>
-                  <a:outerShdw blurRad="38100" dist="38100" dir="2700000" algn="tl">
-                    <a:srgbClr val="000000">
-                      <a:alpha val="43137"/>
-                    </a:srgbClr>
-                  </a:outerShdw>
-                </a:effectLst>
-                <a:latin typeface="Consolas" panose="020B0609020204030204" pitchFamily="49" charset="0"/>
-              </a:rPr>
-              <a:t>= False</a:t>
-            </a:r>
-          </a:p>
-          <a:p>
-            <a:r>
-              <a:rPr lang="en-US" b="1" noProof="1" smtClean="0">
-                <a:solidFill>
-                  <a:srgbClr val="FFFFFF"/>
-                </a:solidFill>
-                <a:effectLst>
-                  <a:outerShdw blurRad="38100" dist="38100" dir="2700000" algn="tl">
-                    <a:srgbClr val="000000">
-                      <a:alpha val="43137"/>
-                    </a:srgbClr>
-                  </a:outerShdw>
-                </a:effectLst>
-                <a:latin typeface="Consolas" panose="020B0609020204030204" pitchFamily="49" charset="0"/>
-              </a:rPr>
-              <a:t>BackColor </a:t>
-            </a:r>
-            <a:r>
-              <a:rPr lang="en-US" b="1" noProof="1">
-                <a:solidFill>
-                  <a:srgbClr val="FFFFFF"/>
-                </a:solidFill>
-                <a:effectLst>
-                  <a:outerShdw blurRad="38100" dist="38100" dir="2700000" algn="tl">
-                    <a:srgbClr val="000000">
-                      <a:alpha val="43137"/>
-                    </a:srgbClr>
-                  </a:outerShdw>
-                </a:effectLst>
-                <a:latin typeface="Consolas" panose="020B0609020204030204" pitchFamily="49" charset="0"/>
-              </a:rPr>
-              <a:t>= PaleGreen</a:t>
-            </a:r>
-          </a:p>
-          <a:p>
-            <a:r>
-              <a:rPr lang="en-US" b="1" noProof="1" smtClean="0">
-                <a:solidFill>
-                  <a:srgbClr val="FFFFFF"/>
-                </a:solidFill>
-                <a:effectLst>
-                  <a:outerShdw blurRad="38100" dist="38100" dir="2700000" algn="tl">
-                    <a:srgbClr val="000000">
-                      <a:alpha val="43137"/>
-                    </a:srgbClr>
-                  </a:outerShdw>
-                </a:effectLst>
-                <a:latin typeface="Consolas" panose="020B0609020204030204" pitchFamily="49" charset="0"/>
-              </a:rPr>
-              <a:t>TextAlign </a:t>
-            </a:r>
-            <a:r>
-              <a:rPr lang="en-US" b="1" noProof="1">
-                <a:solidFill>
-                  <a:srgbClr val="FFFFFF"/>
-                </a:solidFill>
-                <a:effectLst>
-                  <a:outerShdw blurRad="38100" dist="38100" dir="2700000" algn="tl">
-                    <a:srgbClr val="000000">
-                      <a:alpha val="43137"/>
-                    </a:srgbClr>
-                  </a:outerShdw>
-                </a:effectLst>
-                <a:latin typeface="Consolas" panose="020B0609020204030204" pitchFamily="49" charset="0"/>
-              </a:rPr>
-              <a:t>= MiddleCenter</a:t>
-            </a:r>
-          </a:p>
-        </p:txBody>
-      </p:sp>
-      <p:sp>
-        <p:nvSpPr>
-          <p:cNvPr id="7" name="AutoShape 7"/>
-          <p:cNvSpPr>
-            <a:spLocks noChangeArrowheads="1"/>
-          </p:cNvSpPr>
-          <p:nvPr/>
-        </p:nvSpPr>
-        <p:spPr bwMode="auto">
-          <a:xfrm>
-            <a:off x="5408612" y="2057400"/>
-            <a:ext cx="6019800" cy="919401"/>
-          </a:xfrm>
-          <a:prstGeom prst="wedgeRoundRectCallout">
-            <a:avLst>
-              <a:gd name="adj1" fmla="val -58253"/>
-              <a:gd name="adj2" fmla="val 53118"/>
-              <a:gd name="adj3" fmla="val 16667"/>
-            </a:avLst>
-          </a:prstGeom>
-          <a:solidFill>
-            <a:srgbClr val="663606">
-              <a:alpha val="94902"/>
-            </a:srgbClr>
-          </a:solidFill>
-          <a:ln w="19050">
-            <a:solidFill>
-              <a:srgbClr val="F8D49E">
-                <a:alpha val="80000"/>
-              </a:srgbClr>
-            </a:solidFill>
-          </a:ln>
-        </p:spPr>
-        <p:style>
-          <a:lnRef idx="2">
-            <a:schemeClr val="accent1">
-              <a:shade val="50000"/>
-            </a:schemeClr>
-          </a:lnRef>
-          <a:fillRef idx="1">
-            <a:schemeClr val="accent1"/>
-          </a:fillRef>
-          <a:effectRef idx="0">
-            <a:schemeClr val="accent1"/>
-          </a:effectRef>
-          <a:fontRef idx="minor">
-            <a:schemeClr val="lt1"/>
-          </a:fontRef>
-        </p:style>
-        <p:txBody>
-          <a:bodyPr rot="0" spcFirstLastPara="0" vertOverflow="overflow" horzOverflow="overflow" vert="horz" wrap="square" lIns="91440" tIns="45720" rIns="91440" bIns="45720" numCol="1" spcCol="0" rtlCol="0" fromWordArt="0" anchor="ctr" anchorCtr="0" forceAA="0" compatLnSpc="1">
-            <a:prstTxWarp prst="textNoShape">
-              <a:avLst/>
-            </a:prstTxWarp>
-            <a:spAutoFit/>
-          </a:bodyPr>
-          <a:lstStyle/>
-          <a:p>
-            <a:r>
-              <a:rPr lang="en-US" b="1" noProof="1" smtClean="0">
-                <a:solidFill>
-                  <a:schemeClr val="tx2">
-                    <a:lumMod val="75000"/>
-                  </a:schemeClr>
-                </a:solidFill>
-                <a:effectLst>
-                  <a:outerShdw blurRad="38100" dist="38100" dir="2700000" algn="tl">
-                    <a:srgbClr val="000000">
-                      <a:alpha val="43137"/>
-                    </a:srgbClr>
-                  </a:outerShdw>
-                </a:effectLst>
-                <a:latin typeface="Consolas" panose="020B0609020204030204" pitchFamily="49" charset="0"/>
-              </a:rPr>
-              <a:t>pictureBox</a:t>
-            </a:r>
-          </a:p>
-          <a:p>
-            <a:r>
-              <a:rPr lang="en-US" b="1" noProof="1" smtClean="0">
-                <a:solidFill>
-                  <a:srgbClr val="FFFFFF"/>
-                </a:solidFill>
-                <a:effectLst>
-                  <a:outerShdw blurRad="38100" dist="38100" dir="2700000" algn="tl">
-                    <a:srgbClr val="000000">
-                      <a:alpha val="43137"/>
-                    </a:srgbClr>
-                  </a:outerShdw>
-                </a:effectLst>
-                <a:latin typeface="Consolas" panose="020B0609020204030204" pitchFamily="49" charset="0"/>
-              </a:rPr>
-              <a:t>Anchor </a:t>
-            </a:r>
-            <a:r>
-              <a:rPr lang="en-US" b="1" noProof="1">
-                <a:solidFill>
-                  <a:srgbClr val="FFFFFF"/>
-                </a:solidFill>
-                <a:effectLst>
-                  <a:outerShdw blurRad="38100" dist="38100" dir="2700000" algn="tl">
-                    <a:srgbClr val="000000">
-                      <a:alpha val="43137"/>
-                    </a:srgbClr>
-                  </a:outerShdw>
-                </a:effectLst>
-                <a:latin typeface="Consolas" panose="020B0609020204030204" pitchFamily="49" charset="0"/>
-              </a:rPr>
-              <a:t>= Top, Bottom, Left, Right</a:t>
-            </a:r>
-          </a:p>
-        </p:txBody>
-      </p:sp>
-    </p:spTree>
-    <p:extLst>
-      <p:ext uri="{BB962C8B-B14F-4D97-AF65-F5344CB8AC3E}">
-        <p14:creationId xmlns:p14="http://schemas.microsoft.com/office/powerpoint/2010/main" val="3615393887"/>
-      </p:ext>
-    </p:extLst>
-  </p:cSld>
-  <p:clrMapOvr>
-    <a:masterClrMapping/>
-  </p:clrMapOvr>
-  <mc:AlternateContent xmlns:mc="http://schemas.openxmlformats.org/markup-compatibility/2006" xmlns:p14="http://schemas.microsoft.com/office/powerpoint/2010/main">
-    <mc:Choice Requires="p14">
-      <p:transition p14:dur="0"/>
-    </mc:Choice>
-    <mc:Fallback xmlns="">
-      <p:transition/>
-    </mc:Fallback>
-  </mc:AlternateContent>
-  <p:timing>
-    <p:tnLst>
-      <p:par>
-        <p:cTn id="1" dur="indefinite" restart="never" nodeType="tmRoot"/>
-      </p:par>
-    </p:tnLst>
-  </p:timing>
-</p:sld>
-</file>
-
-<file path=ppt/slides/slide31.xml><?xml version="1.0" encoding="utf-8"?>
-<p:sld xmlns:a="http://schemas.openxmlformats.org/drawingml/2006/main" xmlns:r="http://schemas.openxmlformats.org/officeDocument/2006/relationships" xmlns:p="http://schemas.openxmlformats.org/presentationml/2006/main">
-  <p:cSld>
-    <p:spTree>
-      <p:nvGrpSpPr>
-        <p:cNvPr id="1" name=""/>
-        <p:cNvGrpSpPr/>
-        <p:nvPr/>
-      </p:nvGrpSpPr>
-      <p:grpSpPr>
-        <a:xfrm>
-          <a:off x="0" y="0"/>
-          <a:ext cx="0" cy="0"/>
-          <a:chOff x="0" y="0"/>
-          <a:chExt cx="0" cy="0"/>
-        </a:xfrm>
-      </p:grpSpPr>
-      <p:sp>
-        <p:nvSpPr>
-          <p:cNvPr id="2" name="Slide Number Placeholder 1"/>
-          <p:cNvSpPr>
-            <a:spLocks noGrp="1"/>
-          </p:cNvSpPr>
-          <p:nvPr>
-            <p:ph type="sldNum" sz="quarter" idx="4"/>
-          </p:nvPr>
-        </p:nvSpPr>
-        <p:spPr/>
-        <p:txBody>
-          <a:bodyPr/>
-          <a:lstStyle/>
-          <a:p>
-            <a:fld id="{C014DD1E-5D91-48A3-AD6D-45FBA980D106}" type="slidenum">
-              <a:rPr lang="en-US" smtClean="0"/>
-              <a:pPr/>
-              <a:t>31</a:t>
-            </a:fld>
-            <a:endParaRPr lang="en-US" dirty="0"/>
-          </a:p>
-        </p:txBody>
-      </p:sp>
-      <p:sp>
-        <p:nvSpPr>
-          <p:cNvPr id="3" name="Content Placeholder 2"/>
-          <p:cNvSpPr>
-            <a:spLocks noGrp="1"/>
-          </p:cNvSpPr>
-          <p:nvPr>
-            <p:ph idx="1"/>
-          </p:nvPr>
-        </p:nvSpPr>
-        <p:spPr/>
-        <p:txBody>
-          <a:bodyPr/>
-          <a:lstStyle/>
-          <a:p>
-            <a:r>
-              <a:rPr lang="bg-BG" dirty="0" smtClean="0"/>
-              <a:t>Хванете следните събития:</a:t>
-            </a:r>
-          </a:p>
-          <a:p>
-            <a:pPr lvl="1"/>
-            <a:r>
-              <a:rPr lang="en-US" sz="3000" b="1" noProof="1" smtClean="0">
-                <a:solidFill>
-                  <a:schemeClr val="tx2">
-                    <a:lumMod val="75000"/>
-                  </a:schemeClr>
-                </a:solidFill>
-                <a:latin typeface="Consolas" panose="020B0609020204030204" pitchFamily="49" charset="0"/>
-              </a:rPr>
-              <a:t>buttonDraw.Click</a:t>
-            </a:r>
-          </a:p>
-          <a:p>
-            <a:pPr lvl="1"/>
-            <a:r>
-              <a:rPr lang="en-US" sz="3000" b="1" noProof="1" smtClean="0">
-                <a:solidFill>
-                  <a:schemeClr val="tx2">
-                    <a:lumMod val="75000"/>
-                  </a:schemeClr>
-                </a:solidFill>
-                <a:latin typeface="Consolas" panose="020B0609020204030204" pitchFamily="49" charset="0"/>
-              </a:rPr>
-              <a:t>numericUpDownX1.ValueChanged</a:t>
-            </a:r>
-            <a:r>
-              <a:rPr lang="en-US" sz="3000" dirty="0" smtClean="0"/>
-              <a:t>, </a:t>
-            </a:r>
-            <a:r>
-              <a:rPr lang="en-US" sz="3000" b="1" noProof="1" smtClean="0">
-                <a:solidFill>
-                  <a:schemeClr val="tx2">
-                    <a:lumMod val="75000"/>
-                  </a:schemeClr>
-                </a:solidFill>
-                <a:latin typeface="Consolas" panose="020B0609020204030204" pitchFamily="49" charset="0"/>
-              </a:rPr>
-              <a:t>numericUpDownY1</a:t>
-            </a:r>
-            <a:r>
-              <a:rPr lang="en-US" sz="3000" b="1" noProof="1">
-                <a:solidFill>
-                  <a:schemeClr val="tx2">
-                    <a:lumMod val="75000"/>
-                  </a:schemeClr>
-                </a:solidFill>
-                <a:latin typeface="Consolas" panose="020B0609020204030204" pitchFamily="49" charset="0"/>
-              </a:rPr>
-              <a:t>.ValueChanged</a:t>
-            </a:r>
-            <a:r>
-              <a:rPr lang="en-US" sz="3000" dirty="0" smtClean="0"/>
-              <a:t>, </a:t>
-            </a:r>
-            <a:r>
-              <a:rPr lang="en-US" sz="3000" b="1" noProof="1" smtClean="0">
-                <a:solidFill>
-                  <a:schemeClr val="tx2">
-                    <a:lumMod val="75000"/>
-                  </a:schemeClr>
-                </a:solidFill>
-                <a:latin typeface="Consolas" panose="020B0609020204030204" pitchFamily="49" charset="0"/>
-              </a:rPr>
-              <a:t>numericUpDownX2</a:t>
-            </a:r>
-            <a:r>
-              <a:rPr lang="en-US" sz="3000" b="1" noProof="1">
-                <a:solidFill>
-                  <a:schemeClr val="tx2">
-                    <a:lumMod val="75000"/>
-                  </a:schemeClr>
-                </a:solidFill>
-                <a:latin typeface="Consolas" panose="020B0609020204030204" pitchFamily="49" charset="0"/>
-              </a:rPr>
-              <a:t>.ValueChanged</a:t>
-            </a:r>
-            <a:r>
-              <a:rPr lang="en-US" sz="3000" dirty="0" smtClean="0"/>
-              <a:t>, </a:t>
-            </a:r>
-            <a:r>
-              <a:rPr lang="en-US" sz="3000" b="1" noProof="1" smtClean="0">
-                <a:solidFill>
-                  <a:schemeClr val="tx2">
-                    <a:lumMod val="75000"/>
-                  </a:schemeClr>
-                </a:solidFill>
-                <a:latin typeface="Consolas" panose="020B0609020204030204" pitchFamily="49" charset="0"/>
-              </a:rPr>
-              <a:t>numericUpDownY2</a:t>
-            </a:r>
-            <a:r>
-              <a:rPr lang="en-US" sz="3000" b="1" noProof="1">
-                <a:solidFill>
-                  <a:schemeClr val="tx2">
-                    <a:lumMod val="75000"/>
-                  </a:schemeClr>
-                </a:solidFill>
-                <a:latin typeface="Consolas" panose="020B0609020204030204" pitchFamily="49" charset="0"/>
-              </a:rPr>
-              <a:t>.ValueChanged</a:t>
-            </a:r>
-            <a:r>
-              <a:rPr lang="en-US" sz="3000" dirty="0" smtClean="0"/>
-              <a:t>, </a:t>
-            </a:r>
-            <a:r>
-              <a:rPr lang="en-US" sz="3000" b="1" noProof="1" smtClean="0">
-                <a:solidFill>
-                  <a:schemeClr val="tx2">
-                    <a:lumMod val="75000"/>
-                  </a:schemeClr>
-                </a:solidFill>
-                <a:latin typeface="Consolas" panose="020B0609020204030204" pitchFamily="49" charset="0"/>
-              </a:rPr>
-              <a:t>numericUpDownX</a:t>
-            </a:r>
-            <a:r>
-              <a:rPr lang="en-US" sz="3000" b="1" noProof="1">
-                <a:solidFill>
-                  <a:schemeClr val="tx2">
-                    <a:lumMod val="75000"/>
-                  </a:schemeClr>
-                </a:solidFill>
-                <a:latin typeface="Consolas" panose="020B0609020204030204" pitchFamily="49" charset="0"/>
-              </a:rPr>
-              <a:t>.ValueChanged</a:t>
-            </a:r>
-            <a:r>
-              <a:rPr lang="en-US" sz="3000" dirty="0" smtClean="0"/>
-              <a:t> </a:t>
-            </a:r>
-            <a:r>
-              <a:rPr lang="bg-BG" sz="3000" dirty="0" smtClean="0"/>
-              <a:t>и</a:t>
-            </a:r>
-            <a:r>
-              <a:rPr lang="en-US" sz="3000" dirty="0" smtClean="0"/>
-              <a:t> </a:t>
-            </a:r>
-            <a:r>
-              <a:rPr lang="en-US" sz="3000" b="1" noProof="1" smtClean="0">
-                <a:solidFill>
-                  <a:schemeClr val="tx2">
-                    <a:lumMod val="75000"/>
-                  </a:schemeClr>
-                </a:solidFill>
-                <a:latin typeface="Consolas" panose="020B0609020204030204" pitchFamily="49" charset="0"/>
-              </a:rPr>
-              <a:t>numericUpDownY</a:t>
-            </a:r>
-            <a:r>
-              <a:rPr lang="en-US" sz="3000" b="1" noProof="1">
-                <a:solidFill>
-                  <a:schemeClr val="tx2">
-                    <a:lumMod val="75000"/>
-                  </a:schemeClr>
-                </a:solidFill>
-                <a:latin typeface="Consolas" panose="020B0609020204030204" pitchFamily="49" charset="0"/>
-              </a:rPr>
-              <a:t>.ValueChanged</a:t>
-            </a:r>
-            <a:r>
-              <a:rPr lang="en-US" sz="3000" b="1" noProof="1" smtClean="0">
-                <a:solidFill>
-                  <a:schemeClr val="tx2">
-                    <a:lumMod val="75000"/>
-                  </a:schemeClr>
-                </a:solidFill>
-                <a:latin typeface="Consolas" panose="020B0609020204030204" pitchFamily="49" charset="0"/>
-              </a:rPr>
-              <a:t> </a:t>
-            </a:r>
-            <a:endParaRPr lang="bg-BG" sz="3000" b="1" noProof="1" smtClean="0">
-              <a:solidFill>
-                <a:schemeClr val="tx2">
-                  <a:lumMod val="75000"/>
-                </a:schemeClr>
-              </a:solidFill>
-              <a:latin typeface="Consolas" panose="020B0609020204030204" pitchFamily="49" charset="0"/>
-            </a:endParaRPr>
-          </a:p>
-          <a:p>
-            <a:pPr lvl="1"/>
-            <a:r>
-              <a:rPr lang="en-US" sz="3000" b="1" noProof="1" smtClean="0">
-                <a:solidFill>
-                  <a:schemeClr val="tx2">
-                    <a:lumMod val="75000"/>
-                  </a:schemeClr>
-                </a:solidFill>
-                <a:latin typeface="Consolas" panose="020B0609020204030204" pitchFamily="49" charset="0"/>
-              </a:rPr>
-              <a:t>FormPointAndRectangle.Load</a:t>
-            </a:r>
-            <a:r>
-              <a:rPr lang="en-US" sz="3000" dirty="0"/>
-              <a:t> </a:t>
-            </a:r>
-            <a:r>
-              <a:rPr lang="bg-BG" sz="3000" dirty="0" smtClean="0"/>
-              <a:t>и </a:t>
-            </a:r>
-            <a:r>
-              <a:rPr lang="en-US" sz="3000" b="1" noProof="1" smtClean="0">
-                <a:solidFill>
-                  <a:schemeClr val="tx2">
-                    <a:lumMod val="75000"/>
-                  </a:schemeClr>
-                </a:solidFill>
-                <a:latin typeface="Consolas" panose="020B0609020204030204" pitchFamily="49" charset="0"/>
-              </a:rPr>
-              <a:t>FormPointAndRectangle.</a:t>
-            </a:r>
-            <a:r>
-              <a:rPr lang="en-US" sz="3000" b="1" dirty="0" smtClean="0">
-                <a:solidFill>
-                  <a:schemeClr val="tx2">
-                    <a:lumMod val="75000"/>
-                  </a:schemeClr>
-                </a:solidFill>
-                <a:latin typeface="Consolas" panose="020B0609020204030204" pitchFamily="49" charset="0"/>
-              </a:rPr>
-              <a:t>Resize</a:t>
-            </a:r>
-            <a:endParaRPr lang="en-US" dirty="0"/>
-          </a:p>
-        </p:txBody>
-      </p:sp>
-      <p:sp>
-        <p:nvSpPr>
-          <p:cNvPr id="4" name="Title 3"/>
-          <p:cNvSpPr>
-            <a:spLocks noGrp="1"/>
-          </p:cNvSpPr>
-          <p:nvPr>
-            <p:ph type="title"/>
-          </p:nvPr>
-        </p:nvSpPr>
-        <p:spPr/>
-        <p:txBody>
-          <a:bodyPr/>
-          <a:lstStyle/>
-          <a:p>
-            <a:r>
-              <a:rPr lang="bg-BG" dirty="0" smtClean="0"/>
-              <a:t>Прихващане на събития по контролите</a:t>
-            </a:r>
-            <a:endParaRPr lang="en-US" dirty="0"/>
-          </a:p>
-        </p:txBody>
-      </p:sp>
-      <p:sp>
-        <p:nvSpPr>
-          <p:cNvPr id="5" name="Rectangle 5"/>
-          <p:cNvSpPr>
-            <a:spLocks noChangeArrowheads="1"/>
-          </p:cNvSpPr>
-          <p:nvPr/>
-        </p:nvSpPr>
-        <p:spPr bwMode="auto">
-          <a:xfrm>
-            <a:off x="7694612" y="2514600"/>
-            <a:ext cx="3657600" cy="3108543"/>
-          </a:xfrm>
-          <a:prstGeom prst="rect">
-            <a:avLst/>
-          </a:prstGeom>
-          <a:solidFill>
-            <a:schemeClr val="accent5">
-              <a:lumMod val="40000"/>
-              <a:lumOff val="60000"/>
-              <a:alpha val="20000"/>
-            </a:schemeClr>
-          </a:solidFill>
-          <a:ln w="12700">
-            <a:solidFill>
-              <a:schemeClr val="accent5">
-                <a:lumMod val="60000"/>
-                <a:lumOff val="40000"/>
-              </a:schemeClr>
-            </a:solidFill>
-          </a:ln>
-        </p:spPr>
-        <p:txBody>
-          <a:bodyPr wrap="square">
-            <a:spAutoFit/>
-          </a:bodyPr>
-          <a:lstStyle/>
-          <a:p>
-            <a:pPr eaLnBrk="0" hangingPunct="0">
-              <a:buClr>
-                <a:schemeClr val="accent5">
-                  <a:lumMod val="40000"/>
-                  <a:lumOff val="60000"/>
-                </a:schemeClr>
-              </a:buClr>
-              <a:buSzPct val="70000"/>
-            </a:pPr>
-            <a:r>
-              <a:rPr lang="en-US" sz="2800" b="1" noProof="1">
-                <a:solidFill>
-                  <a:srgbClr val="FBEEDC"/>
-                </a:solidFill>
-                <a:effectLst>
-                  <a:outerShdw blurRad="38100" dist="38100" dir="2700000" algn="tl">
-                    <a:srgbClr val="000000">
-                      <a:alpha val="43137"/>
-                    </a:srgbClr>
-                  </a:outerShdw>
-                </a:effectLst>
-                <a:latin typeface="Consolas" pitchFamily="49" charset="0"/>
-                <a:cs typeface="Consolas" pitchFamily="49" charset="0"/>
-              </a:rPr>
-              <a:t>private void </a:t>
-            </a:r>
-            <a:r>
-              <a:rPr lang="en-US" sz="2800" b="1" noProof="1" smtClean="0">
-                <a:solidFill>
-                  <a:srgbClr val="FBEEDC"/>
-                </a:solidFill>
-                <a:effectLst>
-                  <a:outerShdw blurRad="38100" dist="38100" dir="2700000" algn="tl">
-                    <a:srgbClr val="000000">
-                      <a:alpha val="43137"/>
-                    </a:srgbClr>
-                  </a:outerShdw>
-                </a:effectLst>
-                <a:latin typeface="Consolas" pitchFamily="49" charset="0"/>
-                <a:cs typeface="Consolas" pitchFamily="49" charset="0"/>
-              </a:rPr>
-              <a:t>buttonDraw_Click(</a:t>
-            </a:r>
-          </a:p>
-          <a:p>
-            <a:pPr eaLnBrk="0" hangingPunct="0">
-              <a:buClr>
-                <a:schemeClr val="accent5">
-                  <a:lumMod val="40000"/>
-                  <a:lumOff val="60000"/>
-                </a:schemeClr>
-              </a:buClr>
-              <a:buSzPct val="70000"/>
-            </a:pPr>
-            <a:r>
-              <a:rPr lang="en-US" sz="2800" b="1" noProof="1">
-                <a:solidFill>
-                  <a:srgbClr val="FBEEDC"/>
-                </a:solidFill>
-                <a:effectLst>
-                  <a:outerShdw blurRad="38100" dist="38100" dir="2700000" algn="tl">
-                    <a:srgbClr val="000000">
-                      <a:alpha val="43137"/>
-                    </a:srgbClr>
-                  </a:outerShdw>
-                </a:effectLst>
-                <a:latin typeface="Consolas" pitchFamily="49" charset="0"/>
-                <a:cs typeface="Consolas" pitchFamily="49" charset="0"/>
-              </a:rPr>
-              <a:t> </a:t>
-            </a:r>
-            <a:r>
-              <a:rPr lang="en-US" sz="2800" b="1" noProof="1" smtClean="0">
-                <a:solidFill>
-                  <a:srgbClr val="FBEEDC"/>
-                </a:solidFill>
-                <a:effectLst>
-                  <a:outerShdw blurRad="38100" dist="38100" dir="2700000" algn="tl">
-                    <a:srgbClr val="000000">
-                      <a:alpha val="43137"/>
-                    </a:srgbClr>
-                  </a:outerShdw>
-                </a:effectLst>
-                <a:latin typeface="Consolas" pitchFamily="49" charset="0"/>
-                <a:cs typeface="Consolas" pitchFamily="49" charset="0"/>
-              </a:rPr>
-              <a:t>  object </a:t>
-            </a:r>
-            <a:r>
-              <a:rPr lang="en-US" sz="2800" b="1" noProof="1">
-                <a:solidFill>
-                  <a:srgbClr val="FBEEDC"/>
-                </a:solidFill>
-                <a:effectLst>
-                  <a:outerShdw blurRad="38100" dist="38100" dir="2700000" algn="tl">
-                    <a:srgbClr val="000000">
-                      <a:alpha val="43137"/>
-                    </a:srgbClr>
-                  </a:outerShdw>
-                </a:effectLst>
-                <a:latin typeface="Consolas" pitchFamily="49" charset="0"/>
-                <a:cs typeface="Consolas" pitchFamily="49" charset="0"/>
-              </a:rPr>
-              <a:t>sender</a:t>
-            </a:r>
-            <a:r>
-              <a:rPr lang="en-US" sz="2800" b="1" noProof="1" smtClean="0">
-                <a:solidFill>
-                  <a:srgbClr val="FBEEDC"/>
-                </a:solidFill>
-                <a:effectLst>
-                  <a:outerShdw blurRad="38100" dist="38100" dir="2700000" algn="tl">
-                    <a:srgbClr val="000000">
-                      <a:alpha val="43137"/>
-                    </a:srgbClr>
-                  </a:outerShdw>
-                </a:effectLst>
-                <a:latin typeface="Consolas" pitchFamily="49" charset="0"/>
-                <a:cs typeface="Consolas" pitchFamily="49" charset="0"/>
-              </a:rPr>
-              <a:t>,</a:t>
-            </a:r>
-          </a:p>
-          <a:p>
-            <a:pPr eaLnBrk="0" hangingPunct="0">
-              <a:buClr>
-                <a:schemeClr val="accent5">
-                  <a:lumMod val="40000"/>
-                  <a:lumOff val="60000"/>
-                </a:schemeClr>
-              </a:buClr>
-              <a:buSzPct val="70000"/>
-            </a:pPr>
-            <a:r>
-              <a:rPr lang="en-US" sz="2800" b="1" noProof="1">
-                <a:solidFill>
-                  <a:srgbClr val="FBEEDC"/>
-                </a:solidFill>
-                <a:effectLst>
-                  <a:outerShdw blurRad="38100" dist="38100" dir="2700000" algn="tl">
-                    <a:srgbClr val="000000">
-                      <a:alpha val="43137"/>
-                    </a:srgbClr>
-                  </a:outerShdw>
-                </a:effectLst>
-                <a:latin typeface="Consolas" pitchFamily="49" charset="0"/>
-                <a:cs typeface="Consolas" pitchFamily="49" charset="0"/>
-              </a:rPr>
-              <a:t> </a:t>
-            </a:r>
-            <a:r>
-              <a:rPr lang="en-US" sz="2800" b="1" noProof="1" smtClean="0">
-                <a:solidFill>
-                  <a:srgbClr val="FBEEDC"/>
-                </a:solidFill>
-                <a:effectLst>
-                  <a:outerShdw blurRad="38100" dist="38100" dir="2700000" algn="tl">
-                    <a:srgbClr val="000000">
-                      <a:alpha val="43137"/>
-                    </a:srgbClr>
-                  </a:outerShdw>
-                </a:effectLst>
-                <a:latin typeface="Consolas" pitchFamily="49" charset="0"/>
-                <a:cs typeface="Consolas" pitchFamily="49" charset="0"/>
-              </a:rPr>
-              <a:t>  </a:t>
-            </a:r>
-            <a:r>
-              <a:rPr lang="en-US" sz="2800" b="1" noProof="1">
-                <a:solidFill>
-                  <a:srgbClr val="FBEEDC"/>
-                </a:solidFill>
-                <a:effectLst>
-                  <a:outerShdw blurRad="38100" dist="38100" dir="2700000" algn="tl">
-                    <a:srgbClr val="000000">
-                      <a:alpha val="43137"/>
-                    </a:srgbClr>
-                  </a:outerShdw>
-                </a:effectLst>
-                <a:latin typeface="Consolas" pitchFamily="49" charset="0"/>
-                <a:cs typeface="Consolas" pitchFamily="49" charset="0"/>
-              </a:rPr>
-              <a:t>EventArgs e)</a:t>
-            </a:r>
-          </a:p>
-          <a:p>
-            <a:pPr eaLnBrk="0" hangingPunct="0">
-              <a:buClr>
-                <a:schemeClr val="accent5">
-                  <a:lumMod val="40000"/>
-                  <a:lumOff val="60000"/>
-                </a:schemeClr>
-              </a:buClr>
-              <a:buSzPct val="70000"/>
-            </a:pPr>
-            <a:r>
-              <a:rPr lang="en-US" sz="2800" b="1" noProof="1">
-                <a:solidFill>
-                  <a:srgbClr val="FBEEDC"/>
-                </a:solidFill>
-                <a:effectLst>
-                  <a:outerShdw blurRad="38100" dist="38100" dir="2700000" algn="tl">
-                    <a:srgbClr val="000000">
-                      <a:alpha val="43137"/>
-                    </a:srgbClr>
-                  </a:outerShdw>
-                </a:effectLst>
-                <a:latin typeface="Consolas" pitchFamily="49" charset="0"/>
-                <a:cs typeface="Consolas" pitchFamily="49" charset="0"/>
-              </a:rPr>
-              <a:t>{</a:t>
-            </a:r>
-          </a:p>
-          <a:p>
-            <a:pPr eaLnBrk="0" hangingPunct="0">
-              <a:buClr>
-                <a:schemeClr val="accent5">
-                  <a:lumMod val="40000"/>
-                  <a:lumOff val="60000"/>
-                </a:schemeClr>
-              </a:buClr>
-              <a:buSzPct val="70000"/>
-            </a:pPr>
-            <a:r>
-              <a:rPr lang="en-US" sz="2800" b="1" noProof="1">
-                <a:solidFill>
-                  <a:srgbClr val="FBEEDC"/>
-                </a:solidFill>
-                <a:effectLst>
-                  <a:outerShdw blurRad="38100" dist="38100" dir="2700000" algn="tl">
-                    <a:srgbClr val="000000">
-                      <a:alpha val="43137"/>
-                    </a:srgbClr>
-                  </a:outerShdw>
-                </a:effectLst>
-                <a:latin typeface="Consolas" pitchFamily="49" charset="0"/>
-                <a:cs typeface="Consolas" pitchFamily="49" charset="0"/>
-              </a:rPr>
-              <a:t>   </a:t>
-            </a:r>
-            <a:r>
-              <a:rPr lang="en-US" sz="2800" b="1" noProof="1" smtClean="0">
-                <a:solidFill>
-                  <a:schemeClr val="tx2">
-                    <a:lumMod val="75000"/>
-                  </a:schemeClr>
-                </a:solidFill>
-                <a:effectLst>
-                  <a:outerShdw blurRad="38100" dist="38100" dir="2700000" algn="tl">
-                    <a:srgbClr val="000000">
-                      <a:alpha val="43137"/>
-                    </a:srgbClr>
-                  </a:outerShdw>
-                </a:effectLst>
-                <a:latin typeface="Consolas" pitchFamily="49" charset="0"/>
-                <a:cs typeface="Consolas" pitchFamily="49" charset="0"/>
-              </a:rPr>
-              <a:t>Draw()</a:t>
-            </a:r>
-            <a:endParaRPr lang="en-US" sz="2800" b="1" noProof="1">
-              <a:solidFill>
-                <a:schemeClr val="tx2">
-                  <a:lumMod val="75000"/>
-                </a:schemeClr>
-              </a:solidFill>
-              <a:effectLst>
-                <a:outerShdw blurRad="38100" dist="38100" dir="2700000" algn="tl">
-                  <a:srgbClr val="000000">
-                    <a:alpha val="43137"/>
-                  </a:srgbClr>
-                </a:outerShdw>
-              </a:effectLst>
-              <a:latin typeface="Consolas" pitchFamily="49" charset="0"/>
-              <a:cs typeface="Consolas" pitchFamily="49" charset="0"/>
-            </a:endParaRPr>
-          </a:p>
-          <a:p>
-            <a:pPr eaLnBrk="0" hangingPunct="0">
-              <a:buClr>
-                <a:schemeClr val="accent5">
-                  <a:lumMod val="40000"/>
-                  <a:lumOff val="60000"/>
-                </a:schemeClr>
-              </a:buClr>
-              <a:buSzPct val="70000"/>
-            </a:pPr>
-            <a:r>
-              <a:rPr lang="en-US" sz="2800" b="1" noProof="1">
-                <a:solidFill>
-                  <a:srgbClr val="FBEEDC"/>
-                </a:solidFill>
-                <a:effectLst>
-                  <a:outerShdw blurRad="38100" dist="38100" dir="2700000" algn="tl">
-                    <a:srgbClr val="000000">
-                      <a:alpha val="43137"/>
-                    </a:srgbClr>
-                  </a:outerShdw>
-                </a:effectLst>
-                <a:latin typeface="Consolas" pitchFamily="49" charset="0"/>
-                <a:cs typeface="Consolas" pitchFamily="49" charset="0"/>
-              </a:rPr>
-              <a:t>}</a:t>
-            </a:r>
-          </a:p>
-        </p:txBody>
-      </p:sp>
-      <p:sp>
-        <p:nvSpPr>
-          <p:cNvPr id="8" name="Content Placeholder 2"/>
-          <p:cNvSpPr txBox="1">
-            <a:spLocks/>
-          </p:cNvSpPr>
-          <p:nvPr/>
-        </p:nvSpPr>
-        <p:spPr>
-          <a:xfrm>
-            <a:off x="7313612" y="1151118"/>
-            <a:ext cx="4062325" cy="1287279"/>
-          </a:xfrm>
-          <a:prstGeom prst="rect">
-            <a:avLst/>
-          </a:prstGeom>
-        </p:spPr>
-        <p:txBody>
-          <a:bodyPr vert="horz" lIns="108000" tIns="36000" rIns="108000" bIns="36000" rtlCol="0">
-            <a:normAutofit/>
-          </a:bodyPr>
-          <a:lstStyle>
-            <a:lvl1pPr marL="304747" indent="-304747" algn="l" defTabSz="1218987" rtl="0" eaLnBrk="1" latinLnBrk="0" hangingPunct="1">
-              <a:lnSpc>
-                <a:spcPct val="105000"/>
-              </a:lnSpc>
-              <a:spcBef>
-                <a:spcPts val="600"/>
-              </a:spcBef>
-              <a:spcAft>
-                <a:spcPts val="600"/>
-              </a:spcAft>
-              <a:buClr>
-                <a:srgbClr val="F2B254"/>
-              </a:buClr>
-              <a:buSzPct val="100000"/>
-              <a:buFont typeface="Wingdings" panose="05000000000000000000" pitchFamily="2" charset="2"/>
-              <a:buChar char="§"/>
-              <a:defRPr sz="3400" b="0" kern="1200">
-                <a:solidFill>
-                  <a:schemeClr val="tx1"/>
-                </a:solidFill>
-                <a:latin typeface="+mn-lt"/>
-                <a:ea typeface="+mn-ea"/>
-                <a:cs typeface="+mn-cs"/>
-              </a:defRPr>
-            </a:lvl1pPr>
-            <a:lvl2pPr marL="609493" indent="-231606" algn="l" defTabSz="1218987" rtl="0" eaLnBrk="1" latinLnBrk="0" hangingPunct="1">
-              <a:lnSpc>
-                <a:spcPct val="105000"/>
-              </a:lnSpc>
-              <a:spcBef>
-                <a:spcPts val="600"/>
-              </a:spcBef>
-              <a:spcAft>
-                <a:spcPts val="600"/>
-              </a:spcAft>
-              <a:buClr>
-                <a:schemeClr val="accent1"/>
-              </a:buClr>
-              <a:buSzPct val="80000"/>
-              <a:buFont typeface="Wingdings" panose="05000000000000000000" pitchFamily="2" charset="2"/>
-              <a:buChar char="§"/>
-              <a:defRPr sz="3200" b="0" kern="1200">
-                <a:solidFill>
-                  <a:schemeClr val="tx1"/>
-                </a:solidFill>
-                <a:latin typeface="+mn-lt"/>
-                <a:ea typeface="+mn-ea"/>
-                <a:cs typeface="+mn-cs"/>
-              </a:defRPr>
-            </a:lvl2pPr>
-            <a:lvl3pPr marL="914240" indent="-231606" algn="l" defTabSz="1218987" rtl="0" eaLnBrk="1" latinLnBrk="0" hangingPunct="1">
-              <a:lnSpc>
-                <a:spcPct val="105000"/>
-              </a:lnSpc>
-              <a:spcBef>
-                <a:spcPts val="600"/>
-              </a:spcBef>
-              <a:spcAft>
-                <a:spcPts val="600"/>
-              </a:spcAft>
-              <a:buClr>
-                <a:srgbClr val="EF9A1D"/>
-              </a:buClr>
-              <a:buSzPct val="80000"/>
-              <a:buFont typeface="Wingdings" panose="05000000000000000000" pitchFamily="2" charset="2"/>
-              <a:buChar char="§"/>
-              <a:defRPr sz="3000" b="0" kern="1200">
-                <a:solidFill>
-                  <a:schemeClr val="tx1"/>
-                </a:solidFill>
-                <a:latin typeface="+mn-lt"/>
-                <a:ea typeface="+mn-ea"/>
-                <a:cs typeface="+mn-cs"/>
-              </a:defRPr>
-            </a:lvl3pPr>
-            <a:lvl4pPr marL="1218987" indent="-231606" algn="l" defTabSz="1218987" rtl="0" eaLnBrk="1" latinLnBrk="0" hangingPunct="1">
-              <a:lnSpc>
-                <a:spcPct val="105000"/>
-              </a:lnSpc>
-              <a:spcBef>
-                <a:spcPts val="600"/>
-              </a:spcBef>
-              <a:spcAft>
-                <a:spcPts val="600"/>
-              </a:spcAft>
-              <a:buClr>
-                <a:srgbClr val="ED9411"/>
-              </a:buClr>
-              <a:buSzPct val="80000"/>
-              <a:buFont typeface="Wingdings" panose="05000000000000000000" pitchFamily="2" charset="2"/>
-              <a:buChar char="§"/>
-              <a:defRPr sz="2800" b="0" kern="1200">
-                <a:solidFill>
-                  <a:schemeClr val="tx1"/>
-                </a:solidFill>
-                <a:latin typeface="+mn-lt"/>
-                <a:ea typeface="+mn-ea"/>
-                <a:cs typeface="+mn-cs"/>
-              </a:defRPr>
-            </a:lvl4pPr>
-            <a:lvl5pPr marL="1523733" indent="-231606" algn="l" defTabSz="1218987" rtl="0" eaLnBrk="1" latinLnBrk="0" hangingPunct="1">
-              <a:lnSpc>
-                <a:spcPct val="105000"/>
-              </a:lnSpc>
-              <a:spcBef>
-                <a:spcPts val="600"/>
-              </a:spcBef>
-              <a:spcAft>
-                <a:spcPts val="600"/>
-              </a:spcAft>
-              <a:buClr>
-                <a:srgbClr val="E28D10"/>
-              </a:buClr>
-              <a:buSzPct val="80000"/>
-              <a:buFont typeface="Wingdings" panose="05000000000000000000" pitchFamily="2" charset="2"/>
-              <a:buChar char="§"/>
-              <a:defRPr sz="2600" b="0" kern="1200">
-                <a:solidFill>
-                  <a:schemeClr val="tx1"/>
-                </a:solidFill>
-                <a:latin typeface="+mn-lt"/>
-                <a:ea typeface="+mn-ea"/>
-                <a:cs typeface="+mn-cs"/>
-              </a:defRPr>
-            </a:lvl5pPr>
-            <a:lvl6pPr marL="1828480" indent="-231606" algn="l" defTabSz="1218987" rtl="0" eaLnBrk="1" latinLnBrk="0" hangingPunct="1">
-              <a:lnSpc>
-                <a:spcPct val="90000"/>
-              </a:lnSpc>
-              <a:spcBef>
-                <a:spcPts val="800"/>
-              </a:spcBef>
-              <a:buClr>
-                <a:schemeClr val="accent1"/>
-              </a:buClr>
-              <a:buSzPct val="80000"/>
-              <a:buFont typeface="Arial" pitchFamily="34" charset="0"/>
-              <a:buChar char="•"/>
-              <a:defRPr sz="2000" kern="1200">
-                <a:solidFill>
-                  <a:schemeClr val="tx1"/>
-                </a:solidFill>
-                <a:latin typeface="+mn-lt"/>
-                <a:ea typeface="+mn-ea"/>
-                <a:cs typeface="+mn-cs"/>
-              </a:defRPr>
-            </a:lvl6pPr>
-            <a:lvl7pPr marL="2133227" indent="-231606" algn="l" defTabSz="1218987" rtl="0" eaLnBrk="1" latinLnBrk="0" hangingPunct="1">
-              <a:lnSpc>
-                <a:spcPct val="90000"/>
-              </a:lnSpc>
-              <a:spcBef>
-                <a:spcPts val="800"/>
-              </a:spcBef>
-              <a:buClr>
-                <a:schemeClr val="accent1"/>
-              </a:buClr>
-              <a:buSzPct val="80000"/>
-              <a:buFont typeface="Arial" pitchFamily="34" charset="0"/>
-              <a:buChar char="•"/>
-              <a:defRPr sz="2000" kern="1200">
-                <a:solidFill>
-                  <a:schemeClr val="tx1"/>
-                </a:solidFill>
-                <a:latin typeface="+mn-lt"/>
-                <a:ea typeface="+mn-ea"/>
-                <a:cs typeface="+mn-cs"/>
-              </a:defRPr>
-            </a:lvl7pPr>
-            <a:lvl8pPr marL="2437972" indent="-231606" algn="l" defTabSz="1218987" rtl="0" eaLnBrk="1" latinLnBrk="0" hangingPunct="1">
-              <a:lnSpc>
-                <a:spcPct val="90000"/>
-              </a:lnSpc>
-              <a:spcBef>
-                <a:spcPts val="800"/>
-              </a:spcBef>
-              <a:buClr>
-                <a:schemeClr val="accent1"/>
-              </a:buClr>
-              <a:buSzPct val="80000"/>
-              <a:buFont typeface="Arial" pitchFamily="34" charset="0"/>
-              <a:buChar char="•"/>
-              <a:defRPr sz="2000" kern="1200" baseline="0">
-                <a:solidFill>
-                  <a:schemeClr val="tx1"/>
-                </a:solidFill>
-                <a:latin typeface="+mn-lt"/>
-                <a:ea typeface="+mn-ea"/>
-                <a:cs typeface="+mn-cs"/>
-              </a:defRPr>
-            </a:lvl8pPr>
-            <a:lvl9pPr marL="2742720" indent="-231606" algn="l" defTabSz="1218987" rtl="0" eaLnBrk="1" latinLnBrk="0" hangingPunct="1">
-              <a:lnSpc>
-                <a:spcPct val="90000"/>
-              </a:lnSpc>
-              <a:spcBef>
-                <a:spcPts val="800"/>
-              </a:spcBef>
-              <a:buClr>
-                <a:schemeClr val="accent1"/>
-              </a:buClr>
-              <a:buSzPct val="80000"/>
-              <a:buFont typeface="Arial" pitchFamily="34" charset="0"/>
-              <a:buChar char="•"/>
-              <a:defRPr sz="2000" kern="1200" baseline="0">
-                <a:solidFill>
-                  <a:schemeClr val="tx1"/>
-                </a:solidFill>
-                <a:latin typeface="+mn-lt"/>
-                <a:ea typeface="+mn-ea"/>
-                <a:cs typeface="+mn-cs"/>
-              </a:defRPr>
-            </a:lvl9pPr>
-          </a:lstStyle>
-          <a:p>
-            <a:r>
-              <a:rPr lang="bg-BG" dirty="0"/>
-              <a:t>Всичките събития извикват </a:t>
-            </a:r>
-            <a:r>
-              <a:rPr lang="en-US" b="1" dirty="0">
-                <a:solidFill>
-                  <a:schemeClr val="tx2">
-                    <a:lumMod val="75000"/>
-                  </a:schemeClr>
-                </a:solidFill>
-                <a:latin typeface="Consolas" panose="020B0609020204030204" pitchFamily="49" charset="0"/>
-              </a:rPr>
-              <a:t>Draw()</a:t>
-            </a:r>
-            <a:r>
-              <a:rPr lang="en-US" dirty="0"/>
-              <a:t>:</a:t>
-            </a:r>
-            <a:endParaRPr lang="bg-BG" dirty="0"/>
-          </a:p>
-        </p:txBody>
-      </p:sp>
-    </p:spTree>
-    <p:extLst>
-      <p:ext uri="{BB962C8B-B14F-4D97-AF65-F5344CB8AC3E}">
-        <p14:creationId xmlns:p14="http://schemas.microsoft.com/office/powerpoint/2010/main" val="3113180955"/>
-      </p:ext>
-    </p:extLst>
-  </p:cSld>
-  <p:clrMapOvr>
-    <a:masterClrMapping/>
-  </p:clrMapOvr>
-  <mc:AlternateContent xmlns:mc="http://schemas.openxmlformats.org/markup-compatibility/2006" xmlns:p14="http://schemas.microsoft.com/office/powerpoint/2010/main">
-    <mc:Choice Requires="p14">
-      <p:transition p14:dur="0"/>
-    </mc:Choice>
-    <mc:Fallback xmlns="">
-      <p:transition/>
-    </mc:Fallback>
-  </mc:AlternateContent>
-  <p:timing>
-    <p:tnLst>
-      <p:par>
-        <p:cTn id="1" dur="indefinite" restart="never" nodeType="tmRoot"/>
-      </p:par>
-    </p:tnLst>
-  </p:timing>
-</p:sld>
-</file>
-
-<file path=ppt/slides/slide32.xml><?xml version="1.0" encoding="utf-8"?>
-<p:sld xmlns:a="http://schemas.openxmlformats.org/drawingml/2006/main" xmlns:r="http://schemas.openxmlformats.org/officeDocument/2006/relationships" xmlns:p="http://schemas.openxmlformats.org/presentationml/2006/main">
-  <p:cSld>
-    <p:spTree>
-      <p:nvGrpSpPr>
-        <p:cNvPr id="1" name=""/>
-        <p:cNvGrpSpPr/>
-        <p:nvPr/>
-      </p:nvGrpSpPr>
-      <p:grpSpPr>
-        <a:xfrm>
-          <a:off x="0" y="0"/>
-          <a:ext cx="0" cy="0"/>
-          <a:chOff x="0" y="0"/>
-          <a:chExt cx="0" cy="0"/>
-        </a:xfrm>
-      </p:grpSpPr>
-      <p:sp>
-        <p:nvSpPr>
-          <p:cNvPr id="2" name="Slide Number Placeholder 1"/>
-          <p:cNvSpPr>
-            <a:spLocks noGrp="1"/>
-          </p:cNvSpPr>
-          <p:nvPr>
-            <p:ph type="sldNum" sz="quarter" idx="4"/>
-          </p:nvPr>
-        </p:nvSpPr>
-        <p:spPr/>
-        <p:txBody>
-          <a:bodyPr/>
-          <a:lstStyle/>
-          <a:p>
-            <a:fld id="{C014DD1E-5D91-48A3-AD6D-45FBA980D106}" type="slidenum">
-              <a:rPr lang="en-US" smtClean="0"/>
-              <a:pPr/>
-              <a:t>32</a:t>
-            </a:fld>
-            <a:endParaRPr lang="en-US" dirty="0"/>
-          </a:p>
-        </p:txBody>
-      </p:sp>
-      <p:sp>
-        <p:nvSpPr>
-          <p:cNvPr id="4" name="Title 3"/>
-          <p:cNvSpPr>
-            <a:spLocks noGrp="1"/>
-          </p:cNvSpPr>
-          <p:nvPr>
-            <p:ph type="title"/>
-          </p:nvPr>
-        </p:nvSpPr>
-        <p:spPr/>
-        <p:txBody>
-          <a:bodyPr>
-            <a:normAutofit/>
-          </a:bodyPr>
-          <a:lstStyle/>
-          <a:p>
-            <a:r>
-              <a:rPr lang="bg-BG" dirty="0" smtClean="0"/>
-              <a:t>Писане на кода за визуализация</a:t>
-            </a:r>
-            <a:endParaRPr lang="en-US" dirty="0"/>
-          </a:p>
-        </p:txBody>
-      </p:sp>
-      <p:sp>
-        <p:nvSpPr>
-          <p:cNvPr id="5" name="Rectangle 5"/>
-          <p:cNvSpPr>
-            <a:spLocks noChangeArrowheads="1"/>
-          </p:cNvSpPr>
-          <p:nvPr/>
-        </p:nvSpPr>
-        <p:spPr bwMode="auto">
-          <a:xfrm>
-            <a:off x="760412" y="1143000"/>
-            <a:ext cx="10668000" cy="5201424"/>
-          </a:xfrm>
-          <a:prstGeom prst="rect">
-            <a:avLst/>
-          </a:prstGeom>
-          <a:solidFill>
-            <a:schemeClr val="accent5">
-              <a:lumMod val="40000"/>
-              <a:lumOff val="60000"/>
-              <a:alpha val="20000"/>
-            </a:schemeClr>
-          </a:solidFill>
-          <a:ln w="12700">
-            <a:solidFill>
-              <a:schemeClr val="accent5">
-                <a:lumMod val="60000"/>
-                <a:lumOff val="40000"/>
-              </a:schemeClr>
-            </a:solidFill>
-          </a:ln>
-        </p:spPr>
-        <p:txBody>
-          <a:bodyPr wrap="square">
-            <a:spAutoFit/>
-          </a:bodyPr>
-          <a:lstStyle/>
-          <a:p>
-            <a:pPr eaLnBrk="0" hangingPunct="0">
-              <a:buClr>
-                <a:schemeClr val="accent5">
-                  <a:lumMod val="40000"/>
-                  <a:lumOff val="60000"/>
-                </a:schemeClr>
-              </a:buClr>
-              <a:buSzPct val="70000"/>
-            </a:pPr>
-            <a:r>
-              <a:rPr lang="en-US" b="1" noProof="1">
-                <a:solidFill>
-                  <a:srgbClr val="FBEEDC"/>
-                </a:solidFill>
-                <a:effectLst>
-                  <a:outerShdw blurRad="38100" dist="38100" dir="2700000" algn="tl">
-                    <a:srgbClr val="000000">
-                      <a:alpha val="43137"/>
-                    </a:srgbClr>
-                  </a:outerShdw>
-                </a:effectLst>
-                <a:latin typeface="Consolas" pitchFamily="49" charset="0"/>
-                <a:cs typeface="Consolas" pitchFamily="49" charset="0"/>
-              </a:rPr>
-              <a:t>private void Draw()</a:t>
-            </a:r>
-          </a:p>
-          <a:p>
-            <a:pPr eaLnBrk="0" hangingPunct="0">
-              <a:buClr>
-                <a:schemeClr val="accent5">
-                  <a:lumMod val="40000"/>
-                  <a:lumOff val="60000"/>
-                </a:schemeClr>
-              </a:buClr>
-              <a:buSzPct val="70000"/>
-            </a:pPr>
-            <a:r>
-              <a:rPr lang="en-US" b="1" noProof="1">
-                <a:solidFill>
-                  <a:srgbClr val="FBEEDC"/>
-                </a:solidFill>
-                <a:effectLst>
-                  <a:outerShdw blurRad="38100" dist="38100" dir="2700000" algn="tl">
-                    <a:srgbClr val="000000">
-                      <a:alpha val="43137"/>
-                    </a:srgbClr>
-                  </a:outerShdw>
-                </a:effectLst>
-                <a:latin typeface="Consolas" pitchFamily="49" charset="0"/>
-                <a:cs typeface="Consolas" pitchFamily="49" charset="0"/>
-              </a:rPr>
-              <a:t>{</a:t>
-            </a:r>
-          </a:p>
-          <a:p>
-            <a:pPr eaLnBrk="0" hangingPunct="0">
-              <a:buClr>
-                <a:schemeClr val="accent5">
-                  <a:lumMod val="40000"/>
-                  <a:lumOff val="60000"/>
-                </a:schemeClr>
-              </a:buClr>
-              <a:buSzPct val="70000"/>
-            </a:pPr>
-            <a:r>
-              <a:rPr lang="en-US" b="1" noProof="1">
-                <a:solidFill>
-                  <a:schemeClr val="tx2">
-                    <a:lumMod val="75000"/>
-                  </a:schemeClr>
-                </a:solidFill>
-                <a:effectLst>
-                  <a:outerShdw blurRad="38100" dist="38100" dir="2700000" algn="tl">
-                    <a:srgbClr val="000000">
-                      <a:alpha val="43137"/>
-                    </a:srgbClr>
-                  </a:outerShdw>
-                </a:effectLst>
-                <a:latin typeface="Consolas" pitchFamily="49" charset="0"/>
-                <a:cs typeface="Consolas" pitchFamily="49" charset="0"/>
-              </a:rPr>
-              <a:t>  </a:t>
-            </a:r>
-            <a:r>
-              <a:rPr lang="en-US" b="1" noProof="1" smtClean="0">
-                <a:solidFill>
-                  <a:schemeClr val="tx2">
-                    <a:lumMod val="75000"/>
-                  </a:schemeClr>
-                </a:solidFill>
-                <a:effectLst>
-                  <a:outerShdw blurRad="38100" dist="38100" dir="2700000" algn="tl">
-                    <a:srgbClr val="000000">
-                      <a:alpha val="43137"/>
-                    </a:srgbClr>
-                  </a:outerShdw>
-                </a:effectLst>
-                <a:latin typeface="Consolas" pitchFamily="49" charset="0"/>
-                <a:cs typeface="Consolas" pitchFamily="49" charset="0"/>
-              </a:rPr>
-              <a:t># </a:t>
-            </a:r>
-            <a:r>
-              <a:rPr lang="en-US" b="1" noProof="1">
-                <a:solidFill>
-                  <a:schemeClr val="tx2">
-                    <a:lumMod val="75000"/>
-                  </a:schemeClr>
-                </a:solidFill>
-                <a:effectLst>
-                  <a:outerShdw blurRad="38100" dist="38100" dir="2700000" algn="tl">
-                    <a:srgbClr val="000000">
-                      <a:alpha val="43137"/>
-                    </a:srgbClr>
-                  </a:outerShdw>
-                </a:effectLst>
-                <a:latin typeface="Consolas" pitchFamily="49" charset="0"/>
-                <a:cs typeface="Consolas" pitchFamily="49" charset="0"/>
-              </a:rPr>
-              <a:t>Get the rectangle and point coordinates from the form</a:t>
-            </a:r>
-          </a:p>
-          <a:p>
-            <a:pPr eaLnBrk="0" hangingPunct="0">
-              <a:buClr>
-                <a:schemeClr val="accent5">
-                  <a:lumMod val="40000"/>
-                  <a:lumOff val="60000"/>
-                </a:schemeClr>
-              </a:buClr>
-              <a:buSzPct val="70000"/>
-            </a:pPr>
-            <a:r>
-              <a:rPr lang="en-US" b="1" noProof="1">
-                <a:solidFill>
-                  <a:srgbClr val="FBEEDC"/>
-                </a:solidFill>
-                <a:effectLst>
-                  <a:outerShdw blurRad="38100" dist="38100" dir="2700000" algn="tl">
-                    <a:srgbClr val="000000">
-                      <a:alpha val="43137"/>
-                    </a:srgbClr>
-                  </a:outerShdw>
-                </a:effectLst>
-                <a:latin typeface="Consolas" pitchFamily="49" charset="0"/>
-                <a:cs typeface="Consolas" pitchFamily="49" charset="0"/>
-              </a:rPr>
-              <a:t>  </a:t>
-            </a:r>
-            <a:r>
-              <a:rPr lang="en-US" b="1" noProof="1" smtClean="0">
-                <a:solidFill>
-                  <a:srgbClr val="FBEEDC"/>
-                </a:solidFill>
-                <a:effectLst>
-                  <a:outerShdw blurRad="38100" dist="38100" dir="2700000" algn="tl">
-                    <a:srgbClr val="000000">
-                      <a:alpha val="43137"/>
-                    </a:srgbClr>
-                  </a:outerShdw>
-                </a:effectLst>
-                <a:latin typeface="Consolas" pitchFamily="49" charset="0"/>
-                <a:cs typeface="Consolas" pitchFamily="49" charset="0"/>
-              </a:rPr>
-              <a:t>x1 </a:t>
-            </a:r>
-            <a:r>
-              <a:rPr lang="en-US" b="1" noProof="1">
-                <a:solidFill>
-                  <a:srgbClr val="FBEEDC"/>
-                </a:solidFill>
-                <a:effectLst>
-                  <a:outerShdw blurRad="38100" dist="38100" dir="2700000" algn="tl">
-                    <a:srgbClr val="000000">
-                      <a:alpha val="43137"/>
-                    </a:srgbClr>
-                  </a:outerShdw>
-                </a:effectLst>
-                <a:latin typeface="Consolas" pitchFamily="49" charset="0"/>
-                <a:cs typeface="Consolas" pitchFamily="49" charset="0"/>
-              </a:rPr>
-              <a:t>= </a:t>
-            </a:r>
-            <a:r>
-              <a:rPr lang="en-US" b="1" noProof="1" smtClean="0">
-                <a:solidFill>
-                  <a:srgbClr val="FBEEDC"/>
-                </a:solidFill>
-                <a:effectLst>
-                  <a:outerShdw blurRad="38100" dist="38100" dir="2700000" algn="tl">
-                    <a:srgbClr val="000000">
-                      <a:alpha val="43137"/>
-                    </a:srgbClr>
-                  </a:outerShdw>
-                </a:effectLst>
-                <a:latin typeface="Consolas" pitchFamily="49" charset="0"/>
-                <a:cs typeface="Consolas" pitchFamily="49" charset="0"/>
-              </a:rPr>
-              <a:t>this.numericUpDownX1.Value</a:t>
-            </a:r>
-            <a:endParaRPr lang="en-US" b="1" noProof="1">
-              <a:solidFill>
-                <a:srgbClr val="FBEEDC"/>
-              </a:solidFill>
-              <a:effectLst>
-                <a:outerShdw blurRad="38100" dist="38100" dir="2700000" algn="tl">
-                  <a:srgbClr val="000000">
-                    <a:alpha val="43137"/>
-                  </a:srgbClr>
-                </a:outerShdw>
-              </a:effectLst>
-              <a:latin typeface="Consolas" pitchFamily="49" charset="0"/>
-              <a:cs typeface="Consolas" pitchFamily="49" charset="0"/>
-            </a:endParaRPr>
-          </a:p>
-          <a:p>
-            <a:pPr eaLnBrk="0" hangingPunct="0">
-              <a:buClr>
-                <a:schemeClr val="accent5">
-                  <a:lumMod val="40000"/>
-                  <a:lumOff val="60000"/>
-                </a:schemeClr>
-              </a:buClr>
-              <a:buSzPct val="70000"/>
-            </a:pPr>
-            <a:r>
-              <a:rPr lang="en-US" b="1" noProof="1">
-                <a:solidFill>
-                  <a:srgbClr val="FBEEDC"/>
-                </a:solidFill>
-                <a:effectLst>
-                  <a:outerShdw blurRad="38100" dist="38100" dir="2700000" algn="tl">
-                    <a:srgbClr val="000000">
-                      <a:alpha val="43137"/>
-                    </a:srgbClr>
-                  </a:outerShdw>
-                </a:effectLst>
-                <a:latin typeface="Consolas" pitchFamily="49" charset="0"/>
-                <a:cs typeface="Consolas" pitchFamily="49" charset="0"/>
-              </a:rPr>
-              <a:t>  </a:t>
-            </a:r>
-            <a:r>
-              <a:rPr lang="en-US" b="1" noProof="1" smtClean="0">
-                <a:solidFill>
-                  <a:srgbClr val="FBEEDC"/>
-                </a:solidFill>
-                <a:effectLst>
-                  <a:outerShdw blurRad="38100" dist="38100" dir="2700000" algn="tl">
-                    <a:srgbClr val="000000">
-                      <a:alpha val="43137"/>
-                    </a:srgbClr>
-                  </a:outerShdw>
-                </a:effectLst>
-                <a:latin typeface="Consolas" pitchFamily="49" charset="0"/>
-                <a:cs typeface="Consolas" pitchFamily="49" charset="0"/>
-              </a:rPr>
-              <a:t>y1 </a:t>
-            </a:r>
-            <a:r>
-              <a:rPr lang="en-US" b="1" noProof="1">
-                <a:solidFill>
-                  <a:srgbClr val="FBEEDC"/>
-                </a:solidFill>
-                <a:effectLst>
-                  <a:outerShdw blurRad="38100" dist="38100" dir="2700000" algn="tl">
-                    <a:srgbClr val="000000">
-                      <a:alpha val="43137"/>
-                    </a:srgbClr>
-                  </a:outerShdw>
-                </a:effectLst>
-                <a:latin typeface="Consolas" pitchFamily="49" charset="0"/>
-                <a:cs typeface="Consolas" pitchFamily="49" charset="0"/>
-              </a:rPr>
-              <a:t>= </a:t>
-            </a:r>
-            <a:r>
-              <a:rPr lang="en-US" b="1" noProof="1" smtClean="0">
-                <a:solidFill>
-                  <a:srgbClr val="FBEEDC"/>
-                </a:solidFill>
-                <a:effectLst>
-                  <a:outerShdw blurRad="38100" dist="38100" dir="2700000" algn="tl">
-                    <a:srgbClr val="000000">
-                      <a:alpha val="43137"/>
-                    </a:srgbClr>
-                  </a:outerShdw>
-                </a:effectLst>
-                <a:latin typeface="Consolas" pitchFamily="49" charset="0"/>
-                <a:cs typeface="Consolas" pitchFamily="49" charset="0"/>
-              </a:rPr>
-              <a:t>this.numericUpDownY1.Value</a:t>
-            </a:r>
-            <a:endParaRPr lang="en-US" b="1" noProof="1">
-              <a:solidFill>
-                <a:srgbClr val="FBEEDC"/>
-              </a:solidFill>
-              <a:effectLst>
-                <a:outerShdw blurRad="38100" dist="38100" dir="2700000" algn="tl">
-                  <a:srgbClr val="000000">
-                    <a:alpha val="43137"/>
-                  </a:srgbClr>
-                </a:outerShdw>
-              </a:effectLst>
-              <a:latin typeface="Consolas" pitchFamily="49" charset="0"/>
-              <a:cs typeface="Consolas" pitchFamily="49" charset="0"/>
-            </a:endParaRPr>
-          </a:p>
-          <a:p>
-            <a:pPr eaLnBrk="0" hangingPunct="0">
-              <a:buClr>
-                <a:schemeClr val="accent5">
-                  <a:lumMod val="40000"/>
-                  <a:lumOff val="60000"/>
-                </a:schemeClr>
-              </a:buClr>
-              <a:buSzPct val="70000"/>
-            </a:pPr>
-            <a:r>
-              <a:rPr lang="en-US" b="1" noProof="1">
-                <a:solidFill>
-                  <a:srgbClr val="FBEEDC"/>
-                </a:solidFill>
-                <a:effectLst>
-                  <a:outerShdw blurRad="38100" dist="38100" dir="2700000" algn="tl">
-                    <a:srgbClr val="000000">
-                      <a:alpha val="43137"/>
-                    </a:srgbClr>
-                  </a:outerShdw>
-                </a:effectLst>
-                <a:latin typeface="Consolas" pitchFamily="49" charset="0"/>
-                <a:cs typeface="Consolas" pitchFamily="49" charset="0"/>
-              </a:rPr>
-              <a:t>  </a:t>
-            </a:r>
-            <a:r>
-              <a:rPr lang="en-US" b="1" noProof="1" smtClean="0">
-                <a:solidFill>
-                  <a:srgbClr val="FBEEDC"/>
-                </a:solidFill>
-                <a:effectLst>
-                  <a:outerShdw blurRad="38100" dist="38100" dir="2700000" algn="tl">
-                    <a:srgbClr val="000000">
-                      <a:alpha val="43137"/>
-                    </a:srgbClr>
-                  </a:outerShdw>
-                </a:effectLst>
-                <a:latin typeface="Consolas" pitchFamily="49" charset="0"/>
-                <a:cs typeface="Consolas" pitchFamily="49" charset="0"/>
-              </a:rPr>
-              <a:t>x2 </a:t>
-            </a:r>
-            <a:r>
-              <a:rPr lang="en-US" b="1" noProof="1">
-                <a:solidFill>
-                  <a:srgbClr val="FBEEDC"/>
-                </a:solidFill>
-                <a:effectLst>
-                  <a:outerShdw blurRad="38100" dist="38100" dir="2700000" algn="tl">
-                    <a:srgbClr val="000000">
-                      <a:alpha val="43137"/>
-                    </a:srgbClr>
-                  </a:outerShdw>
-                </a:effectLst>
-                <a:latin typeface="Consolas" pitchFamily="49" charset="0"/>
-                <a:cs typeface="Consolas" pitchFamily="49" charset="0"/>
-              </a:rPr>
-              <a:t>= </a:t>
-            </a:r>
-            <a:r>
-              <a:rPr lang="en-US" b="1" noProof="1" smtClean="0">
-                <a:solidFill>
-                  <a:srgbClr val="FBEEDC"/>
-                </a:solidFill>
-                <a:effectLst>
-                  <a:outerShdw blurRad="38100" dist="38100" dir="2700000" algn="tl">
-                    <a:srgbClr val="000000">
-                      <a:alpha val="43137"/>
-                    </a:srgbClr>
-                  </a:outerShdw>
-                </a:effectLst>
-                <a:latin typeface="Consolas" pitchFamily="49" charset="0"/>
-                <a:cs typeface="Consolas" pitchFamily="49" charset="0"/>
-              </a:rPr>
-              <a:t>this.numericUpDownX2.Value</a:t>
-            </a:r>
-            <a:endParaRPr lang="en-US" b="1" noProof="1">
-              <a:solidFill>
-                <a:srgbClr val="FBEEDC"/>
-              </a:solidFill>
-              <a:effectLst>
-                <a:outerShdw blurRad="38100" dist="38100" dir="2700000" algn="tl">
-                  <a:srgbClr val="000000">
-                    <a:alpha val="43137"/>
-                  </a:srgbClr>
-                </a:outerShdw>
-              </a:effectLst>
-              <a:latin typeface="Consolas" pitchFamily="49" charset="0"/>
-              <a:cs typeface="Consolas" pitchFamily="49" charset="0"/>
-            </a:endParaRPr>
-          </a:p>
-          <a:p>
-            <a:pPr eaLnBrk="0" hangingPunct="0">
-              <a:buClr>
-                <a:schemeClr val="accent5">
-                  <a:lumMod val="40000"/>
-                  <a:lumOff val="60000"/>
-                </a:schemeClr>
-              </a:buClr>
-              <a:buSzPct val="70000"/>
-            </a:pPr>
-            <a:r>
-              <a:rPr lang="en-US" b="1" noProof="1">
-                <a:solidFill>
-                  <a:srgbClr val="FBEEDC"/>
-                </a:solidFill>
-                <a:effectLst>
-                  <a:outerShdw blurRad="38100" dist="38100" dir="2700000" algn="tl">
-                    <a:srgbClr val="000000">
-                      <a:alpha val="43137"/>
-                    </a:srgbClr>
-                  </a:outerShdw>
-                </a:effectLst>
-                <a:latin typeface="Consolas" pitchFamily="49" charset="0"/>
-                <a:cs typeface="Consolas" pitchFamily="49" charset="0"/>
-              </a:rPr>
-              <a:t>  </a:t>
-            </a:r>
-            <a:r>
-              <a:rPr lang="en-US" b="1" noProof="1" smtClean="0">
-                <a:solidFill>
-                  <a:srgbClr val="FBEEDC"/>
-                </a:solidFill>
-                <a:effectLst>
-                  <a:outerShdw blurRad="38100" dist="38100" dir="2700000" algn="tl">
-                    <a:srgbClr val="000000">
-                      <a:alpha val="43137"/>
-                    </a:srgbClr>
-                  </a:outerShdw>
-                </a:effectLst>
-                <a:latin typeface="Consolas" pitchFamily="49" charset="0"/>
-                <a:cs typeface="Consolas" pitchFamily="49" charset="0"/>
-              </a:rPr>
-              <a:t>y2 </a:t>
-            </a:r>
-            <a:r>
-              <a:rPr lang="en-US" b="1" noProof="1">
-                <a:solidFill>
-                  <a:srgbClr val="FBEEDC"/>
-                </a:solidFill>
-                <a:effectLst>
-                  <a:outerShdw blurRad="38100" dist="38100" dir="2700000" algn="tl">
-                    <a:srgbClr val="000000">
-                      <a:alpha val="43137"/>
-                    </a:srgbClr>
-                  </a:outerShdw>
-                </a:effectLst>
-                <a:latin typeface="Consolas" pitchFamily="49" charset="0"/>
-                <a:cs typeface="Consolas" pitchFamily="49" charset="0"/>
-              </a:rPr>
-              <a:t>= </a:t>
-            </a:r>
-            <a:r>
-              <a:rPr lang="en-US" b="1" noProof="1" smtClean="0">
-                <a:solidFill>
-                  <a:srgbClr val="FBEEDC"/>
-                </a:solidFill>
-                <a:effectLst>
-                  <a:outerShdw blurRad="38100" dist="38100" dir="2700000" algn="tl">
-                    <a:srgbClr val="000000">
-                      <a:alpha val="43137"/>
-                    </a:srgbClr>
-                  </a:outerShdw>
-                </a:effectLst>
-                <a:latin typeface="Consolas" pitchFamily="49" charset="0"/>
-                <a:cs typeface="Consolas" pitchFamily="49" charset="0"/>
-              </a:rPr>
-              <a:t>this.numericUpDownY2.Value</a:t>
-            </a:r>
-            <a:endParaRPr lang="en-US" b="1" noProof="1">
-              <a:solidFill>
-                <a:srgbClr val="FBEEDC"/>
-              </a:solidFill>
-              <a:effectLst>
-                <a:outerShdw blurRad="38100" dist="38100" dir="2700000" algn="tl">
-                  <a:srgbClr val="000000">
-                    <a:alpha val="43137"/>
-                  </a:srgbClr>
-                </a:outerShdw>
-              </a:effectLst>
-              <a:latin typeface="Consolas" pitchFamily="49" charset="0"/>
-              <a:cs typeface="Consolas" pitchFamily="49" charset="0"/>
-            </a:endParaRPr>
-          </a:p>
-          <a:p>
-            <a:pPr eaLnBrk="0" hangingPunct="0">
-              <a:buClr>
-                <a:schemeClr val="accent5">
-                  <a:lumMod val="40000"/>
-                  <a:lumOff val="60000"/>
-                </a:schemeClr>
-              </a:buClr>
-              <a:buSzPct val="70000"/>
-            </a:pPr>
-            <a:r>
-              <a:rPr lang="en-US" b="1" noProof="1">
-                <a:solidFill>
-                  <a:srgbClr val="FBEEDC"/>
-                </a:solidFill>
-                <a:effectLst>
-                  <a:outerShdw blurRad="38100" dist="38100" dir="2700000" algn="tl">
-                    <a:srgbClr val="000000">
-                      <a:alpha val="43137"/>
-                    </a:srgbClr>
-                  </a:outerShdw>
-                </a:effectLst>
-                <a:latin typeface="Consolas" pitchFamily="49" charset="0"/>
-                <a:cs typeface="Consolas" pitchFamily="49" charset="0"/>
-              </a:rPr>
-              <a:t>  </a:t>
-            </a:r>
-            <a:r>
-              <a:rPr lang="en-US" b="1" noProof="1" smtClean="0">
-                <a:solidFill>
-                  <a:srgbClr val="FBEEDC"/>
-                </a:solidFill>
-                <a:effectLst>
-                  <a:outerShdw blurRad="38100" dist="38100" dir="2700000" algn="tl">
-                    <a:srgbClr val="000000">
-                      <a:alpha val="43137"/>
-                    </a:srgbClr>
-                  </a:outerShdw>
-                </a:effectLst>
-                <a:latin typeface="Consolas" pitchFamily="49" charset="0"/>
-                <a:cs typeface="Consolas" pitchFamily="49" charset="0"/>
-              </a:rPr>
-              <a:t>x </a:t>
-            </a:r>
-            <a:r>
-              <a:rPr lang="en-US" b="1" noProof="1">
-                <a:solidFill>
-                  <a:srgbClr val="FBEEDC"/>
-                </a:solidFill>
-                <a:effectLst>
-                  <a:outerShdw blurRad="38100" dist="38100" dir="2700000" algn="tl">
-                    <a:srgbClr val="000000">
-                      <a:alpha val="43137"/>
-                    </a:srgbClr>
-                  </a:outerShdw>
-                </a:effectLst>
-                <a:latin typeface="Consolas" pitchFamily="49" charset="0"/>
-                <a:cs typeface="Consolas" pitchFamily="49" charset="0"/>
-              </a:rPr>
-              <a:t>= </a:t>
-            </a:r>
-            <a:r>
-              <a:rPr lang="en-US" b="1" noProof="1" smtClean="0">
-                <a:solidFill>
-                  <a:srgbClr val="FBEEDC"/>
-                </a:solidFill>
-                <a:effectLst>
-                  <a:outerShdw blurRad="38100" dist="38100" dir="2700000" algn="tl">
-                    <a:srgbClr val="000000">
-                      <a:alpha val="43137"/>
-                    </a:srgbClr>
-                  </a:outerShdw>
-                </a:effectLst>
-                <a:latin typeface="Consolas" pitchFamily="49" charset="0"/>
-                <a:cs typeface="Consolas" pitchFamily="49" charset="0"/>
-              </a:rPr>
-              <a:t>this.numericUpDownX.Value</a:t>
-            </a:r>
-            <a:endParaRPr lang="en-US" b="1" noProof="1">
-              <a:solidFill>
-                <a:srgbClr val="FBEEDC"/>
-              </a:solidFill>
-              <a:effectLst>
-                <a:outerShdw blurRad="38100" dist="38100" dir="2700000" algn="tl">
-                  <a:srgbClr val="000000">
-                    <a:alpha val="43137"/>
-                  </a:srgbClr>
-                </a:outerShdw>
-              </a:effectLst>
-              <a:latin typeface="Consolas" pitchFamily="49" charset="0"/>
-              <a:cs typeface="Consolas" pitchFamily="49" charset="0"/>
-            </a:endParaRPr>
-          </a:p>
-          <a:p>
-            <a:pPr eaLnBrk="0" hangingPunct="0">
-              <a:buClr>
-                <a:schemeClr val="accent5">
-                  <a:lumMod val="40000"/>
-                  <a:lumOff val="60000"/>
-                </a:schemeClr>
-              </a:buClr>
-              <a:buSzPct val="70000"/>
-            </a:pPr>
-            <a:r>
-              <a:rPr lang="en-US" b="1" noProof="1">
-                <a:solidFill>
-                  <a:srgbClr val="FBEEDC"/>
-                </a:solidFill>
-                <a:effectLst>
-                  <a:outerShdw blurRad="38100" dist="38100" dir="2700000" algn="tl">
-                    <a:srgbClr val="000000">
-                      <a:alpha val="43137"/>
-                    </a:srgbClr>
-                  </a:outerShdw>
-                </a:effectLst>
-                <a:latin typeface="Consolas" pitchFamily="49" charset="0"/>
-                <a:cs typeface="Consolas" pitchFamily="49" charset="0"/>
-              </a:rPr>
-              <a:t>  </a:t>
-            </a:r>
-            <a:r>
-              <a:rPr lang="en-US" b="1" noProof="1" smtClean="0">
-                <a:solidFill>
-                  <a:srgbClr val="FBEEDC"/>
-                </a:solidFill>
-                <a:effectLst>
-                  <a:outerShdw blurRad="38100" dist="38100" dir="2700000" algn="tl">
-                    <a:srgbClr val="000000">
-                      <a:alpha val="43137"/>
-                    </a:srgbClr>
-                  </a:outerShdw>
-                </a:effectLst>
-                <a:latin typeface="Consolas" pitchFamily="49" charset="0"/>
-                <a:cs typeface="Consolas" pitchFamily="49" charset="0"/>
-              </a:rPr>
-              <a:t>y </a:t>
-            </a:r>
-            <a:r>
-              <a:rPr lang="en-US" b="1" noProof="1">
-                <a:solidFill>
-                  <a:srgbClr val="FBEEDC"/>
-                </a:solidFill>
-                <a:effectLst>
-                  <a:outerShdw blurRad="38100" dist="38100" dir="2700000" algn="tl">
-                    <a:srgbClr val="000000">
-                      <a:alpha val="43137"/>
-                    </a:srgbClr>
-                  </a:outerShdw>
-                </a:effectLst>
-                <a:latin typeface="Consolas" pitchFamily="49" charset="0"/>
-                <a:cs typeface="Consolas" pitchFamily="49" charset="0"/>
-              </a:rPr>
-              <a:t>= </a:t>
-            </a:r>
-            <a:r>
-              <a:rPr lang="en-US" b="1" noProof="1" smtClean="0">
-                <a:solidFill>
-                  <a:srgbClr val="FBEEDC"/>
-                </a:solidFill>
-                <a:effectLst>
-                  <a:outerShdw blurRad="38100" dist="38100" dir="2700000" algn="tl">
-                    <a:srgbClr val="000000">
-                      <a:alpha val="43137"/>
-                    </a:srgbClr>
-                  </a:outerShdw>
-                </a:effectLst>
-                <a:latin typeface="Consolas" pitchFamily="49" charset="0"/>
-                <a:cs typeface="Consolas" pitchFamily="49" charset="0"/>
-              </a:rPr>
-              <a:t>this.numericUpDownY.Value</a:t>
-            </a:r>
-            <a:endParaRPr lang="en-US" b="1" noProof="1">
-              <a:solidFill>
-                <a:srgbClr val="FBEEDC"/>
-              </a:solidFill>
-              <a:effectLst>
-                <a:outerShdw blurRad="38100" dist="38100" dir="2700000" algn="tl">
-                  <a:srgbClr val="000000">
-                    <a:alpha val="43137"/>
-                  </a:srgbClr>
-                </a:outerShdw>
-              </a:effectLst>
-              <a:latin typeface="Consolas" pitchFamily="49" charset="0"/>
-              <a:cs typeface="Consolas" pitchFamily="49" charset="0"/>
-            </a:endParaRPr>
-          </a:p>
-          <a:p>
-            <a:pPr eaLnBrk="0" hangingPunct="0">
-              <a:spcBef>
-                <a:spcPts val="1200"/>
-              </a:spcBef>
-              <a:buClr>
-                <a:schemeClr val="accent5">
-                  <a:lumMod val="40000"/>
-                  <a:lumOff val="60000"/>
-                </a:schemeClr>
-              </a:buClr>
-              <a:buSzPct val="70000"/>
-            </a:pPr>
-            <a:r>
-              <a:rPr lang="en-US" b="1" noProof="1">
-                <a:solidFill>
-                  <a:schemeClr val="tx2">
-                    <a:lumMod val="75000"/>
-                  </a:schemeClr>
-                </a:solidFill>
-                <a:effectLst>
-                  <a:outerShdw blurRad="38100" dist="38100" dir="2700000" algn="tl">
-                    <a:srgbClr val="000000">
-                      <a:alpha val="43137"/>
-                    </a:srgbClr>
-                  </a:outerShdw>
-                </a:effectLst>
-                <a:latin typeface="Consolas" pitchFamily="49" charset="0"/>
-                <a:cs typeface="Consolas" pitchFamily="49" charset="0"/>
-              </a:rPr>
-              <a:t>  </a:t>
-            </a:r>
-            <a:r>
-              <a:rPr lang="en-US" b="1" noProof="1" smtClean="0">
-                <a:solidFill>
-                  <a:schemeClr val="tx2">
-                    <a:lumMod val="75000"/>
-                  </a:schemeClr>
-                </a:solidFill>
-                <a:effectLst>
-                  <a:outerShdw blurRad="38100" dist="38100" dir="2700000" algn="tl">
-                    <a:srgbClr val="000000">
-                      <a:alpha val="43137"/>
-                    </a:srgbClr>
-                  </a:outerShdw>
-                </a:effectLst>
-                <a:latin typeface="Consolas" pitchFamily="49" charset="0"/>
-                <a:cs typeface="Consolas" pitchFamily="49" charset="0"/>
-              </a:rPr>
-              <a:t># </a:t>
-            </a:r>
-            <a:r>
-              <a:rPr lang="en-US" b="1" noProof="1">
-                <a:solidFill>
-                  <a:schemeClr val="tx2">
-                    <a:lumMod val="75000"/>
-                  </a:schemeClr>
-                </a:solidFill>
-                <a:effectLst>
-                  <a:outerShdw blurRad="38100" dist="38100" dir="2700000" algn="tl">
-                    <a:srgbClr val="000000">
-                      <a:alpha val="43137"/>
-                    </a:srgbClr>
-                  </a:outerShdw>
-                </a:effectLst>
-                <a:latin typeface="Consolas" pitchFamily="49" charset="0"/>
-                <a:cs typeface="Consolas" pitchFamily="49" charset="0"/>
-              </a:rPr>
-              <a:t>Display the </a:t>
-            </a:r>
-            <a:r>
-              <a:rPr lang="en-US" b="1" noProof="1" smtClean="0">
-                <a:solidFill>
-                  <a:schemeClr val="tx2">
-                    <a:lumMod val="75000"/>
-                  </a:schemeClr>
-                </a:solidFill>
-                <a:effectLst>
-                  <a:outerShdw blurRad="38100" dist="38100" dir="2700000" algn="tl">
-                    <a:srgbClr val="000000">
-                      <a:alpha val="43137"/>
-                    </a:srgbClr>
-                  </a:outerShdw>
-                </a:effectLst>
-                <a:latin typeface="Consolas" pitchFamily="49" charset="0"/>
-                <a:cs typeface="Consolas" pitchFamily="49" charset="0"/>
-              </a:rPr>
-              <a:t>point location: </a:t>
-            </a:r>
-            <a:r>
-              <a:rPr lang="en-US" b="1" noProof="1">
-                <a:solidFill>
-                  <a:schemeClr val="tx2">
-                    <a:lumMod val="75000"/>
-                  </a:schemeClr>
-                </a:solidFill>
-                <a:effectLst>
-                  <a:outerShdw blurRad="38100" dist="38100" dir="2700000" algn="tl">
-                    <a:srgbClr val="000000">
-                      <a:alpha val="43137"/>
-                    </a:srgbClr>
-                  </a:outerShdw>
-                </a:effectLst>
-                <a:latin typeface="Consolas" pitchFamily="49" charset="0"/>
-                <a:cs typeface="Consolas" pitchFamily="49" charset="0"/>
-              </a:rPr>
-              <a:t>Inside / Border / Outside</a:t>
-            </a:r>
-          </a:p>
-          <a:p>
-            <a:pPr eaLnBrk="0" hangingPunct="0">
-              <a:buClr>
-                <a:schemeClr val="accent5">
-                  <a:lumMod val="40000"/>
-                  <a:lumOff val="60000"/>
-                </a:schemeClr>
-              </a:buClr>
-              <a:buSzPct val="70000"/>
-            </a:pPr>
-            <a:r>
-              <a:rPr lang="en-US" b="1" noProof="1">
-                <a:solidFill>
-                  <a:srgbClr val="FBEEDC"/>
-                </a:solidFill>
-                <a:effectLst>
-                  <a:outerShdw blurRad="38100" dist="38100" dir="2700000" algn="tl">
-                    <a:srgbClr val="000000">
-                      <a:alpha val="43137"/>
-                    </a:srgbClr>
-                  </a:outerShdw>
-                </a:effectLst>
-                <a:latin typeface="Consolas" pitchFamily="49" charset="0"/>
-                <a:cs typeface="Consolas" pitchFamily="49" charset="0"/>
-              </a:rPr>
-              <a:t>  DisplayPointLocation(x1, y1, x2, y2, x, y</a:t>
-            </a:r>
-            <a:r>
-              <a:rPr lang="en-US" b="1" noProof="1" smtClean="0">
-                <a:solidFill>
-                  <a:srgbClr val="FBEEDC"/>
-                </a:solidFill>
-                <a:effectLst>
-                  <a:outerShdw blurRad="38100" dist="38100" dir="2700000" algn="tl">
-                    <a:srgbClr val="000000">
-                      <a:alpha val="43137"/>
-                    </a:srgbClr>
-                  </a:outerShdw>
-                </a:effectLst>
-                <a:latin typeface="Consolas" pitchFamily="49" charset="0"/>
-                <a:cs typeface="Consolas" pitchFamily="49" charset="0"/>
-              </a:rPr>
-              <a:t>)</a:t>
-            </a:r>
-          </a:p>
-          <a:p>
-            <a:pPr eaLnBrk="0" hangingPunct="0">
-              <a:spcBef>
-                <a:spcPts val="1200"/>
-              </a:spcBef>
-              <a:buClr>
-                <a:schemeClr val="accent5">
-                  <a:lumMod val="40000"/>
-                  <a:lumOff val="60000"/>
-                </a:schemeClr>
-              </a:buClr>
-              <a:buSzPct val="70000"/>
-            </a:pPr>
-            <a:r>
-              <a:rPr lang="en-US" b="1" noProof="1">
-                <a:solidFill>
-                  <a:srgbClr val="FBEEDC"/>
-                </a:solidFill>
-                <a:effectLst>
-                  <a:outerShdw blurRad="38100" dist="38100" dir="2700000" algn="tl">
-                    <a:srgbClr val="000000">
-                      <a:alpha val="43137"/>
-                    </a:srgbClr>
-                  </a:outerShdw>
-                </a:effectLst>
-                <a:latin typeface="Consolas" pitchFamily="49" charset="0"/>
-                <a:cs typeface="Consolas" pitchFamily="49" charset="0"/>
-              </a:rPr>
-              <a:t> </a:t>
-            </a:r>
-            <a:r>
-              <a:rPr lang="bg-BG" b="1" noProof="1" smtClean="0">
-                <a:solidFill>
-                  <a:srgbClr val="FBEEDC"/>
-                </a:solidFill>
-                <a:effectLst>
-                  <a:outerShdw blurRad="38100" dist="38100" dir="2700000" algn="tl">
-                    <a:srgbClr val="000000">
-                      <a:alpha val="43137"/>
-                    </a:srgbClr>
-                  </a:outerShdw>
-                </a:effectLst>
-                <a:latin typeface="Consolas" pitchFamily="49" charset="0"/>
-                <a:cs typeface="Consolas" pitchFamily="49" charset="0"/>
-              </a:rPr>
-              <a:t> </a:t>
-            </a:r>
-            <a:r>
-              <a:rPr lang="en-US" b="1" noProof="1" smtClean="0">
-                <a:solidFill>
-                  <a:schemeClr val="tx2">
-                    <a:lumMod val="75000"/>
-                  </a:schemeClr>
-                </a:solidFill>
-                <a:effectLst>
-                  <a:outerShdw blurRad="38100" dist="38100" dir="2700000" algn="tl">
-                    <a:srgbClr val="000000">
-                      <a:alpha val="43137"/>
-                    </a:srgbClr>
-                  </a:outerShdw>
-                </a:effectLst>
-                <a:latin typeface="Consolas" pitchFamily="49" charset="0"/>
-                <a:cs typeface="Consolas" pitchFamily="49" charset="0"/>
-              </a:rPr>
-              <a:t># TODO: finish this …</a:t>
-            </a:r>
-            <a:endParaRPr lang="en-US" b="1" noProof="1">
-              <a:solidFill>
-                <a:srgbClr val="FBEEDC"/>
-              </a:solidFill>
-              <a:effectLst>
-                <a:outerShdw blurRad="38100" dist="38100" dir="2700000" algn="tl">
-                  <a:srgbClr val="000000">
-                    <a:alpha val="43137"/>
-                  </a:srgbClr>
-                </a:outerShdw>
-              </a:effectLst>
-              <a:latin typeface="Consolas" pitchFamily="49" charset="0"/>
-              <a:cs typeface="Consolas" pitchFamily="49" charset="0"/>
-            </a:endParaRPr>
-          </a:p>
-          <a:p>
-            <a:pPr eaLnBrk="0" hangingPunct="0">
-              <a:buClr>
-                <a:schemeClr val="accent5">
-                  <a:lumMod val="40000"/>
-                  <a:lumOff val="60000"/>
-                </a:schemeClr>
-              </a:buClr>
-              <a:buSzPct val="70000"/>
-            </a:pPr>
-            <a:r>
-              <a:rPr lang="en-US" b="1" noProof="1" smtClean="0">
-                <a:solidFill>
-                  <a:srgbClr val="FBEEDC"/>
-                </a:solidFill>
-                <a:effectLst>
-                  <a:outerShdw blurRad="38100" dist="38100" dir="2700000" algn="tl">
-                    <a:srgbClr val="000000">
-                      <a:alpha val="43137"/>
-                    </a:srgbClr>
-                  </a:outerShdw>
-                </a:effectLst>
-                <a:latin typeface="Consolas" pitchFamily="49" charset="0"/>
-                <a:cs typeface="Consolas" pitchFamily="49" charset="0"/>
-              </a:rPr>
-              <a:t>}</a:t>
-            </a:r>
-            <a:endParaRPr lang="en-US" b="1" noProof="1">
-              <a:solidFill>
-                <a:srgbClr val="FBEEDC"/>
-              </a:solidFill>
-              <a:effectLst>
-                <a:outerShdw blurRad="38100" dist="38100" dir="2700000" algn="tl">
-                  <a:srgbClr val="000000">
-                    <a:alpha val="43137"/>
-                  </a:srgbClr>
-                </a:outerShdw>
-              </a:effectLst>
-              <a:latin typeface="Consolas" pitchFamily="49" charset="0"/>
-              <a:cs typeface="Consolas" pitchFamily="49" charset="0"/>
-            </a:endParaRPr>
-          </a:p>
-        </p:txBody>
-      </p:sp>
-      <p:sp>
-        <p:nvSpPr>
-          <p:cNvPr id="6" name="AutoShape 7"/>
-          <p:cNvSpPr>
-            <a:spLocks noChangeArrowheads="1"/>
-          </p:cNvSpPr>
-          <p:nvPr/>
-        </p:nvSpPr>
-        <p:spPr bwMode="auto">
-          <a:xfrm>
-            <a:off x="5789612" y="5562600"/>
-            <a:ext cx="4419600" cy="919401"/>
-          </a:xfrm>
-          <a:prstGeom prst="wedgeRoundRectCallout">
-            <a:avLst>
-              <a:gd name="adj1" fmla="val -65593"/>
-              <a:gd name="adj2" fmla="val -31712"/>
-              <a:gd name="adj3" fmla="val 16667"/>
-            </a:avLst>
-          </a:prstGeom>
-          <a:solidFill>
-            <a:srgbClr val="663606">
-              <a:alpha val="94902"/>
-            </a:srgbClr>
-          </a:solidFill>
-          <a:ln w="19050">
-            <a:solidFill>
-              <a:srgbClr val="F8D49E">
-                <a:alpha val="80000"/>
-              </a:srgbClr>
-            </a:solidFill>
-          </a:ln>
-        </p:spPr>
-        <p:style>
-          <a:lnRef idx="2">
-            <a:schemeClr val="accent1">
-              <a:shade val="50000"/>
-            </a:schemeClr>
-          </a:lnRef>
-          <a:fillRef idx="1">
-            <a:schemeClr val="accent1"/>
-          </a:fillRef>
-          <a:effectRef idx="0">
-            <a:schemeClr val="accent1"/>
-          </a:effectRef>
-          <a:fontRef idx="minor">
-            <a:schemeClr val="lt1"/>
-          </a:fontRef>
-        </p:style>
-        <p:txBody>
-          <a:bodyPr rot="0" spcFirstLastPara="0" vertOverflow="overflow" horzOverflow="overflow" vert="horz" wrap="square" lIns="91440" tIns="45720" rIns="91440" bIns="45720" numCol="1" spcCol="0" rtlCol="0" fromWordArt="0" anchor="ctr" anchorCtr="0" forceAA="0" compatLnSpc="1">
-            <a:prstTxWarp prst="textNoShape">
-              <a:avLst/>
-            </a:prstTxWarp>
-            <a:spAutoFit/>
-          </a:bodyPr>
-          <a:lstStyle/>
-          <a:p>
-            <a:pPr algn="ctr"/>
-            <a:r>
-              <a:rPr lang="bg-BG" b="1" noProof="1" smtClean="0">
-                <a:solidFill>
-                  <a:srgbClr val="FFFFFF"/>
-                </a:solidFill>
-                <a:effectLst>
-                  <a:outerShdw blurRad="38100" dist="38100" dir="2700000" algn="tl">
-                    <a:srgbClr val="000000">
-                      <a:alpha val="43137"/>
-                    </a:srgbClr>
-                  </a:outerShdw>
-                </a:effectLst>
-              </a:rPr>
-              <a:t>Има много код за дописване. Разгледайте упражненията.</a:t>
-            </a:r>
-            <a:endParaRPr lang="en-US" b="1" noProof="1">
-              <a:solidFill>
-                <a:srgbClr val="FFFFFF"/>
-              </a:solidFill>
-              <a:effectLst>
-                <a:outerShdw blurRad="38100" dist="38100" dir="2700000" algn="tl">
-                  <a:srgbClr val="000000">
-                    <a:alpha val="43137"/>
-                  </a:srgbClr>
-                </a:outerShdw>
-              </a:effectLst>
-            </a:endParaRPr>
-          </a:p>
-        </p:txBody>
-      </p:sp>
-    </p:spTree>
-    <p:extLst>
-      <p:ext uri="{BB962C8B-B14F-4D97-AF65-F5344CB8AC3E}">
-        <p14:creationId xmlns:p14="http://schemas.microsoft.com/office/powerpoint/2010/main" val="2823590996"/>
-      </p:ext>
-    </p:extLst>
-  </p:cSld>
-  <p:clrMapOvr>
-    <a:masterClrMapping/>
-  </p:clrMapOvr>
-  <mc:AlternateContent xmlns:mc="http://schemas.openxmlformats.org/markup-compatibility/2006" xmlns:p14="http://schemas.microsoft.com/office/powerpoint/2010/main">
-    <mc:Choice Requires="p14">
-      <p:transition p14:dur="0"/>
-    </mc:Choice>
-    <mc:Fallback xmlns="">
-      <p:transition/>
-    </mc:Fallback>
-  </mc:AlternateContent>
-  <p:timing>
-    <p:tnLst>
-      <p:par>
-        <p:cTn id="1" dur="indefinite" restart="never" nodeType="tmRoot"/>
-      </p:par>
-    </p:tnLst>
-  </p:timing>
-</p:sld>
-</file>
-
-<file path=ppt/slides/slide33.xml><?xml version="1.0" encoding="utf-8"?>
-<p:sld xmlns:a="http://schemas.openxmlformats.org/drawingml/2006/main" xmlns:r="http://schemas.openxmlformats.org/officeDocument/2006/relationships" xmlns:p="http://schemas.openxmlformats.org/presentationml/2006/main">
-  <p:cSld>
-    <p:spTree>
-      <p:nvGrpSpPr>
-        <p:cNvPr id="1" name=""/>
-        <p:cNvGrpSpPr/>
-        <p:nvPr/>
-      </p:nvGrpSpPr>
-      <p:grpSpPr>
-        <a:xfrm>
-          <a:off x="0" y="0"/>
-          <a:ext cx="0" cy="0"/>
-          <a:chOff x="0" y="0"/>
-          <a:chExt cx="0" cy="0"/>
-        </a:xfrm>
-      </p:grpSpPr>
-      <p:sp>
-        <p:nvSpPr>
-          <p:cNvPr id="2" name="Title 1"/>
-          <p:cNvSpPr>
-            <a:spLocks noGrp="1"/>
-          </p:cNvSpPr>
-          <p:nvPr>
-            <p:ph type="title"/>
-          </p:nvPr>
-        </p:nvSpPr>
-        <p:spPr>
-          <a:xfrm>
-            <a:off x="912813" y="4920139"/>
-            <a:ext cx="10363200" cy="820600"/>
-          </a:xfrm>
-        </p:spPr>
-        <p:txBody>
-          <a:bodyPr/>
-          <a:lstStyle/>
-          <a:p>
-            <a:r>
-              <a:rPr lang="bg-BG" dirty="0" smtClean="0"/>
-              <a:t>Точка и правоъгълник</a:t>
-            </a:r>
-            <a:endParaRPr lang="en-US" dirty="0"/>
-          </a:p>
-        </p:txBody>
-      </p:sp>
-      <p:sp>
-        <p:nvSpPr>
-          <p:cNvPr id="4" name="Text Placeholder 3"/>
-          <p:cNvSpPr>
-            <a:spLocks noGrp="1"/>
-          </p:cNvSpPr>
-          <p:nvPr>
-            <p:ph type="body" idx="1"/>
-          </p:nvPr>
-        </p:nvSpPr>
-        <p:spPr>
-          <a:xfrm>
-            <a:off x="912813" y="5757966"/>
-            <a:ext cx="10363200" cy="719034"/>
-          </a:xfrm>
-        </p:spPr>
-        <p:txBody>
-          <a:bodyPr/>
-          <a:lstStyle/>
-          <a:p>
-            <a:r>
-              <a:rPr lang="bg-BG" dirty="0"/>
-              <a:t>Работа на живо в клас (</a:t>
-            </a:r>
-            <a:r>
-              <a:rPr lang="bg-BG" noProof="1"/>
-              <a:t>лаб</a:t>
-            </a:r>
-            <a:r>
-              <a:rPr lang="bg-BG" dirty="0"/>
-              <a:t>)</a:t>
-            </a:r>
-            <a:endParaRPr lang="en-US" dirty="0"/>
-          </a:p>
-        </p:txBody>
-      </p:sp>
-      <p:pic>
-        <p:nvPicPr>
-          <p:cNvPr id="7" name="Picture 6"/>
-          <p:cNvPicPr>
-            <a:picLocks noChangeAspect="1"/>
-          </p:cNvPicPr>
-          <p:nvPr/>
-        </p:nvPicPr>
-        <p:blipFill>
-          <a:blip r:embed="rId2"/>
-          <a:stretch>
-            <a:fillRect/>
-          </a:stretch>
-        </p:blipFill>
-        <p:spPr>
-          <a:xfrm>
-            <a:off x="2717799" y="838200"/>
-            <a:ext cx="6753225" cy="3829050"/>
-          </a:xfrm>
-          <a:prstGeom prst="rect">
-            <a:avLst/>
-          </a:prstGeom>
-        </p:spPr>
-      </p:pic>
-    </p:spTree>
-    <p:extLst>
-      <p:ext uri="{BB962C8B-B14F-4D97-AF65-F5344CB8AC3E}">
-        <p14:creationId xmlns:p14="http://schemas.microsoft.com/office/powerpoint/2010/main" val="937842569"/>
-      </p:ext>
-    </p:extLst>
-  </p:cSld>
-  <p:clrMapOvr>
-    <a:masterClrMapping/>
-  </p:clrMapOvr>
-  <mc:AlternateContent xmlns:mc="http://schemas.openxmlformats.org/markup-compatibility/2006" xmlns:p14="http://schemas.microsoft.com/office/powerpoint/2010/main">
-    <mc:Choice Requires="p14">
-      <p:transition p14:dur="0"/>
-    </mc:Choice>
-    <mc:Fallback xmlns="">
-      <p:transition/>
-    </mc:Fallback>
-  </mc:AlternateContent>
-  <p:timing>
-    <p:tnLst>
-      <p:par>
-        <p:cTn id="1" dur="indefinite" restart="never" nodeType="tmRoot"/>
-      </p:par>
-    </p:tnLst>
-  </p:timing>
-</p:sld>
-</file>
-
-<file path=ppt/slides/slide34.xml><?xml version="1.0" encoding="utf-8"?>
-<p:sld xmlns:a="http://schemas.openxmlformats.org/drawingml/2006/main" xmlns:r="http://schemas.openxmlformats.org/officeDocument/2006/relationships" xmlns:p="http://schemas.openxmlformats.org/presentationml/2006/main">
-  <p:cSld>
-    <p:spTree>
-      <p:nvGrpSpPr>
-        <p:cNvPr id="1" name=""/>
-        <p:cNvGrpSpPr/>
-        <p:nvPr/>
-      </p:nvGrpSpPr>
-      <p:grpSpPr>
-        <a:xfrm>
-          <a:off x="0" y="0"/>
-          <a:ext cx="0" cy="0"/>
-          <a:chOff x="0" y="0"/>
-          <a:chExt cx="0" cy="0"/>
-        </a:xfrm>
-      </p:grpSpPr>
-      <p:sp>
-        <p:nvSpPr>
           <p:cNvPr id="6" name="Slide Number Placeholder 5"/>
           <p:cNvSpPr>
             <a:spLocks noGrp="1"/>
@@ -24090,7 +20079,7 @@
             <a:fld id="{C014DD1E-5D91-48A3-AD6D-45FBA980D106}" type="slidenum">
               <a:rPr lang="en-US" smtClean="0"/>
               <a:pPr/>
-              <a:t>34</a:t>
+              <a:t>26</a:t>
             </a:fld>
             <a:endParaRPr lang="en-US" dirty="0"/>
           </a:p>
@@ -24170,6 +20159,24 @@
                 <a:latin typeface="Consolas" panose="020B0609020204030204" pitchFamily="49" charset="0"/>
               </a:rPr>
               <a:t>or</a:t>
+            </a:r>
+            <a:r>
+              <a:rPr lang="en-US" sz="3200" dirty="0"/>
+              <a:t> </a:t>
+            </a:r>
+            <a:r>
+              <a:rPr lang="en-US" sz="3200" dirty="0" smtClean="0"/>
+              <a:t>, </a:t>
+            </a:r>
+            <a:r>
+              <a:rPr lang="en-US" sz="3200" dirty="0" smtClean="0">
+                <a:solidFill>
+                  <a:schemeClr val="tx2">
+                    <a:lumMod val="75000"/>
+                  </a:schemeClr>
+                </a:solidFill>
+              </a:rPr>
+              <a:t>^</a:t>
             </a:r>
             <a:r>
               <a:rPr lang="en-US" sz="3200" dirty="0" smtClean="0"/>
@@ -24404,20 +20411,6 @@
               </a:rPr>
               <a:t>:</a:t>
             </a:r>
-            <a:endParaRPr lang="en-US" sz="2600" b="1" noProof="1">
-              <a:solidFill>
-                <a:srgbClr val="FBEEDC"/>
-              </a:solidFill>
-              <a:effectLst>
-                <a:outerShdw blurRad="38100" dist="38100" dir="2700000" algn="tl">
-                  <a:srgbClr val="000000">
-                    <a:alpha val="43137"/>
-                  </a:srgbClr>
-                </a:outerShdw>
-              </a:effectLst>
-              <a:latin typeface="Consolas" pitchFamily="49" charset="0"/>
-              <a:cs typeface="Consolas" pitchFamily="49" charset="0"/>
-            </a:endParaRPr>
           </a:p>
           <a:p>
             <a:pPr eaLnBrk="0" hangingPunct="0">
@@ -24504,41 +20497,7 @@
                 <a:latin typeface="Consolas" pitchFamily="49" charset="0"/>
                 <a:cs typeface="Consolas" pitchFamily="49" charset="0"/>
               </a:rPr>
-              <a:t> </a:t>
-            </a:r>
-            <a:r>
-              <a:rPr lang="en-US" sz="2600" b="1" noProof="1" smtClean="0">
-                <a:solidFill>
-                  <a:srgbClr val="FBEEDC"/>
-                </a:solidFill>
-                <a:effectLst>
-                  <a:outerShdw blurRad="38100" dist="38100" dir="2700000" algn="tl">
-                    <a:srgbClr val="000000">
-                      <a:alpha val="43137"/>
-                    </a:srgbClr>
-                  </a:outerShdw>
-                </a:effectLst>
-                <a:latin typeface="Consolas" pitchFamily="49" charset="0"/>
-                <a:cs typeface="Consolas" pitchFamily="49" charset="0"/>
-              </a:rPr>
-              <a:t>condition2</a:t>
-            </a:r>
-            <a:r>
-              <a:rPr lang="en-US" sz="2600" b="1" noProof="1" smtClean="0">
-                <a:solidFill>
-                  <a:srgbClr val="FBEEDC"/>
-                </a:solidFill>
-                <a:effectLst>
-                  <a:outerShdw blurRad="38100" dist="38100" dir="2700000" algn="tl">
-                    <a:srgbClr val="000000">
-                      <a:alpha val="43137"/>
-                    </a:srgbClr>
-                  </a:outerShdw>
-                </a:effectLst>
-                <a:latin typeface="Consolas" pitchFamily="49" charset="0"/>
-                <a:cs typeface="Consolas" pitchFamily="49" charset="0"/>
-              </a:rPr>
-              <a:t>:</a:t>
+              <a:t> condition2:</a:t>
             </a:r>
           </a:p>
           <a:p>
@@ -25069,7 +21028,7 @@
 </p:sld>
 </file>
 
-<file path=ppt/slides/slide35.xml><?xml version="1.0" encoding="utf-8"?>
+<file path=ppt/slides/slide27.xml><?xml version="1.0" encoding="utf-8"?>
 <p:sld xmlns:a="http://schemas.openxmlformats.org/drawingml/2006/main" xmlns:r="http://schemas.openxmlformats.org/officeDocument/2006/relationships" xmlns:p="http://schemas.openxmlformats.org/presentationml/2006/main">
   <p:cSld>
     <p:spTree>
@@ -25447,7 +21406,7 @@
 </p:sld>
 </file>
 
-<file path=ppt/slides/slide36.xml><?xml version="1.0" encoding="utf-8"?>
+<file path=ppt/slides/slide28.xml><?xml version="1.0" encoding="utf-8"?>
 <p:sld xmlns:a="http://schemas.openxmlformats.org/drawingml/2006/main" xmlns:r="http://schemas.openxmlformats.org/officeDocument/2006/relationships" xmlns:p="http://schemas.openxmlformats.org/presentationml/2006/main">
   <p:cSld>
     <p:spTree>
@@ -25482,7 +21441,7 @@
             <a:fld id="{C014DD1E-5D91-48A3-AD6D-45FBA980D106}" type="slidenum">
               <a:rPr lang="en-US" smtClean="0"/>
               <a:pPr/>
-              <a:t>36</a:t>
+              <a:t>28</a:t>
             </a:fld>
             <a:endParaRPr lang="en-US" dirty="0"/>
           </a:p>
@@ -25777,7 +21736,7 @@
 </p:sld>
 </file>
 
-<file path=ppt/slides/slide37.xml><?xml version="1.0" encoding="utf-8"?>
+<file path=ppt/slides/slide29.xml><?xml version="1.0" encoding="utf-8"?>
 <p:sld xmlns:a="http://schemas.openxmlformats.org/drawingml/2006/main" xmlns:r="http://schemas.openxmlformats.org/officeDocument/2006/relationships" xmlns:p="http://schemas.openxmlformats.org/presentationml/2006/main">
   <p:cSld>
     <p:spTree>
@@ -26268,6 +22227,217 @@
     <p:extLst>
       <p:ext uri="{BB962C8B-B14F-4D97-AF65-F5344CB8AC3E}">
         <p14:creationId xmlns:p14="http://schemas.microsoft.com/office/powerpoint/2010/main" val="3139276326"/>
+      </p:ext>
+    </p:extLst>
+  </p:cSld>
+  <p:clrMapOvr>
+    <a:masterClrMapping/>
+  </p:clrMapOvr>
+  <mc:AlternateContent xmlns:mc="http://schemas.openxmlformats.org/markup-compatibility/2006" xmlns:p14="http://schemas.microsoft.com/office/powerpoint/2010/main">
+    <mc:Choice Requires="p14">
+      <p:transition p14:dur="0"/>
+    </mc:Choice>
+    <mc:Fallback xmlns="">
+      <p:transition/>
+    </mc:Fallback>
+  </mc:AlternateContent>
+  <p:timing>
+    <p:tnLst>
+      <p:par>
+        <p:cTn id="1" dur="indefinite" restart="never" nodeType="tmRoot"/>
+      </p:par>
+    </p:tnLst>
+  </p:timing>
+</p:sld>
+</file>
+
+<file path=ppt/slides/slide3.xml><?xml version="1.0" encoding="utf-8"?>
+<p:sld xmlns:a="http://schemas.openxmlformats.org/drawingml/2006/main" xmlns:r="http://schemas.openxmlformats.org/officeDocument/2006/relationships" xmlns:p="http://schemas.openxmlformats.org/presentationml/2006/main">
+  <p:cSld>
+    <p:spTree>
+      <p:nvGrpSpPr>
+        <p:cNvPr id="1" name=""/>
+        <p:cNvGrpSpPr/>
+        <p:nvPr/>
+      </p:nvGrpSpPr>
+      <p:grpSpPr>
+        <a:xfrm>
+          <a:off x="0" y="0"/>
+          <a:ext cx="0" cy="0"/>
+          <a:chOff x="0" y="0"/>
+          <a:chExt cx="0" cy="0"/>
+        </a:xfrm>
+      </p:grpSpPr>
+      <p:sp>
+        <p:nvSpPr>
+          <p:cNvPr id="2" name="Title 1"/>
+          <p:cNvSpPr>
+            <a:spLocks noGrp="1"/>
+          </p:cNvSpPr>
+          <p:nvPr>
+            <p:ph type="title"/>
+          </p:nvPr>
+        </p:nvSpPr>
+        <p:spPr>
+          <a:xfrm>
+            <a:off x="912813" y="4800600"/>
+            <a:ext cx="10363200" cy="820600"/>
+          </a:xfrm>
+        </p:spPr>
+        <p:txBody>
+          <a:bodyPr/>
+          <a:lstStyle/>
+          <a:p>
+            <a:r>
+              <a:rPr lang="bg-BG" dirty="0" smtClean="0"/>
+              <a:t>Вложени проверки</a:t>
+            </a:r>
+            <a:endParaRPr lang="en-US" dirty="0"/>
+          </a:p>
+        </p:txBody>
+      </p:sp>
+      <p:sp>
+        <p:nvSpPr>
+          <p:cNvPr id="6" name="Text Placeholder 5"/>
+          <p:cNvSpPr>
+            <a:spLocks noGrp="1"/>
+          </p:cNvSpPr>
+          <p:nvPr>
+            <p:ph type="body" idx="1"/>
+          </p:nvPr>
+        </p:nvSpPr>
+        <p:spPr>
+          <a:xfrm>
+            <a:off x="912813" y="5651472"/>
+            <a:ext cx="10363200" cy="719034"/>
+          </a:xfrm>
+        </p:spPr>
+        <p:txBody>
+          <a:bodyPr/>
+          <a:lstStyle/>
+          <a:p>
+            <a:r>
+              <a:rPr lang="en-US" dirty="0" smtClean="0"/>
+              <a:t>If-</a:t>
+            </a:r>
+            <a:r>
+              <a:rPr lang="bg-BG" dirty="0" smtClean="0"/>
+              <a:t>конструкции, вложени една в друга</a:t>
+            </a:r>
+            <a:endParaRPr lang="en-US" dirty="0"/>
+          </a:p>
+        </p:txBody>
+      </p:sp>
+      <p:pic>
+        <p:nvPicPr>
+          <p:cNvPr id="7" name="Picture 6"/>
+          <p:cNvPicPr>
+            <a:picLocks noChangeAspect="1"/>
+          </p:cNvPicPr>
+          <p:nvPr/>
+        </p:nvPicPr>
+        <p:blipFill>
+          <a:blip r:embed="rId2"/>
+          <a:stretch>
+            <a:fillRect/>
+          </a:stretch>
+        </p:blipFill>
+        <p:spPr>
+          <a:xfrm>
+            <a:off x="4664777" y="1219200"/>
+            <a:ext cx="2859272" cy="3334801"/>
+          </a:xfrm>
+          <a:prstGeom prst="rect">
+            <a:avLst/>
+          </a:prstGeom>
+        </p:spPr>
+      </p:pic>
+      <p:pic>
+        <p:nvPicPr>
+          <p:cNvPr id="3076" name="Picture 4" descr="http://findicons.com/files/icons/1671/simplicio/128/notification_done.png"/>
+          <p:cNvPicPr>
+            <a:picLocks noChangeAspect="1" noChangeArrowheads="1"/>
+          </p:cNvPicPr>
+          <p:nvPr/>
+        </p:nvPicPr>
+        <p:blipFill>
+          <a:blip r:embed="rId3">
+            <a:extLst>
+              <a:ext uri="{28A0092B-C50C-407E-A947-70E740481C1C}">
+                <a14:useLocalDpi xmlns:a14="http://schemas.microsoft.com/office/drawing/2010/main" val="0"/>
+              </a:ext>
+            </a:extLst>
+          </a:blip>
+          <a:srcRect/>
+          <a:stretch>
+            <a:fillRect/>
+          </a:stretch>
+        </p:blipFill>
+        <p:spPr bwMode="auto">
+          <a:xfrm>
+            <a:off x="1903412" y="1896000"/>
+            <a:ext cx="1981200" cy="1981200"/>
+          </a:xfrm>
+          <a:prstGeom prst="rect">
+            <a:avLst/>
+          </a:prstGeom>
+          <a:noFill/>
+          <a:extLst>
+            <a:ext uri="{909E8E84-426E-40DD-AFC4-6F175D3DCCD1}">
+              <a14:hiddenFill xmlns:a14="http://schemas.microsoft.com/office/drawing/2010/main">
+                <a:solidFill>
+                  <a:srgbClr val="FFFFFF"/>
+                </a:solidFill>
+              </a14:hiddenFill>
+            </a:ext>
+          </a:extLst>
+        </p:spPr>
+      </p:pic>
+      <p:pic>
+        <p:nvPicPr>
+          <p:cNvPr id="3078" name="Picture 6" descr="https://en.opensuse.org/images/thumb/3/3b/Icon-warning.png/120px-Icon-warning.png"/>
+          <p:cNvPicPr>
+            <a:picLocks noChangeAspect="1" noChangeArrowheads="1"/>
+          </p:cNvPicPr>
+          <p:nvPr/>
+        </p:nvPicPr>
+        <p:blipFill>
+          <a:blip r:embed="rId4">
+            <a:extLst>
+              <a:ext uri="{28A0092B-C50C-407E-A947-70E740481C1C}">
+                <a14:useLocalDpi xmlns:a14="http://schemas.microsoft.com/office/drawing/2010/main" val="0"/>
+              </a:ext>
+            </a:extLst>
+          </a:blip>
+          <a:srcRect/>
+          <a:stretch>
+            <a:fillRect/>
+          </a:stretch>
+        </p:blipFill>
+        <p:spPr bwMode="auto">
+          <a:xfrm>
+            <a:off x="8195130" y="1872116"/>
+            <a:ext cx="2242682" cy="2242684"/>
+          </a:xfrm>
+          <a:prstGeom prst="rect">
+            <a:avLst/>
+          </a:prstGeom>
+          <a:noFill/>
+          <a:extLst>
+            <a:ext uri="{909E8E84-426E-40DD-AFC4-6F175D3DCCD1}">
+              <a14:hiddenFill xmlns:a14="http://schemas.microsoft.com/office/drawing/2010/main">
+                <a:solidFill>
+                  <a:srgbClr val="FFFFFF"/>
+                </a:solidFill>
+              </a14:hiddenFill>
+            </a:ext>
+          </a:extLst>
+        </p:spPr>
+      </p:pic>
+    </p:spTree>
+    <p:extLst>
+      <p:ext uri="{BB962C8B-B14F-4D97-AF65-F5344CB8AC3E}">
+        <p14:creationId xmlns:p14="http://schemas.microsoft.com/office/powerpoint/2010/main" val="372496572"/>
       </p:ext>
     </p:extLst>
   </p:cSld>
@@ -32527,8 +28697,8 @@
         </p:nvSpPr>
         <p:spPr>
           <a:xfrm>
-            <a:off x="1446214" y="5213996"/>
-            <a:ext cx="9296398" cy="1339204"/>
+            <a:off x="379411" y="5213996"/>
+            <a:ext cx="11809413" cy="1212567"/>
           </a:xfrm>
         </p:spPr>
         <p:txBody>
@@ -32536,11 +28706,11 @@
           <a:lstStyle/>
           <a:p>
             <a:r>
-              <a:rPr lang="bg-BG" dirty="0"/>
+              <a:rPr lang="bg-BG" sz="3600" dirty="0"/>
               <a:t>Логическо "</a:t>
             </a:r>
             <a:r>
-              <a:rPr lang="bg-BG" dirty="0">
+              <a:rPr lang="bg-BG" sz="3600" dirty="0">
                 <a:solidFill>
                   <a:schemeClr val="tx2">
                     <a:lumMod val="75000"/>
@@ -32550,11 +28720,11 @@
               <a:t>и</a:t>
             </a:r>
             <a:r>
-              <a:rPr lang="bg-BG" dirty="0"/>
+              <a:rPr lang="bg-BG" sz="3600" dirty="0"/>
               <a:t>", логическо "</a:t>
             </a:r>
             <a:r>
-              <a:rPr lang="bg-BG" dirty="0">
+              <a:rPr lang="bg-BG" sz="3600" dirty="0">
                 <a:solidFill>
                   <a:schemeClr val="tx2">
                     <a:lumMod val="75000"/>
@@ -32564,34 +28734,74 @@
               <a:t>или</a:t>
             </a:r>
             <a:r>
-              <a:rPr lang="bg-BG" dirty="0"/>
-              <a:t>", логическо </a:t>
-            </a:r>
-            <a:r>
-              <a:rPr lang="bg-BG" dirty="0">
+              <a:rPr lang="bg-BG" sz="3600" dirty="0" smtClean="0"/>
+              <a:t>",</a:t>
+            </a:r>
+            <a:r>
+              <a:rPr lang="bg-BG" sz="3600" dirty="0" smtClean="0"/>
+              <a:t> </a:t>
+            </a:r>
+            <a:r>
+              <a:rPr lang="bg-BG" sz="3600" dirty="0"/>
+              <a:t>логическо </a:t>
+            </a:r>
+            <a:r>
+              <a:rPr lang="bg-BG" sz="3600" dirty="0" smtClean="0"/>
+              <a:t>"</a:t>
+            </a:r>
+            <a:r>
+              <a:rPr lang="bg-BG" sz="3600" dirty="0" smtClean="0">
                 <a:solidFill>
                   <a:schemeClr val="tx2">
                     <a:lumMod val="75000"/>
                   </a:schemeClr>
                 </a:solidFill>
               </a:rPr>
-              <a:t>отрицание</a:t>
-            </a:r>
-            <a:r>
-              <a:rPr lang="bg-BG" dirty="0"/>
-              <a:t> и </a:t>
-            </a:r>
-            <a:r>
-              <a:rPr lang="bg-BG" dirty="0">
+              <a:t>изключващо</a:t>
+            </a:r>
+            <a:r>
+              <a:rPr lang="bg-BG" sz="3600" dirty="0" smtClean="0"/>
+              <a:t> </a:t>
+            </a:r>
+            <a:r>
+              <a:rPr lang="bg-BG" sz="3600" dirty="0" smtClean="0">
                 <a:solidFill>
                   <a:schemeClr val="tx2">
                     <a:lumMod val="75000"/>
                   </a:schemeClr>
                 </a:solidFill>
               </a:rPr>
+              <a:t>или</a:t>
+            </a:r>
+            <a:r>
+              <a:rPr lang="bg-BG" sz="3600" dirty="0"/>
+              <a:t>", логическо </a:t>
+            </a:r>
+            <a:r>
+              <a:rPr lang="bg-BG" sz="3600" dirty="0">
+                <a:solidFill>
+                  <a:schemeClr val="tx2">
+                    <a:lumMod val="75000"/>
+                  </a:schemeClr>
+                </a:solidFill>
+              </a:rPr>
+              <a:t>отрицание</a:t>
+            </a:r>
+            <a:r>
+              <a:rPr lang="bg-BG" sz="3600" dirty="0"/>
+              <a:t> и </a:t>
+            </a:r>
+            <a:r>
+              <a:rPr lang="bg-BG" sz="3600" dirty="0">
+                <a:solidFill>
+                  <a:schemeClr val="tx2">
+                    <a:lumMod val="75000"/>
+                  </a:schemeClr>
+                </a:solidFill>
+              </a:rPr>
               <a:t>скоби</a:t>
             </a:r>
-            <a:endParaRPr lang="en-US" dirty="0"/>
+            <a:endParaRPr lang="en-US" sz="3600" dirty="0"/>
           </a:p>
         </p:txBody>
       </p:sp>

--- a/4. Complex-Conditions/4. Complex-Conditions.pptx
+++ b/4. Complex-Conditions/4. Complex-Conditions.pptx
@@ -254,7 +254,7 @@
             <a:fld id="{FE5B4EDC-59C0-49C7-8ADA-5A781B329E02}" type="datetimeFigureOut">
               <a:rPr lang="en-US"/>
               <a:pPr/>
-              <a:t>2/6/2017</a:t>
+              <a:t>2/8/2017</a:t>
             </a:fld>
             <a:endParaRPr dirty="0"/>
           </a:p>
@@ -459,7 +459,7 @@
             <a:fld id="{F2D8D46A-B586-417D-BFBD-8C8FE0AAF762}" type="datetimeFigureOut">
               <a:rPr lang="en-US" smtClean="0"/>
               <a:pPr/>
-              <a:t>2/6/2017</a:t>
+              <a:t>2/8/2017</a:t>
             </a:fld>
             <a:endParaRPr lang="en-US"/>
           </a:p>
@@ -2209,7 +2209,7 @@
             <a:fld id="{055373AC-9AA7-423B-BA00-BA1C74164DBD}" type="datetime1">
               <a:rPr lang="en-US" smtClean="0"/>
               <a:pPr/>
-              <a:t>2/6/2017</a:t>
+              <a:t>2/8/2017</a:t>
             </a:fld>
             <a:endParaRPr lang="en-US" dirty="0"/>
           </a:p>
@@ -3483,7 +3483,7 @@
             <a:fld id="{055373AC-9AA7-423B-BA00-BA1C74164DBD}" type="datetime1">
               <a:rPr lang="en-US" smtClean="0"/>
               <a:pPr/>
-              <a:t>2/6/2017</a:t>
+              <a:t>2/8/2017</a:t>
             </a:fld>
             <a:endParaRPr lang="en-US" dirty="0"/>
           </a:p>
@@ -4578,7 +4578,11 @@
             </a:pPr>
             <a:r>
               <a:rPr lang="bg-BG" dirty="0" smtClean="0"/>
-              <a:t>Логическо "</a:t>
+              <a:t>Логическо </a:t>
+            </a:r>
+            <a:r>
+              <a:rPr lang="bg-BG" dirty="0" smtClean="0"/>
+              <a:t>'</a:t>
             </a:r>
             <a:r>
               <a:rPr lang="bg-BG" b="1" dirty="0" smtClean="0">
@@ -4592,7 +4596,11 @@
             </a:r>
             <a:r>
               <a:rPr lang="bg-BG" dirty="0" smtClean="0"/>
-              <a:t>" (оператор </a:t>
+              <a:t>' </a:t>
+            </a:r>
+            <a:r>
+              <a:rPr lang="bg-BG" dirty="0" smtClean="0"/>
+              <a:t>(оператор </a:t>
             </a:r>
             <a:r>
               <a:rPr lang="en-US" b="1" dirty="0" smtClean="0">
@@ -4841,7 +4849,11 @@
           <a:p>
             <a:r>
               <a:rPr lang="bg-BG" dirty="0" smtClean="0"/>
-              <a:t>Логическо "И"</a:t>
+              <a:t>Логическо </a:t>
+            </a:r>
+            <a:r>
+              <a:rPr lang="bg-BG" dirty="0" smtClean="0"/>
+              <a:t>'И'</a:t>
             </a:r>
             <a:endParaRPr lang="en-US" dirty="0"/>
           </a:p>
@@ -5442,41 +5454,7 @@
                 <a:latin typeface="Consolas" pitchFamily="49" charset="0"/>
                 <a:cs typeface="Consolas" pitchFamily="49" charset="0"/>
               </a:rPr>
-              <a:t>x = </a:t>
-            </a:r>
-            <a:r>
-              <a:rPr lang="en-US" b="1" noProof="1" smtClean="0">
-                <a:solidFill>
-                  <a:srgbClr val="FBEEDC"/>
-                </a:solidFill>
-                <a:effectLst>
-                  <a:outerShdw blurRad="38100" dist="38100" dir="2700000" algn="tl">
-                    <a:srgbClr val="000000">
-                      <a:alpha val="43137"/>
-                    </a:srgbClr>
-                  </a:outerShdw>
-                </a:effectLst>
-                <a:latin typeface="Consolas" pitchFamily="49" charset="0"/>
-                <a:cs typeface="Consolas" pitchFamily="49" charset="0"/>
-              </a:rPr>
-              <a:t>8; y </a:t>
-            </a:r>
-            <a:r>
-              <a:rPr lang="en-US" b="1" noProof="1" smtClean="0">
-                <a:solidFill>
-                  <a:srgbClr val="FBEEDC"/>
-                </a:solidFill>
-                <a:effectLst>
-                  <a:outerShdw blurRad="38100" dist="38100" dir="2700000" algn="tl">
-                    <a:srgbClr val="000000">
-                      <a:alpha val="43137"/>
-                    </a:srgbClr>
-                  </a:outerShdw>
-                </a:effectLst>
-                <a:latin typeface="Consolas" pitchFamily="49" charset="0"/>
-                <a:cs typeface="Consolas" pitchFamily="49" charset="0"/>
-              </a:rPr>
-              <a:t>= -1</a:t>
+              <a:t>x = 8; y = -1</a:t>
             </a:r>
           </a:p>
           <a:p>
@@ -5504,41 +5482,7 @@
                 <a:latin typeface="Consolas" pitchFamily="49" charset="0"/>
                 <a:cs typeface="Consolas" pitchFamily="49" charset="0"/>
               </a:rPr>
-              <a:t>x1 = </a:t>
-            </a:r>
-            <a:r>
-              <a:rPr lang="en-US" b="1" noProof="1" smtClean="0">
-                <a:solidFill>
-                  <a:srgbClr val="FBEEDC"/>
-                </a:solidFill>
-                <a:effectLst>
-                  <a:outerShdw blurRad="38100" dist="38100" dir="2700000" algn="tl">
-                    <a:srgbClr val="000000">
-                      <a:alpha val="43137"/>
-                    </a:srgbClr>
-                  </a:outerShdw>
-                </a:effectLst>
-                <a:latin typeface="Consolas" pitchFamily="49" charset="0"/>
-                <a:cs typeface="Consolas" pitchFamily="49" charset="0"/>
-              </a:rPr>
-              <a:t>2; y1 </a:t>
-            </a:r>
-            <a:r>
-              <a:rPr lang="en-US" b="1" noProof="1" smtClean="0">
-                <a:solidFill>
-                  <a:srgbClr val="FBEEDC"/>
-                </a:solidFill>
-                <a:effectLst>
-                  <a:outerShdw blurRad="38100" dist="38100" dir="2700000" algn="tl">
-                    <a:srgbClr val="000000">
-                      <a:alpha val="43137"/>
-                    </a:srgbClr>
-                  </a:outerShdw>
-                </a:effectLst>
-                <a:latin typeface="Consolas" pitchFamily="49" charset="0"/>
-                <a:cs typeface="Consolas" pitchFamily="49" charset="0"/>
-              </a:rPr>
-              <a:t>= -3</a:t>
+              <a:t>x1 = 2; y1 = -3</a:t>
             </a:r>
           </a:p>
           <a:p>
@@ -5566,41 +5510,7 @@
                 <a:latin typeface="Consolas" pitchFamily="49" charset="0"/>
                 <a:cs typeface="Consolas" pitchFamily="49" charset="0"/>
               </a:rPr>
-              <a:t>x2 = </a:t>
-            </a:r>
-            <a:r>
-              <a:rPr lang="en-US" b="1" noProof="1" smtClean="0">
-                <a:solidFill>
-                  <a:srgbClr val="FBEEDC"/>
-                </a:solidFill>
-                <a:effectLst>
-                  <a:outerShdw blurRad="38100" dist="38100" dir="2700000" algn="tl">
-                    <a:srgbClr val="000000">
-                      <a:alpha val="43137"/>
-                    </a:srgbClr>
-                  </a:outerShdw>
-                </a:effectLst>
-                <a:latin typeface="Consolas" pitchFamily="49" charset="0"/>
-                <a:cs typeface="Consolas" pitchFamily="49" charset="0"/>
-              </a:rPr>
-              <a:t>12; y2 </a:t>
-            </a:r>
-            <a:r>
-              <a:rPr lang="en-US" b="1" noProof="1" smtClean="0">
-                <a:solidFill>
-                  <a:srgbClr val="FBEEDC"/>
-                </a:solidFill>
-                <a:effectLst>
-                  <a:outerShdw blurRad="38100" dist="38100" dir="2700000" algn="tl">
-                    <a:srgbClr val="000000">
-                      <a:alpha val="43137"/>
-                    </a:srgbClr>
-                  </a:outerShdw>
-                </a:effectLst>
-                <a:latin typeface="Consolas" pitchFamily="49" charset="0"/>
-                <a:cs typeface="Consolas" pitchFamily="49" charset="0"/>
-              </a:rPr>
-              <a:t>= 3</a:t>
+              <a:t>x2 = 12; y2 = 3</a:t>
             </a:r>
           </a:p>
           <a:p>
@@ -5818,7 +5728,24 @@
                 <a:latin typeface="Consolas" pitchFamily="49" charset="0"/>
                 <a:cs typeface="Consolas" pitchFamily="49" charset="0"/>
               </a:rPr>
-              <a:t>  print("Inside")</a:t>
+              <a:t>  print</a:t>
+            </a:r>
+            <a:r>
+              <a:rPr lang="en-US" b="1" noProof="1" smtClean="0">
+                <a:solidFill>
+                  <a:srgbClr val="FBEEDC"/>
+                </a:solidFill>
+                <a:effectLst>
+                  <a:outerShdw blurRad="38100" dist="38100" dir="2700000" algn="tl">
+                    <a:srgbClr val="000000">
+                      <a:alpha val="43137"/>
+                    </a:srgbClr>
+                  </a:outerShdw>
+                </a:effectLst>
+                <a:latin typeface="Consolas" pitchFamily="49" charset="0"/>
+                <a:cs typeface="Consolas" pitchFamily="49" charset="0"/>
+              </a:rPr>
+              <a:t>('Inside')</a:t>
             </a:r>
             <a:endParaRPr lang="en-US" b="1" noProof="1">
               <a:solidFill>
@@ -5888,8 +5815,39 @@
                 <a:latin typeface="Consolas" pitchFamily="49" charset="0"/>
                 <a:cs typeface="Consolas" pitchFamily="49" charset="0"/>
               </a:rPr>
-              <a:t>   print("Outside")</a:t>
-            </a:r>
+              <a:t>   print</a:t>
+            </a:r>
+            <a:r>
+              <a:rPr lang="en-US" b="1" noProof="1" smtClean="0">
+                <a:solidFill>
+                  <a:srgbClr val="FBEEDC"/>
+                </a:solidFill>
+                <a:effectLst>
+                  <a:outerShdw blurRad="38100" dist="38100" dir="2700000" algn="tl">
+                    <a:srgbClr val="000000">
+                      <a:alpha val="43137"/>
+                    </a:srgbClr>
+                  </a:outerShdw>
+                </a:effectLst>
+                <a:latin typeface="Consolas" pitchFamily="49" charset="0"/>
+                <a:cs typeface="Consolas" pitchFamily="49" charset="0"/>
+              </a:rPr>
+              <a:t>('Outside')</a:t>
+            </a:r>
+            <a:endParaRPr lang="en-US" b="1" noProof="1" smtClean="0">
+              <a:solidFill>
+                <a:srgbClr val="FBEEDC"/>
+              </a:solidFill>
+              <a:effectLst>
+                <a:outerShdw blurRad="38100" dist="38100" dir="2700000" algn="tl">
+                  <a:srgbClr val="000000">
+                    <a:alpha val="43137"/>
+                  </a:srgbClr>
+                </a:outerShdw>
+              </a:effectLst>
+              <a:latin typeface="Consolas" pitchFamily="49" charset="0"/>
+              <a:cs typeface="Consolas" pitchFamily="49" charset="0"/>
+            </a:endParaRPr>
           </a:p>
         </p:txBody>
       </p:sp>
@@ -6056,7 +6014,7 @@
             </a:r>
             <a:r>
               <a:rPr lang="bg-BG" dirty="0" smtClean="0"/>
-              <a:t>"</a:t>
+              <a:t>'</a:t>
             </a:r>
             <a:r>
               <a:rPr lang="bg-BG" b="1" dirty="0" smtClean="0">
@@ -6070,7 +6028,7 @@
             </a:r>
             <a:r>
               <a:rPr lang="bg-BG" dirty="0" smtClean="0"/>
-              <a:t>" </a:t>
+              <a:t>' </a:t>
             </a:r>
             <a:r>
               <a:rPr lang="bg-BG" dirty="0"/>
@@ -6164,7 +6122,7 @@
             </a:r>
             <a:r>
               <a:rPr lang="en-US" dirty="0" smtClean="0"/>
-              <a:t>"</a:t>
+              <a:t>'</a:t>
             </a:r>
             <a:r>
               <a:rPr lang="en-US" dirty="0" smtClean="0">
@@ -6178,11 +6136,15 @@
             </a:r>
             <a:r>
               <a:rPr lang="en-US" dirty="0" smtClean="0"/>
-              <a:t>"</a:t>
+              <a:t>'</a:t>
             </a:r>
             <a:r>
               <a:rPr lang="bg-BG" dirty="0" smtClean="0"/>
-              <a:t> са:</a:t>
+              <a:t> </a:t>
+            </a:r>
+            <a:r>
+              <a:rPr lang="bg-BG" dirty="0" smtClean="0"/>
+              <a:t>са:</a:t>
             </a:r>
             <a:r>
               <a:rPr lang="en-US" dirty="0" smtClean="0"/>
@@ -6284,7 +6246,11 @@
             </a:r>
             <a:r>
               <a:rPr lang="en-US" dirty="0" smtClean="0"/>
-              <a:t> "</a:t>
+              <a:t> </a:t>
+            </a:r>
+            <a:r>
+              <a:rPr lang="en-US" dirty="0" smtClean="0"/>
+              <a:t>'</a:t>
             </a:r>
             <a:r>
               <a:rPr lang="en-US" dirty="0" smtClean="0">
@@ -6298,11 +6264,15 @@
             </a:r>
             <a:r>
               <a:rPr lang="en-US" dirty="0" smtClean="0"/>
-              <a:t>"</a:t>
+              <a:t>'</a:t>
             </a:r>
             <a:r>
               <a:rPr lang="bg-BG" dirty="0" smtClean="0"/>
-              <a:t> са:</a:t>
+              <a:t> </a:t>
+            </a:r>
+            <a:r>
+              <a:rPr lang="bg-BG" dirty="0" smtClean="0"/>
+              <a:t>са:</a:t>
             </a:r>
             <a:r>
               <a:rPr lang="en-US" dirty="0" smtClean="0"/>
@@ -6376,7 +6346,11 @@
             </a:r>
             <a:r>
               <a:rPr lang="en-US" dirty="0" smtClean="0"/>
-              <a:t> "</a:t>
+              <a:t> </a:t>
+            </a:r>
+            <a:r>
+              <a:rPr lang="en-US" dirty="0" smtClean="0"/>
+              <a:t>'</a:t>
             </a:r>
             <a:r>
               <a:rPr lang="en-US" dirty="0" smtClean="0">
@@ -6390,7 +6364,7 @@
             </a:r>
             <a:r>
               <a:rPr lang="en-US" dirty="0" smtClean="0"/>
-              <a:t>"</a:t>
+              <a:t>'</a:t>
             </a:r>
             <a:endParaRPr lang="en-US" dirty="0">
               <a:solidFill>
@@ -6419,7 +6393,11 @@
           <a:p>
             <a:r>
               <a:rPr lang="bg-BG" dirty="0" smtClean="0"/>
-              <a:t>Логическо "ИЛИ"</a:t>
+              <a:t>Логическо </a:t>
+            </a:r>
+            <a:r>
+              <a:rPr lang="bg-BG" dirty="0" smtClean="0"/>
+              <a:t>'ИЛИ'</a:t>
             </a:r>
             <a:endParaRPr lang="en-US" dirty="0"/>
           </a:p>
@@ -6507,7 +6485,7 @@
                 <a:latin typeface="Consolas" pitchFamily="49" charset="0"/>
                 <a:cs typeface="Consolas" pitchFamily="49" charset="0"/>
               </a:rPr>
-              <a:t>== "banana</a:t>
+              <a:t>== </a:t>
             </a:r>
             <a:r>
               <a:rPr lang="en-US" sz="2800" b="1" noProof="1" smtClean="0">
@@ -6524,24 +6502,7 @@
                 <a:latin typeface="Consolas" pitchFamily="49" charset="0"/>
                 <a:cs typeface="Consolas" pitchFamily="49" charset="0"/>
               </a:rPr>
-              <a:t>"</a:t>
-            </a:r>
-            <a:r>
-              <a:rPr lang="en-US" sz="2800" b="1" noProof="1">
-                <a:solidFill>
-                  <a:srgbClr val="FBEEDC"/>
-                </a:solidFill>
-                <a:effectLst>
-                  <a:outerShdw blurRad="38100" dist="38100" dir="2700000" algn="tl">
-                    <a:srgbClr val="000000">
-                      <a:alpha val="43137"/>
-                    </a:srgbClr>
-                  </a:outerShdw>
-                </a:effectLst>
-                <a:latin typeface="Consolas" pitchFamily="49" charset="0"/>
-                <a:cs typeface="Consolas" pitchFamily="49" charset="0"/>
-              </a:rPr>
-              <a:t> </a:t>
+              <a:t>'banana' </a:t>
             </a:r>
             <a:r>
               <a:rPr lang="en-US" sz="2800" b="1" noProof="1" smtClean="0">
@@ -6594,7 +6555,7 @@
                 <a:latin typeface="Consolas" pitchFamily="49" charset="0"/>
                 <a:cs typeface="Consolas" pitchFamily="49" charset="0"/>
               </a:rPr>
-              <a:t>s == "apple</a:t>
+              <a:t>s == </a:t>
             </a:r>
             <a:r>
               <a:rPr lang="en-US" sz="2800" b="1" noProof="1" smtClean="0">
@@ -6611,24 +6572,7 @@
                 <a:latin typeface="Consolas" pitchFamily="49" charset="0"/>
                 <a:cs typeface="Consolas" pitchFamily="49" charset="0"/>
               </a:rPr>
-              <a:t>"</a:t>
-            </a:r>
-            <a:r>
-              <a:rPr lang="en-US" sz="2800" b="1" noProof="1">
-                <a:solidFill>
-                  <a:srgbClr val="FBEEDC"/>
-                </a:solidFill>
-                <a:effectLst>
-                  <a:outerShdw blurRad="38100" dist="38100" dir="2700000" algn="tl">
-                    <a:srgbClr val="000000">
-                      <a:alpha val="43137"/>
-                    </a:srgbClr>
-                  </a:outerShdw>
-                </a:effectLst>
-                <a:latin typeface="Consolas" pitchFamily="49" charset="0"/>
-                <a:cs typeface="Consolas" pitchFamily="49" charset="0"/>
-              </a:rPr>
-              <a:t> </a:t>
+              <a:t>'apple' </a:t>
             </a:r>
             <a:r>
               <a:rPr lang="en-US" sz="2800" b="1" noProof="1" smtClean="0">
@@ -6698,8 +6642,22 @@
                 <a:latin typeface="Consolas" pitchFamily="49" charset="0"/>
                 <a:cs typeface="Consolas" pitchFamily="49" charset="0"/>
               </a:rPr>
-              <a:t>"kiwi":</a:t>
-            </a:r>
+              <a:t>'kiwi':</a:t>
+            </a:r>
+            <a:endParaRPr lang="en-US" sz="2800" b="1" noProof="1" smtClean="0">
+              <a:solidFill>
+                <a:srgbClr val="FBEEDC"/>
+              </a:solidFill>
+              <a:effectLst>
+                <a:outerShdw blurRad="38100" dist="38100" dir="2700000" algn="tl">
+                  <a:srgbClr val="000000">
+                    <a:alpha val="43137"/>
+                  </a:srgbClr>
+                </a:outerShdw>
+              </a:effectLst>
+              <a:latin typeface="Consolas" pitchFamily="49" charset="0"/>
+              <a:cs typeface="Consolas" pitchFamily="49" charset="0"/>
+            </a:endParaRPr>
           </a:p>
           <a:p>
             <a:pPr eaLnBrk="0" hangingPunct="0">
@@ -6746,8 +6704,39 @@
                 <a:latin typeface="Consolas" pitchFamily="49" charset="0"/>
                 <a:cs typeface="Consolas" pitchFamily="49" charset="0"/>
               </a:rPr>
-              <a:t> print("fruit")</a:t>
-            </a:r>
+              <a:t> print</a:t>
+            </a:r>
+            <a:r>
+              <a:rPr lang="en-US" sz="2800" b="1" noProof="1" smtClean="0">
+                <a:solidFill>
+                  <a:srgbClr val="FBEEDC"/>
+                </a:solidFill>
+                <a:effectLst>
+                  <a:outerShdw blurRad="38100" dist="38100" dir="2700000" algn="tl">
+                    <a:srgbClr val="000000">
+                      <a:alpha val="43137"/>
+                    </a:srgbClr>
+                  </a:outerShdw>
+                </a:effectLst>
+                <a:latin typeface="Consolas" pitchFamily="49" charset="0"/>
+                <a:cs typeface="Consolas" pitchFamily="49" charset="0"/>
+              </a:rPr>
+              <a:t>('fruit')</a:t>
+            </a:r>
+            <a:endParaRPr lang="en-US" sz="2800" b="1" noProof="1" smtClean="0">
+              <a:solidFill>
+                <a:srgbClr val="FBEEDC"/>
+              </a:solidFill>
+              <a:effectLst>
+                <a:outerShdw blurRad="38100" dist="38100" dir="2700000" algn="tl">
+                  <a:srgbClr val="000000">
+                    <a:alpha val="43137"/>
+                  </a:srgbClr>
+                </a:outerShdw>
+              </a:effectLst>
+              <a:latin typeface="Consolas" pitchFamily="49" charset="0"/>
+              <a:cs typeface="Consolas" pitchFamily="49" charset="0"/>
+            </a:endParaRPr>
           </a:p>
         </p:txBody>
       </p:sp>
@@ -7246,7 +7235,19 @@
           <a:p>
             <a:r>
               <a:rPr lang="bg-BG" dirty="0" smtClean="0"/>
-              <a:t>Решение на задачата "плод или зеленчук":</a:t>
+              <a:t>Решение на задачата </a:t>
+            </a:r>
+            <a:r>
+              <a:rPr lang="bg-BG" dirty="0" smtClean="0"/>
+              <a:t>'плод </a:t>
+            </a:r>
+            <a:r>
+              <a:rPr lang="bg-BG" dirty="0" smtClean="0"/>
+              <a:t>или </a:t>
+            </a:r>
+            <a:r>
+              <a:rPr lang="bg-BG" dirty="0" smtClean="0"/>
+              <a:t>зеленчук':</a:t>
             </a:r>
             <a:endParaRPr lang="en-US" dirty="0"/>
           </a:p>
@@ -7436,7 +7437,24 @@
                 <a:latin typeface="Consolas" pitchFamily="49" charset="0"/>
                 <a:cs typeface="Consolas" pitchFamily="49" charset="0"/>
               </a:rPr>
-              <a:t>== "banana" </a:t>
+              <a:t>== </a:t>
+            </a:r>
+            <a:r>
+              <a:rPr lang="en-US" sz="2800" b="1" noProof="1" smtClean="0">
+                <a:solidFill>
+                  <a:srgbClr val="FBEEDC"/>
+                </a:solidFill>
+                <a:effectLst>
+                  <a:outerShdw blurRad="38100" dist="38100" dir="2700000" algn="tl">
+                    <a:srgbClr val="000000">
+                      <a:alpha val="43137"/>
+                    </a:srgbClr>
+                  </a:outerShdw>
+                </a:effectLst>
+                <a:latin typeface="Consolas" pitchFamily="49" charset="0"/>
+                <a:cs typeface="Consolas" pitchFamily="49" charset="0"/>
+              </a:rPr>
+              <a:t>'banana' </a:t>
             </a:r>
             <a:r>
               <a:rPr lang="en-US" sz="2800" b="1" noProof="1" smtClean="0">
@@ -7489,7 +7507,24 @@
                 <a:latin typeface="Consolas" pitchFamily="49" charset="0"/>
                 <a:cs typeface="Consolas" pitchFamily="49" charset="0"/>
               </a:rPr>
-              <a:t>s == "apple" </a:t>
+              <a:t>s == </a:t>
+            </a:r>
+            <a:r>
+              <a:rPr lang="en-US" sz="2800" b="1" noProof="1" smtClean="0">
+                <a:solidFill>
+                  <a:srgbClr val="FBEEDC"/>
+                </a:solidFill>
+                <a:effectLst>
+                  <a:outerShdw blurRad="38100" dist="38100" dir="2700000" algn="tl">
+                    <a:srgbClr val="000000">
+                      <a:alpha val="43137"/>
+                    </a:srgbClr>
+                  </a:outerShdw>
+                </a:effectLst>
+                <a:latin typeface="Consolas" pitchFamily="49" charset="0"/>
+                <a:cs typeface="Consolas" pitchFamily="49" charset="0"/>
+              </a:rPr>
+              <a:t>'apple' </a:t>
             </a:r>
             <a:r>
               <a:rPr lang="en-US" sz="2800" b="1" noProof="1" smtClean="0">
@@ -7542,7 +7577,24 @@
                 <a:latin typeface="Consolas" pitchFamily="49" charset="0"/>
                 <a:cs typeface="Consolas" pitchFamily="49" charset="0"/>
               </a:rPr>
-              <a:t>s == "kiwi" </a:t>
+              <a:t>s == </a:t>
+            </a:r>
+            <a:r>
+              <a:rPr lang="en-US" sz="2800" b="1" noProof="1" smtClean="0">
+                <a:solidFill>
+                  <a:srgbClr val="FBEEDC"/>
+                </a:solidFill>
+                <a:effectLst>
+                  <a:outerShdw blurRad="38100" dist="38100" dir="2700000" algn="tl">
+                    <a:srgbClr val="000000">
+                      <a:alpha val="43137"/>
+                    </a:srgbClr>
+                  </a:outerShdw>
+                </a:effectLst>
+                <a:latin typeface="Consolas" pitchFamily="49" charset="0"/>
+                <a:cs typeface="Consolas" pitchFamily="49" charset="0"/>
+              </a:rPr>
+              <a:t>'kiwi' </a:t>
             </a:r>
             <a:r>
               <a:rPr lang="en-US" sz="2800" b="1" noProof="1" smtClean="0">
@@ -7664,7 +7716,7 @@
                 <a:latin typeface="Consolas" pitchFamily="49" charset="0"/>
                 <a:cs typeface="Consolas" pitchFamily="49" charset="0"/>
               </a:rPr>
-              <a:t>"cherry" </a:t>
+              <a:t>'cherry' </a:t>
             </a:r>
             <a:r>
               <a:rPr lang="en-US" sz="2800" b="1" noProof="1" smtClean="0">
@@ -7717,7 +7769,24 @@
                 <a:latin typeface="Consolas" pitchFamily="49" charset="0"/>
                 <a:cs typeface="Consolas" pitchFamily="49" charset="0"/>
               </a:rPr>
-              <a:t>== "lemon" </a:t>
+              <a:t>== </a:t>
+            </a:r>
+            <a:r>
+              <a:rPr lang="en-US" sz="2800" b="1" noProof="1" smtClean="0">
+                <a:solidFill>
+                  <a:srgbClr val="FBEEDC"/>
+                </a:solidFill>
+                <a:effectLst>
+                  <a:outerShdw blurRad="38100" dist="38100" dir="2700000" algn="tl">
+                    <a:srgbClr val="000000">
+                      <a:alpha val="43137"/>
+                    </a:srgbClr>
+                  </a:outerShdw>
+                </a:effectLst>
+                <a:latin typeface="Consolas" pitchFamily="49" charset="0"/>
+                <a:cs typeface="Consolas" pitchFamily="49" charset="0"/>
+              </a:rPr>
+              <a:t>'lemon' </a:t>
             </a:r>
             <a:r>
               <a:rPr lang="en-US" sz="2800" b="1" noProof="1" smtClean="0">
@@ -7770,7 +7839,7 @@
                 <a:latin typeface="Consolas" pitchFamily="49" charset="0"/>
                 <a:cs typeface="Consolas" pitchFamily="49" charset="0"/>
               </a:rPr>
-              <a:t>s == "</a:t>
+              <a:t>s == </a:t>
             </a:r>
             <a:r>
               <a:rPr lang="en-US" sz="2800" b="1" noProof="1" smtClean="0">
@@ -7787,7 +7856,7 @@
                 <a:latin typeface="Consolas" pitchFamily="49" charset="0"/>
                 <a:cs typeface="Consolas" pitchFamily="49" charset="0"/>
               </a:rPr>
-              <a:t>grapes"):</a:t>
+              <a:t>'grapes'):</a:t>
             </a:r>
             <a:endParaRPr lang="en-US" sz="2800" b="1" noProof="1">
               <a:solidFill>
@@ -7832,24 +7901,7 @@
                 <a:latin typeface="Consolas" pitchFamily="49" charset="0"/>
                 <a:cs typeface="Consolas" pitchFamily="49" charset="0"/>
               </a:rPr>
-              <a:t>  print("</a:t>
-            </a:r>
-            <a:r>
-              <a:rPr lang="en-US" sz="2800" b="1" noProof="1">
-                <a:solidFill>
-                  <a:srgbClr val="FBEEDC"/>
-                </a:solidFill>
-                <a:effectLst>
-                  <a:outerShdw blurRad="38100" dist="38100" dir="2700000" algn="tl">
-                    <a:srgbClr val="000000">
-                      <a:alpha val="43137"/>
-                    </a:srgbClr>
-                  </a:outerShdw>
-                </a:effectLst>
-                <a:latin typeface="Consolas" pitchFamily="49" charset="0"/>
-                <a:cs typeface="Consolas" pitchFamily="49" charset="0"/>
-              </a:rPr>
-              <a:t>fruit</a:t>
+              <a:t>  print</a:t>
             </a:r>
             <a:r>
               <a:rPr lang="en-US" sz="2800" b="1" noProof="1" smtClean="0">
@@ -7866,7 +7918,7 @@
                 <a:latin typeface="Consolas" pitchFamily="49" charset="0"/>
                 <a:cs typeface="Consolas" pitchFamily="49" charset="0"/>
               </a:rPr>
-              <a:t>")</a:t>
+              <a:t>('fruit')</a:t>
             </a:r>
             <a:endParaRPr lang="en-US" sz="2800" b="1" noProof="1">
               <a:solidFill>
@@ -7911,7 +7963,24 @@
                 <a:latin typeface="Consolas" pitchFamily="49" charset="0"/>
                 <a:cs typeface="Consolas" pitchFamily="49" charset="0"/>
               </a:rPr>
-              <a:t>elif </a:t>
+              <a:t>elif (s </a:t>
+            </a:r>
+            <a:r>
+              <a:rPr lang="en-US" sz="2800" b="1" noProof="1">
+                <a:solidFill>
+                  <a:srgbClr val="FBEEDC"/>
+                </a:solidFill>
+                <a:effectLst>
+                  <a:outerShdw blurRad="38100" dist="38100" dir="2700000" algn="tl">
+                    <a:srgbClr val="000000">
+                      <a:alpha val="43137"/>
+                    </a:srgbClr>
+                  </a:outerShdw>
+                </a:effectLst>
+                <a:latin typeface="Consolas" pitchFamily="49" charset="0"/>
+                <a:cs typeface="Consolas" pitchFamily="49" charset="0"/>
+              </a:rPr>
+              <a:t>== </a:t>
             </a:r>
             <a:r>
               <a:rPr lang="en-US" sz="2800" b="1" noProof="1" smtClean="0">
@@ -7928,24 +7997,7 @@
                 <a:latin typeface="Consolas" pitchFamily="49" charset="0"/>
                 <a:cs typeface="Consolas" pitchFamily="49" charset="0"/>
               </a:rPr>
-              <a:t>(s </a:t>
-            </a:r>
-            <a:r>
-              <a:rPr lang="en-US" sz="2800" b="1" noProof="1">
-                <a:solidFill>
-                  <a:srgbClr val="FBEEDC"/>
-                </a:solidFill>
-                <a:effectLst>
-                  <a:outerShdw blurRad="38100" dist="38100" dir="2700000" algn="tl">
-                    <a:srgbClr val="000000">
-                      <a:alpha val="43137"/>
-                    </a:srgbClr>
-                  </a:outerShdw>
-                </a:effectLst>
-                <a:latin typeface="Consolas" pitchFamily="49" charset="0"/>
-                <a:cs typeface="Consolas" pitchFamily="49" charset="0"/>
-              </a:rPr>
-              <a:t>== "tomato" </a:t>
+              <a:t>'tomato' </a:t>
             </a:r>
             <a:r>
               <a:rPr lang="en-US" sz="2800" b="1" noProof="1" smtClean="0">
@@ -7998,7 +8050,24 @@
                 <a:latin typeface="Consolas" pitchFamily="49" charset="0"/>
                 <a:cs typeface="Consolas" pitchFamily="49" charset="0"/>
               </a:rPr>
-              <a:t>s == "cucumber" </a:t>
+              <a:t>s == </a:t>
+            </a:r>
+            <a:r>
+              <a:rPr lang="en-US" sz="2800" b="1" noProof="1" smtClean="0">
+                <a:solidFill>
+                  <a:srgbClr val="FBEEDC"/>
+                </a:solidFill>
+                <a:effectLst>
+                  <a:outerShdw blurRad="38100" dist="38100" dir="2700000" algn="tl">
+                    <a:srgbClr val="000000">
+                      <a:alpha val="43137"/>
+                    </a:srgbClr>
+                  </a:outerShdw>
+                </a:effectLst>
+                <a:latin typeface="Consolas" pitchFamily="49" charset="0"/>
+                <a:cs typeface="Consolas" pitchFamily="49" charset="0"/>
+              </a:rPr>
+              <a:t>'cucumber' </a:t>
             </a:r>
             <a:r>
               <a:rPr lang="en-US" sz="2800" b="1" noProof="1" smtClean="0">
@@ -8105,7 +8174,7 @@
                 <a:latin typeface="Consolas" pitchFamily="49" charset="0"/>
                 <a:cs typeface="Consolas" pitchFamily="49" charset="0"/>
               </a:rPr>
-              <a:t>"pepper" </a:t>
+              <a:t>'pepper' </a:t>
             </a:r>
             <a:r>
               <a:rPr lang="en-US" sz="2800" b="1" noProof="1" smtClean="0">
@@ -8175,24 +8244,7 @@
                 <a:latin typeface="Consolas" pitchFamily="49" charset="0"/>
                 <a:cs typeface="Consolas" pitchFamily="49" charset="0"/>
               </a:rPr>
-              <a:t>"</a:t>
-            </a:r>
-            <a:r>
-              <a:rPr lang="en-US" sz="2800" b="1" noProof="1" smtClean="0">
-                <a:solidFill>
-                  <a:srgbClr val="FBEEDC"/>
-                </a:solidFill>
-                <a:effectLst>
-                  <a:outerShdw blurRad="38100" dist="38100" dir="2700000" algn="tl">
-                    <a:srgbClr val="000000">
-                      <a:alpha val="43137"/>
-                    </a:srgbClr>
-                  </a:outerShdw>
-                </a:effectLst>
-                <a:latin typeface="Consolas" pitchFamily="49" charset="0"/>
-                <a:cs typeface="Consolas" pitchFamily="49" charset="0"/>
-              </a:rPr>
-              <a:t>carrot"):</a:t>
+              <a:t>'carrot'):</a:t>
             </a:r>
             <a:endParaRPr lang="en-US" sz="2800" b="1" noProof="1" smtClean="0">
               <a:solidFill>
@@ -8237,24 +8289,7 @@
                 <a:latin typeface="Consolas" pitchFamily="49" charset="0"/>
                 <a:cs typeface="Consolas" pitchFamily="49" charset="0"/>
               </a:rPr>
-              <a:t>  print("</a:t>
-            </a:r>
-            <a:r>
-              <a:rPr lang="en-US" sz="2800" b="1" noProof="1">
-                <a:solidFill>
-                  <a:srgbClr val="FBEEDC"/>
-                </a:solidFill>
-                <a:effectLst>
-                  <a:outerShdw blurRad="38100" dist="38100" dir="2700000" algn="tl">
-                    <a:srgbClr val="000000">
-                      <a:alpha val="43137"/>
-                    </a:srgbClr>
-                  </a:outerShdw>
-                </a:effectLst>
-                <a:latin typeface="Consolas" pitchFamily="49" charset="0"/>
-                <a:cs typeface="Consolas" pitchFamily="49" charset="0"/>
-              </a:rPr>
-              <a:t>vegetable</a:t>
+              <a:t>  print</a:t>
             </a:r>
             <a:r>
               <a:rPr lang="en-US" sz="2800" b="1" noProof="1" smtClean="0">
@@ -8271,7 +8306,7 @@
                 <a:latin typeface="Consolas" pitchFamily="49" charset="0"/>
                 <a:cs typeface="Consolas" pitchFamily="49" charset="0"/>
               </a:rPr>
-              <a:t>")</a:t>
+              <a:t>('vegetable')</a:t>
             </a:r>
             <a:endParaRPr lang="en-US" sz="2800" b="1" noProof="1">
               <a:solidFill>
@@ -8364,8 +8399,39 @@
                 <a:latin typeface="Consolas" pitchFamily="49" charset="0"/>
                 <a:cs typeface="Consolas" pitchFamily="49" charset="0"/>
               </a:rPr>
-              <a:t> print("unknown")</a:t>
-            </a:r>
+              <a:t> print</a:t>
+            </a:r>
+            <a:r>
+              <a:rPr lang="en-US" sz="2800" b="1" noProof="1" smtClean="0">
+                <a:solidFill>
+                  <a:srgbClr val="FBEEDC"/>
+                </a:solidFill>
+                <a:effectLst>
+                  <a:outerShdw blurRad="38100" dist="38100" dir="2700000" algn="tl">
+                    <a:srgbClr val="000000">
+                      <a:alpha val="43137"/>
+                    </a:srgbClr>
+                  </a:outerShdw>
+                </a:effectLst>
+                <a:latin typeface="Consolas" pitchFamily="49" charset="0"/>
+                <a:cs typeface="Consolas" pitchFamily="49" charset="0"/>
+              </a:rPr>
+              <a:t>('unknown')</a:t>
+            </a:r>
+            <a:endParaRPr lang="en-US" sz="2800" b="1" noProof="1" smtClean="0">
+              <a:solidFill>
+                <a:srgbClr val="FBEEDC"/>
+              </a:solidFill>
+              <a:effectLst>
+                <a:outerShdw blurRad="38100" dist="38100" dir="2700000" algn="tl">
+                  <a:srgbClr val="000000">
+                    <a:alpha val="43137"/>
+                  </a:srgbClr>
+                </a:outerShdw>
+              </a:effectLst>
+              <a:latin typeface="Consolas" pitchFamily="49" charset="0"/>
+              <a:cs typeface="Consolas" pitchFamily="49" charset="0"/>
+            </a:endParaRPr>
           </a:p>
         </p:txBody>
       </p:sp>
@@ -8510,10 +8576,10 @@
             </a:r>
             <a:r>
               <a:rPr lang="bg-BG" dirty="0" smtClean="0"/>
-              <a:t>"</a:t>
-            </a:r>
-            <a:r>
-              <a:rPr lang="bg-BG" noProof="1">
+              <a:t>'</a:t>
+            </a:r>
+            <a:r>
+              <a:rPr lang="bg-BG" noProof="1" smtClean="0">
                 <a:solidFill>
                   <a:schemeClr val="tx2">
                     <a:lumMod val="75000"/>
@@ -8528,11 +8594,29 @@
                 </a:effectLst>
                 <a:cs typeface="Consolas" pitchFamily="49" charset="0"/>
               </a:rPr>
-              <a:t> ИЗКЛЮЧВАЩО ИЛИ </a:t>
+              <a:t> </a:t>
+            </a:r>
+            <a:r>
+              <a:rPr lang="bg-BG" noProof="1">
+                <a:solidFill>
+                  <a:schemeClr val="tx2">
+                    <a:lumMod val="75000"/>
+                  </a:schemeClr>
+                </a:solidFill>
+                <a:effectLst>
+                  <a:outerShdw blurRad="38100" dist="38100" dir="2700000" algn="tl">
+                    <a:srgbClr val="000000">
+                      <a:alpha val="43137"/>
+                    </a:srgbClr>
+                  </a:outerShdw>
+                </a:effectLst>
+                <a:cs typeface="Consolas" pitchFamily="49" charset="0"/>
+              </a:rPr>
+              <a:t>ИЗКЛЮЧВАЩО ИЛИ </a:t>
             </a:r>
             <a:r>
               <a:rPr lang="bg-BG" dirty="0" smtClean="0"/>
-              <a:t>" </a:t>
+              <a:t>' </a:t>
             </a:r>
             <a:r>
               <a:rPr lang="bg-BG" dirty="0"/>
@@ -8639,7 +8723,7 @@
                 </a:effectLst>
                 <a:cs typeface="Consolas" pitchFamily="49" charset="0"/>
               </a:rPr>
-              <a:t>"</a:t>
+              <a:t>'</a:t>
             </a:r>
             <a:r>
               <a:rPr lang="bg-BG" noProof="1" smtClean="0">
@@ -8675,7 +8759,7 @@
                 </a:effectLst>
                 <a:cs typeface="Consolas" pitchFamily="49" charset="0"/>
               </a:rPr>
-              <a:t>"</a:t>
+              <a:t>'</a:t>
             </a:r>
             <a:r>
               <a:rPr lang="bg-BG" dirty="0" smtClean="0">
@@ -8824,7 +8908,24 @@
                 <a:latin typeface="Consolas" pitchFamily="49" charset="0"/>
                 <a:cs typeface="Consolas" pitchFamily="49" charset="0"/>
               </a:rPr>
-              <a:t>if </a:t>
+              <a:t>if girl1 </a:t>
+            </a:r>
+            <a:r>
+              <a:rPr lang="en-US" sz="2800" b="1" noProof="1">
+                <a:solidFill>
+                  <a:srgbClr val="FBEEDC"/>
+                </a:solidFill>
+                <a:effectLst>
+                  <a:outerShdw blurRad="38100" dist="38100" dir="2700000" algn="tl">
+                    <a:srgbClr val="000000">
+                      <a:alpha val="43137"/>
+                    </a:srgbClr>
+                  </a:outerShdw>
+                </a:effectLst>
+                <a:latin typeface="Consolas" pitchFamily="49" charset="0"/>
+                <a:cs typeface="Consolas" pitchFamily="49" charset="0"/>
+              </a:rPr>
+              <a:t>== </a:t>
             </a:r>
             <a:r>
               <a:rPr lang="en-US" sz="2800" b="1" noProof="1" smtClean="0">
@@ -8841,41 +8942,7 @@
                 <a:latin typeface="Consolas" pitchFamily="49" charset="0"/>
                 <a:cs typeface="Consolas" pitchFamily="49" charset="0"/>
               </a:rPr>
-              <a:t>girl1 </a:t>
-            </a:r>
-            <a:r>
-              <a:rPr lang="en-US" sz="2800" b="1" noProof="1">
-                <a:solidFill>
-                  <a:srgbClr val="FBEEDC"/>
-                </a:solidFill>
-                <a:effectLst>
-                  <a:outerShdw blurRad="38100" dist="38100" dir="2700000" algn="tl">
-                    <a:srgbClr val="000000">
-                      <a:alpha val="43137"/>
-                    </a:srgbClr>
-                  </a:outerShdw>
-                </a:effectLst>
-                <a:latin typeface="Consolas" pitchFamily="49" charset="0"/>
-                <a:cs typeface="Consolas" pitchFamily="49" charset="0"/>
-              </a:rPr>
-              <a:t>== </a:t>
-            </a:r>
-            <a:r>
-              <a:rPr lang="en-US" sz="2800" b="1" noProof="1" smtClean="0">
-                <a:solidFill>
-                  <a:srgbClr val="FBEEDC"/>
-                </a:solidFill>
-                <a:effectLst>
-                  <a:outerShdw blurRad="38100" dist="38100" dir="2700000" algn="tl">
-                    <a:srgbClr val="000000">
-                      <a:alpha val="43137"/>
-                    </a:srgbClr>
-                  </a:outerShdw>
-                </a:effectLst>
-                <a:latin typeface="Consolas" pitchFamily="49" charset="0"/>
-                <a:cs typeface="Consolas" pitchFamily="49" charset="0"/>
-              </a:rPr>
-              <a:t>"out" </a:t>
+              <a:t>'out' </a:t>
             </a:r>
             <a:r>
               <a:rPr lang="en-US" sz="2800" b="1" noProof="1" smtClean="0">
@@ -8945,8 +9012,22 @@
                 <a:latin typeface="Consolas" pitchFamily="49" charset="0"/>
                 <a:cs typeface="Consolas" pitchFamily="49" charset="0"/>
               </a:rPr>
-              <a:t>"out":</a:t>
-            </a:r>
+              <a:t>'out':</a:t>
+            </a:r>
+            <a:endParaRPr lang="en-US" sz="2800" b="1" noProof="1" smtClean="0">
+              <a:solidFill>
+                <a:srgbClr val="FBEEDC"/>
+              </a:solidFill>
+              <a:effectLst>
+                <a:outerShdw blurRad="38100" dist="38100" dir="2700000" algn="tl">
+                  <a:srgbClr val="000000">
+                    <a:alpha val="43137"/>
+                  </a:srgbClr>
+                </a:outerShdw>
+              </a:effectLst>
+              <a:latin typeface="Consolas" pitchFamily="49" charset="0"/>
+              <a:cs typeface="Consolas" pitchFamily="49" charset="0"/>
+            </a:endParaRPr>
           </a:p>
           <a:p>
             <a:pPr eaLnBrk="0" hangingPunct="0">
@@ -8993,8 +9074,73 @@
                 <a:latin typeface="Consolas" pitchFamily="49" charset="0"/>
                 <a:cs typeface="Consolas" pitchFamily="49" charset="0"/>
               </a:rPr>
-              <a:t>   print("Go out!")</a:t>
-            </a:r>
+              <a:t>   print</a:t>
+            </a:r>
+            <a:r>
+              <a:rPr lang="en-US" sz="2800" b="1" noProof="1" smtClean="0">
+                <a:solidFill>
+                  <a:srgbClr val="FBEEDC"/>
+                </a:solidFill>
+                <a:effectLst>
+                  <a:outerShdw blurRad="38100" dist="38100" dir="2700000" algn="tl">
+                    <a:srgbClr val="000000">
+                      <a:alpha val="43137"/>
+                    </a:srgbClr>
+                  </a:outerShdw>
+                </a:effectLst>
+                <a:latin typeface="Consolas" pitchFamily="49" charset="0"/>
+                <a:cs typeface="Consolas" pitchFamily="49" charset="0"/>
+              </a:rPr>
+              <a:t>('Go </a:t>
+            </a:r>
+            <a:r>
+              <a:rPr lang="en-US" sz="2800" b="1" noProof="1" smtClean="0">
+                <a:solidFill>
+                  <a:srgbClr val="FBEEDC"/>
+                </a:solidFill>
+                <a:effectLst>
+                  <a:outerShdw blurRad="38100" dist="38100" dir="2700000" algn="tl">
+                    <a:srgbClr val="000000">
+                      <a:alpha val="43137"/>
+                    </a:srgbClr>
+                  </a:outerShdw>
+                </a:effectLst>
+                <a:latin typeface="Consolas" pitchFamily="49" charset="0"/>
+                <a:cs typeface="Consolas" pitchFamily="49" charset="0"/>
+              </a:rPr>
+              <a:t>out</a:t>
+            </a:r>
+            <a:r>
+              <a:rPr lang="en-US" sz="2800" b="1" noProof="1" smtClean="0">
+                <a:solidFill>
+                  <a:srgbClr val="FBEEDC"/>
+                </a:solidFill>
+                <a:effectLst>
+                  <a:outerShdw blurRad="38100" dist="38100" dir="2700000" algn="tl">
+                    <a:srgbClr val="000000">
+                      <a:alpha val="43137"/>
+                    </a:srgbClr>
+                  </a:outerShdw>
+                </a:effectLst>
+                <a:latin typeface="Consolas" pitchFamily="49" charset="0"/>
+                <a:cs typeface="Consolas" pitchFamily="49" charset="0"/>
+              </a:rPr>
+              <a:t>!')</a:t>
+            </a:r>
+            <a:endParaRPr lang="en-US" sz="2800" b="1" noProof="1" smtClean="0">
+              <a:solidFill>
+                <a:srgbClr val="FBEEDC"/>
+              </a:solidFill>
+              <a:effectLst>
+                <a:outerShdw blurRad="38100" dist="38100" dir="2700000" algn="tl">
+                  <a:srgbClr val="000000">
+                    <a:alpha val="43137"/>
+                  </a:srgbClr>
+                </a:outerShdw>
+              </a:effectLst>
+              <a:latin typeface="Consolas" pitchFamily="49" charset="0"/>
+              <a:cs typeface="Consolas" pitchFamily="49" charset="0"/>
+            </a:endParaRPr>
           </a:p>
           <a:p>
             <a:pPr eaLnBrk="0" hangingPunct="0">
@@ -9055,8 +9201,73 @@
                 <a:latin typeface="Consolas" pitchFamily="49" charset="0"/>
                 <a:cs typeface="Consolas" pitchFamily="49" charset="0"/>
               </a:rPr>
-              <a:t>    print("Stay at home!")</a:t>
-            </a:r>
+              <a:t>    print</a:t>
+            </a:r>
+            <a:r>
+              <a:rPr lang="en-US" sz="2800" b="1" noProof="1" smtClean="0">
+                <a:solidFill>
+                  <a:srgbClr val="FBEEDC"/>
+                </a:solidFill>
+                <a:effectLst>
+                  <a:outerShdw blurRad="38100" dist="38100" dir="2700000" algn="tl">
+                    <a:srgbClr val="000000">
+                      <a:alpha val="43137"/>
+                    </a:srgbClr>
+                  </a:outerShdw>
+                </a:effectLst>
+                <a:latin typeface="Consolas" pitchFamily="49" charset="0"/>
+                <a:cs typeface="Consolas" pitchFamily="49" charset="0"/>
+              </a:rPr>
+              <a:t>('Stay </a:t>
+            </a:r>
+            <a:r>
+              <a:rPr lang="en-US" sz="2800" b="1" noProof="1" smtClean="0">
+                <a:solidFill>
+                  <a:srgbClr val="FBEEDC"/>
+                </a:solidFill>
+                <a:effectLst>
+                  <a:outerShdw blurRad="38100" dist="38100" dir="2700000" algn="tl">
+                    <a:srgbClr val="000000">
+                      <a:alpha val="43137"/>
+                    </a:srgbClr>
+                  </a:outerShdw>
+                </a:effectLst>
+                <a:latin typeface="Consolas" pitchFamily="49" charset="0"/>
+                <a:cs typeface="Consolas" pitchFamily="49" charset="0"/>
+              </a:rPr>
+              <a:t>at home</a:t>
+            </a:r>
+            <a:r>
+              <a:rPr lang="en-US" sz="2800" b="1" noProof="1" smtClean="0">
+                <a:solidFill>
+                  <a:srgbClr val="FBEEDC"/>
+                </a:solidFill>
+                <a:effectLst>
+                  <a:outerShdw blurRad="38100" dist="38100" dir="2700000" algn="tl">
+                    <a:srgbClr val="000000">
+                      <a:alpha val="43137"/>
+                    </a:srgbClr>
+                  </a:outerShdw>
+                </a:effectLst>
+                <a:latin typeface="Consolas" pitchFamily="49" charset="0"/>
+                <a:cs typeface="Consolas" pitchFamily="49" charset="0"/>
+              </a:rPr>
+              <a:t>!')</a:t>
+            </a:r>
+            <a:endParaRPr lang="en-US" sz="2800" b="1" noProof="1" smtClean="0">
+              <a:solidFill>
+                <a:srgbClr val="FBEEDC"/>
+              </a:solidFill>
+              <a:effectLst>
+                <a:outerShdw blurRad="38100" dist="38100" dir="2700000" algn="tl">
+                  <a:srgbClr val="000000">
+                    <a:alpha val="43137"/>
+                  </a:srgbClr>
+                </a:outerShdw>
+              </a:effectLst>
+              <a:latin typeface="Consolas" pitchFamily="49" charset="0"/>
+              <a:cs typeface="Consolas" pitchFamily="49" charset="0"/>
+            </a:endParaRPr>
           </a:p>
         </p:txBody>
       </p:sp>
@@ -9907,8 +10118,39 @@
                 <a:latin typeface="Consolas" pitchFamily="49" charset="0"/>
                 <a:cs typeface="Consolas" pitchFamily="49" charset="0"/>
               </a:rPr>
-              <a:t>    print("invalid")</a:t>
-            </a:r>
+              <a:t>    print</a:t>
+            </a:r>
+            <a:r>
+              <a:rPr lang="en-US" sz="2800" b="1" noProof="1" smtClean="0">
+                <a:solidFill>
+                  <a:srgbClr val="FBEEDC"/>
+                </a:solidFill>
+                <a:effectLst>
+                  <a:outerShdw blurRad="38100" dist="38100" dir="2700000" algn="tl">
+                    <a:srgbClr val="000000">
+                      <a:alpha val="43137"/>
+                    </a:srgbClr>
+                  </a:outerShdw>
+                </a:effectLst>
+                <a:latin typeface="Consolas" pitchFamily="49" charset="0"/>
+                <a:cs typeface="Consolas" pitchFamily="49" charset="0"/>
+              </a:rPr>
+              <a:t>('invalid')</a:t>
+            </a:r>
+            <a:endParaRPr lang="en-US" sz="2800" b="1" noProof="1" smtClean="0">
+              <a:solidFill>
+                <a:srgbClr val="FBEEDC"/>
+              </a:solidFill>
+              <a:effectLst>
+                <a:outerShdw blurRad="38100" dist="38100" dir="2700000" algn="tl">
+                  <a:srgbClr val="000000">
+                    <a:alpha val="43137"/>
+                  </a:srgbClr>
+                </a:outerShdw>
+              </a:effectLst>
+              <a:latin typeface="Consolas" pitchFamily="49" charset="0"/>
+              <a:cs typeface="Consolas" pitchFamily="49" charset="0"/>
+            </a:endParaRPr>
           </a:p>
         </p:txBody>
       </p:sp>
@@ -11527,8 +11769,39 @@
                 <a:latin typeface="Consolas" pitchFamily="49" charset="0"/>
                 <a:cs typeface="Consolas" pitchFamily="49" charset="0"/>
               </a:rPr>
-              <a:t>    print("Border")</a:t>
-            </a:r>
+              <a:t>    print</a:t>
+            </a:r>
+            <a:r>
+              <a:rPr lang="en-US" sz="2800" b="1" noProof="1" smtClean="0">
+                <a:solidFill>
+                  <a:srgbClr val="FBEEDC"/>
+                </a:solidFill>
+                <a:effectLst>
+                  <a:outerShdw blurRad="38100" dist="38100" dir="2700000" algn="tl">
+                    <a:srgbClr val="000000">
+                      <a:alpha val="43137"/>
+                    </a:srgbClr>
+                  </a:outerShdw>
+                </a:effectLst>
+                <a:latin typeface="Consolas" pitchFamily="49" charset="0"/>
+                <a:cs typeface="Consolas" pitchFamily="49" charset="0"/>
+              </a:rPr>
+              <a:t>('Border')</a:t>
+            </a:r>
+            <a:endParaRPr lang="en-US" sz="2800" b="1" noProof="1" smtClean="0">
+              <a:solidFill>
+                <a:srgbClr val="FBEEDC"/>
+              </a:solidFill>
+              <a:effectLst>
+                <a:outerShdw blurRad="38100" dist="38100" dir="2700000" algn="tl">
+                  <a:srgbClr val="000000">
+                    <a:alpha val="43137"/>
+                  </a:srgbClr>
+                </a:outerShdw>
+              </a:effectLst>
+              <a:latin typeface="Consolas" pitchFamily="49" charset="0"/>
+              <a:cs typeface="Consolas" pitchFamily="49" charset="0"/>
+            </a:endParaRPr>
           </a:p>
         </p:txBody>
       </p:sp>
@@ -12659,24 +12932,7 @@
                 <a:latin typeface="Consolas" pitchFamily="49" charset="0"/>
                 <a:cs typeface="Consolas" pitchFamily="49" charset="0"/>
               </a:rPr>
-              <a:t>print("</a:t>
-            </a:r>
-            <a:r>
-              <a:rPr lang="en-US" sz="2600" b="1" noProof="1">
-                <a:solidFill>
-                  <a:srgbClr val="FBEEDC"/>
-                </a:solidFill>
-                <a:effectLst>
-                  <a:outerShdw blurRad="38100" dist="38100" dir="2700000" algn="tl">
-                    <a:srgbClr val="000000">
-                      <a:alpha val="43137"/>
-                    </a:srgbClr>
-                  </a:outerShdw>
-                </a:effectLst>
-                <a:latin typeface="Consolas" pitchFamily="49" charset="0"/>
-                <a:cs typeface="Consolas" pitchFamily="49" charset="0"/>
-              </a:rPr>
-              <a:t>Border</a:t>
+              <a:t>print</a:t>
             </a:r>
             <a:r>
               <a:rPr lang="en-US" sz="2600" b="1" noProof="1" smtClean="0">
@@ -12693,7 +12949,7 @@
                 <a:latin typeface="Consolas" pitchFamily="49" charset="0"/>
                 <a:cs typeface="Consolas" pitchFamily="49" charset="0"/>
               </a:rPr>
-              <a:t>")</a:t>
+              <a:t>('Border')</a:t>
             </a:r>
             <a:endParaRPr lang="en-US" sz="2600" b="1" noProof="1">
               <a:solidFill>
@@ -12871,8 +13127,8 @@
         </p:nvSpPr>
         <p:spPr>
           <a:xfrm>
-            <a:off x="190415" y="1191467"/>
-            <a:ext cx="6742197" cy="5530010"/>
+            <a:off x="198113" y="1498116"/>
+            <a:ext cx="6742197" cy="4447333"/>
           </a:xfrm>
         </p:spPr>
         <p:txBody>
@@ -12916,7 +13172,11 @@
             <a:pPr marL="723900" lvl="1" indent="-420688"/>
             <a:r>
               <a:rPr lang="bg-BG" dirty="0" smtClean="0"/>
-              <a:t>Логическо "</a:t>
+              <a:t>Логическо </a:t>
+            </a:r>
+            <a:r>
+              <a:rPr lang="bg-BG" dirty="0" smtClean="0"/>
+              <a:t>'</a:t>
             </a:r>
             <a:r>
               <a:rPr lang="bg-BG" b="1" dirty="0" smtClean="0">
@@ -12930,7 +13190,15 @@
             </a:r>
             <a:r>
               <a:rPr lang="bg-BG" dirty="0" smtClean="0"/>
-              <a:t>", логическо "</a:t>
+              <a:t>', </a:t>
+            </a:r>
+            <a:r>
+              <a:rPr lang="bg-BG" dirty="0" smtClean="0"/>
+              <a:t>логическо </a:t>
+            </a:r>
+            <a:r>
+              <a:rPr lang="bg-BG" dirty="0" smtClean="0"/>
+              <a:t>'</a:t>
             </a:r>
             <a:r>
               <a:rPr lang="bg-BG" b="1" dirty="0" smtClean="0">
@@ -12944,11 +13212,15 @@
             </a:r>
             <a:r>
               <a:rPr lang="bg-BG" dirty="0" smtClean="0"/>
-              <a:t>", </a:t>
+              <a:t>', </a:t>
             </a:r>
             <a:r>
               <a:rPr lang="bg-BG" dirty="0" smtClean="0"/>
-              <a:t>логическо "</a:t>
+              <a:t>логическо </a:t>
+            </a:r>
+            <a:r>
+              <a:rPr lang="bg-BG" dirty="0" smtClean="0"/>
+              <a:t>'</a:t>
             </a:r>
             <a:r>
               <a:rPr lang="bg-BG" dirty="0" smtClean="0">
@@ -12976,7 +13248,11 @@
             </a:r>
             <a:r>
               <a:rPr lang="bg-BG" dirty="0" smtClean="0"/>
-              <a:t>", логическо </a:t>
+              <a:t>', </a:t>
+            </a:r>
+            <a:r>
+              <a:rPr lang="bg-BG" dirty="0" smtClean="0"/>
+              <a:t>логическо </a:t>
             </a:r>
             <a:r>
               <a:rPr lang="bg-BG" b="1" dirty="0" smtClean="0">
@@ -13007,13 +13283,8 @@
             <a:pPr marL="723900" lvl="1" indent="-420688"/>
             <a:r>
               <a:rPr lang="bg-BG" dirty="0" smtClean="0"/>
-              <a:t>Задачи със сложни </a:t>
-            </a:r>
-            <a:r>
-              <a:rPr lang="bg-BG" dirty="0" smtClean="0"/>
-              <a:t>проверки</a:t>
-            </a:r>
-            <a:endParaRPr lang="bg-BG" dirty="0" smtClean="0"/>
+              <a:t>Задачи със сложни проверки</a:t>
+            </a:r>
           </a:p>
         </p:txBody>
       </p:sp>
@@ -15859,7 +16130,7 @@
                 <a:latin typeface="Consolas" pitchFamily="49" charset="0"/>
                 <a:cs typeface="Consolas" pitchFamily="49" charset="0"/>
               </a:rPr>
-              <a:t>== "saturday" </a:t>
+              <a:t>== </a:t>
             </a:r>
             <a:r>
               <a:rPr lang="en-US" sz="2600" b="1" noProof="1" smtClean="0">
@@ -15876,6 +16147,23 @@
                 <a:latin typeface="Consolas" pitchFamily="49" charset="0"/>
                 <a:cs typeface="Consolas" pitchFamily="49" charset="0"/>
               </a:rPr>
+              <a:t>'saturday' </a:t>
+            </a:r>
+            <a:r>
+              <a:rPr lang="en-US" sz="2600" b="1" noProof="1" smtClean="0">
+                <a:solidFill>
+                  <a:srgbClr val="FBEEDC"/>
+                </a:solidFill>
+                <a:effectLst>
+                  <a:outerShdw blurRad="38100" dist="38100" dir="2700000" algn="tl">
+                    <a:srgbClr val="000000">
+                      <a:alpha val="43137"/>
+                    </a:srgbClr>
+                  </a:outerShdw>
+                </a:effectLst>
+                <a:latin typeface="Consolas" pitchFamily="49" charset="0"/>
+                <a:cs typeface="Consolas" pitchFamily="49" charset="0"/>
+              </a:rPr>
               <a:t>or </a:t>
             </a:r>
             <a:r>
@@ -15893,7 +16181,7 @@
                 <a:latin typeface="Consolas" pitchFamily="49" charset="0"/>
                 <a:cs typeface="Consolas" pitchFamily="49" charset="0"/>
               </a:rPr>
-              <a:t>day == "</a:t>
+              <a:t>day == </a:t>
             </a:r>
             <a:r>
               <a:rPr lang="en-US" sz="2600" b="1" noProof="1" smtClean="0">
@@ -15910,7 +16198,7 @@
                 <a:latin typeface="Consolas" pitchFamily="49" charset="0"/>
                 <a:cs typeface="Consolas" pitchFamily="49" charset="0"/>
               </a:rPr>
-              <a:t>sunday":</a:t>
+              <a:t>'sunday':</a:t>
             </a:r>
             <a:endParaRPr lang="en-US" sz="2600" b="1" noProof="1">
               <a:solidFill>
@@ -16003,7 +16291,7 @@
                 <a:latin typeface="Consolas" pitchFamily="49" charset="0"/>
                 <a:cs typeface="Consolas" pitchFamily="49" charset="0"/>
               </a:rPr>
-              <a:t>== "</a:t>
+              <a:t>== </a:t>
             </a:r>
             <a:r>
               <a:rPr lang="en-US" sz="2600" b="1" noProof="1" smtClean="0">
@@ -16020,8 +16308,22 @@
                 <a:latin typeface="Consolas" pitchFamily="49" charset="0"/>
                 <a:cs typeface="Consolas" pitchFamily="49" charset="0"/>
               </a:rPr>
-              <a:t>banana":</a:t>
-            </a:r>
+              <a:t>'banana':</a:t>
+            </a:r>
+            <a:endParaRPr lang="en-US" sz="2600" b="1" noProof="1" smtClean="0">
+              <a:solidFill>
+                <a:srgbClr val="FBEEDC"/>
+              </a:solidFill>
+              <a:effectLst>
+                <a:outerShdw blurRad="38100" dist="38100" dir="2700000" algn="tl">
+                  <a:srgbClr val="000000">
+                    <a:alpha val="43137"/>
+                  </a:srgbClr>
+                </a:outerShdw>
+              </a:effectLst>
+              <a:latin typeface="Consolas" pitchFamily="49" charset="0"/>
+              <a:cs typeface="Consolas" pitchFamily="49" charset="0"/>
+            </a:endParaRPr>
           </a:p>
           <a:p>
             <a:pPr eaLnBrk="0" hangingPunct="0">
@@ -16158,7 +16460,7 @@
                 <a:latin typeface="Consolas" pitchFamily="49" charset="0"/>
                 <a:cs typeface="Consolas" pitchFamily="49" charset="0"/>
               </a:rPr>
-              <a:t>== "</a:t>
+              <a:t>== </a:t>
             </a:r>
             <a:r>
               <a:rPr lang="en-US" sz="2600" b="1" noProof="1" smtClean="0">
@@ -16175,8 +16477,22 @@
                 <a:latin typeface="Consolas" pitchFamily="49" charset="0"/>
                 <a:cs typeface="Consolas" pitchFamily="49" charset="0"/>
               </a:rPr>
-              <a:t>apple":</a:t>
-            </a:r>
+              <a:t>'apple':</a:t>
+            </a:r>
+            <a:endParaRPr lang="en-US" sz="2600" b="1" noProof="1" smtClean="0">
+              <a:solidFill>
+                <a:srgbClr val="FBEEDC"/>
+              </a:solidFill>
+              <a:effectLst>
+                <a:outerShdw blurRad="38100" dist="38100" dir="2700000" algn="tl">
+                  <a:srgbClr val="000000">
+                    <a:alpha val="43137"/>
+                  </a:srgbClr>
+                </a:outerShdw>
+              </a:effectLst>
+              <a:latin typeface="Consolas" pitchFamily="49" charset="0"/>
+              <a:cs typeface="Consolas" pitchFamily="49" charset="0"/>
+            </a:endParaRPr>
           </a:p>
           <a:p>
             <a:pPr eaLnBrk="0" hangingPunct="0">
@@ -16374,7 +16690,24 @@
                 <a:latin typeface="Consolas" pitchFamily="49" charset="0"/>
                 <a:cs typeface="Consolas" pitchFamily="49" charset="0"/>
               </a:rPr>
-              <a:t>elif </a:t>
+              <a:t>elif (day </a:t>
+            </a:r>
+            <a:r>
+              <a:rPr lang="en-US" sz="2600" b="1" noProof="1">
+                <a:solidFill>
+                  <a:srgbClr val="FBEEDC"/>
+                </a:solidFill>
+                <a:effectLst>
+                  <a:outerShdw blurRad="38100" dist="38100" dir="2700000" algn="tl">
+                    <a:srgbClr val="000000">
+                      <a:alpha val="43137"/>
+                    </a:srgbClr>
+                  </a:outerShdw>
+                </a:effectLst>
+                <a:latin typeface="Consolas" pitchFamily="49" charset="0"/>
+                <a:cs typeface="Consolas" pitchFamily="49" charset="0"/>
+              </a:rPr>
+              <a:t>== </a:t>
             </a:r>
             <a:r>
               <a:rPr lang="en-US" sz="2600" b="1" noProof="1" smtClean="0">
@@ -16391,7 +16724,24 @@
                 <a:latin typeface="Consolas" pitchFamily="49" charset="0"/>
                 <a:cs typeface="Consolas" pitchFamily="49" charset="0"/>
               </a:rPr>
-              <a:t>(day </a:t>
+              <a:t>'monday' </a:t>
+            </a:r>
+            <a:r>
+              <a:rPr lang="en-US" sz="2600" b="1" noProof="1" smtClean="0">
+                <a:solidFill>
+                  <a:srgbClr val="FBEEDC"/>
+                </a:solidFill>
+                <a:effectLst>
+                  <a:outerShdw blurRad="38100" dist="38100" dir="2700000" algn="tl">
+                    <a:srgbClr val="000000">
+                      <a:alpha val="43137"/>
+                    </a:srgbClr>
+                  </a:outerShdw>
+                </a:effectLst>
+                <a:latin typeface="Consolas" pitchFamily="49" charset="0"/>
+                <a:cs typeface="Consolas" pitchFamily="49" charset="0"/>
+              </a:rPr>
+              <a:t>or </a:t>
             </a:r>
             <a:r>
               <a:rPr lang="en-US" sz="2600" b="1" noProof="1">
@@ -16408,7 +16758,7 @@
                 <a:latin typeface="Consolas" pitchFamily="49" charset="0"/>
                 <a:cs typeface="Consolas" pitchFamily="49" charset="0"/>
               </a:rPr>
-              <a:t>== "monday" </a:t>
+              <a:t>day == </a:t>
             </a:r>
             <a:r>
               <a:rPr lang="en-US" sz="2600" b="1" noProof="1" smtClean="0">
@@ -16425,24 +16775,7 @@
                 <a:latin typeface="Consolas" pitchFamily="49" charset="0"/>
                 <a:cs typeface="Consolas" pitchFamily="49" charset="0"/>
               </a:rPr>
-              <a:t>or </a:t>
-            </a:r>
-            <a:r>
-              <a:rPr lang="en-US" sz="2600" b="1" noProof="1">
-                <a:solidFill>
-                  <a:srgbClr val="FBEEDC"/>
-                </a:solidFill>
-                <a:effectLst>
-                  <a:outerShdw blurRad="38100" dist="38100" dir="2700000" algn="tl">
-                    <a:srgbClr val="000000">
-                      <a:alpha val="43137"/>
-                    </a:srgbClr>
-                  </a:outerShdw>
-                </a:effectLst>
-                <a:latin typeface="Consolas" pitchFamily="49" charset="0"/>
-                <a:cs typeface="Consolas" pitchFamily="49" charset="0"/>
-              </a:rPr>
-              <a:t>day == "tuesday" </a:t>
+              <a:t>'tuesday' </a:t>
             </a:r>
             <a:r>
               <a:rPr lang="en-US" sz="2600" b="1" noProof="1" smtClean="0">
@@ -16504,7 +16837,41 @@
                 <a:latin typeface="Consolas" pitchFamily="49" charset="0"/>
                 <a:cs typeface="Consolas" pitchFamily="49" charset="0"/>
               </a:rPr>
-              <a:t>  "</a:t>
+              <a:t>  </a:t>
+            </a:r>
+            <a:r>
+              <a:rPr lang="en-US" sz="2600" b="1" noProof="1" smtClean="0">
+                <a:solidFill>
+                  <a:srgbClr val="FBEEDC"/>
+                </a:solidFill>
+                <a:effectLst>
+                  <a:outerShdw blurRad="38100" dist="38100" dir="2700000" algn="tl">
+                    <a:srgbClr val="000000">
+                      <a:alpha val="43137"/>
+                    </a:srgbClr>
+                  </a:outerShdw>
+                </a:effectLst>
+                <a:latin typeface="Consolas" pitchFamily="49" charset="0"/>
+                <a:cs typeface="Consolas" pitchFamily="49" charset="0"/>
+              </a:rPr>
+              <a:t>'wednesday' </a:t>
+            </a:r>
+            <a:r>
+              <a:rPr lang="en-US" sz="2600" b="1" noProof="1" smtClean="0">
+                <a:solidFill>
+                  <a:srgbClr val="FBEEDC"/>
+                </a:solidFill>
+                <a:effectLst>
+                  <a:outerShdw blurRad="38100" dist="38100" dir="2700000" algn="tl">
+                    <a:srgbClr val="000000">
+                      <a:alpha val="43137"/>
+                    </a:srgbClr>
+                  </a:outerShdw>
+                </a:effectLst>
+                <a:latin typeface="Consolas" pitchFamily="49" charset="0"/>
+                <a:cs typeface="Consolas" pitchFamily="49" charset="0"/>
+              </a:rPr>
+              <a:t>or </a:t>
             </a:r>
             <a:r>
               <a:rPr lang="en-US" sz="2600" b="1" noProof="1">
@@ -16521,7 +16888,7 @@
                 <a:latin typeface="Consolas" pitchFamily="49" charset="0"/>
                 <a:cs typeface="Consolas" pitchFamily="49" charset="0"/>
               </a:rPr>
-              <a:t>wednesday" </a:t>
+              <a:t>day == </a:t>
             </a:r>
             <a:r>
               <a:rPr lang="en-US" sz="2600" b="1" noProof="1" smtClean="0">
@@ -16538,6 +16905,23 @@
                 <a:latin typeface="Consolas" pitchFamily="49" charset="0"/>
                 <a:cs typeface="Consolas" pitchFamily="49" charset="0"/>
               </a:rPr>
+              <a:t>'thursday' </a:t>
+            </a:r>
+            <a:r>
+              <a:rPr lang="en-US" sz="2600" b="1" noProof="1" smtClean="0">
+                <a:solidFill>
+                  <a:srgbClr val="FBEEDC"/>
+                </a:solidFill>
+                <a:effectLst>
+                  <a:outerShdw blurRad="38100" dist="38100" dir="2700000" algn="tl">
+                    <a:srgbClr val="000000">
+                      <a:alpha val="43137"/>
+                    </a:srgbClr>
+                  </a:outerShdw>
+                </a:effectLst>
+                <a:latin typeface="Consolas" pitchFamily="49" charset="0"/>
+                <a:cs typeface="Consolas" pitchFamily="49" charset="0"/>
+              </a:rPr>
               <a:t>or </a:t>
             </a:r>
             <a:r>
@@ -16555,7 +16939,7 @@
                 <a:latin typeface="Consolas" pitchFamily="49" charset="0"/>
                 <a:cs typeface="Consolas" pitchFamily="49" charset="0"/>
               </a:rPr>
-              <a:t>day == "thursday" </a:t>
+              <a:t>day == </a:t>
             </a:r>
             <a:r>
               <a:rPr lang="en-US" sz="2600" b="1" noProof="1" smtClean="0">
@@ -16572,41 +16956,7 @@
                 <a:latin typeface="Consolas" pitchFamily="49" charset="0"/>
                 <a:cs typeface="Consolas" pitchFamily="49" charset="0"/>
               </a:rPr>
-              <a:t>or </a:t>
-            </a:r>
-            <a:r>
-              <a:rPr lang="en-US" sz="2600" b="1" noProof="1">
-                <a:solidFill>
-                  <a:srgbClr val="FBEEDC"/>
-                </a:solidFill>
-                <a:effectLst>
-                  <a:outerShdw blurRad="38100" dist="38100" dir="2700000" algn="tl">
-                    <a:srgbClr val="000000">
-                      <a:alpha val="43137"/>
-                    </a:srgbClr>
-                  </a:outerShdw>
-                </a:effectLst>
-                <a:latin typeface="Consolas" pitchFamily="49" charset="0"/>
-                <a:cs typeface="Consolas" pitchFamily="49" charset="0"/>
-              </a:rPr>
-              <a:t>day == "</a:t>
-            </a:r>
-            <a:r>
-              <a:rPr lang="en-US" sz="2600" b="1" noProof="1" smtClean="0">
-                <a:solidFill>
-                  <a:srgbClr val="FBEEDC"/>
-                </a:solidFill>
-                <a:effectLst>
-                  <a:outerShdw blurRad="38100" dist="38100" dir="2700000" algn="tl">
-                    <a:srgbClr val="000000">
-                      <a:alpha val="43137"/>
-                    </a:srgbClr>
-                  </a:outerShdw>
-                </a:effectLst>
-                <a:latin typeface="Consolas" pitchFamily="49" charset="0"/>
-                <a:cs typeface="Consolas" pitchFamily="49" charset="0"/>
-              </a:rPr>
-              <a:t>friday"):</a:t>
+              <a:t>'friday'):</a:t>
             </a:r>
             <a:endParaRPr lang="en-US" sz="2600" b="1" noProof="1" smtClean="0">
               <a:solidFill>
@@ -16699,7 +17049,7 @@
                 <a:latin typeface="Consolas" pitchFamily="49" charset="0"/>
                 <a:cs typeface="Consolas" pitchFamily="49" charset="0"/>
               </a:rPr>
-              <a:t>== "</a:t>
+              <a:t>== </a:t>
             </a:r>
             <a:r>
               <a:rPr lang="en-US" sz="2600" b="1" noProof="1" smtClean="0">
@@ -16716,8 +17066,22 @@
                 <a:latin typeface="Consolas" pitchFamily="49" charset="0"/>
                 <a:cs typeface="Consolas" pitchFamily="49" charset="0"/>
               </a:rPr>
-              <a:t>banana":</a:t>
-            </a:r>
+              <a:t>'banana':</a:t>
+            </a:r>
+            <a:endParaRPr lang="en-US" sz="2600" b="1" noProof="1" smtClean="0">
+              <a:solidFill>
+                <a:srgbClr val="FBEEDC"/>
+              </a:solidFill>
+              <a:effectLst>
+                <a:outerShdw blurRad="38100" dist="38100" dir="2700000" algn="tl">
+                  <a:srgbClr val="000000">
+                    <a:alpha val="43137"/>
+                  </a:srgbClr>
+                </a:outerShdw>
+              </a:effectLst>
+              <a:latin typeface="Consolas" pitchFamily="49" charset="0"/>
+              <a:cs typeface="Consolas" pitchFamily="49" charset="0"/>
+            </a:endParaRPr>
           </a:p>
           <a:p>
             <a:pPr eaLnBrk="0" hangingPunct="0">
@@ -18738,7 +19102,7 @@
                 <a:latin typeface="Consolas" pitchFamily="49" charset="0"/>
                 <a:cs typeface="Consolas" pitchFamily="49" charset="0"/>
               </a:rPr>
-              <a:t>== "</a:t>
+              <a:t>== </a:t>
             </a:r>
             <a:r>
               <a:rPr lang="en-US" sz="2100" b="1" noProof="1" smtClean="0">
@@ -18755,7 +19119,7 @@
                 <a:latin typeface="Consolas" pitchFamily="49" charset="0"/>
                 <a:cs typeface="Consolas" pitchFamily="49" charset="0"/>
               </a:rPr>
-              <a:t>sofia":</a:t>
+              <a:t>'sofia':</a:t>
             </a:r>
             <a:endParaRPr lang="en-US" sz="2100" b="1" noProof="1">
               <a:solidFill>
@@ -19285,7 +19649,7 @@
                 <a:latin typeface="Consolas" pitchFamily="49" charset="0"/>
                 <a:cs typeface="Consolas" pitchFamily="49" charset="0"/>
               </a:rPr>
-              <a:t>(town == "varna</a:t>
+              <a:t>(town == </a:t>
             </a:r>
             <a:r>
               <a:rPr lang="en-US" sz="2100" b="1" noProof="1" smtClean="0">
@@ -19302,8 +19666,22 @@
                 <a:latin typeface="Consolas" pitchFamily="49" charset="0"/>
                 <a:cs typeface="Consolas" pitchFamily="49" charset="0"/>
               </a:rPr>
-              <a:t>"):</a:t>
-            </a:r>
+              <a:t>'varna'):</a:t>
+            </a:r>
+            <a:endParaRPr lang="en-US" sz="2100" b="1" noProof="1" smtClean="0">
+              <a:solidFill>
+                <a:srgbClr val="FBEEDC"/>
+              </a:solidFill>
+              <a:effectLst>
+                <a:outerShdw blurRad="38100" dist="38100" dir="2700000" algn="tl">
+                  <a:srgbClr val="000000">
+                    <a:alpha val="43137"/>
+                  </a:srgbClr>
+                </a:outerShdw>
+              </a:effectLst>
+              <a:latin typeface="Consolas" pitchFamily="49" charset="0"/>
+              <a:cs typeface="Consolas" pitchFamily="49" charset="0"/>
+            </a:endParaRPr>
           </a:p>
           <a:p>
             <a:pPr eaLnBrk="0" hangingPunct="0">
@@ -19440,7 +19818,7 @@
                 <a:latin typeface="Consolas" pitchFamily="49" charset="0"/>
                 <a:cs typeface="Consolas" pitchFamily="49" charset="0"/>
               </a:rPr>
-              <a:t>(town == "plovdiv</a:t>
+              <a:t>(town == </a:t>
             </a:r>
             <a:r>
               <a:rPr lang="en-US" sz="2100" b="1" noProof="1" smtClean="0">
@@ -19457,8 +19835,22 @@
                 <a:latin typeface="Consolas" pitchFamily="49" charset="0"/>
                 <a:cs typeface="Consolas" pitchFamily="49" charset="0"/>
               </a:rPr>
-              <a:t>"):</a:t>
-            </a:r>
+              <a:t>'plovdiv'):</a:t>
+            </a:r>
+            <a:endParaRPr lang="en-US" sz="2100" b="1" noProof="1" smtClean="0">
+              <a:solidFill>
+                <a:srgbClr val="FBEEDC"/>
+              </a:solidFill>
+              <a:effectLst>
+                <a:outerShdw blurRad="38100" dist="38100" dir="2700000" algn="tl">
+                  <a:srgbClr val="000000">
+                    <a:alpha val="43137"/>
+                  </a:srgbClr>
+                </a:outerShdw>
+              </a:effectLst>
+              <a:latin typeface="Consolas" pitchFamily="49" charset="0"/>
+              <a:cs typeface="Consolas" pitchFamily="49" charset="0"/>
+            </a:endParaRPr>
           </a:p>
           <a:p>
             <a:pPr eaLnBrk="0" hangingPunct="0">
@@ -19716,7 +20108,24 @@
                 <a:latin typeface="Consolas" pitchFamily="49" charset="0"/>
                 <a:cs typeface="Consolas" pitchFamily="49" charset="0"/>
               </a:rPr>
-              <a:t> print("error")</a:t>
+              <a:t> print</a:t>
+            </a:r>
+            <a:r>
+              <a:rPr lang="en-US" sz="2100" b="1" noProof="1" smtClean="0">
+                <a:solidFill>
+                  <a:srgbClr val="FBEEDC"/>
+                </a:solidFill>
+                <a:effectLst>
+                  <a:outerShdw blurRad="38100" dist="38100" dir="2700000" algn="tl">
+                    <a:srgbClr val="000000">
+                      <a:alpha val="43137"/>
+                    </a:srgbClr>
+                  </a:outerShdw>
+                </a:effectLst>
+                <a:latin typeface="Consolas" pitchFamily="49" charset="0"/>
+                <a:cs typeface="Consolas" pitchFamily="49" charset="0"/>
+              </a:rPr>
+              <a:t>('error')</a:t>
             </a:r>
             <a:endParaRPr lang="en-US" sz="2100" b="1" noProof="1">
               <a:solidFill>
@@ -20981,7 +21390,58 @@
                 <a:latin typeface="Consolas" pitchFamily="49" charset="0"/>
                 <a:cs typeface="Consolas" pitchFamily="49" charset="0"/>
               </a:rPr>
-              <a:t>  print("Point on the left or right side.")</a:t>
+              <a:t>  print</a:t>
+            </a:r>
+            <a:r>
+              <a:rPr lang="en-US" sz="2600" b="1" noProof="1" smtClean="0">
+                <a:solidFill>
+                  <a:srgbClr val="FBEEDC"/>
+                </a:solidFill>
+                <a:effectLst>
+                  <a:outerShdw blurRad="38100" dist="38100" dir="2700000" algn="tl">
+                    <a:srgbClr val="000000">
+                      <a:alpha val="43137"/>
+                    </a:srgbClr>
+                  </a:outerShdw>
+                </a:effectLst>
+                <a:latin typeface="Consolas" pitchFamily="49" charset="0"/>
+                <a:cs typeface="Consolas" pitchFamily="49" charset="0"/>
+              </a:rPr>
+              <a:t>('Point </a:t>
+            </a:r>
+            <a:r>
+              <a:rPr lang="en-US" sz="2600" b="1" noProof="1" smtClean="0">
+                <a:solidFill>
+                  <a:srgbClr val="FBEEDC"/>
+                </a:solidFill>
+                <a:effectLst>
+                  <a:outerShdw blurRad="38100" dist="38100" dir="2700000" algn="tl">
+                    <a:srgbClr val="000000">
+                      <a:alpha val="43137"/>
+                    </a:srgbClr>
+                  </a:outerShdw>
+                </a:effectLst>
+                <a:latin typeface="Consolas" pitchFamily="49" charset="0"/>
+                <a:cs typeface="Consolas" pitchFamily="49" charset="0"/>
+              </a:rPr>
+              <a:t>on the left or right side</a:t>
+            </a:r>
+            <a:r>
+              <a:rPr lang="en-US" sz="2600" b="1" noProof="1" smtClean="0">
+                <a:solidFill>
+                  <a:srgbClr val="FBEEDC"/>
+                </a:solidFill>
+                <a:effectLst>
+                  <a:outerShdw blurRad="38100" dist="38100" dir="2700000" algn="tl">
+                    <a:srgbClr val="000000">
+                      <a:alpha val="43137"/>
+                    </a:srgbClr>
+                  </a:outerShdw>
+                </a:effectLst>
+                <a:latin typeface="Consolas" pitchFamily="49" charset="0"/>
+                <a:cs typeface="Consolas" pitchFamily="49" charset="0"/>
+              </a:rPr>
+              <a:t>.')</a:t>
             </a:r>
             <a:endParaRPr lang="en-US" sz="2600" b="1" noProof="1">
               <a:solidFill>
@@ -21515,7 +21975,7 @@
             </a:r>
             <a:r>
               <a:rPr lang="en-US" dirty="0" smtClean="0"/>
-              <a:t>"</a:t>
+              <a:t>'</a:t>
             </a:r>
             <a:r>
               <a:rPr lang="en-US" dirty="0" smtClean="0">
@@ -21555,7 +22015,7 @@
             </a:r>
             <a:r>
               <a:rPr lang="en-US" dirty="0" smtClean="0"/>
-              <a:t>"</a:t>
+              <a:t>'</a:t>
             </a:r>
             <a:endParaRPr lang="bg-BG" dirty="0" smtClean="0"/>
           </a:p>
@@ -21599,23 +22059,39 @@
             </a:r>
             <a:r>
               <a:rPr lang="en-US" sz="2000" dirty="0" smtClean="0"/>
-              <a:t>"</a:t>
+              <a:t>'</a:t>
             </a:r>
             <a:r>
               <a:rPr lang="bg-BG" sz="2000" dirty="0" smtClean="0">
                 <a:hlinkClick r:id="rId4"/>
               </a:rPr>
-              <a:t>Основи на програмирането със </a:t>
+              <a:t>Основи </a:t>
+            </a:r>
+            <a:r>
+              <a:rPr lang="bg-BG" sz="2000" dirty="0" smtClean="0">
+                <a:hlinkClick r:id="rId4"/>
+              </a:rPr>
+              <a:t>на програмирането със </a:t>
             </a:r>
             <a:r>
               <a:rPr lang="en-US" sz="2000" dirty="0" smtClean="0">
                 <a:hlinkClick r:id="rId4"/>
               </a:rPr>
-              <a:t>C#"</a:t>
+              <a:t>C</a:t>
+            </a:r>
+            <a:r>
+              <a:rPr lang="en-US" sz="2000" dirty="0" smtClean="0">
+                <a:hlinkClick r:id="rId4"/>
+              </a:rPr>
+              <a:t>#'</a:t>
             </a:r>
             <a:r>
               <a:rPr lang="bg-BG" sz="2000" dirty="0" smtClean="0"/>
-              <a:t> от Светлин Наков и колектив с лиценз</a:t>
+              <a:t> </a:t>
+            </a:r>
+            <a:r>
+              <a:rPr lang="bg-BG" sz="2000" dirty="0" smtClean="0"/>
+              <a:t>от Светлин Наков и колектив с лиценз</a:t>
             </a:r>
             <a:r>
               <a:rPr lang="en-US" sz="2000" dirty="0" smtClean="0"/>
@@ -21816,7 +22292,11 @@
             </a:pPr>
             <a:r>
               <a:rPr lang="bg-BG" sz="3200" dirty="0" smtClean="0"/>
-              <a:t>Фондация "Софтуерен университет" </a:t>
+              <a:t>Фондация </a:t>
+            </a:r>
+            <a:r>
+              <a:rPr lang="bg-BG" sz="3200" dirty="0" smtClean="0"/>
+              <a:t>'Софтуерен университет' </a:t>
             </a:r>
             <a:r>
               <a:rPr lang="en-US" sz="3200" dirty="0" smtClean="0"/>
@@ -22592,9 +23072,9 @@
         <p:grpSpPr>
           <a:xfrm>
             <a:off x="911224" y="2133600"/>
-            <a:ext cx="10363200" cy="3271665"/>
+            <a:ext cx="10363200" cy="4459682"/>
             <a:chOff x="989012" y="1813980"/>
-            <a:chExt cx="10363200" cy="3271665"/>
+            <a:chExt cx="10363200" cy="4459682"/>
           </a:xfrm>
         </p:grpSpPr>
         <p:sp>
@@ -22668,7 +23148,7 @@
           <p:spPr bwMode="auto">
             <a:xfrm>
               <a:off x="989012" y="1813980"/>
-              <a:ext cx="10363200" cy="3271665"/>
+              <a:ext cx="10363200" cy="4459682"/>
             </a:xfrm>
             <a:prstGeom prst="rect">
               <a:avLst/>
@@ -22872,7 +23352,24 @@
                   <a:latin typeface="Consolas" pitchFamily="49" charset="0"/>
                   <a:cs typeface="Consolas" pitchFamily="49" charset="0"/>
                 </a:rPr>
-                <a:t>       print("condition2 valid")</a:t>
+                <a:t>       print</a:t>
+              </a:r>
+              <a:r>
+                <a:rPr lang="en-US" sz="2800" b="1" noProof="1" smtClean="0">
+                  <a:solidFill>
+                    <a:srgbClr val="FBEEDC"/>
+                  </a:solidFill>
+                  <a:effectLst>
+                    <a:outerShdw blurRad="38100" dist="38100" dir="2700000" algn="tl">
+                      <a:srgbClr val="000000">
+                        <a:alpha val="43137"/>
+                      </a:srgbClr>
+                    </a:outerShdw>
+                  </a:effectLst>
+                  <a:latin typeface="Consolas" pitchFamily="49" charset="0"/>
+                  <a:cs typeface="Consolas" pitchFamily="49" charset="0"/>
+                </a:rPr>
+                <a:t>('condition2 valid')</a:t>
               </a:r>
               <a:endParaRPr lang="en-US" sz="2800" b="1" noProof="1">
                 <a:solidFill>
@@ -23035,8 +23532,73 @@
                   <a:latin typeface="Consolas" pitchFamily="49" charset="0"/>
                   <a:cs typeface="Consolas" pitchFamily="49" charset="0"/>
                 </a:rPr>
-                <a:t>     print("condition2 not valid")</a:t>
+                <a:t>     print</a:t>
               </a:r>
+              <a:r>
+                <a:rPr lang="en-US" sz="2800" b="1" noProof="1" smtClean="0">
+                  <a:solidFill>
+                    <a:srgbClr val="FBEEDC"/>
+                  </a:solidFill>
+                  <a:effectLst>
+                    <a:outerShdw blurRad="38100" dist="38100" dir="2700000" algn="tl">
+                      <a:srgbClr val="000000">
+                        <a:alpha val="43137"/>
+                      </a:srgbClr>
+                    </a:outerShdw>
+                  </a:effectLst>
+                  <a:latin typeface="Consolas" pitchFamily="49" charset="0"/>
+                  <a:cs typeface="Consolas" pitchFamily="49" charset="0"/>
+                </a:rPr>
+                <a:t>('condition2 </a:t>
+              </a:r>
+              <a:r>
+                <a:rPr lang="en-US" sz="2800" b="1" noProof="1" smtClean="0">
+                  <a:solidFill>
+                    <a:srgbClr val="FBEEDC"/>
+                  </a:solidFill>
+                  <a:effectLst>
+                    <a:outerShdw blurRad="38100" dist="38100" dir="2700000" algn="tl">
+                      <a:srgbClr val="000000">
+                        <a:alpha val="43137"/>
+                      </a:srgbClr>
+                    </a:outerShdw>
+                  </a:effectLst>
+                  <a:latin typeface="Consolas" pitchFamily="49" charset="0"/>
+                  <a:cs typeface="Consolas" pitchFamily="49" charset="0"/>
+                </a:rPr>
+                <a:t>not </a:t>
+              </a:r>
+              <a:r>
+                <a:rPr lang="en-US" sz="2800" b="1" noProof="1" smtClean="0">
+                  <a:solidFill>
+                    <a:srgbClr val="FBEEDC"/>
+                  </a:solidFill>
+                  <a:effectLst>
+                    <a:outerShdw blurRad="38100" dist="38100" dir="2700000" algn="tl">
+                      <a:srgbClr val="000000">
+                        <a:alpha val="43137"/>
+                      </a:srgbClr>
+                    </a:outerShdw>
+                  </a:effectLst>
+                  <a:latin typeface="Consolas" pitchFamily="49" charset="0"/>
+                  <a:cs typeface="Consolas" pitchFamily="49" charset="0"/>
+                </a:rPr>
+                <a:t>valid')</a:t>
+              </a:r>
+              <a:endParaRPr lang="en-US" sz="2800" b="1" noProof="1" smtClean="0">
+                <a:solidFill>
+                  <a:srgbClr val="FBEEDC"/>
+                </a:solidFill>
+                <a:effectLst>
+                  <a:outerShdw blurRad="38100" dist="38100" dir="2700000" algn="tl">
+                    <a:srgbClr val="000000">
+                      <a:alpha val="43137"/>
+                    </a:srgbClr>
+                  </a:outerShdw>
+                </a:effectLst>
+                <a:latin typeface="Consolas" pitchFamily="49" charset="0"/>
+                <a:cs typeface="Consolas" pitchFamily="49" charset="0"/>
+              </a:endParaRPr>
             </a:p>
             <a:p>
               <a:pPr eaLnBrk="0" hangingPunct="0">
@@ -23086,7 +23648,111 @@
                   <a:latin typeface="Consolas" pitchFamily="49" charset="0"/>
                   <a:cs typeface="Consolas" pitchFamily="49" charset="0"/>
                 </a:rPr>
-                <a:t>    print("</a:t>
+                <a:t>   </a:t>
+              </a:r>
+              <a:r>
+                <a:rPr lang="en-US" sz="2800" b="1" noProof="1" smtClean="0">
+                  <a:solidFill>
+                    <a:srgbClr val="FBEEDC"/>
+                  </a:solidFill>
+                  <a:effectLst>
+                    <a:outerShdw blurRad="38100" dist="38100" dir="2700000" algn="tl">
+                      <a:srgbClr val="000000">
+                        <a:alpha val="43137"/>
+                      </a:srgbClr>
+                    </a:outerShdw>
+                  </a:effectLst>
+                  <a:latin typeface="Consolas" pitchFamily="49" charset="0"/>
+                  <a:cs typeface="Consolas" pitchFamily="49" charset="0"/>
+                </a:rPr>
+                <a:t>print('condition1 valid')</a:t>
+              </a:r>
+            </a:p>
+            <a:p>
+              <a:pPr eaLnBrk="0" hangingPunct="0">
+                <a:lnSpc>
+                  <a:spcPct val="120000"/>
+                </a:lnSpc>
+                <a:spcBef>
+                  <a:spcPts val="600"/>
+                </a:spcBef>
+                <a:buClr>
+                  <a:schemeClr val="accent5">
+                    <a:lumMod val="40000"/>
+                    <a:lumOff val="60000"/>
+                  </a:schemeClr>
+                </a:buClr>
+                <a:buSzPct val="70000"/>
+              </a:pPr>
+              <a:r>
+                <a:rPr lang="en-US" sz="2800" b="1" noProof="1" smtClean="0">
+                  <a:solidFill>
+                    <a:schemeClr val="tx2">
+                      <a:lumMod val="75000"/>
+                    </a:schemeClr>
+                  </a:solidFill>
+                  <a:effectLst>
+                    <a:outerShdw blurRad="38100" dist="38100" dir="2700000" algn="tl">
+                      <a:srgbClr val="000000">
+                        <a:alpha val="43137"/>
+                      </a:srgbClr>
+                    </a:outerShdw>
+                  </a:effectLst>
+                  <a:latin typeface="Consolas" pitchFamily="49" charset="0"/>
+                  <a:cs typeface="Consolas" pitchFamily="49" charset="0"/>
+                </a:rPr>
+                <a:t>else</a:t>
+              </a:r>
+              <a:r>
+                <a:rPr lang="en-US" sz="2800" b="1" noProof="1" smtClean="0">
+                  <a:solidFill>
+                    <a:srgbClr val="FBEEDC"/>
+                  </a:solidFill>
+                  <a:effectLst>
+                    <a:outerShdw blurRad="38100" dist="38100" dir="2700000" algn="tl">
+                      <a:srgbClr val="000000">
+                        <a:alpha val="43137"/>
+                      </a:srgbClr>
+                    </a:outerShdw>
+                  </a:effectLst>
+                  <a:latin typeface="Consolas" pitchFamily="49" charset="0"/>
+                  <a:cs typeface="Consolas" pitchFamily="49" charset="0"/>
+                </a:rPr>
+                <a:t>:</a:t>
+              </a:r>
+            </a:p>
+            <a:p>
+              <a:pPr eaLnBrk="0" hangingPunct="0">
+                <a:lnSpc>
+                  <a:spcPct val="120000"/>
+                </a:lnSpc>
+                <a:spcBef>
+                  <a:spcPts val="600"/>
+                </a:spcBef>
+                <a:buClr>
+                  <a:schemeClr val="accent5">
+                    <a:lumMod val="40000"/>
+                    <a:lumOff val="60000"/>
+                  </a:schemeClr>
+                </a:buClr>
+                <a:buSzPct val="70000"/>
+              </a:pPr>
+              <a:r>
+                <a:rPr lang="en-US" sz="2800" b="1" noProof="1">
+                  <a:solidFill>
+                    <a:srgbClr val="FBEEDC"/>
+                  </a:solidFill>
+                  <a:effectLst>
+                    <a:outerShdw blurRad="38100" dist="38100" dir="2700000" algn="tl">
+                      <a:srgbClr val="000000">
+                        <a:alpha val="43137"/>
+                      </a:srgbClr>
+                    </a:outerShdw>
+                  </a:effectLst>
+                  <a:latin typeface="Consolas" pitchFamily="49" charset="0"/>
+                  <a:cs typeface="Consolas" pitchFamily="49" charset="0"/>
+                </a:rPr>
+                <a:t>    </a:t>
               </a:r>
               <a:r>
                 <a:rPr lang="en-US" sz="2800" b="1" noProof="1">
@@ -23103,7 +23769,7 @@
                   <a:latin typeface="Consolas" pitchFamily="49" charset="0"/>
                   <a:cs typeface="Consolas" pitchFamily="49" charset="0"/>
                 </a:rPr>
-                <a:t>condition1 valid</a:t>
+                <a:t>print</a:t>
               </a:r>
               <a:r>
                 <a:rPr lang="en-US" sz="2800" b="1" noProof="1" smtClean="0">
@@ -23120,8 +23786,22 @@
                   <a:latin typeface="Consolas" pitchFamily="49" charset="0"/>
                   <a:cs typeface="Consolas" pitchFamily="49" charset="0"/>
                 </a:rPr>
-                <a:t>")</a:t>
+                <a:t>('condition1 not va')</a:t>
               </a:r>
+              <a:endParaRPr lang="en-US" sz="2800" b="1" noProof="1">
+                <a:solidFill>
+                  <a:srgbClr val="FBEEDC"/>
+                </a:solidFill>
+                <a:effectLst>
+                  <a:outerShdw blurRad="38100" dist="38100" dir="2700000" algn="tl">
+                    <a:srgbClr val="000000">
+                      <a:alpha val="43137"/>
+                    </a:srgbClr>
+                  </a:outerShdw>
+                </a:effectLst>
+                <a:latin typeface="Consolas" pitchFamily="49" charset="0"/>
+                <a:cs typeface="Consolas" pitchFamily="49" charset="0"/>
+              </a:endParaRPr>
             </a:p>
           </p:txBody>
         </p:sp>
@@ -23433,11 +24113,11 @@
               </a:lnSpc>
             </a:pPr>
             <a:r>
-              <a:rPr lang="en-US" sz="3000" dirty="0"/>
-              <a:t>“</a:t>
-            </a:r>
-            <a:r>
-              <a:rPr lang="en-US" sz="3000" b="1" dirty="0">
+              <a:rPr lang="en-US" sz="3000" dirty="0" smtClean="0"/>
+              <a:t>'</a:t>
+            </a:r>
+            <a:r>
+              <a:rPr lang="en-US" sz="3000" b="1" dirty="0" smtClean="0">
                 <a:solidFill>
                   <a:schemeClr val="tx2">
                     <a:lumMod val="75000"/>
@@ -23448,19 +24128,23 @@
               <a:t>Mr.</a:t>
             </a:r>
             <a:r>
+              <a:rPr lang="en-US" sz="3000" dirty="0" smtClean="0"/>
+              <a:t>' </a:t>
+            </a:r>
+            <a:r>
               <a:rPr lang="en-US" sz="3000" dirty="0"/>
-              <a:t>” – </a:t>
+              <a:t>– </a:t>
             </a:r>
             <a:r>
               <a:rPr lang="bg-BG" sz="3000" dirty="0"/>
               <a:t>мъж (пол </a:t>
             </a:r>
             <a:r>
-              <a:rPr lang="en-US" sz="3000" dirty="0"/>
-              <a:t>“</a:t>
-            </a:r>
-            <a:r>
-              <a:rPr lang="en-US" sz="3000" b="1" dirty="0">
+              <a:rPr lang="en-US" sz="3000" dirty="0" smtClean="0"/>
+              <a:t>'</a:t>
+            </a:r>
+            <a:r>
+              <a:rPr lang="en-US" sz="3000" b="1" dirty="0" smtClean="0">
                 <a:solidFill>
                   <a:schemeClr val="tx2">
                     <a:lumMod val="75000"/>
@@ -23471,8 +24155,8 @@
               <a:t>m</a:t>
             </a:r>
             <a:r>
-              <a:rPr lang="en-US" sz="3000" dirty="0"/>
-              <a:t>”) </a:t>
+              <a:rPr lang="en-US" sz="3000" dirty="0" smtClean="0"/>
+              <a:t>') </a:t>
             </a:r>
             <a:r>
               <a:rPr lang="bg-BG" sz="3000" dirty="0"/>
@@ -23487,11 +24171,11 @@
               </a:lnSpc>
             </a:pPr>
             <a:r>
-              <a:rPr lang="en-US" sz="3000" dirty="0"/>
-              <a:t>“</a:t>
-            </a:r>
-            <a:r>
-              <a:rPr lang="en-US" sz="3000" b="1" dirty="0">
+              <a:rPr lang="en-US" sz="3000" dirty="0" smtClean="0"/>
+              <a:t>'</a:t>
+            </a:r>
+            <a:r>
+              <a:rPr lang="en-US" sz="3000" b="1" dirty="0" smtClean="0">
                 <a:solidFill>
                   <a:schemeClr val="tx2">
                     <a:lumMod val="75000"/>
@@ -23502,19 +24186,19 @@
               <a:t>Master</a:t>
             </a:r>
             <a:r>
-              <a:rPr lang="en-US" sz="3000" dirty="0"/>
-              <a:t>” </a:t>
+              <a:rPr lang="en-US" sz="3000" dirty="0" smtClean="0"/>
+              <a:t>' </a:t>
             </a:r>
             <a:r>
               <a:rPr lang="bg-BG" sz="3000" dirty="0"/>
               <a:t>– момче (пол </a:t>
             </a:r>
             <a:r>
-              <a:rPr lang="en-US" sz="3000" dirty="0"/>
-              <a:t>“</a:t>
-            </a:r>
-            <a:r>
-              <a:rPr lang="en-US" sz="3000" b="1" dirty="0">
+              <a:rPr lang="en-US" sz="3000" dirty="0" smtClean="0"/>
+              <a:t>'</a:t>
+            </a:r>
+            <a:r>
+              <a:rPr lang="en-US" sz="3000" b="1" dirty="0" smtClean="0">
                 <a:solidFill>
                   <a:schemeClr val="tx2">
                     <a:lumMod val="75000"/>
@@ -23525,8 +24209,8 @@
               <a:t>m</a:t>
             </a:r>
             <a:r>
-              <a:rPr lang="en-US" sz="3000" dirty="0"/>
-              <a:t>”) </a:t>
+              <a:rPr lang="en-US" sz="3000" dirty="0" smtClean="0"/>
+              <a:t>') </a:t>
             </a:r>
             <a:r>
               <a:rPr lang="bg-BG" sz="3000" dirty="0"/>
@@ -23541,11 +24225,11 @@
               </a:lnSpc>
             </a:pPr>
             <a:r>
-              <a:rPr lang="en-US" sz="3000" dirty="0"/>
-              <a:t>“</a:t>
-            </a:r>
-            <a:r>
-              <a:rPr lang="en-US" sz="3000" b="1" dirty="0">
+              <a:rPr lang="en-US" sz="3000" dirty="0" smtClean="0"/>
+              <a:t>'</a:t>
+            </a:r>
+            <a:r>
+              <a:rPr lang="en-US" sz="3000" b="1" dirty="0" smtClean="0">
                 <a:solidFill>
                   <a:schemeClr val="tx2">
                     <a:lumMod val="75000"/>
@@ -23556,19 +24240,19 @@
               <a:t>Ms.</a:t>
             </a:r>
             <a:r>
-              <a:rPr lang="en-US" sz="3000" dirty="0"/>
-              <a:t>” </a:t>
+              <a:rPr lang="en-US" sz="3000" dirty="0" smtClean="0"/>
+              <a:t>' </a:t>
             </a:r>
             <a:r>
               <a:rPr lang="bg-BG" sz="3000" dirty="0"/>
               <a:t>– жена (пол </a:t>
             </a:r>
             <a:r>
-              <a:rPr lang="en-US" sz="3000" dirty="0"/>
-              <a:t>“</a:t>
-            </a:r>
-            <a:r>
-              <a:rPr lang="en-US" sz="3000" b="1" dirty="0">
+              <a:rPr lang="en-US" sz="3000" dirty="0" smtClean="0"/>
+              <a:t>'</a:t>
+            </a:r>
+            <a:r>
+              <a:rPr lang="en-US" sz="3000" b="1" dirty="0" smtClean="0">
                 <a:solidFill>
                   <a:schemeClr val="tx2">
                     <a:lumMod val="75000"/>
@@ -23579,8 +24263,8 @@
               <a:t>f</a:t>
             </a:r>
             <a:r>
-              <a:rPr lang="en-US" sz="3000" dirty="0"/>
-              <a:t>”) </a:t>
+              <a:rPr lang="en-US" sz="3000" dirty="0" smtClean="0"/>
+              <a:t>') </a:t>
             </a:r>
             <a:r>
               <a:rPr lang="bg-BG" sz="3000" dirty="0"/>
@@ -23595,11 +24279,11 @@
               </a:lnSpc>
             </a:pPr>
             <a:r>
-              <a:rPr lang="en-US" sz="3000" dirty="0"/>
-              <a:t>“</a:t>
-            </a:r>
-            <a:r>
-              <a:rPr lang="en-US" sz="3000" b="1" dirty="0">
+              <a:rPr lang="en-US" sz="3000" dirty="0" smtClean="0"/>
+              <a:t>'</a:t>
+            </a:r>
+            <a:r>
+              <a:rPr lang="en-US" sz="3000" b="1" dirty="0" smtClean="0">
                 <a:solidFill>
                   <a:schemeClr val="tx2">
                     <a:lumMod val="75000"/>
@@ -23610,19 +24294,19 @@
               <a:t>Miss</a:t>
             </a:r>
             <a:r>
-              <a:rPr lang="en-US" sz="3000" dirty="0"/>
-              <a:t>” </a:t>
+              <a:rPr lang="en-US" sz="3000" dirty="0" smtClean="0"/>
+              <a:t>' </a:t>
             </a:r>
             <a:r>
               <a:rPr lang="bg-BG" sz="3000" dirty="0"/>
               <a:t>– момиче (пол </a:t>
             </a:r>
             <a:r>
-              <a:rPr lang="en-US" sz="3000" dirty="0"/>
-              <a:t>“</a:t>
-            </a:r>
-            <a:r>
-              <a:rPr lang="en-US" sz="3000" b="1" dirty="0">
+              <a:rPr lang="en-US" sz="3000" dirty="0" smtClean="0"/>
+              <a:t>'</a:t>
+            </a:r>
+            <a:r>
+              <a:rPr lang="en-US" sz="3000" b="1" dirty="0" smtClean="0">
                 <a:solidFill>
                   <a:schemeClr val="tx2">
                     <a:lumMod val="75000"/>
@@ -23633,12 +24317,16 @@
               <a:t>f</a:t>
             </a:r>
             <a:r>
-              <a:rPr lang="en-US" sz="3000" dirty="0"/>
-              <a:t>”)</a:t>
+              <a:rPr lang="en-US" sz="3000" dirty="0" smtClean="0"/>
+              <a:t>')</a:t>
+            </a:r>
+            <a:r>
+              <a:rPr lang="bg-BG" sz="3000" dirty="0" smtClean="0"/>
+              <a:t> </a:t>
             </a:r>
             <a:r>
               <a:rPr lang="bg-BG" sz="3000" dirty="0"/>
-              <a:t> под 16 </a:t>
+              <a:t>под 16 </a:t>
             </a:r>
             <a:r>
               <a:rPr lang="bg-BG" sz="3000" dirty="0" smtClean="0"/>
@@ -24544,7 +25232,7 @@
                 <a:latin typeface="Consolas" pitchFamily="49" charset="0"/>
                 <a:cs typeface="Consolas" pitchFamily="49" charset="0"/>
               </a:rPr>
-              <a:t>== "</a:t>
+              <a:t>== </a:t>
             </a:r>
             <a:r>
               <a:rPr lang="en-US" sz="2600" b="1" noProof="1" smtClean="0">
@@ -24561,7 +25249,7 @@
                 <a:latin typeface="Consolas" pitchFamily="49" charset="0"/>
                 <a:cs typeface="Consolas" pitchFamily="49" charset="0"/>
               </a:rPr>
-              <a:t>m":</a:t>
+              <a:t>'m':</a:t>
             </a:r>
             <a:endParaRPr lang="en-US" sz="2600" b="1" noProof="1">
               <a:solidFill>
@@ -24603,24 +25291,7 @@
                 <a:latin typeface="Consolas" pitchFamily="49" charset="0"/>
                 <a:cs typeface="Consolas" pitchFamily="49" charset="0"/>
               </a:rPr>
-              <a:t>        print("</a:t>
-            </a:r>
-            <a:r>
-              <a:rPr lang="en-US" sz="2600" b="1" noProof="1">
-                <a:solidFill>
-                  <a:srgbClr val="FBEEDC"/>
-                </a:solidFill>
-                <a:effectLst>
-                  <a:outerShdw blurRad="38100" dist="38100" dir="2700000" algn="tl">
-                    <a:srgbClr val="000000">
-                      <a:alpha val="43137"/>
-                    </a:srgbClr>
-                  </a:outerShdw>
-                </a:effectLst>
-                <a:latin typeface="Consolas" pitchFamily="49" charset="0"/>
-                <a:cs typeface="Consolas" pitchFamily="49" charset="0"/>
-              </a:rPr>
-              <a:t>Master</a:t>
+              <a:t>        print</a:t>
             </a:r>
             <a:r>
               <a:rPr lang="en-US" sz="2600" b="1" noProof="1" smtClean="0">
@@ -24637,7 +25308,7 @@
                 <a:latin typeface="Consolas" pitchFamily="49" charset="0"/>
                 <a:cs typeface="Consolas" pitchFamily="49" charset="0"/>
               </a:rPr>
-              <a:t>")</a:t>
+              <a:t>('Master')</a:t>
             </a:r>
             <a:endParaRPr lang="en-US" sz="2600" b="1" noProof="1">
               <a:solidFill>
@@ -24715,7 +25386,24 @@
                 <a:latin typeface="Consolas" pitchFamily="49" charset="0"/>
                 <a:cs typeface="Consolas" pitchFamily="49" charset="0"/>
               </a:rPr>
-              <a:t> gender == "f":</a:t>
+              <a:t> gender == </a:t>
+            </a:r>
+            <a:r>
+              <a:rPr lang="en-US" sz="2600" b="1" noProof="1" smtClean="0">
+                <a:solidFill>
+                  <a:srgbClr val="FBEEDC"/>
+                </a:solidFill>
+                <a:effectLst>
+                  <a:outerShdw blurRad="38100" dist="38100" dir="2700000" algn="tl">
+                    <a:srgbClr val="000000">
+                      <a:alpha val="43137"/>
+                    </a:srgbClr>
+                  </a:outerShdw>
+                </a:effectLst>
+                <a:latin typeface="Consolas" pitchFamily="49" charset="0"/>
+                <a:cs typeface="Consolas" pitchFamily="49" charset="0"/>
+              </a:rPr>
+              <a:t>'f':</a:t>
             </a:r>
             <a:endParaRPr lang="en-US" sz="2600" b="1" noProof="1">
               <a:solidFill>
@@ -24774,7 +25462,24 @@
                 <a:latin typeface="Consolas" pitchFamily="49" charset="0"/>
                 <a:cs typeface="Consolas" pitchFamily="49" charset="0"/>
               </a:rPr>
-              <a:t>       print("Miss")</a:t>
+              <a:t>       print</a:t>
+            </a:r>
+            <a:r>
+              <a:rPr lang="en-US" sz="2600" b="1" noProof="1" smtClean="0">
+                <a:solidFill>
+                  <a:srgbClr val="FBEEDC"/>
+                </a:solidFill>
+                <a:effectLst>
+                  <a:outerShdw blurRad="38100" dist="38100" dir="2700000" algn="tl">
+                    <a:srgbClr val="000000">
+                      <a:alpha val="43137"/>
+                    </a:srgbClr>
+                  </a:outerShdw>
+                </a:effectLst>
+                <a:latin typeface="Consolas" pitchFamily="49" charset="0"/>
+                <a:cs typeface="Consolas" pitchFamily="49" charset="0"/>
+              </a:rPr>
+              <a:t>('Miss')</a:t>
             </a:r>
             <a:endParaRPr lang="bg-BG" sz="2600" b="1" noProof="1" smtClean="0">
               <a:solidFill>
@@ -24930,7 +25635,7 @@
                 <a:latin typeface="Consolas" pitchFamily="49" charset="0"/>
                 <a:cs typeface="Consolas" pitchFamily="49" charset="0"/>
               </a:rPr>
-              <a:t>== "</a:t>
+              <a:t>== </a:t>
             </a:r>
             <a:r>
               <a:rPr lang="en-US" sz="2600" b="1" noProof="1" smtClean="0">
@@ -24947,8 +25652,22 @@
                 <a:latin typeface="Consolas" pitchFamily="49" charset="0"/>
                 <a:cs typeface="Consolas" pitchFamily="49" charset="0"/>
               </a:rPr>
-              <a:t>m":</a:t>
-            </a:r>
+              <a:t>'m':</a:t>
+            </a:r>
+            <a:endParaRPr lang="en-US" sz="2600" b="1" noProof="1" smtClean="0">
+              <a:solidFill>
+                <a:srgbClr val="FBEEDC"/>
+              </a:solidFill>
+              <a:effectLst>
+                <a:outerShdw blurRad="38100" dist="38100" dir="2700000" algn="tl">
+                  <a:srgbClr val="000000">
+                    <a:alpha val="43137"/>
+                  </a:srgbClr>
+                </a:outerShdw>
+              </a:effectLst>
+              <a:latin typeface="Consolas" pitchFamily="49" charset="0"/>
+              <a:cs typeface="Consolas" pitchFamily="49" charset="0"/>
+            </a:endParaRPr>
           </a:p>
           <a:p>
             <a:pPr eaLnBrk="0" hangingPunct="0">
@@ -24975,24 +25694,7 @@
                 <a:latin typeface="Consolas" pitchFamily="49" charset="0"/>
                 <a:cs typeface="Consolas" pitchFamily="49" charset="0"/>
               </a:rPr>
-              <a:t>       print("</a:t>
-            </a:r>
-            <a:r>
-              <a:rPr lang="en-US" sz="2600" b="1" noProof="1">
-                <a:solidFill>
-                  <a:srgbClr val="FBEEDC"/>
-                </a:solidFill>
-                <a:effectLst>
-                  <a:outerShdw blurRad="38100" dist="38100" dir="2700000" algn="tl">
-                    <a:srgbClr val="000000">
-                      <a:alpha val="43137"/>
-                    </a:srgbClr>
-                  </a:outerShdw>
-                </a:effectLst>
-                <a:latin typeface="Consolas" pitchFamily="49" charset="0"/>
-                <a:cs typeface="Consolas" pitchFamily="49" charset="0"/>
-              </a:rPr>
-              <a:t>Mr</a:t>
+              <a:t>       print</a:t>
             </a:r>
             <a:r>
               <a:rPr lang="en-US" sz="2600" b="1" noProof="1" smtClean="0">
@@ -25009,7 +25711,7 @@
                 <a:latin typeface="Consolas" pitchFamily="49" charset="0"/>
                 <a:cs typeface="Consolas" pitchFamily="49" charset="0"/>
               </a:rPr>
-              <a:t>.")</a:t>
+              <a:t>('Mr.')</a:t>
             </a:r>
             <a:endParaRPr lang="en-US" sz="2600" b="1" noProof="1">
               <a:solidFill>
@@ -25121,7 +25823,7 @@
                 <a:latin typeface="Consolas" pitchFamily="49" charset="0"/>
                 <a:cs typeface="Consolas" pitchFamily="49" charset="0"/>
               </a:rPr>
-              <a:t>== "</a:t>
+              <a:t>== </a:t>
             </a:r>
             <a:r>
               <a:rPr lang="en-US" sz="2600" b="1" noProof="1" smtClean="0">
@@ -25138,7 +25840,7 @@
                 <a:latin typeface="Consolas" pitchFamily="49" charset="0"/>
                 <a:cs typeface="Consolas" pitchFamily="49" charset="0"/>
               </a:rPr>
-              <a:t>f":</a:t>
+              <a:t>'f':</a:t>
             </a:r>
             <a:endParaRPr lang="en-US" sz="2600" b="1" noProof="1">
               <a:solidFill>
@@ -25180,24 +25882,7 @@
                 <a:latin typeface="Consolas" pitchFamily="49" charset="0"/>
                 <a:cs typeface="Consolas" pitchFamily="49" charset="0"/>
               </a:rPr>
-              <a:t>       print("</a:t>
-            </a:r>
-            <a:r>
-              <a:rPr lang="en-US" sz="2600" b="1" noProof="1">
-                <a:solidFill>
-                  <a:srgbClr val="FBEEDC"/>
-                </a:solidFill>
-                <a:effectLst>
-                  <a:outerShdw blurRad="38100" dist="38100" dir="2700000" algn="tl">
-                    <a:srgbClr val="000000">
-                      <a:alpha val="43137"/>
-                    </a:srgbClr>
-                  </a:outerShdw>
-                </a:effectLst>
-                <a:latin typeface="Consolas" pitchFamily="49" charset="0"/>
-                <a:cs typeface="Consolas" pitchFamily="49" charset="0"/>
-              </a:rPr>
-              <a:t>Ms</a:t>
+              <a:t>       print</a:t>
             </a:r>
             <a:r>
               <a:rPr lang="en-US" sz="2600" b="1" noProof="1" smtClean="0">
@@ -25214,7 +25899,7 @@
                 <a:latin typeface="Consolas" pitchFamily="49" charset="0"/>
                 <a:cs typeface="Consolas" pitchFamily="49" charset="0"/>
               </a:rPr>
-              <a:t>.")</a:t>
+              <a:t>('Ms.')</a:t>
             </a:r>
             <a:endParaRPr lang="en-US" sz="2600" b="1" noProof="1">
               <a:solidFill>
@@ -27963,7 +28648,7 @@
                 <a:latin typeface="Consolas" pitchFamily="49" charset="0"/>
                 <a:cs typeface="Consolas" pitchFamily="49" charset="0"/>
               </a:rPr>
-              <a:t>== "</a:t>
+              <a:t>== </a:t>
             </a:r>
             <a:r>
               <a:rPr lang="en-US" sz="2800" b="1" noProof="1" smtClean="0">
@@ -27980,7 +28665,7 @@
                 <a:latin typeface="Consolas" pitchFamily="49" charset="0"/>
                 <a:cs typeface="Consolas" pitchFamily="49" charset="0"/>
               </a:rPr>
-              <a:t>sofia":</a:t>
+              <a:t>'sofia':</a:t>
             </a:r>
             <a:endParaRPr lang="en-US" sz="2800" b="1" noProof="1">
               <a:solidFill>
@@ -28056,7 +28741,7 @@
                 <a:latin typeface="Consolas" pitchFamily="49" charset="0"/>
                 <a:cs typeface="Consolas" pitchFamily="49" charset="0"/>
               </a:rPr>
-              <a:t>== "</a:t>
+              <a:t>== </a:t>
             </a:r>
             <a:r>
               <a:rPr lang="en-US" sz="2800" b="1" noProof="1" smtClean="0">
@@ -28073,150 +28758,7 @@
                 <a:latin typeface="Consolas" pitchFamily="49" charset="0"/>
                 <a:cs typeface="Consolas" pitchFamily="49" charset="0"/>
               </a:rPr>
-              <a:t>coffee":</a:t>
-            </a:r>
-          </a:p>
-          <a:p>
-            <a:pPr eaLnBrk="0" hangingPunct="0">
-              <a:buClr>
-                <a:schemeClr val="accent5">
-                  <a:lumMod val="40000"/>
-                  <a:lumOff val="60000"/>
-                </a:schemeClr>
-              </a:buClr>
-              <a:buSzPct val="70000"/>
-            </a:pPr>
-            <a:r>
-              <a:rPr lang="en-US" sz="2800" b="1" noProof="1">
-                <a:solidFill>
-                  <a:srgbClr val="FBEEDC"/>
-                </a:solidFill>
-                <a:effectLst>
-                  <a:outerShdw blurRad="38100" dist="38100" dir="2700000" algn="tl">
-                    <a:srgbClr val="000000">
-                      <a:alpha val="43137"/>
-                    </a:srgbClr>
-                  </a:outerShdw>
-                </a:effectLst>
-                <a:latin typeface="Consolas" pitchFamily="49" charset="0"/>
-                <a:cs typeface="Consolas" pitchFamily="49" charset="0"/>
-              </a:rPr>
-              <a:t> </a:t>
-            </a:r>
-            <a:r>
-              <a:rPr lang="en-US" sz="2800" b="1" noProof="1" smtClean="0">
-                <a:solidFill>
-                  <a:srgbClr val="FBEEDC"/>
-                </a:solidFill>
-                <a:effectLst>
-                  <a:outerShdw blurRad="38100" dist="38100" dir="2700000" algn="tl">
-                    <a:srgbClr val="000000">
-                      <a:alpha val="43137"/>
-                    </a:srgbClr>
-                  </a:outerShdw>
-                </a:effectLst>
-                <a:latin typeface="Consolas" pitchFamily="49" charset="0"/>
-                <a:cs typeface="Consolas" pitchFamily="49" charset="0"/>
-              </a:rPr>
-              <a:t>       print(0.50 </a:t>
-            </a:r>
-            <a:r>
-              <a:rPr lang="en-US" sz="2800" b="1" noProof="1">
-                <a:solidFill>
-                  <a:srgbClr val="FBEEDC"/>
-                </a:solidFill>
-                <a:effectLst>
-                  <a:outerShdw blurRad="38100" dist="38100" dir="2700000" algn="tl">
-                    <a:srgbClr val="000000">
-                      <a:alpha val="43137"/>
-                    </a:srgbClr>
-                  </a:outerShdw>
-                </a:effectLst>
-                <a:latin typeface="Consolas" pitchFamily="49" charset="0"/>
-                <a:cs typeface="Consolas" pitchFamily="49" charset="0"/>
-              </a:rPr>
-              <a:t>* quantity</a:t>
-            </a:r>
-            <a:r>
-              <a:rPr lang="en-US" sz="2800" b="1" noProof="1" smtClean="0">
-                <a:solidFill>
-                  <a:srgbClr val="FBEEDC"/>
-                </a:solidFill>
-                <a:effectLst>
-                  <a:outerShdw blurRad="38100" dist="38100" dir="2700000" algn="tl">
-                    <a:srgbClr val="000000">
-                      <a:alpha val="43137"/>
-                    </a:srgbClr>
-                  </a:outerShdw>
-                </a:effectLst>
-                <a:latin typeface="Consolas" pitchFamily="49" charset="0"/>
-                <a:cs typeface="Consolas" pitchFamily="49" charset="0"/>
-              </a:rPr>
-              <a:t>)</a:t>
-            </a:r>
-          </a:p>
-          <a:p>
-            <a:pPr eaLnBrk="0" hangingPunct="0">
-              <a:buClr>
-                <a:schemeClr val="accent5">
-                  <a:lumMod val="40000"/>
-                  <a:lumOff val="60000"/>
-                </a:schemeClr>
-              </a:buClr>
-              <a:buSzPct val="70000"/>
-            </a:pPr>
-            <a:r>
-              <a:rPr lang="en-US" sz="2800" b="1" noProof="1">
-                <a:solidFill>
-                  <a:srgbClr val="FBEEDC"/>
-                </a:solidFill>
-                <a:effectLst>
-                  <a:outerShdw blurRad="38100" dist="38100" dir="2700000" algn="tl">
-                    <a:srgbClr val="000000">
-                      <a:alpha val="43137"/>
-                    </a:srgbClr>
-                  </a:outerShdw>
-                </a:effectLst>
-                <a:latin typeface="Consolas" pitchFamily="49" charset="0"/>
-                <a:cs typeface="Consolas" pitchFamily="49" charset="0"/>
-              </a:rPr>
-              <a:t> </a:t>
-            </a:r>
-            <a:r>
-              <a:rPr lang="en-US" sz="2800" b="1" noProof="1" smtClean="0">
-                <a:solidFill>
-                  <a:srgbClr val="FBEEDC"/>
-                </a:solidFill>
-                <a:effectLst>
-                  <a:outerShdw blurRad="38100" dist="38100" dir="2700000" algn="tl">
-                    <a:srgbClr val="000000">
-                      <a:alpha val="43137"/>
-                    </a:srgbClr>
-                  </a:outerShdw>
-                </a:effectLst>
-                <a:latin typeface="Consolas" pitchFamily="49" charset="0"/>
-                <a:cs typeface="Consolas" pitchFamily="49" charset="0"/>
-              </a:rPr>
-              <a:t>   </a:t>
-            </a:r>
-            <a:r>
-              <a:rPr lang="en-US" sz="2800" b="1" i="1" noProof="1" smtClean="0">
-                <a:solidFill>
-                  <a:schemeClr val="tx2">
-                    <a:lumMod val="75000"/>
-                  </a:schemeClr>
-                </a:solidFill>
-                <a:effectLst>
-                  <a:outerShdw blurRad="38100" dist="38100" dir="2700000" algn="tl">
-                    <a:srgbClr val="000000">
-                      <a:alpha val="43137"/>
-                    </a:srgbClr>
-                  </a:outerShdw>
-                </a:effectLst>
-                <a:latin typeface="Consolas" pitchFamily="49" charset="0"/>
-                <a:cs typeface="Consolas" pitchFamily="49" charset="0"/>
-              </a:rPr>
-              <a:t># TODO: finish this …</a:t>
+              <a:t>'coffee':</a:t>
             </a:r>
             <a:endParaRPr lang="en-US" sz="2800" b="1" noProof="1" smtClean="0">
               <a:solidFill>
@@ -28258,6 +28800,163 @@
                 <a:latin typeface="Consolas" pitchFamily="49" charset="0"/>
                 <a:cs typeface="Consolas" pitchFamily="49" charset="0"/>
               </a:rPr>
+              <a:t> </a:t>
+            </a:r>
+            <a:r>
+              <a:rPr lang="en-US" sz="2800" b="1" noProof="1" smtClean="0">
+                <a:solidFill>
+                  <a:srgbClr val="FBEEDC"/>
+                </a:solidFill>
+                <a:effectLst>
+                  <a:outerShdw blurRad="38100" dist="38100" dir="2700000" algn="tl">
+                    <a:srgbClr val="000000">
+                      <a:alpha val="43137"/>
+                    </a:srgbClr>
+                  </a:outerShdw>
+                </a:effectLst>
+                <a:latin typeface="Consolas" pitchFamily="49" charset="0"/>
+                <a:cs typeface="Consolas" pitchFamily="49" charset="0"/>
+              </a:rPr>
+              <a:t>       print(0.50 </a:t>
+            </a:r>
+            <a:r>
+              <a:rPr lang="en-US" sz="2800" b="1" noProof="1">
+                <a:solidFill>
+                  <a:srgbClr val="FBEEDC"/>
+                </a:solidFill>
+                <a:effectLst>
+                  <a:outerShdw blurRad="38100" dist="38100" dir="2700000" algn="tl">
+                    <a:srgbClr val="000000">
+                      <a:alpha val="43137"/>
+                    </a:srgbClr>
+                  </a:outerShdw>
+                </a:effectLst>
+                <a:latin typeface="Consolas" pitchFamily="49" charset="0"/>
+                <a:cs typeface="Consolas" pitchFamily="49" charset="0"/>
+              </a:rPr>
+              <a:t>* quantity</a:t>
+            </a:r>
+            <a:r>
+              <a:rPr lang="en-US" sz="2800" b="1" noProof="1" smtClean="0">
+                <a:solidFill>
+                  <a:srgbClr val="FBEEDC"/>
+                </a:solidFill>
+                <a:effectLst>
+                  <a:outerShdw blurRad="38100" dist="38100" dir="2700000" algn="tl">
+                    <a:srgbClr val="000000">
+                      <a:alpha val="43137"/>
+                    </a:srgbClr>
+                  </a:outerShdw>
+                </a:effectLst>
+                <a:latin typeface="Consolas" pitchFamily="49" charset="0"/>
+                <a:cs typeface="Consolas" pitchFamily="49" charset="0"/>
+              </a:rPr>
+              <a:t>)</a:t>
+            </a:r>
+          </a:p>
+          <a:p>
+            <a:pPr eaLnBrk="0" hangingPunct="0">
+              <a:buClr>
+                <a:schemeClr val="accent5">
+                  <a:lumMod val="40000"/>
+                  <a:lumOff val="60000"/>
+                </a:schemeClr>
+              </a:buClr>
+              <a:buSzPct val="70000"/>
+            </a:pPr>
+            <a:r>
+              <a:rPr lang="en-US" sz="2800" b="1" noProof="1">
+                <a:solidFill>
+                  <a:srgbClr val="FBEEDC"/>
+                </a:solidFill>
+                <a:effectLst>
+                  <a:outerShdw blurRad="38100" dist="38100" dir="2700000" algn="tl">
+                    <a:srgbClr val="000000">
+                      <a:alpha val="43137"/>
+                    </a:srgbClr>
+                  </a:outerShdw>
+                </a:effectLst>
+                <a:latin typeface="Consolas" pitchFamily="49" charset="0"/>
+                <a:cs typeface="Consolas" pitchFamily="49" charset="0"/>
+              </a:rPr>
+              <a:t> </a:t>
+            </a:r>
+            <a:r>
+              <a:rPr lang="en-US" sz="2800" b="1" noProof="1" smtClean="0">
+                <a:solidFill>
+                  <a:srgbClr val="FBEEDC"/>
+                </a:solidFill>
+                <a:effectLst>
+                  <a:outerShdw blurRad="38100" dist="38100" dir="2700000" algn="tl">
+                    <a:srgbClr val="000000">
+                      <a:alpha val="43137"/>
+                    </a:srgbClr>
+                  </a:outerShdw>
+                </a:effectLst>
+                <a:latin typeface="Consolas" pitchFamily="49" charset="0"/>
+                <a:cs typeface="Consolas" pitchFamily="49" charset="0"/>
+              </a:rPr>
+              <a:t>   </a:t>
+            </a:r>
+            <a:r>
+              <a:rPr lang="en-US" sz="2800" b="1" i="1" noProof="1" smtClean="0">
+                <a:solidFill>
+                  <a:schemeClr val="tx2">
+                    <a:lumMod val="75000"/>
+                  </a:schemeClr>
+                </a:solidFill>
+                <a:effectLst>
+                  <a:outerShdw blurRad="38100" dist="38100" dir="2700000" algn="tl">
+                    <a:srgbClr val="000000">
+                      <a:alpha val="43137"/>
+                    </a:srgbClr>
+                  </a:outerShdw>
+                </a:effectLst>
+                <a:latin typeface="Consolas" pitchFamily="49" charset="0"/>
+                <a:cs typeface="Consolas" pitchFamily="49" charset="0"/>
+              </a:rPr>
+              <a:t># TODO: finish this …</a:t>
+            </a:r>
+            <a:endParaRPr lang="en-US" sz="2800" b="1" noProof="1" smtClean="0">
+              <a:solidFill>
+                <a:srgbClr val="FBEEDC"/>
+              </a:solidFill>
+              <a:effectLst>
+                <a:outerShdw blurRad="38100" dist="38100" dir="2700000" algn="tl">
+                  <a:srgbClr val="000000">
+                    <a:alpha val="43137"/>
+                  </a:srgbClr>
+                </a:outerShdw>
+              </a:effectLst>
+              <a:latin typeface="Consolas" pitchFamily="49" charset="0"/>
+              <a:cs typeface="Consolas" pitchFamily="49" charset="0"/>
+            </a:endParaRPr>
+          </a:p>
+          <a:p>
+            <a:pPr eaLnBrk="0" hangingPunct="0">
+              <a:buClr>
+                <a:schemeClr val="accent5">
+                  <a:lumMod val="40000"/>
+                  <a:lumOff val="60000"/>
+                </a:schemeClr>
+              </a:buClr>
+              <a:buSzPct val="70000"/>
+            </a:pPr>
+            <a:r>
+              <a:rPr lang="en-US" sz="2800" b="1" noProof="1">
+                <a:solidFill>
+                  <a:srgbClr val="FBEEDC"/>
+                </a:solidFill>
+                <a:effectLst>
+                  <a:outerShdw blurRad="38100" dist="38100" dir="2700000" algn="tl">
+                    <a:srgbClr val="000000">
+                      <a:alpha val="43137"/>
+                    </a:srgbClr>
+                  </a:outerShdw>
+                </a:effectLst>
+                <a:latin typeface="Consolas" pitchFamily="49" charset="0"/>
+                <a:cs typeface="Consolas" pitchFamily="49" charset="0"/>
+              </a:rPr>
               <a:t>if </a:t>
             </a:r>
             <a:r>
@@ -28309,8 +29008,22 @@
                 <a:latin typeface="Consolas" pitchFamily="49" charset="0"/>
                 <a:cs typeface="Consolas" pitchFamily="49" charset="0"/>
               </a:rPr>
-              <a:t>"varna":</a:t>
-            </a:r>
+              <a:t>'varna':</a:t>
+            </a:r>
+            <a:endParaRPr lang="en-US" sz="2800" b="1" noProof="1" smtClean="0">
+              <a:solidFill>
+                <a:srgbClr val="FBEEDC"/>
+              </a:solidFill>
+              <a:effectLst>
+                <a:outerShdw blurRad="38100" dist="38100" dir="2700000" algn="tl">
+                  <a:srgbClr val="000000">
+                    <a:alpha val="43137"/>
+                  </a:srgbClr>
+                </a:outerShdw>
+              </a:effectLst>
+              <a:latin typeface="Consolas" pitchFamily="49" charset="0"/>
+              <a:cs typeface="Consolas" pitchFamily="49" charset="0"/>
+            </a:endParaRPr>
           </a:p>
           <a:p>
             <a:pPr eaLnBrk="0" hangingPunct="0">
@@ -28451,8 +29164,22 @@
                 <a:latin typeface="Consolas" pitchFamily="49" charset="0"/>
                 <a:cs typeface="Consolas" pitchFamily="49" charset="0"/>
               </a:rPr>
-              <a:t>"plovdiv":</a:t>
-            </a:r>
+              <a:t>'plovdiv':</a:t>
+            </a:r>
+            <a:endParaRPr lang="en-US" sz="2800" b="1" noProof="1" smtClean="0">
+              <a:solidFill>
+                <a:srgbClr val="FBEEDC"/>
+              </a:solidFill>
+              <a:effectLst>
+                <a:outerShdw blurRad="38100" dist="38100" dir="2700000" algn="tl">
+                  <a:srgbClr val="000000">
+                    <a:alpha val="43137"/>
+                  </a:srgbClr>
+                </a:outerShdw>
+              </a:effectLst>
+              <a:latin typeface="Consolas" pitchFamily="49" charset="0"/>
+              <a:cs typeface="Consolas" pitchFamily="49" charset="0"/>
+            </a:endParaRPr>
           </a:p>
           <a:p>
             <a:pPr eaLnBrk="0" hangingPunct="0">
@@ -28698,7 +29425,7 @@
         <p:spPr>
           <a:xfrm>
             <a:off x="379411" y="5213996"/>
-            <a:ext cx="11809413" cy="1212567"/>
+            <a:ext cx="11809413" cy="1236099"/>
           </a:xfrm>
         </p:spPr>
         <p:txBody>
@@ -28707,10 +29434,14 @@
           <a:p>
             <a:r>
               <a:rPr lang="bg-BG" sz="3600" dirty="0"/>
-              <a:t>Логическо "</a:t>
-            </a:r>
-            <a:r>
-              <a:rPr lang="bg-BG" sz="3600" dirty="0">
+              <a:t>Логическо </a:t>
+            </a:r>
+            <a:r>
+              <a:rPr lang="bg-BG" sz="3600" dirty="0" smtClean="0"/>
+              <a:t>'</a:t>
+            </a:r>
+            <a:r>
+              <a:rPr lang="bg-BG" sz="3600" dirty="0" smtClean="0">
                 <a:solidFill>
                   <a:schemeClr val="tx2">
                     <a:lumMod val="75000"/>
@@ -28720,11 +29451,19 @@
               <a:t>и</a:t>
             </a:r>
             <a:r>
+              <a:rPr lang="bg-BG" sz="3600" dirty="0" smtClean="0"/>
+              <a:t>', </a:t>
+            </a:r>
+            <a:r>
               <a:rPr lang="bg-BG" sz="3600" dirty="0"/>
-              <a:t>", логическо "</a:t>
-            </a:r>
-            <a:r>
-              <a:rPr lang="bg-BG" sz="3600" dirty="0">
+              <a:t>логическо </a:t>
+            </a:r>
+            <a:r>
+              <a:rPr lang="bg-BG" sz="3600" dirty="0" smtClean="0"/>
+              <a:t>'</a:t>
+            </a:r>
+            <a:r>
+              <a:rPr lang="bg-BG" sz="3600" dirty="0" smtClean="0">
                 <a:solidFill>
                   <a:schemeClr val="tx2">
                     <a:lumMod val="75000"/>
@@ -28735,11 +29474,7 @@
             </a:r>
             <a:r>
               <a:rPr lang="bg-BG" sz="3600" dirty="0" smtClean="0"/>
-              <a:t>",</a:t>
-            </a:r>
-            <a:r>
-              <a:rPr lang="bg-BG" sz="3600" dirty="0" smtClean="0"/>
-              <a:t> </a:t>
+              <a:t>', </a:t>
             </a:r>
             <a:r>
               <a:rPr lang="bg-BG" sz="3600" dirty="0"/>
@@ -28747,7 +29482,7 @@
             </a:r>
             <a:r>
               <a:rPr lang="bg-BG" sz="3600" dirty="0" smtClean="0"/>
-              <a:t>"</a:t>
+              <a:t>'</a:t>
             </a:r>
             <a:r>
               <a:rPr lang="bg-BG" sz="3600" dirty="0" smtClean="0">
@@ -28774,8 +29509,12 @@
               <a:t>или</a:t>
             </a:r>
             <a:r>
+              <a:rPr lang="bg-BG" sz="3600" dirty="0" smtClean="0"/>
+              <a:t>', </a:t>
+            </a:r>
+            <a:r>
               <a:rPr lang="bg-BG" sz="3600" dirty="0"/>
-              <a:t>", логическо </a:t>
+              <a:t>логическо </a:t>
             </a:r>
             <a:r>
               <a:rPr lang="bg-BG" sz="3600" dirty="0">

--- a/4. Complex-Conditions/4. Complex-Conditions.pptx
+++ b/4. Complex-Conditions/4. Complex-Conditions.pptx
@@ -254,7 +254,7 @@
             <a:fld id="{FE5B4EDC-59C0-49C7-8ADA-5A781B329E02}" type="datetimeFigureOut">
               <a:rPr lang="en-US"/>
               <a:pPr/>
-              <a:t>2/8/2017</a:t>
+              <a:t>2/14/2017</a:t>
             </a:fld>
             <a:endParaRPr dirty="0"/>
           </a:p>
@@ -459,7 +459,7 @@
             <a:fld id="{F2D8D46A-B586-417D-BFBD-8C8FE0AAF762}" type="datetimeFigureOut">
               <a:rPr lang="en-US" smtClean="0"/>
               <a:pPr/>
-              <a:t>2/8/2017</a:t>
+              <a:t>2/14/2017</a:t>
             </a:fld>
             <a:endParaRPr lang="en-US"/>
           </a:p>
@@ -2209,7 +2209,7 @@
             <a:fld id="{055373AC-9AA7-423B-BA00-BA1C74164DBD}" type="datetime1">
               <a:rPr lang="en-US" smtClean="0"/>
               <a:pPr/>
-              <a:t>2/8/2017</a:t>
+              <a:t>2/14/2017</a:t>
             </a:fld>
             <a:endParaRPr lang="en-US" dirty="0"/>
           </a:p>
@@ -3483,7 +3483,7 @@
             <a:fld id="{055373AC-9AA7-423B-BA00-BA1C74164DBD}" type="datetime1">
               <a:rPr lang="en-US" smtClean="0"/>
               <a:pPr/>
-              <a:t>2/8/2017</a:t>
+              <a:t>2/14/2017</a:t>
             </a:fld>
             <a:endParaRPr lang="en-US" dirty="0"/>
           </a:p>
@@ -4578,11 +4578,7 @@
             </a:pPr>
             <a:r>
               <a:rPr lang="bg-BG" dirty="0" smtClean="0"/>
-              <a:t>Логическо </a:t>
-            </a:r>
-            <a:r>
-              <a:rPr lang="bg-BG" dirty="0" smtClean="0"/>
-              <a:t>'</a:t>
+              <a:t>Логическо '</a:t>
             </a:r>
             <a:r>
               <a:rPr lang="bg-BG" b="1" dirty="0" smtClean="0">
@@ -4596,11 +4592,7 @@
             </a:r>
             <a:r>
               <a:rPr lang="bg-BG" dirty="0" smtClean="0"/>
-              <a:t>' </a:t>
-            </a:r>
-            <a:r>
-              <a:rPr lang="bg-BG" dirty="0" smtClean="0"/>
-              <a:t>(оператор </a:t>
+              <a:t>' (оператор </a:t>
             </a:r>
             <a:r>
               <a:rPr lang="en-US" b="1" dirty="0" smtClean="0">
@@ -4849,11 +4841,7 @@
           <a:p>
             <a:r>
               <a:rPr lang="bg-BG" dirty="0" smtClean="0"/>
-              <a:t>Логическо </a:t>
-            </a:r>
-            <a:r>
-              <a:rPr lang="bg-BG" dirty="0" smtClean="0"/>
-              <a:t>'И'</a:t>
+              <a:t>Логическо 'И'</a:t>
             </a:r>
             <a:endParaRPr lang="en-US" dirty="0"/>
           </a:p>
@@ -5728,24 +5716,7 @@
                 <a:latin typeface="Consolas" pitchFamily="49" charset="0"/>
                 <a:cs typeface="Consolas" pitchFamily="49" charset="0"/>
               </a:rPr>
-              <a:t>  print</a:t>
-            </a:r>
-            <a:r>
-              <a:rPr lang="en-US" b="1" noProof="1" smtClean="0">
-                <a:solidFill>
-                  <a:srgbClr val="FBEEDC"/>
-                </a:solidFill>
-                <a:effectLst>
-                  <a:outerShdw blurRad="38100" dist="38100" dir="2700000" algn="tl">
-                    <a:srgbClr val="000000">
-                      <a:alpha val="43137"/>
-                    </a:srgbClr>
-                  </a:outerShdw>
-                </a:effectLst>
-                <a:latin typeface="Consolas" pitchFamily="49" charset="0"/>
-                <a:cs typeface="Consolas" pitchFamily="49" charset="0"/>
-              </a:rPr>
-              <a:t>('Inside')</a:t>
+              <a:t>  print('Inside')</a:t>
             </a:r>
             <a:endParaRPr lang="en-US" b="1" noProof="1">
               <a:solidFill>
@@ -5815,39 +5786,8 @@
                 <a:latin typeface="Consolas" pitchFamily="49" charset="0"/>
                 <a:cs typeface="Consolas" pitchFamily="49" charset="0"/>
               </a:rPr>
-              <a:t>   print</a:t>
-            </a:r>
-            <a:r>
-              <a:rPr lang="en-US" b="1" noProof="1" smtClean="0">
-                <a:solidFill>
-                  <a:srgbClr val="FBEEDC"/>
-                </a:solidFill>
-                <a:effectLst>
-                  <a:outerShdw blurRad="38100" dist="38100" dir="2700000" algn="tl">
-                    <a:srgbClr val="000000">
-                      <a:alpha val="43137"/>
-                    </a:srgbClr>
-                  </a:outerShdw>
-                </a:effectLst>
-                <a:latin typeface="Consolas" pitchFamily="49" charset="0"/>
-                <a:cs typeface="Consolas" pitchFamily="49" charset="0"/>
-              </a:rPr>
-              <a:t>('Outside')</a:t>
-            </a:r>
-            <a:endParaRPr lang="en-US" b="1" noProof="1" smtClean="0">
-              <a:solidFill>
-                <a:srgbClr val="FBEEDC"/>
-              </a:solidFill>
-              <a:effectLst>
-                <a:outerShdw blurRad="38100" dist="38100" dir="2700000" algn="tl">
-                  <a:srgbClr val="000000">
-                    <a:alpha val="43137"/>
-                  </a:srgbClr>
-                </a:outerShdw>
-              </a:effectLst>
-              <a:latin typeface="Consolas" pitchFamily="49" charset="0"/>
-              <a:cs typeface="Consolas" pitchFamily="49" charset="0"/>
-            </a:endParaRPr>
+              <a:t>   print('Outside')</a:t>
+            </a:r>
           </a:p>
         </p:txBody>
       </p:sp>
@@ -6140,11 +6080,7 @@
             </a:r>
             <a:r>
               <a:rPr lang="bg-BG" dirty="0" smtClean="0"/>
-              <a:t> </a:t>
-            </a:r>
-            <a:r>
-              <a:rPr lang="bg-BG" dirty="0" smtClean="0"/>
-              <a:t>са:</a:t>
+              <a:t> са:</a:t>
             </a:r>
             <a:r>
               <a:rPr lang="en-US" dirty="0" smtClean="0"/>
@@ -6246,11 +6182,7 @@
             </a:r>
             <a:r>
               <a:rPr lang="en-US" dirty="0" smtClean="0"/>
-              <a:t> </a:t>
-            </a:r>
-            <a:r>
-              <a:rPr lang="en-US" dirty="0" smtClean="0"/>
-              <a:t>'</a:t>
+              <a:t> '</a:t>
             </a:r>
             <a:r>
               <a:rPr lang="en-US" dirty="0" smtClean="0">
@@ -6268,11 +6200,7 @@
             </a:r>
             <a:r>
               <a:rPr lang="bg-BG" dirty="0" smtClean="0"/>
-              <a:t> </a:t>
-            </a:r>
-            <a:r>
-              <a:rPr lang="bg-BG" dirty="0" smtClean="0"/>
-              <a:t>са:</a:t>
+              <a:t> са:</a:t>
             </a:r>
             <a:r>
               <a:rPr lang="en-US" dirty="0" smtClean="0"/>
@@ -6346,11 +6274,7 @@
             </a:r>
             <a:r>
               <a:rPr lang="en-US" dirty="0" smtClean="0"/>
-              <a:t> </a:t>
-            </a:r>
-            <a:r>
-              <a:rPr lang="en-US" dirty="0" smtClean="0"/>
-              <a:t>'</a:t>
+              <a:t> '</a:t>
             </a:r>
             <a:r>
               <a:rPr lang="en-US" dirty="0" smtClean="0">
@@ -6393,11 +6317,7 @@
           <a:p>
             <a:r>
               <a:rPr lang="bg-BG" dirty="0" smtClean="0"/>
-              <a:t>Логическо </a:t>
-            </a:r>
-            <a:r>
-              <a:rPr lang="bg-BG" dirty="0" smtClean="0"/>
-              <a:t>'ИЛИ'</a:t>
+              <a:t>Логическо 'ИЛИ'</a:t>
             </a:r>
             <a:endParaRPr lang="en-US" dirty="0"/>
           </a:p>
@@ -6644,20 +6564,6 @@
               </a:rPr>
               <a:t>'kiwi':</a:t>
             </a:r>
-            <a:endParaRPr lang="en-US" sz="2800" b="1" noProof="1" smtClean="0">
-              <a:solidFill>
-                <a:srgbClr val="FBEEDC"/>
-              </a:solidFill>
-              <a:effectLst>
-                <a:outerShdw blurRad="38100" dist="38100" dir="2700000" algn="tl">
-                  <a:srgbClr val="000000">
-                    <a:alpha val="43137"/>
-                  </a:srgbClr>
-                </a:outerShdw>
-              </a:effectLst>
-              <a:latin typeface="Consolas" pitchFamily="49" charset="0"/>
-              <a:cs typeface="Consolas" pitchFamily="49" charset="0"/>
-            </a:endParaRPr>
           </a:p>
           <a:p>
             <a:pPr eaLnBrk="0" hangingPunct="0">
@@ -6704,39 +6610,8 @@
                 <a:latin typeface="Consolas" pitchFamily="49" charset="0"/>
                 <a:cs typeface="Consolas" pitchFamily="49" charset="0"/>
               </a:rPr>
-              <a:t> print</a:t>
-            </a:r>
-            <a:r>
-              <a:rPr lang="en-US" sz="2800" b="1" noProof="1" smtClean="0">
-                <a:solidFill>
-                  <a:srgbClr val="FBEEDC"/>
-                </a:solidFill>
-                <a:effectLst>
-                  <a:outerShdw blurRad="38100" dist="38100" dir="2700000" algn="tl">
-                    <a:srgbClr val="000000">
-                      <a:alpha val="43137"/>
-                    </a:srgbClr>
-                  </a:outerShdw>
-                </a:effectLst>
-                <a:latin typeface="Consolas" pitchFamily="49" charset="0"/>
-                <a:cs typeface="Consolas" pitchFamily="49" charset="0"/>
-              </a:rPr>
-              <a:t>('fruit')</a:t>
-            </a:r>
-            <a:endParaRPr lang="en-US" sz="2800" b="1" noProof="1" smtClean="0">
-              <a:solidFill>
-                <a:srgbClr val="FBEEDC"/>
-              </a:solidFill>
-              <a:effectLst>
-                <a:outerShdw blurRad="38100" dist="38100" dir="2700000" algn="tl">
-                  <a:srgbClr val="000000">
-                    <a:alpha val="43137"/>
-                  </a:srgbClr>
-                </a:outerShdw>
-              </a:effectLst>
-              <a:latin typeface="Consolas" pitchFamily="49" charset="0"/>
-              <a:cs typeface="Consolas" pitchFamily="49" charset="0"/>
-            </a:endParaRPr>
+              <a:t> print('fruit')</a:t>
+            </a:r>
           </a:p>
         </p:txBody>
       </p:sp>
@@ -7235,19 +7110,7 @@
           <a:p>
             <a:r>
               <a:rPr lang="bg-BG" dirty="0" smtClean="0"/>
-              <a:t>Решение на задачата </a:t>
-            </a:r>
-            <a:r>
-              <a:rPr lang="bg-BG" dirty="0" smtClean="0"/>
-              <a:t>'плод </a:t>
-            </a:r>
-            <a:r>
-              <a:rPr lang="bg-BG" dirty="0" smtClean="0"/>
-              <a:t>или </a:t>
-            </a:r>
-            <a:r>
-              <a:rPr lang="bg-BG" dirty="0" smtClean="0"/>
-              <a:t>зеленчук':</a:t>
+              <a:t>Решение на задачата 'плод или зеленчук':</a:t>
             </a:r>
             <a:endParaRPr lang="en-US" dirty="0"/>
           </a:p>
@@ -7901,24 +7764,7 @@
                 <a:latin typeface="Consolas" pitchFamily="49" charset="0"/>
                 <a:cs typeface="Consolas" pitchFamily="49" charset="0"/>
               </a:rPr>
-              <a:t>  print</a:t>
-            </a:r>
-            <a:r>
-              <a:rPr lang="en-US" sz="2800" b="1" noProof="1" smtClean="0">
-                <a:solidFill>
-                  <a:srgbClr val="FBEEDC"/>
-                </a:solidFill>
-                <a:effectLst>
-                  <a:outerShdw blurRad="38100" dist="38100" dir="2700000" algn="tl">
-                    <a:srgbClr val="000000">
-                      <a:alpha val="43137"/>
-                    </a:srgbClr>
-                  </a:outerShdw>
-                </a:effectLst>
-                <a:latin typeface="Consolas" pitchFamily="49" charset="0"/>
-                <a:cs typeface="Consolas" pitchFamily="49" charset="0"/>
-              </a:rPr>
-              <a:t>('fruit')</a:t>
+              <a:t>  print('fruit')</a:t>
             </a:r>
             <a:endParaRPr lang="en-US" sz="2800" b="1" noProof="1">
               <a:solidFill>
@@ -8246,20 +8092,6 @@
               </a:rPr>
               <a:t>'carrot'):</a:t>
             </a:r>
-            <a:endParaRPr lang="en-US" sz="2800" b="1" noProof="1" smtClean="0">
-              <a:solidFill>
-                <a:srgbClr val="FBEEDC"/>
-              </a:solidFill>
-              <a:effectLst>
-                <a:outerShdw blurRad="38100" dist="38100" dir="2700000" algn="tl">
-                  <a:srgbClr val="000000">
-                    <a:alpha val="43137"/>
-                  </a:srgbClr>
-                </a:outerShdw>
-              </a:effectLst>
-              <a:latin typeface="Consolas" pitchFamily="49" charset="0"/>
-              <a:cs typeface="Consolas" pitchFamily="49" charset="0"/>
-            </a:endParaRPr>
           </a:p>
           <a:p>
             <a:pPr eaLnBrk="0" hangingPunct="0">
@@ -8289,24 +8121,7 @@
                 <a:latin typeface="Consolas" pitchFamily="49" charset="0"/>
                 <a:cs typeface="Consolas" pitchFamily="49" charset="0"/>
               </a:rPr>
-              <a:t>  print</a:t>
-            </a:r>
-            <a:r>
-              <a:rPr lang="en-US" sz="2800" b="1" noProof="1" smtClean="0">
-                <a:solidFill>
-                  <a:srgbClr val="FBEEDC"/>
-                </a:solidFill>
-                <a:effectLst>
-                  <a:outerShdw blurRad="38100" dist="38100" dir="2700000" algn="tl">
-                    <a:srgbClr val="000000">
-                      <a:alpha val="43137"/>
-                    </a:srgbClr>
-                  </a:outerShdw>
-                </a:effectLst>
-                <a:latin typeface="Consolas" pitchFamily="49" charset="0"/>
-                <a:cs typeface="Consolas" pitchFamily="49" charset="0"/>
-              </a:rPr>
-              <a:t>('vegetable')</a:t>
+              <a:t>  print('vegetable')</a:t>
             </a:r>
             <a:endParaRPr lang="en-US" sz="2800" b="1" noProof="1">
               <a:solidFill>
@@ -8399,39 +8214,8 @@
                 <a:latin typeface="Consolas" pitchFamily="49" charset="0"/>
                 <a:cs typeface="Consolas" pitchFamily="49" charset="0"/>
               </a:rPr>
-              <a:t> print</a:t>
-            </a:r>
-            <a:r>
-              <a:rPr lang="en-US" sz="2800" b="1" noProof="1" smtClean="0">
-                <a:solidFill>
-                  <a:srgbClr val="FBEEDC"/>
-                </a:solidFill>
-                <a:effectLst>
-                  <a:outerShdw blurRad="38100" dist="38100" dir="2700000" algn="tl">
-                    <a:srgbClr val="000000">
-                      <a:alpha val="43137"/>
-                    </a:srgbClr>
-                  </a:outerShdw>
-                </a:effectLst>
-                <a:latin typeface="Consolas" pitchFamily="49" charset="0"/>
-                <a:cs typeface="Consolas" pitchFamily="49" charset="0"/>
-              </a:rPr>
-              <a:t>('unknown')</a:t>
-            </a:r>
-            <a:endParaRPr lang="en-US" sz="2800" b="1" noProof="1" smtClean="0">
-              <a:solidFill>
-                <a:srgbClr val="FBEEDC"/>
-              </a:solidFill>
-              <a:effectLst>
-                <a:outerShdw blurRad="38100" dist="38100" dir="2700000" algn="tl">
-                  <a:srgbClr val="000000">
-                    <a:alpha val="43137"/>
-                  </a:srgbClr>
-                </a:outerShdw>
-              </a:effectLst>
-              <a:latin typeface="Consolas" pitchFamily="49" charset="0"/>
-              <a:cs typeface="Consolas" pitchFamily="49" charset="0"/>
-            </a:endParaRPr>
+              <a:t> print('unknown')</a:t>
+            </a:r>
           </a:p>
         </p:txBody>
       </p:sp>
@@ -9014,20 +8798,6 @@
               </a:rPr>
               <a:t>'out':</a:t>
             </a:r>
-            <a:endParaRPr lang="en-US" sz="2800" b="1" noProof="1" smtClean="0">
-              <a:solidFill>
-                <a:srgbClr val="FBEEDC"/>
-              </a:solidFill>
-              <a:effectLst>
-                <a:outerShdw blurRad="38100" dist="38100" dir="2700000" algn="tl">
-                  <a:srgbClr val="000000">
-                    <a:alpha val="43137"/>
-                  </a:srgbClr>
-                </a:outerShdw>
-              </a:effectLst>
-              <a:latin typeface="Consolas" pitchFamily="49" charset="0"/>
-              <a:cs typeface="Consolas" pitchFamily="49" charset="0"/>
-            </a:endParaRPr>
           </a:p>
           <a:p>
             <a:pPr eaLnBrk="0" hangingPunct="0">
@@ -9074,73 +8844,8 @@
                 <a:latin typeface="Consolas" pitchFamily="49" charset="0"/>
                 <a:cs typeface="Consolas" pitchFamily="49" charset="0"/>
               </a:rPr>
-              <a:t>   print</a:t>
-            </a:r>
-            <a:r>
-              <a:rPr lang="en-US" sz="2800" b="1" noProof="1" smtClean="0">
-                <a:solidFill>
-                  <a:srgbClr val="FBEEDC"/>
-                </a:solidFill>
-                <a:effectLst>
-                  <a:outerShdw blurRad="38100" dist="38100" dir="2700000" algn="tl">
-                    <a:srgbClr val="000000">
-                      <a:alpha val="43137"/>
-                    </a:srgbClr>
-                  </a:outerShdw>
-                </a:effectLst>
-                <a:latin typeface="Consolas" pitchFamily="49" charset="0"/>
-                <a:cs typeface="Consolas" pitchFamily="49" charset="0"/>
-              </a:rPr>
-              <a:t>('Go </a:t>
-            </a:r>
-            <a:r>
-              <a:rPr lang="en-US" sz="2800" b="1" noProof="1" smtClean="0">
-                <a:solidFill>
-                  <a:srgbClr val="FBEEDC"/>
-                </a:solidFill>
-                <a:effectLst>
-                  <a:outerShdw blurRad="38100" dist="38100" dir="2700000" algn="tl">
-                    <a:srgbClr val="000000">
-                      <a:alpha val="43137"/>
-                    </a:srgbClr>
-                  </a:outerShdw>
-                </a:effectLst>
-                <a:latin typeface="Consolas" pitchFamily="49" charset="0"/>
-                <a:cs typeface="Consolas" pitchFamily="49" charset="0"/>
-              </a:rPr>
-              <a:t>out</a:t>
-            </a:r>
-            <a:r>
-              <a:rPr lang="en-US" sz="2800" b="1" noProof="1" smtClean="0">
-                <a:solidFill>
-                  <a:srgbClr val="FBEEDC"/>
-                </a:solidFill>
-                <a:effectLst>
-                  <a:outerShdw blurRad="38100" dist="38100" dir="2700000" algn="tl">
-                    <a:srgbClr val="000000">
-                      <a:alpha val="43137"/>
-                    </a:srgbClr>
-                  </a:outerShdw>
-                </a:effectLst>
-                <a:latin typeface="Consolas" pitchFamily="49" charset="0"/>
-                <a:cs typeface="Consolas" pitchFamily="49" charset="0"/>
-              </a:rPr>
-              <a:t>!')</a:t>
-            </a:r>
-            <a:endParaRPr lang="en-US" sz="2800" b="1" noProof="1" smtClean="0">
-              <a:solidFill>
-                <a:srgbClr val="FBEEDC"/>
-              </a:solidFill>
-              <a:effectLst>
-                <a:outerShdw blurRad="38100" dist="38100" dir="2700000" algn="tl">
-                  <a:srgbClr val="000000">
-                    <a:alpha val="43137"/>
-                  </a:srgbClr>
-                </a:outerShdw>
-              </a:effectLst>
-              <a:latin typeface="Consolas" pitchFamily="49" charset="0"/>
-              <a:cs typeface="Consolas" pitchFamily="49" charset="0"/>
-            </a:endParaRPr>
+              <a:t>   print('Go out!')</a:t>
+            </a:r>
           </a:p>
           <a:p>
             <a:pPr eaLnBrk="0" hangingPunct="0">
@@ -9201,73 +8906,8 @@
                 <a:latin typeface="Consolas" pitchFamily="49" charset="0"/>
                 <a:cs typeface="Consolas" pitchFamily="49" charset="0"/>
               </a:rPr>
-              <a:t>    print</a:t>
-            </a:r>
-            <a:r>
-              <a:rPr lang="en-US" sz="2800" b="1" noProof="1" smtClean="0">
-                <a:solidFill>
-                  <a:srgbClr val="FBEEDC"/>
-                </a:solidFill>
-                <a:effectLst>
-                  <a:outerShdw blurRad="38100" dist="38100" dir="2700000" algn="tl">
-                    <a:srgbClr val="000000">
-                      <a:alpha val="43137"/>
-                    </a:srgbClr>
-                  </a:outerShdw>
-                </a:effectLst>
-                <a:latin typeface="Consolas" pitchFamily="49" charset="0"/>
-                <a:cs typeface="Consolas" pitchFamily="49" charset="0"/>
-              </a:rPr>
-              <a:t>('Stay </a:t>
-            </a:r>
-            <a:r>
-              <a:rPr lang="en-US" sz="2800" b="1" noProof="1" smtClean="0">
-                <a:solidFill>
-                  <a:srgbClr val="FBEEDC"/>
-                </a:solidFill>
-                <a:effectLst>
-                  <a:outerShdw blurRad="38100" dist="38100" dir="2700000" algn="tl">
-                    <a:srgbClr val="000000">
-                      <a:alpha val="43137"/>
-                    </a:srgbClr>
-                  </a:outerShdw>
-                </a:effectLst>
-                <a:latin typeface="Consolas" pitchFamily="49" charset="0"/>
-                <a:cs typeface="Consolas" pitchFamily="49" charset="0"/>
-              </a:rPr>
-              <a:t>at home</a:t>
-            </a:r>
-            <a:r>
-              <a:rPr lang="en-US" sz="2800" b="1" noProof="1" smtClean="0">
-                <a:solidFill>
-                  <a:srgbClr val="FBEEDC"/>
-                </a:solidFill>
-                <a:effectLst>
-                  <a:outerShdw blurRad="38100" dist="38100" dir="2700000" algn="tl">
-                    <a:srgbClr val="000000">
-                      <a:alpha val="43137"/>
-                    </a:srgbClr>
-                  </a:outerShdw>
-                </a:effectLst>
-                <a:latin typeface="Consolas" pitchFamily="49" charset="0"/>
-                <a:cs typeface="Consolas" pitchFamily="49" charset="0"/>
-              </a:rPr>
-              <a:t>!')</a:t>
-            </a:r>
-            <a:endParaRPr lang="en-US" sz="2800" b="1" noProof="1" smtClean="0">
-              <a:solidFill>
-                <a:srgbClr val="FBEEDC"/>
-              </a:solidFill>
-              <a:effectLst>
-                <a:outerShdw blurRad="38100" dist="38100" dir="2700000" algn="tl">
-                  <a:srgbClr val="000000">
-                    <a:alpha val="43137"/>
-                  </a:srgbClr>
-                </a:outerShdw>
-              </a:effectLst>
-              <a:latin typeface="Consolas" pitchFamily="49" charset="0"/>
-              <a:cs typeface="Consolas" pitchFamily="49" charset="0"/>
-            </a:endParaRPr>
+              <a:t>    print('Stay at home!')</a:t>
+            </a:r>
           </a:p>
         </p:txBody>
       </p:sp>
@@ -10118,39 +9758,8 @@
                 <a:latin typeface="Consolas" pitchFamily="49" charset="0"/>
                 <a:cs typeface="Consolas" pitchFamily="49" charset="0"/>
               </a:rPr>
-              <a:t>    print</a:t>
-            </a:r>
-            <a:r>
-              <a:rPr lang="en-US" sz="2800" b="1" noProof="1" smtClean="0">
-                <a:solidFill>
-                  <a:srgbClr val="FBEEDC"/>
-                </a:solidFill>
-                <a:effectLst>
-                  <a:outerShdw blurRad="38100" dist="38100" dir="2700000" algn="tl">
-                    <a:srgbClr val="000000">
-                      <a:alpha val="43137"/>
-                    </a:srgbClr>
-                  </a:outerShdw>
-                </a:effectLst>
-                <a:latin typeface="Consolas" pitchFamily="49" charset="0"/>
-                <a:cs typeface="Consolas" pitchFamily="49" charset="0"/>
-              </a:rPr>
-              <a:t>('invalid')</a:t>
-            </a:r>
-            <a:endParaRPr lang="en-US" sz="2800" b="1" noProof="1" smtClean="0">
-              <a:solidFill>
-                <a:srgbClr val="FBEEDC"/>
-              </a:solidFill>
-              <a:effectLst>
-                <a:outerShdw blurRad="38100" dist="38100" dir="2700000" algn="tl">
-                  <a:srgbClr val="000000">
-                    <a:alpha val="43137"/>
-                  </a:srgbClr>
-                </a:outerShdw>
-              </a:effectLst>
-              <a:latin typeface="Consolas" pitchFamily="49" charset="0"/>
-              <a:cs typeface="Consolas" pitchFamily="49" charset="0"/>
-            </a:endParaRPr>
+              <a:t>    print('invalid')</a:t>
+            </a:r>
           </a:p>
         </p:txBody>
       </p:sp>
@@ -11769,39 +11378,8 @@
                 <a:latin typeface="Consolas" pitchFamily="49" charset="0"/>
                 <a:cs typeface="Consolas" pitchFamily="49" charset="0"/>
               </a:rPr>
-              <a:t>    print</a:t>
-            </a:r>
-            <a:r>
-              <a:rPr lang="en-US" sz="2800" b="1" noProof="1" smtClean="0">
-                <a:solidFill>
-                  <a:srgbClr val="FBEEDC"/>
-                </a:solidFill>
-                <a:effectLst>
-                  <a:outerShdw blurRad="38100" dist="38100" dir="2700000" algn="tl">
-                    <a:srgbClr val="000000">
-                      <a:alpha val="43137"/>
-                    </a:srgbClr>
-                  </a:outerShdw>
-                </a:effectLst>
-                <a:latin typeface="Consolas" pitchFamily="49" charset="0"/>
-                <a:cs typeface="Consolas" pitchFamily="49" charset="0"/>
-              </a:rPr>
-              <a:t>('Border')</a:t>
-            </a:r>
-            <a:endParaRPr lang="en-US" sz="2800" b="1" noProof="1" smtClean="0">
-              <a:solidFill>
-                <a:srgbClr val="FBEEDC"/>
-              </a:solidFill>
-              <a:effectLst>
-                <a:outerShdw blurRad="38100" dist="38100" dir="2700000" algn="tl">
-                  <a:srgbClr val="000000">
-                    <a:alpha val="43137"/>
-                  </a:srgbClr>
-                </a:outerShdw>
-              </a:effectLst>
-              <a:latin typeface="Consolas" pitchFamily="49" charset="0"/>
-              <a:cs typeface="Consolas" pitchFamily="49" charset="0"/>
-            </a:endParaRPr>
+              <a:t>    print('Border')</a:t>
+            </a:r>
           </a:p>
         </p:txBody>
       </p:sp>
@@ -12932,24 +12510,7 @@
                 <a:latin typeface="Consolas" pitchFamily="49" charset="0"/>
                 <a:cs typeface="Consolas" pitchFamily="49" charset="0"/>
               </a:rPr>
-              <a:t>print</a:t>
-            </a:r>
-            <a:r>
-              <a:rPr lang="en-US" sz="2600" b="1" noProof="1" smtClean="0">
-                <a:solidFill>
-                  <a:srgbClr val="FBEEDC"/>
-                </a:solidFill>
-                <a:effectLst>
-                  <a:outerShdw blurRad="38100" dist="38100" dir="2700000" algn="tl">
-                    <a:srgbClr val="000000">
-                      <a:alpha val="43137"/>
-                    </a:srgbClr>
-                  </a:outerShdw>
-                </a:effectLst>
-                <a:latin typeface="Consolas" pitchFamily="49" charset="0"/>
-                <a:cs typeface="Consolas" pitchFamily="49" charset="0"/>
-              </a:rPr>
-              <a:t>('Border')</a:t>
+              <a:t>print('Border')</a:t>
             </a:r>
             <a:endParaRPr lang="en-US" sz="2600" b="1" noProof="1">
               <a:solidFill>
@@ -13172,11 +12733,7 @@
             <a:pPr marL="723900" lvl="1" indent="-420688"/>
             <a:r>
               <a:rPr lang="bg-BG" dirty="0" smtClean="0"/>
-              <a:t>Логическо </a:t>
-            </a:r>
-            <a:r>
-              <a:rPr lang="bg-BG" dirty="0" smtClean="0"/>
-              <a:t>'</a:t>
+              <a:t>Логическо '</a:t>
             </a:r>
             <a:r>
               <a:rPr lang="bg-BG" b="1" dirty="0" smtClean="0">
@@ -13190,15 +12747,7 @@
             </a:r>
             <a:r>
               <a:rPr lang="bg-BG" dirty="0" smtClean="0"/>
-              <a:t>', </a:t>
-            </a:r>
-            <a:r>
-              <a:rPr lang="bg-BG" dirty="0" smtClean="0"/>
-              <a:t>логическо </a:t>
-            </a:r>
-            <a:r>
-              <a:rPr lang="bg-BG" dirty="0" smtClean="0"/>
-              <a:t>'</a:t>
+              <a:t>', логическо '</a:t>
             </a:r>
             <a:r>
               <a:rPr lang="bg-BG" b="1" dirty="0" smtClean="0">
@@ -13212,15 +12761,7 @@
             </a:r>
             <a:r>
               <a:rPr lang="bg-BG" dirty="0" smtClean="0"/>
-              <a:t>', </a:t>
-            </a:r>
-            <a:r>
-              <a:rPr lang="bg-BG" dirty="0" smtClean="0"/>
-              <a:t>логическо </a:t>
-            </a:r>
-            <a:r>
-              <a:rPr lang="bg-BG" dirty="0" smtClean="0"/>
-              <a:t>'</a:t>
+              <a:t>', логическо '</a:t>
             </a:r>
             <a:r>
               <a:rPr lang="bg-BG" dirty="0" smtClean="0">
@@ -13248,11 +12789,7 @@
             </a:r>
             <a:r>
               <a:rPr lang="bg-BG" dirty="0" smtClean="0"/>
-              <a:t>', </a:t>
-            </a:r>
-            <a:r>
-              <a:rPr lang="bg-BG" dirty="0" smtClean="0"/>
-              <a:t>логическо </a:t>
+              <a:t>', логическо </a:t>
             </a:r>
             <a:r>
               <a:rPr lang="bg-BG" b="1" dirty="0" smtClean="0">
@@ -16147,24 +15684,7 @@
                 <a:latin typeface="Consolas" pitchFamily="49" charset="0"/>
                 <a:cs typeface="Consolas" pitchFamily="49" charset="0"/>
               </a:rPr>
-              <a:t>'saturday' </a:t>
-            </a:r>
-            <a:r>
-              <a:rPr lang="en-US" sz="2600" b="1" noProof="1" smtClean="0">
-                <a:solidFill>
-                  <a:srgbClr val="FBEEDC"/>
-                </a:solidFill>
-                <a:effectLst>
-                  <a:outerShdw blurRad="38100" dist="38100" dir="2700000" algn="tl">
-                    <a:srgbClr val="000000">
-                      <a:alpha val="43137"/>
-                    </a:srgbClr>
-                  </a:outerShdw>
-                </a:effectLst>
-                <a:latin typeface="Consolas" pitchFamily="49" charset="0"/>
-                <a:cs typeface="Consolas" pitchFamily="49" charset="0"/>
-              </a:rPr>
-              <a:t>or </a:t>
+              <a:t>'saturday' or </a:t>
             </a:r>
             <a:r>
               <a:rPr lang="en-US" sz="2600" b="1" noProof="1">
@@ -16310,20 +15830,6 @@
               </a:rPr>
               <a:t>'banana':</a:t>
             </a:r>
-            <a:endParaRPr lang="en-US" sz="2600" b="1" noProof="1" smtClean="0">
-              <a:solidFill>
-                <a:srgbClr val="FBEEDC"/>
-              </a:solidFill>
-              <a:effectLst>
-                <a:outerShdw blurRad="38100" dist="38100" dir="2700000" algn="tl">
-                  <a:srgbClr val="000000">
-                    <a:alpha val="43137"/>
-                  </a:srgbClr>
-                </a:outerShdw>
-              </a:effectLst>
-              <a:latin typeface="Consolas" pitchFamily="49" charset="0"/>
-              <a:cs typeface="Consolas" pitchFamily="49" charset="0"/>
-            </a:endParaRPr>
           </a:p>
           <a:p>
             <a:pPr eaLnBrk="0" hangingPunct="0">
@@ -16479,20 +15985,6 @@
               </a:rPr>
               <a:t>'apple':</a:t>
             </a:r>
-            <a:endParaRPr lang="en-US" sz="2600" b="1" noProof="1" smtClean="0">
-              <a:solidFill>
-                <a:srgbClr val="FBEEDC"/>
-              </a:solidFill>
-              <a:effectLst>
-                <a:outerShdw blurRad="38100" dist="38100" dir="2700000" algn="tl">
-                  <a:srgbClr val="000000">
-                    <a:alpha val="43137"/>
-                  </a:srgbClr>
-                </a:outerShdw>
-              </a:effectLst>
-              <a:latin typeface="Consolas" pitchFamily="49" charset="0"/>
-              <a:cs typeface="Consolas" pitchFamily="49" charset="0"/>
-            </a:endParaRPr>
           </a:p>
           <a:p>
             <a:pPr eaLnBrk="0" hangingPunct="0">
@@ -16724,7 +16216,24 @@
                 <a:latin typeface="Consolas" pitchFamily="49" charset="0"/>
                 <a:cs typeface="Consolas" pitchFamily="49" charset="0"/>
               </a:rPr>
-              <a:t>'monday' </a:t>
+              <a:t>'monday' or </a:t>
+            </a:r>
+            <a:r>
+              <a:rPr lang="en-US" sz="2600" b="1" noProof="1">
+                <a:solidFill>
+                  <a:srgbClr val="FBEEDC"/>
+                </a:solidFill>
+                <a:effectLst>
+                  <a:outerShdw blurRad="38100" dist="38100" dir="2700000" algn="tl">
+                    <a:srgbClr val="000000">
+                      <a:alpha val="43137"/>
+                    </a:srgbClr>
+                  </a:outerShdw>
+                </a:effectLst>
+                <a:latin typeface="Consolas" pitchFamily="49" charset="0"/>
+                <a:cs typeface="Consolas" pitchFamily="49" charset="0"/>
+              </a:rPr>
+              <a:t>day == </a:t>
             </a:r>
             <a:r>
               <a:rPr lang="en-US" sz="2600" b="1" noProof="1" smtClean="0">
@@ -16741,58 +16250,7 @@
                 <a:latin typeface="Consolas" pitchFamily="49" charset="0"/>
                 <a:cs typeface="Consolas" pitchFamily="49" charset="0"/>
               </a:rPr>
-              <a:t>or </a:t>
-            </a:r>
-            <a:r>
-              <a:rPr lang="en-US" sz="2600" b="1" noProof="1">
-                <a:solidFill>
-                  <a:srgbClr val="FBEEDC"/>
-                </a:solidFill>
-                <a:effectLst>
-                  <a:outerShdw blurRad="38100" dist="38100" dir="2700000" algn="tl">
-                    <a:srgbClr val="000000">
-                      <a:alpha val="43137"/>
-                    </a:srgbClr>
-                  </a:outerShdw>
-                </a:effectLst>
-                <a:latin typeface="Consolas" pitchFamily="49" charset="0"/>
-                <a:cs typeface="Consolas" pitchFamily="49" charset="0"/>
-              </a:rPr>
-              <a:t>day == </a:t>
-            </a:r>
-            <a:r>
-              <a:rPr lang="en-US" sz="2600" b="1" noProof="1" smtClean="0">
-                <a:solidFill>
-                  <a:srgbClr val="FBEEDC"/>
-                </a:solidFill>
-                <a:effectLst>
-                  <a:outerShdw blurRad="38100" dist="38100" dir="2700000" algn="tl">
-                    <a:srgbClr val="000000">
-                      <a:alpha val="43137"/>
-                    </a:srgbClr>
-                  </a:outerShdw>
-                </a:effectLst>
-                <a:latin typeface="Consolas" pitchFamily="49" charset="0"/>
-                <a:cs typeface="Consolas" pitchFamily="49" charset="0"/>
-              </a:rPr>
-              <a:t>'tuesday' </a:t>
-            </a:r>
-            <a:r>
-              <a:rPr lang="en-US" sz="2600" b="1" noProof="1" smtClean="0">
-                <a:solidFill>
-                  <a:srgbClr val="FBEEDC"/>
-                </a:solidFill>
-                <a:effectLst>
-                  <a:outerShdw blurRad="38100" dist="38100" dir="2700000" algn="tl">
-                    <a:srgbClr val="000000">
-                      <a:alpha val="43137"/>
-                    </a:srgbClr>
-                  </a:outerShdw>
-                </a:effectLst>
-                <a:latin typeface="Consolas" pitchFamily="49" charset="0"/>
-                <a:cs typeface="Consolas" pitchFamily="49" charset="0"/>
-              </a:rPr>
-              <a:t>or day ==</a:t>
+              <a:t>'tuesday' or day ==</a:t>
             </a:r>
           </a:p>
           <a:p>
@@ -16837,7 +16295,24 @@
                 <a:latin typeface="Consolas" pitchFamily="49" charset="0"/>
                 <a:cs typeface="Consolas" pitchFamily="49" charset="0"/>
               </a:rPr>
-              <a:t>  </a:t>
+              <a:t>  'wednesday' or </a:t>
+            </a:r>
+            <a:r>
+              <a:rPr lang="en-US" sz="2600" b="1" noProof="1">
+                <a:solidFill>
+                  <a:srgbClr val="FBEEDC"/>
+                </a:solidFill>
+                <a:effectLst>
+                  <a:outerShdw blurRad="38100" dist="38100" dir="2700000" algn="tl">
+                    <a:srgbClr val="000000">
+                      <a:alpha val="43137"/>
+                    </a:srgbClr>
+                  </a:outerShdw>
+                </a:effectLst>
+                <a:latin typeface="Consolas" pitchFamily="49" charset="0"/>
+                <a:cs typeface="Consolas" pitchFamily="49" charset="0"/>
+              </a:rPr>
+              <a:t>day == </a:t>
             </a:r>
             <a:r>
               <a:rPr lang="en-US" sz="2600" b="1" noProof="1" smtClean="0">
@@ -16854,7 +16329,24 @@
                 <a:latin typeface="Consolas" pitchFamily="49" charset="0"/>
                 <a:cs typeface="Consolas" pitchFamily="49" charset="0"/>
               </a:rPr>
-              <a:t>'wednesday' </a:t>
+              <a:t>'thursday' or </a:t>
+            </a:r>
+            <a:r>
+              <a:rPr lang="en-US" sz="2600" b="1" noProof="1">
+                <a:solidFill>
+                  <a:srgbClr val="FBEEDC"/>
+                </a:solidFill>
+                <a:effectLst>
+                  <a:outerShdw blurRad="38100" dist="38100" dir="2700000" algn="tl">
+                    <a:srgbClr val="000000">
+                      <a:alpha val="43137"/>
+                    </a:srgbClr>
+                  </a:outerShdw>
+                </a:effectLst>
+                <a:latin typeface="Consolas" pitchFamily="49" charset="0"/>
+                <a:cs typeface="Consolas" pitchFamily="49" charset="0"/>
+              </a:rPr>
+              <a:t>day == </a:t>
             </a:r>
             <a:r>
               <a:rPr lang="en-US" sz="2600" b="1" noProof="1" smtClean="0">
@@ -16871,107 +16363,8 @@
                 <a:latin typeface="Consolas" pitchFamily="49" charset="0"/>
                 <a:cs typeface="Consolas" pitchFamily="49" charset="0"/>
               </a:rPr>
-              <a:t>or </a:t>
-            </a:r>
-            <a:r>
-              <a:rPr lang="en-US" sz="2600" b="1" noProof="1">
-                <a:solidFill>
-                  <a:srgbClr val="FBEEDC"/>
-                </a:solidFill>
-                <a:effectLst>
-                  <a:outerShdw blurRad="38100" dist="38100" dir="2700000" algn="tl">
-                    <a:srgbClr val="000000">
-                      <a:alpha val="43137"/>
-                    </a:srgbClr>
-                  </a:outerShdw>
-                </a:effectLst>
-                <a:latin typeface="Consolas" pitchFamily="49" charset="0"/>
-                <a:cs typeface="Consolas" pitchFamily="49" charset="0"/>
-              </a:rPr>
-              <a:t>day == </a:t>
-            </a:r>
-            <a:r>
-              <a:rPr lang="en-US" sz="2600" b="1" noProof="1" smtClean="0">
-                <a:solidFill>
-                  <a:srgbClr val="FBEEDC"/>
-                </a:solidFill>
-                <a:effectLst>
-                  <a:outerShdw blurRad="38100" dist="38100" dir="2700000" algn="tl">
-                    <a:srgbClr val="000000">
-                      <a:alpha val="43137"/>
-                    </a:srgbClr>
-                  </a:outerShdw>
-                </a:effectLst>
-                <a:latin typeface="Consolas" pitchFamily="49" charset="0"/>
-                <a:cs typeface="Consolas" pitchFamily="49" charset="0"/>
-              </a:rPr>
-              <a:t>'thursday' </a:t>
-            </a:r>
-            <a:r>
-              <a:rPr lang="en-US" sz="2600" b="1" noProof="1" smtClean="0">
-                <a:solidFill>
-                  <a:srgbClr val="FBEEDC"/>
-                </a:solidFill>
-                <a:effectLst>
-                  <a:outerShdw blurRad="38100" dist="38100" dir="2700000" algn="tl">
-                    <a:srgbClr val="000000">
-                      <a:alpha val="43137"/>
-                    </a:srgbClr>
-                  </a:outerShdw>
-                </a:effectLst>
-                <a:latin typeface="Consolas" pitchFamily="49" charset="0"/>
-                <a:cs typeface="Consolas" pitchFamily="49" charset="0"/>
-              </a:rPr>
-              <a:t>or </a:t>
-            </a:r>
-            <a:r>
-              <a:rPr lang="en-US" sz="2600" b="1" noProof="1">
-                <a:solidFill>
-                  <a:srgbClr val="FBEEDC"/>
-                </a:solidFill>
-                <a:effectLst>
-                  <a:outerShdw blurRad="38100" dist="38100" dir="2700000" algn="tl">
-                    <a:srgbClr val="000000">
-                      <a:alpha val="43137"/>
-                    </a:srgbClr>
-                  </a:outerShdw>
-                </a:effectLst>
-                <a:latin typeface="Consolas" pitchFamily="49" charset="0"/>
-                <a:cs typeface="Consolas" pitchFamily="49" charset="0"/>
-              </a:rPr>
-              <a:t>day == </a:t>
-            </a:r>
-            <a:r>
-              <a:rPr lang="en-US" sz="2600" b="1" noProof="1" smtClean="0">
-                <a:solidFill>
-                  <a:srgbClr val="FBEEDC"/>
-                </a:solidFill>
-                <a:effectLst>
-                  <a:outerShdw blurRad="38100" dist="38100" dir="2700000" algn="tl">
-                    <a:srgbClr val="000000">
-                      <a:alpha val="43137"/>
-                    </a:srgbClr>
-                  </a:outerShdw>
-                </a:effectLst>
-                <a:latin typeface="Consolas" pitchFamily="49" charset="0"/>
-                <a:cs typeface="Consolas" pitchFamily="49" charset="0"/>
-              </a:rPr>
               <a:t>'friday'):</a:t>
             </a:r>
-            <a:endParaRPr lang="en-US" sz="2600" b="1" noProof="1" smtClean="0">
-              <a:solidFill>
-                <a:srgbClr val="FBEEDC"/>
-              </a:solidFill>
-              <a:effectLst>
-                <a:outerShdw blurRad="38100" dist="38100" dir="2700000" algn="tl">
-                  <a:srgbClr val="000000">
-                    <a:alpha val="43137"/>
-                  </a:srgbClr>
-                </a:outerShdw>
-              </a:effectLst>
-              <a:latin typeface="Consolas" pitchFamily="49" charset="0"/>
-              <a:cs typeface="Consolas" pitchFamily="49" charset="0"/>
-            </a:endParaRPr>
           </a:p>
           <a:p>
             <a:pPr eaLnBrk="0" hangingPunct="0">
@@ -17068,20 +16461,6 @@
               </a:rPr>
               <a:t>'banana':</a:t>
             </a:r>
-            <a:endParaRPr lang="en-US" sz="2600" b="1" noProof="1" smtClean="0">
-              <a:solidFill>
-                <a:srgbClr val="FBEEDC"/>
-              </a:solidFill>
-              <a:effectLst>
-                <a:outerShdw blurRad="38100" dist="38100" dir="2700000" algn="tl">
-                  <a:srgbClr val="000000">
-                    <a:alpha val="43137"/>
-                  </a:srgbClr>
-                </a:outerShdw>
-              </a:effectLst>
-              <a:latin typeface="Consolas" pitchFamily="49" charset="0"/>
-              <a:cs typeface="Consolas" pitchFamily="49" charset="0"/>
-            </a:endParaRPr>
           </a:p>
           <a:p>
             <a:pPr eaLnBrk="0" hangingPunct="0">
@@ -19668,20 +19047,6 @@
               </a:rPr>
               <a:t>'varna'):</a:t>
             </a:r>
-            <a:endParaRPr lang="en-US" sz="2100" b="1" noProof="1" smtClean="0">
-              <a:solidFill>
-                <a:srgbClr val="FBEEDC"/>
-              </a:solidFill>
-              <a:effectLst>
-                <a:outerShdw blurRad="38100" dist="38100" dir="2700000" algn="tl">
-                  <a:srgbClr val="000000">
-                    <a:alpha val="43137"/>
-                  </a:srgbClr>
-                </a:outerShdw>
-              </a:effectLst>
-              <a:latin typeface="Consolas" pitchFamily="49" charset="0"/>
-              <a:cs typeface="Consolas" pitchFamily="49" charset="0"/>
-            </a:endParaRPr>
           </a:p>
           <a:p>
             <a:pPr eaLnBrk="0" hangingPunct="0">
@@ -19837,20 +19202,6 @@
               </a:rPr>
               <a:t>'plovdiv'):</a:t>
             </a:r>
-            <a:endParaRPr lang="en-US" sz="2100" b="1" noProof="1" smtClean="0">
-              <a:solidFill>
-                <a:srgbClr val="FBEEDC"/>
-              </a:solidFill>
-              <a:effectLst>
-                <a:outerShdw blurRad="38100" dist="38100" dir="2700000" algn="tl">
-                  <a:srgbClr val="000000">
-                    <a:alpha val="43137"/>
-                  </a:srgbClr>
-                </a:outerShdw>
-              </a:effectLst>
-              <a:latin typeface="Consolas" pitchFamily="49" charset="0"/>
-              <a:cs typeface="Consolas" pitchFamily="49" charset="0"/>
-            </a:endParaRPr>
           </a:p>
           <a:p>
             <a:pPr eaLnBrk="0" hangingPunct="0">
@@ -20108,24 +19459,7 @@
                 <a:latin typeface="Consolas" pitchFamily="49" charset="0"/>
                 <a:cs typeface="Consolas" pitchFamily="49" charset="0"/>
               </a:rPr>
-              <a:t> print</a:t>
-            </a:r>
-            <a:r>
-              <a:rPr lang="en-US" sz="2100" b="1" noProof="1" smtClean="0">
-                <a:solidFill>
-                  <a:srgbClr val="FBEEDC"/>
-                </a:solidFill>
-                <a:effectLst>
-                  <a:outerShdw blurRad="38100" dist="38100" dir="2700000" algn="tl">
-                    <a:srgbClr val="000000">
-                      <a:alpha val="43137"/>
-                    </a:srgbClr>
-                  </a:outerShdw>
-                </a:effectLst>
-                <a:latin typeface="Consolas" pitchFamily="49" charset="0"/>
-                <a:cs typeface="Consolas" pitchFamily="49" charset="0"/>
-              </a:rPr>
-              <a:t>('error')</a:t>
+              <a:t> print('error')</a:t>
             </a:r>
             <a:endParaRPr lang="en-US" sz="2100" b="1" noProof="1">
               <a:solidFill>
@@ -21390,58 +20724,7 @@
                 <a:latin typeface="Consolas" pitchFamily="49" charset="0"/>
                 <a:cs typeface="Consolas" pitchFamily="49" charset="0"/>
               </a:rPr>
-              <a:t>  print</a:t>
-            </a:r>
-            <a:r>
-              <a:rPr lang="en-US" sz="2600" b="1" noProof="1" smtClean="0">
-                <a:solidFill>
-                  <a:srgbClr val="FBEEDC"/>
-                </a:solidFill>
-                <a:effectLst>
-                  <a:outerShdw blurRad="38100" dist="38100" dir="2700000" algn="tl">
-                    <a:srgbClr val="000000">
-                      <a:alpha val="43137"/>
-                    </a:srgbClr>
-                  </a:outerShdw>
-                </a:effectLst>
-                <a:latin typeface="Consolas" pitchFamily="49" charset="0"/>
-                <a:cs typeface="Consolas" pitchFamily="49" charset="0"/>
-              </a:rPr>
-              <a:t>('Point </a:t>
-            </a:r>
-            <a:r>
-              <a:rPr lang="en-US" sz="2600" b="1" noProof="1" smtClean="0">
-                <a:solidFill>
-                  <a:srgbClr val="FBEEDC"/>
-                </a:solidFill>
-                <a:effectLst>
-                  <a:outerShdw blurRad="38100" dist="38100" dir="2700000" algn="tl">
-                    <a:srgbClr val="000000">
-                      <a:alpha val="43137"/>
-                    </a:srgbClr>
-                  </a:outerShdw>
-                </a:effectLst>
-                <a:latin typeface="Consolas" pitchFamily="49" charset="0"/>
-                <a:cs typeface="Consolas" pitchFamily="49" charset="0"/>
-              </a:rPr>
-              <a:t>on the left or right side</a:t>
-            </a:r>
-            <a:r>
-              <a:rPr lang="en-US" sz="2600" b="1" noProof="1" smtClean="0">
-                <a:solidFill>
-                  <a:srgbClr val="FBEEDC"/>
-                </a:solidFill>
-                <a:effectLst>
-                  <a:outerShdw blurRad="38100" dist="38100" dir="2700000" algn="tl">
-                    <a:srgbClr val="000000">
-                      <a:alpha val="43137"/>
-                    </a:srgbClr>
-                  </a:outerShdw>
-                </a:effectLst>
-                <a:latin typeface="Consolas" pitchFamily="49" charset="0"/>
-                <a:cs typeface="Consolas" pitchFamily="49" charset="0"/>
-              </a:rPr>
-              <a:t>.')</a:t>
+              <a:t>  print('Point on the left or right side.')</a:t>
             </a:r>
             <a:endParaRPr lang="en-US" sz="2600" b="1" noProof="1">
               <a:solidFill>
@@ -22065,33 +21348,17 @@
               <a:rPr lang="bg-BG" sz="2000" dirty="0" smtClean="0">
                 <a:hlinkClick r:id="rId4"/>
               </a:rPr>
-              <a:t>Основи </a:t>
-            </a:r>
-            <a:r>
-              <a:rPr lang="bg-BG" sz="2000" dirty="0" smtClean="0">
-                <a:hlinkClick r:id="rId4"/>
-              </a:rPr>
-              <a:t>на програмирането със </a:t>
+              <a:t>Основи на програмирането със </a:t>
             </a:r>
             <a:r>
               <a:rPr lang="en-US" sz="2000" dirty="0" smtClean="0">
                 <a:hlinkClick r:id="rId4"/>
               </a:rPr>
-              <a:t>C</a:t>
-            </a:r>
-            <a:r>
-              <a:rPr lang="en-US" sz="2000" dirty="0" smtClean="0">
-                <a:hlinkClick r:id="rId4"/>
-              </a:rPr>
-              <a:t>#'</a:t>
+              <a:t>C#'</a:t>
             </a:r>
             <a:r>
               <a:rPr lang="bg-BG" sz="2000" dirty="0" smtClean="0"/>
-              <a:t> </a:t>
-            </a:r>
-            <a:r>
-              <a:rPr lang="bg-BG" sz="2000" dirty="0" smtClean="0"/>
-              <a:t>от Светлин Наков и колектив с лиценз</a:t>
+              <a:t> от Светлин Наков и колектив с лиценз</a:t>
             </a:r>
             <a:r>
               <a:rPr lang="en-US" sz="2000" dirty="0" smtClean="0"/>
@@ -22292,11 +21559,7 @@
             </a:pPr>
             <a:r>
               <a:rPr lang="bg-BG" sz="3200" dirty="0" smtClean="0"/>
-              <a:t>Фондация </a:t>
-            </a:r>
-            <a:r>
-              <a:rPr lang="bg-BG" sz="3200" dirty="0" smtClean="0"/>
-              <a:t>'Софтуерен университет' </a:t>
+              <a:t>Фондация 'Софтуерен университет' </a:t>
             </a:r>
             <a:r>
               <a:rPr lang="en-US" sz="3200" dirty="0" smtClean="0"/>
@@ -23352,24 +22615,7 @@
                   <a:latin typeface="Consolas" pitchFamily="49" charset="0"/>
                   <a:cs typeface="Consolas" pitchFamily="49" charset="0"/>
                 </a:rPr>
-                <a:t>       print</a:t>
-              </a:r>
-              <a:r>
-                <a:rPr lang="en-US" sz="2800" b="1" noProof="1" smtClean="0">
-                  <a:solidFill>
-                    <a:srgbClr val="FBEEDC"/>
-                  </a:solidFill>
-                  <a:effectLst>
-                    <a:outerShdw blurRad="38100" dist="38100" dir="2700000" algn="tl">
-                      <a:srgbClr val="000000">
-                        <a:alpha val="43137"/>
-                      </a:srgbClr>
-                    </a:outerShdw>
-                  </a:effectLst>
-                  <a:latin typeface="Consolas" pitchFamily="49" charset="0"/>
-                  <a:cs typeface="Consolas" pitchFamily="49" charset="0"/>
-                </a:rPr>
-                <a:t>('condition2 valid')</a:t>
+                <a:t>       print('condition2 valid')</a:t>
               </a:r>
               <a:endParaRPr lang="en-US" sz="2800" b="1" noProof="1">
                 <a:solidFill>
@@ -23532,73 +22778,8 @@
                   <a:latin typeface="Consolas" pitchFamily="49" charset="0"/>
                   <a:cs typeface="Consolas" pitchFamily="49" charset="0"/>
                 </a:rPr>
-                <a:t>     print</a:t>
+                <a:t>     print('condition2 not valid')</a:t>
               </a:r>
-              <a:r>
-                <a:rPr lang="en-US" sz="2800" b="1" noProof="1" smtClean="0">
-                  <a:solidFill>
-                    <a:srgbClr val="FBEEDC"/>
-                  </a:solidFill>
-                  <a:effectLst>
-                    <a:outerShdw blurRad="38100" dist="38100" dir="2700000" algn="tl">
-                      <a:srgbClr val="000000">
-                        <a:alpha val="43137"/>
-                      </a:srgbClr>
-                    </a:outerShdw>
-                  </a:effectLst>
-                  <a:latin typeface="Consolas" pitchFamily="49" charset="0"/>
-                  <a:cs typeface="Consolas" pitchFamily="49" charset="0"/>
-                </a:rPr>
-                <a:t>('condition2 </a:t>
-              </a:r>
-              <a:r>
-                <a:rPr lang="en-US" sz="2800" b="1" noProof="1" smtClean="0">
-                  <a:solidFill>
-                    <a:srgbClr val="FBEEDC"/>
-                  </a:solidFill>
-                  <a:effectLst>
-                    <a:outerShdw blurRad="38100" dist="38100" dir="2700000" algn="tl">
-                      <a:srgbClr val="000000">
-                        <a:alpha val="43137"/>
-                      </a:srgbClr>
-                    </a:outerShdw>
-                  </a:effectLst>
-                  <a:latin typeface="Consolas" pitchFamily="49" charset="0"/>
-                  <a:cs typeface="Consolas" pitchFamily="49" charset="0"/>
-                </a:rPr>
-                <a:t>not </a:t>
-              </a:r>
-              <a:r>
-                <a:rPr lang="en-US" sz="2800" b="1" noProof="1" smtClean="0">
-                  <a:solidFill>
-                    <a:srgbClr val="FBEEDC"/>
-                  </a:solidFill>
-                  <a:effectLst>
-                    <a:outerShdw blurRad="38100" dist="38100" dir="2700000" algn="tl">
-                      <a:srgbClr val="000000">
-                        <a:alpha val="43137"/>
-                      </a:srgbClr>
-                    </a:outerShdw>
-                  </a:effectLst>
-                  <a:latin typeface="Consolas" pitchFamily="49" charset="0"/>
-                  <a:cs typeface="Consolas" pitchFamily="49" charset="0"/>
-                </a:rPr>
-                <a:t>valid')</a:t>
-              </a:r>
-              <a:endParaRPr lang="en-US" sz="2800" b="1" noProof="1" smtClean="0">
-                <a:solidFill>
-                  <a:srgbClr val="FBEEDC"/>
-                </a:solidFill>
-                <a:effectLst>
-                  <a:outerShdw blurRad="38100" dist="38100" dir="2700000" algn="tl">
-                    <a:srgbClr val="000000">
-                      <a:alpha val="43137"/>
-                    </a:srgbClr>
-                  </a:outerShdw>
-                </a:effectLst>
-                <a:latin typeface="Consolas" pitchFamily="49" charset="0"/>
-                <a:cs typeface="Consolas" pitchFamily="49" charset="0"/>
-              </a:endParaRPr>
             </a:p>
             <a:p>
               <a:pPr eaLnBrk="0" hangingPunct="0">
@@ -23648,24 +22829,7 @@
                   <a:latin typeface="Consolas" pitchFamily="49" charset="0"/>
                   <a:cs typeface="Consolas" pitchFamily="49" charset="0"/>
                 </a:rPr>
-                <a:t>   </a:t>
-              </a:r>
-              <a:r>
-                <a:rPr lang="en-US" sz="2800" b="1" noProof="1" smtClean="0">
-                  <a:solidFill>
-                    <a:srgbClr val="FBEEDC"/>
-                  </a:solidFill>
-                  <a:effectLst>
-                    <a:outerShdw blurRad="38100" dist="38100" dir="2700000" algn="tl">
-                      <a:srgbClr val="000000">
-                        <a:alpha val="43137"/>
-                      </a:srgbClr>
-                    </a:outerShdw>
-                  </a:effectLst>
-                  <a:latin typeface="Consolas" pitchFamily="49" charset="0"/>
-                  <a:cs typeface="Consolas" pitchFamily="49" charset="0"/>
-                </a:rPr>
-                <a:t>print('condition1 valid')</a:t>
+                <a:t>   print('condition1 valid')</a:t>
               </a:r>
             </a:p>
             <a:p>
@@ -23752,24 +22916,7 @@
                   <a:latin typeface="Consolas" pitchFamily="49" charset="0"/>
                   <a:cs typeface="Consolas" pitchFamily="49" charset="0"/>
                 </a:rPr>
-                <a:t>    </a:t>
-              </a:r>
-              <a:r>
-                <a:rPr lang="en-US" sz="2800" b="1" noProof="1">
-                  <a:solidFill>
-                    <a:srgbClr val="FBEEDC"/>
-                  </a:solidFill>
-                  <a:effectLst>
-                    <a:outerShdw blurRad="38100" dist="38100" dir="2700000" algn="tl">
-                      <a:srgbClr val="000000">
-                        <a:alpha val="43137"/>
-                      </a:srgbClr>
-                    </a:outerShdw>
-                  </a:effectLst>
-                  <a:latin typeface="Consolas" pitchFamily="49" charset="0"/>
-                  <a:cs typeface="Consolas" pitchFamily="49" charset="0"/>
-                </a:rPr>
-                <a:t>print</a:t>
+                <a:t>    print</a:t>
               </a:r>
               <a:r>
                 <a:rPr lang="en-US" sz="2800" b="1" noProof="1" smtClean="0">
@@ -23786,7 +22933,58 @@
                   <a:latin typeface="Consolas" pitchFamily="49" charset="0"/>
                   <a:cs typeface="Consolas" pitchFamily="49" charset="0"/>
                 </a:rPr>
-                <a:t>('condition1 not va')</a:t>
+                <a:t>('condition1 not </a:t>
+              </a:r>
+              <a:r>
+                <a:rPr lang="en-US" sz="2800" b="1" noProof="1" smtClean="0">
+                  <a:solidFill>
+                    <a:srgbClr val="FBEEDC"/>
+                  </a:solidFill>
+                  <a:effectLst>
+                    <a:outerShdw blurRad="38100" dist="38100" dir="2700000" algn="tl">
+                      <a:srgbClr val="000000">
+                        <a:alpha val="43137"/>
+                      </a:srgbClr>
+                    </a:outerShdw>
+                  </a:effectLst>
+                  <a:latin typeface="Consolas" pitchFamily="49" charset="0"/>
+                  <a:cs typeface="Consolas" pitchFamily="49" charset="0"/>
+                </a:rPr>
+                <a:t>va</a:t>
+              </a:r>
+              <a:r>
+                <a:rPr lang="sv-SE" sz="2800" b="1" noProof="1" smtClean="0">
+                  <a:solidFill>
+                    <a:srgbClr val="FBEEDC"/>
+                  </a:solidFill>
+                  <a:effectLst>
+                    <a:outerShdw blurRad="38100" dist="38100" dir="2700000" algn="tl">
+                      <a:srgbClr val="000000">
+                        <a:alpha val="43137"/>
+                      </a:srgbClr>
+                    </a:outerShdw>
+                  </a:effectLst>
+                  <a:latin typeface="Consolas" pitchFamily="49" charset="0"/>
+                  <a:cs typeface="Consolas" pitchFamily="49" charset="0"/>
+                </a:rPr>
+                <a:t>lid</a:t>
+              </a:r>
+              <a:r>
+                <a:rPr lang="en-US" sz="2800" b="1" noProof="1" smtClean="0">
+                  <a:solidFill>
+                    <a:srgbClr val="FBEEDC"/>
+                  </a:solidFill>
+                  <a:effectLst>
+                    <a:outerShdw blurRad="38100" dist="38100" dir="2700000" algn="tl">
+                      <a:srgbClr val="000000">
+                        <a:alpha val="43137"/>
+                      </a:srgbClr>
+                    </a:outerShdw>
+                  </a:effectLst>
+                  <a:latin typeface="Consolas" pitchFamily="49" charset="0"/>
+                  <a:cs typeface="Consolas" pitchFamily="49" charset="0"/>
+                </a:rPr>
+                <a:t>')</a:t>
               </a:r>
               <a:endParaRPr lang="en-US" sz="2800" b="1" noProof="1">
                 <a:solidFill>
@@ -25291,24 +24489,7 @@
                 <a:latin typeface="Consolas" pitchFamily="49" charset="0"/>
                 <a:cs typeface="Consolas" pitchFamily="49" charset="0"/>
               </a:rPr>
-              <a:t>        print</a:t>
-            </a:r>
-            <a:r>
-              <a:rPr lang="en-US" sz="2600" b="1" noProof="1" smtClean="0">
-                <a:solidFill>
-                  <a:srgbClr val="FBEEDC"/>
-                </a:solidFill>
-                <a:effectLst>
-                  <a:outerShdw blurRad="38100" dist="38100" dir="2700000" algn="tl">
-                    <a:srgbClr val="000000">
-                      <a:alpha val="43137"/>
-                    </a:srgbClr>
-                  </a:outerShdw>
-                </a:effectLst>
-                <a:latin typeface="Consolas" pitchFamily="49" charset="0"/>
-                <a:cs typeface="Consolas" pitchFamily="49" charset="0"/>
-              </a:rPr>
-              <a:t>('Master')</a:t>
+              <a:t>        print('Master')</a:t>
             </a:r>
             <a:endParaRPr lang="en-US" sz="2600" b="1" noProof="1">
               <a:solidFill>
@@ -25386,24 +24567,7 @@
                 <a:latin typeface="Consolas" pitchFamily="49" charset="0"/>
                 <a:cs typeface="Consolas" pitchFamily="49" charset="0"/>
               </a:rPr>
-              <a:t> gender == </a:t>
-            </a:r>
-            <a:r>
-              <a:rPr lang="en-US" sz="2600" b="1" noProof="1" smtClean="0">
-                <a:solidFill>
-                  <a:srgbClr val="FBEEDC"/>
-                </a:solidFill>
-                <a:effectLst>
-                  <a:outerShdw blurRad="38100" dist="38100" dir="2700000" algn="tl">
-                    <a:srgbClr val="000000">
-                      <a:alpha val="43137"/>
-                    </a:srgbClr>
-                  </a:outerShdw>
-                </a:effectLst>
-                <a:latin typeface="Consolas" pitchFamily="49" charset="0"/>
-                <a:cs typeface="Consolas" pitchFamily="49" charset="0"/>
-              </a:rPr>
-              <a:t>'f':</a:t>
+              <a:t> gender == 'f':</a:t>
             </a:r>
             <a:endParaRPr lang="en-US" sz="2600" b="1" noProof="1">
               <a:solidFill>
@@ -25462,24 +24626,7 @@
                 <a:latin typeface="Consolas" pitchFamily="49" charset="0"/>
                 <a:cs typeface="Consolas" pitchFamily="49" charset="0"/>
               </a:rPr>
-              <a:t>       print</a:t>
-            </a:r>
-            <a:r>
-              <a:rPr lang="en-US" sz="2600" b="1" noProof="1" smtClean="0">
-                <a:solidFill>
-                  <a:srgbClr val="FBEEDC"/>
-                </a:solidFill>
-                <a:effectLst>
-                  <a:outerShdw blurRad="38100" dist="38100" dir="2700000" algn="tl">
-                    <a:srgbClr val="000000">
-                      <a:alpha val="43137"/>
-                    </a:srgbClr>
-                  </a:outerShdw>
-                </a:effectLst>
-                <a:latin typeface="Consolas" pitchFamily="49" charset="0"/>
-                <a:cs typeface="Consolas" pitchFamily="49" charset="0"/>
-              </a:rPr>
-              <a:t>('Miss')</a:t>
+              <a:t>       print('Miss')</a:t>
             </a:r>
             <a:endParaRPr lang="bg-BG" sz="2600" b="1" noProof="1" smtClean="0">
               <a:solidFill>
@@ -25654,20 +24801,6 @@
               </a:rPr>
               <a:t>'m':</a:t>
             </a:r>
-            <a:endParaRPr lang="en-US" sz="2600" b="1" noProof="1" smtClean="0">
-              <a:solidFill>
-                <a:srgbClr val="FBEEDC"/>
-              </a:solidFill>
-              <a:effectLst>
-                <a:outerShdw blurRad="38100" dist="38100" dir="2700000" algn="tl">
-                  <a:srgbClr val="000000">
-                    <a:alpha val="43137"/>
-                  </a:srgbClr>
-                </a:outerShdw>
-              </a:effectLst>
-              <a:latin typeface="Consolas" pitchFamily="49" charset="0"/>
-              <a:cs typeface="Consolas" pitchFamily="49" charset="0"/>
-            </a:endParaRPr>
           </a:p>
           <a:p>
             <a:pPr eaLnBrk="0" hangingPunct="0">
@@ -25694,24 +24827,7 @@
                 <a:latin typeface="Consolas" pitchFamily="49" charset="0"/>
                 <a:cs typeface="Consolas" pitchFamily="49" charset="0"/>
               </a:rPr>
-              <a:t>       print</a:t>
-            </a:r>
-            <a:r>
-              <a:rPr lang="en-US" sz="2600" b="1" noProof="1" smtClean="0">
-                <a:solidFill>
-                  <a:srgbClr val="FBEEDC"/>
-                </a:solidFill>
-                <a:effectLst>
-                  <a:outerShdw blurRad="38100" dist="38100" dir="2700000" algn="tl">
-                    <a:srgbClr val="000000">
-                      <a:alpha val="43137"/>
-                    </a:srgbClr>
-                  </a:outerShdw>
-                </a:effectLst>
-                <a:latin typeface="Consolas" pitchFamily="49" charset="0"/>
-                <a:cs typeface="Consolas" pitchFamily="49" charset="0"/>
-              </a:rPr>
-              <a:t>('Mr.')</a:t>
+              <a:t>       print('Mr.')</a:t>
             </a:r>
             <a:endParaRPr lang="en-US" sz="2600" b="1" noProof="1">
               <a:solidFill>
@@ -25882,24 +24998,7 @@
                 <a:latin typeface="Consolas" pitchFamily="49" charset="0"/>
                 <a:cs typeface="Consolas" pitchFamily="49" charset="0"/>
               </a:rPr>
-              <a:t>       print</a:t>
-            </a:r>
-            <a:r>
-              <a:rPr lang="en-US" sz="2600" b="1" noProof="1" smtClean="0">
-                <a:solidFill>
-                  <a:srgbClr val="FBEEDC"/>
-                </a:solidFill>
-                <a:effectLst>
-                  <a:outerShdw blurRad="38100" dist="38100" dir="2700000" algn="tl">
-                    <a:srgbClr val="000000">
-                      <a:alpha val="43137"/>
-                    </a:srgbClr>
-                  </a:outerShdw>
-                </a:effectLst>
-                <a:latin typeface="Consolas" pitchFamily="49" charset="0"/>
-                <a:cs typeface="Consolas" pitchFamily="49" charset="0"/>
-              </a:rPr>
-              <a:t>('Ms.')</a:t>
+              <a:t>       print('Ms.')</a:t>
             </a:r>
             <a:endParaRPr lang="en-US" sz="2600" b="1" noProof="1">
               <a:solidFill>
@@ -28760,6 +27859,149 @@
               </a:rPr>
               <a:t>'coffee':</a:t>
             </a:r>
+          </a:p>
+          <a:p>
+            <a:pPr eaLnBrk="0" hangingPunct="0">
+              <a:buClr>
+                <a:schemeClr val="accent5">
+                  <a:lumMod val="40000"/>
+                  <a:lumOff val="60000"/>
+                </a:schemeClr>
+              </a:buClr>
+              <a:buSzPct val="70000"/>
+            </a:pPr>
+            <a:r>
+              <a:rPr lang="en-US" sz="2800" b="1" noProof="1">
+                <a:solidFill>
+                  <a:srgbClr val="FBEEDC"/>
+                </a:solidFill>
+                <a:effectLst>
+                  <a:outerShdw blurRad="38100" dist="38100" dir="2700000" algn="tl">
+                    <a:srgbClr val="000000">
+                      <a:alpha val="43137"/>
+                    </a:srgbClr>
+                  </a:outerShdw>
+                </a:effectLst>
+                <a:latin typeface="Consolas" pitchFamily="49" charset="0"/>
+                <a:cs typeface="Consolas" pitchFamily="49" charset="0"/>
+              </a:rPr>
+              <a:t> </a:t>
+            </a:r>
+            <a:r>
+              <a:rPr lang="en-US" sz="2800" b="1" noProof="1" smtClean="0">
+                <a:solidFill>
+                  <a:srgbClr val="FBEEDC"/>
+                </a:solidFill>
+                <a:effectLst>
+                  <a:outerShdw blurRad="38100" dist="38100" dir="2700000" algn="tl">
+                    <a:srgbClr val="000000">
+                      <a:alpha val="43137"/>
+                    </a:srgbClr>
+                  </a:outerShdw>
+                </a:effectLst>
+                <a:latin typeface="Consolas" pitchFamily="49" charset="0"/>
+                <a:cs typeface="Consolas" pitchFamily="49" charset="0"/>
+              </a:rPr>
+              <a:t>       print(0.50 </a:t>
+            </a:r>
+            <a:r>
+              <a:rPr lang="en-US" sz="2800" b="1" noProof="1">
+                <a:solidFill>
+                  <a:srgbClr val="FBEEDC"/>
+                </a:solidFill>
+                <a:effectLst>
+                  <a:outerShdw blurRad="38100" dist="38100" dir="2700000" algn="tl">
+                    <a:srgbClr val="000000">
+                      <a:alpha val="43137"/>
+                    </a:srgbClr>
+                  </a:outerShdw>
+                </a:effectLst>
+                <a:latin typeface="Consolas" pitchFamily="49" charset="0"/>
+                <a:cs typeface="Consolas" pitchFamily="49" charset="0"/>
+              </a:rPr>
+              <a:t>* quantity</a:t>
+            </a:r>
+            <a:r>
+              <a:rPr lang="en-US" sz="2800" b="1" noProof="1" smtClean="0">
+                <a:solidFill>
+                  <a:srgbClr val="FBEEDC"/>
+                </a:solidFill>
+                <a:effectLst>
+                  <a:outerShdw blurRad="38100" dist="38100" dir="2700000" algn="tl">
+                    <a:srgbClr val="000000">
+                      <a:alpha val="43137"/>
+                    </a:srgbClr>
+                  </a:outerShdw>
+                </a:effectLst>
+                <a:latin typeface="Consolas" pitchFamily="49" charset="0"/>
+                <a:cs typeface="Consolas" pitchFamily="49" charset="0"/>
+              </a:rPr>
+              <a:t>)</a:t>
+            </a:r>
+          </a:p>
+          <a:p>
+            <a:pPr eaLnBrk="0" hangingPunct="0">
+              <a:buClr>
+                <a:schemeClr val="accent5">
+                  <a:lumMod val="40000"/>
+                  <a:lumOff val="60000"/>
+                </a:schemeClr>
+              </a:buClr>
+              <a:buSzPct val="70000"/>
+            </a:pPr>
+            <a:r>
+              <a:rPr lang="en-US" sz="2800" b="1" noProof="1">
+                <a:solidFill>
+                  <a:srgbClr val="FBEEDC"/>
+                </a:solidFill>
+                <a:effectLst>
+                  <a:outerShdw blurRad="38100" dist="38100" dir="2700000" algn="tl">
+                    <a:srgbClr val="000000">
+                      <a:alpha val="43137"/>
+                    </a:srgbClr>
+                  </a:outerShdw>
+                </a:effectLst>
+                <a:latin typeface="Consolas" pitchFamily="49" charset="0"/>
+                <a:cs typeface="Consolas" pitchFamily="49" charset="0"/>
+              </a:rPr>
+              <a:t> </a:t>
+            </a:r>
+            <a:r>
+              <a:rPr lang="en-US" sz="2800" b="1" noProof="1" smtClean="0">
+                <a:solidFill>
+                  <a:srgbClr val="FBEEDC"/>
+                </a:solidFill>
+                <a:effectLst>
+                  <a:outerShdw blurRad="38100" dist="38100" dir="2700000" algn="tl">
+                    <a:srgbClr val="000000">
+                      <a:alpha val="43137"/>
+                    </a:srgbClr>
+                  </a:outerShdw>
+                </a:effectLst>
+                <a:latin typeface="Consolas" pitchFamily="49" charset="0"/>
+                <a:cs typeface="Consolas" pitchFamily="49" charset="0"/>
+              </a:rPr>
+              <a:t>   </a:t>
+            </a:r>
+            <a:r>
+              <a:rPr lang="en-US" sz="2800" b="1" i="1" noProof="1" smtClean="0">
+                <a:solidFill>
+                  <a:schemeClr val="tx2">
+                    <a:lumMod val="75000"/>
+                  </a:schemeClr>
+                </a:solidFill>
+                <a:effectLst>
+                  <a:outerShdw blurRad="38100" dist="38100" dir="2700000" algn="tl">
+                    <a:srgbClr val="000000">
+                      <a:alpha val="43137"/>
+                    </a:srgbClr>
+                  </a:outerShdw>
+                </a:effectLst>
+                <a:latin typeface="Consolas" pitchFamily="49" charset="0"/>
+                <a:cs typeface="Consolas" pitchFamily="49" charset="0"/>
+              </a:rPr>
+              <a:t># TODO: finish this …</a:t>
+            </a:r>
             <a:endParaRPr lang="en-US" sz="2800" b="1" noProof="1" smtClean="0">
               <a:solidFill>
                 <a:srgbClr val="FBEEDC"/>
@@ -28800,7 +28042,7 @@
                 <a:latin typeface="Consolas" pitchFamily="49" charset="0"/>
                 <a:cs typeface="Consolas" pitchFamily="49" charset="0"/>
               </a:rPr>
-              <a:t> </a:t>
+              <a:t>if </a:t>
             </a:r>
             <a:r>
               <a:rPr lang="en-US" sz="2800" b="1" noProof="1" smtClean="0">
@@ -28817,7 +28059,7 @@
                 <a:latin typeface="Consolas" pitchFamily="49" charset="0"/>
                 <a:cs typeface="Consolas" pitchFamily="49" charset="0"/>
               </a:rPr>
-              <a:t>       print(0.50 </a:t>
+              <a:t>town </a:t>
             </a:r>
             <a:r>
               <a:rPr lang="en-US" sz="2800" b="1" noProof="1">
@@ -28834,7 +28076,7 @@
                 <a:latin typeface="Consolas" pitchFamily="49" charset="0"/>
                 <a:cs typeface="Consolas" pitchFamily="49" charset="0"/>
               </a:rPr>
-              <a:t>* quantity</a:t>
+              <a:t>== </a:t>
             </a:r>
             <a:r>
               <a:rPr lang="en-US" sz="2800" b="1" noProof="1" smtClean="0">
@@ -28851,179 +28093,8 @@
                 <a:latin typeface="Consolas" pitchFamily="49" charset="0"/>
                 <a:cs typeface="Consolas" pitchFamily="49" charset="0"/>
               </a:rPr>
-              <a:t>)</a:t>
-            </a:r>
-          </a:p>
-          <a:p>
-            <a:pPr eaLnBrk="0" hangingPunct="0">
-              <a:buClr>
-                <a:schemeClr val="accent5">
-                  <a:lumMod val="40000"/>
-                  <a:lumOff val="60000"/>
-                </a:schemeClr>
-              </a:buClr>
-              <a:buSzPct val="70000"/>
-            </a:pPr>
-            <a:r>
-              <a:rPr lang="en-US" sz="2800" b="1" noProof="1">
-                <a:solidFill>
-                  <a:srgbClr val="FBEEDC"/>
-                </a:solidFill>
-                <a:effectLst>
-                  <a:outerShdw blurRad="38100" dist="38100" dir="2700000" algn="tl">
-                    <a:srgbClr val="000000">
-                      <a:alpha val="43137"/>
-                    </a:srgbClr>
-                  </a:outerShdw>
-                </a:effectLst>
-                <a:latin typeface="Consolas" pitchFamily="49" charset="0"/>
-                <a:cs typeface="Consolas" pitchFamily="49" charset="0"/>
-              </a:rPr>
-              <a:t> </a:t>
-            </a:r>
-            <a:r>
-              <a:rPr lang="en-US" sz="2800" b="1" noProof="1" smtClean="0">
-                <a:solidFill>
-                  <a:srgbClr val="FBEEDC"/>
-                </a:solidFill>
-                <a:effectLst>
-                  <a:outerShdw blurRad="38100" dist="38100" dir="2700000" algn="tl">
-                    <a:srgbClr val="000000">
-                      <a:alpha val="43137"/>
-                    </a:srgbClr>
-                  </a:outerShdw>
-                </a:effectLst>
-                <a:latin typeface="Consolas" pitchFamily="49" charset="0"/>
-                <a:cs typeface="Consolas" pitchFamily="49" charset="0"/>
-              </a:rPr>
-              <a:t>   </a:t>
-            </a:r>
-            <a:r>
-              <a:rPr lang="en-US" sz="2800" b="1" i="1" noProof="1" smtClean="0">
-                <a:solidFill>
-                  <a:schemeClr val="tx2">
-                    <a:lumMod val="75000"/>
-                  </a:schemeClr>
-                </a:solidFill>
-                <a:effectLst>
-                  <a:outerShdw blurRad="38100" dist="38100" dir="2700000" algn="tl">
-                    <a:srgbClr val="000000">
-                      <a:alpha val="43137"/>
-                    </a:srgbClr>
-                  </a:outerShdw>
-                </a:effectLst>
-                <a:latin typeface="Consolas" pitchFamily="49" charset="0"/>
-                <a:cs typeface="Consolas" pitchFamily="49" charset="0"/>
-              </a:rPr>
-              <a:t># TODO: finish this …</a:t>
-            </a:r>
-            <a:endParaRPr lang="en-US" sz="2800" b="1" noProof="1" smtClean="0">
-              <a:solidFill>
-                <a:srgbClr val="FBEEDC"/>
-              </a:solidFill>
-              <a:effectLst>
-                <a:outerShdw blurRad="38100" dist="38100" dir="2700000" algn="tl">
-                  <a:srgbClr val="000000">
-                    <a:alpha val="43137"/>
-                  </a:srgbClr>
-                </a:outerShdw>
-              </a:effectLst>
-              <a:latin typeface="Consolas" pitchFamily="49" charset="0"/>
-              <a:cs typeface="Consolas" pitchFamily="49" charset="0"/>
-            </a:endParaRPr>
-          </a:p>
-          <a:p>
-            <a:pPr eaLnBrk="0" hangingPunct="0">
-              <a:buClr>
-                <a:schemeClr val="accent5">
-                  <a:lumMod val="40000"/>
-                  <a:lumOff val="60000"/>
-                </a:schemeClr>
-              </a:buClr>
-              <a:buSzPct val="70000"/>
-            </a:pPr>
-            <a:r>
-              <a:rPr lang="en-US" sz="2800" b="1" noProof="1">
-                <a:solidFill>
-                  <a:srgbClr val="FBEEDC"/>
-                </a:solidFill>
-                <a:effectLst>
-                  <a:outerShdw blurRad="38100" dist="38100" dir="2700000" algn="tl">
-                    <a:srgbClr val="000000">
-                      <a:alpha val="43137"/>
-                    </a:srgbClr>
-                  </a:outerShdw>
-                </a:effectLst>
-                <a:latin typeface="Consolas" pitchFamily="49" charset="0"/>
-                <a:cs typeface="Consolas" pitchFamily="49" charset="0"/>
-              </a:rPr>
-              <a:t>if </a:t>
-            </a:r>
-            <a:r>
-              <a:rPr lang="en-US" sz="2800" b="1" noProof="1" smtClean="0">
-                <a:solidFill>
-                  <a:srgbClr val="FBEEDC"/>
-                </a:solidFill>
-                <a:effectLst>
-                  <a:outerShdw blurRad="38100" dist="38100" dir="2700000" algn="tl">
-                    <a:srgbClr val="000000">
-                      <a:alpha val="43137"/>
-                    </a:srgbClr>
-                  </a:outerShdw>
-                </a:effectLst>
-                <a:latin typeface="Consolas" pitchFamily="49" charset="0"/>
-                <a:cs typeface="Consolas" pitchFamily="49" charset="0"/>
-              </a:rPr>
-              <a:t>town </a:t>
-            </a:r>
-            <a:r>
-              <a:rPr lang="en-US" sz="2800" b="1" noProof="1">
-                <a:solidFill>
-                  <a:srgbClr val="FBEEDC"/>
-                </a:solidFill>
-                <a:effectLst>
-                  <a:outerShdw blurRad="38100" dist="38100" dir="2700000" algn="tl">
-                    <a:srgbClr val="000000">
-                      <a:alpha val="43137"/>
-                    </a:srgbClr>
-                  </a:outerShdw>
-                </a:effectLst>
-                <a:latin typeface="Consolas" pitchFamily="49" charset="0"/>
-                <a:cs typeface="Consolas" pitchFamily="49" charset="0"/>
-              </a:rPr>
-              <a:t>== </a:t>
-            </a:r>
-            <a:r>
-              <a:rPr lang="en-US" sz="2800" b="1" noProof="1" smtClean="0">
-                <a:solidFill>
-                  <a:srgbClr val="FBEEDC"/>
-                </a:solidFill>
-                <a:effectLst>
-                  <a:outerShdw blurRad="38100" dist="38100" dir="2700000" algn="tl">
-                    <a:srgbClr val="000000">
-                      <a:alpha val="43137"/>
-                    </a:srgbClr>
-                  </a:outerShdw>
-                </a:effectLst>
-                <a:latin typeface="Consolas" pitchFamily="49" charset="0"/>
-                <a:cs typeface="Consolas" pitchFamily="49" charset="0"/>
-              </a:rPr>
               <a:t>'varna':</a:t>
             </a:r>
-            <a:endParaRPr lang="en-US" sz="2800" b="1" noProof="1" smtClean="0">
-              <a:solidFill>
-                <a:srgbClr val="FBEEDC"/>
-              </a:solidFill>
-              <a:effectLst>
-                <a:outerShdw blurRad="38100" dist="38100" dir="2700000" algn="tl">
-                  <a:srgbClr val="000000">
-                    <a:alpha val="43137"/>
-                  </a:srgbClr>
-                </a:outerShdw>
-              </a:effectLst>
-              <a:latin typeface="Consolas" pitchFamily="49" charset="0"/>
-              <a:cs typeface="Consolas" pitchFamily="49" charset="0"/>
-            </a:endParaRPr>
           </a:p>
           <a:p>
             <a:pPr eaLnBrk="0" hangingPunct="0">
@@ -29166,20 +28237,6 @@
               </a:rPr>
               <a:t>'plovdiv':</a:t>
             </a:r>
-            <a:endParaRPr lang="en-US" sz="2800" b="1" noProof="1" smtClean="0">
-              <a:solidFill>
-                <a:srgbClr val="FBEEDC"/>
-              </a:solidFill>
-              <a:effectLst>
-                <a:outerShdw blurRad="38100" dist="38100" dir="2700000" algn="tl">
-                  <a:srgbClr val="000000">
-                    <a:alpha val="43137"/>
-                  </a:srgbClr>
-                </a:outerShdw>
-              </a:effectLst>
-              <a:latin typeface="Consolas" pitchFamily="49" charset="0"/>
-              <a:cs typeface="Consolas" pitchFamily="49" charset="0"/>
-            </a:endParaRPr>
           </a:p>
           <a:p>
             <a:pPr eaLnBrk="0" hangingPunct="0">

--- a/4. Complex-Conditions/4. Complex-Conditions.pptx
+++ b/4. Complex-Conditions/4. Complex-Conditions.pptx
@@ -254,7 +254,7 @@
             <a:fld id="{FE5B4EDC-59C0-49C7-8ADA-5A781B329E02}" type="datetimeFigureOut">
               <a:rPr lang="en-US"/>
               <a:pPr/>
-              <a:t>2/14/2017</a:t>
+              <a:t>2/18/2017</a:t>
             </a:fld>
             <a:endParaRPr dirty="0"/>
           </a:p>
@@ -459,7 +459,7 @@
             <a:fld id="{F2D8D46A-B586-417D-BFBD-8C8FE0AAF762}" type="datetimeFigureOut">
               <a:rPr lang="en-US" smtClean="0"/>
               <a:pPr/>
-              <a:t>2/14/2017</a:t>
+              <a:t>2/18/2017</a:t>
             </a:fld>
             <a:endParaRPr lang="en-US"/>
           </a:p>
@@ -2209,7 +2209,7 @@
             <a:fld id="{055373AC-9AA7-423B-BA00-BA1C74164DBD}" type="datetime1">
               <a:rPr lang="en-US" smtClean="0"/>
               <a:pPr/>
-              <a:t>2/14/2017</a:t>
+              <a:t>2/18/2017</a:t>
             </a:fld>
             <a:endParaRPr lang="en-US" dirty="0"/>
           </a:p>
@@ -3483,7 +3483,7 @@
             <a:fld id="{055373AC-9AA7-423B-BA00-BA1C74164DBD}" type="datetime1">
               <a:rPr lang="en-US" smtClean="0"/>
               <a:pPr/>
-              <a:t>2/14/2017</a:t>
+              <a:t>2/18/2017</a:t>
             </a:fld>
             <a:endParaRPr lang="en-US" dirty="0"/>
           </a:p>
@@ -18371,7 +18371,7 @@
                 <a:latin typeface="Consolas" pitchFamily="49" charset="0"/>
                 <a:cs typeface="Consolas" pitchFamily="49" charset="0"/>
               </a:rPr>
-              <a:t>comission </a:t>
+              <a:t>commission </a:t>
             </a:r>
             <a:r>
               <a:rPr lang="en-US" sz="2100" b="1" noProof="1">
@@ -18653,7 +18653,24 @@
                 <a:latin typeface="Consolas" pitchFamily="49" charset="0"/>
                 <a:cs typeface="Consolas" pitchFamily="49" charset="0"/>
               </a:rPr>
-              <a:t>    comission </a:t>
+              <a:t>    </a:t>
+            </a:r>
+            <a:r>
+              <a:rPr lang="en-US" sz="2100" b="1" noProof="1" smtClean="0">
+                <a:solidFill>
+                  <a:srgbClr val="FBEEDC"/>
+                </a:solidFill>
+                <a:effectLst>
+                  <a:outerShdw blurRad="38100" dist="38100" dir="2700000" algn="tl">
+                    <a:srgbClr val="000000">
+                      <a:alpha val="43137"/>
+                    </a:srgbClr>
+                  </a:outerShdw>
+                </a:effectLst>
+                <a:latin typeface="Consolas" pitchFamily="49" charset="0"/>
+                <a:cs typeface="Consolas" pitchFamily="49" charset="0"/>
+              </a:rPr>
+              <a:t>commission </a:t>
             </a:r>
             <a:r>
               <a:rPr lang="en-US" sz="2100" b="1" noProof="1">
@@ -18862,6 +18879,23 @@
               <a:t>    </a:t>
             </a:r>
             <a:r>
+              <a:rPr lang="en-US" sz="2100" b="1" noProof="1" smtClean="0">
+                <a:solidFill>
+                  <a:srgbClr val="FBEEDC"/>
+                </a:solidFill>
+                <a:effectLst>
+                  <a:outerShdw blurRad="38100" dist="38100" dir="2700000" algn="tl">
+                    <a:srgbClr val="000000">
+                      <a:alpha val="43137"/>
+                    </a:srgbClr>
+                  </a:outerShdw>
+                </a:effectLst>
+                <a:latin typeface="Consolas" pitchFamily="49" charset="0"/>
+                <a:cs typeface="Consolas" pitchFamily="49" charset="0"/>
+              </a:rPr>
+              <a:t>commission </a:t>
+            </a:r>
+            <a:r>
               <a:rPr lang="en-US" sz="2100" b="1" noProof="1">
                 <a:solidFill>
                   <a:srgbClr val="FBEEDC"/>
@@ -18876,7 +18910,7 @@
                 <a:latin typeface="Consolas" pitchFamily="49" charset="0"/>
                 <a:cs typeface="Consolas" pitchFamily="49" charset="0"/>
               </a:rPr>
-              <a:t>comission = </a:t>
+              <a:t>= </a:t>
             </a:r>
             <a:r>
               <a:rPr lang="en-US" sz="2100" b="1" noProof="1" smtClean="0">
@@ -19324,7 +19358,24 @@
                 <a:latin typeface="Consolas" pitchFamily="49" charset="0"/>
                 <a:cs typeface="Consolas" pitchFamily="49" charset="0"/>
               </a:rPr>
-              <a:t>if (omission </a:t>
+              <a:t>if </a:t>
+            </a:r>
+            <a:r>
+              <a:rPr lang="en-US" sz="2100" b="1" noProof="1" smtClean="0">
+                <a:solidFill>
+                  <a:srgbClr val="FBEEDC"/>
+                </a:solidFill>
+                <a:effectLst>
+                  <a:outerShdw blurRad="38100" dist="38100" dir="2700000" algn="tl">
+                    <a:srgbClr val="000000">
+                      <a:alpha val="43137"/>
+                    </a:srgbClr>
+                  </a:outerShdw>
+                </a:effectLst>
+                <a:latin typeface="Consolas" pitchFamily="49" charset="0"/>
+                <a:cs typeface="Consolas" pitchFamily="49" charset="0"/>
+              </a:rPr>
+              <a:t>commission </a:t>
             </a:r>
             <a:r>
               <a:rPr lang="en-US" sz="2100" b="1" noProof="1">
@@ -22933,24 +22984,7 @@
                   <a:latin typeface="Consolas" pitchFamily="49" charset="0"/>
                   <a:cs typeface="Consolas" pitchFamily="49" charset="0"/>
                 </a:rPr>
-                <a:t>('condition1 not </a:t>
-              </a:r>
-              <a:r>
-                <a:rPr lang="en-US" sz="2800" b="1" noProof="1" smtClean="0">
-                  <a:solidFill>
-                    <a:srgbClr val="FBEEDC"/>
-                  </a:solidFill>
-                  <a:effectLst>
-                    <a:outerShdw blurRad="38100" dist="38100" dir="2700000" algn="tl">
-                      <a:srgbClr val="000000">
-                        <a:alpha val="43137"/>
-                      </a:srgbClr>
-                    </a:outerShdw>
-                  </a:effectLst>
-                  <a:latin typeface="Consolas" pitchFamily="49" charset="0"/>
-                  <a:cs typeface="Consolas" pitchFamily="49" charset="0"/>
-                </a:rPr>
-                <a:t>va</a:t>
+                <a:t>('condition1 not va</a:t>
               </a:r>
               <a:r>
                 <a:rPr lang="sv-SE" sz="2800" b="1" noProof="1" smtClean="0">
@@ -24905,7 +24939,7 @@
                 <a:latin typeface="Consolas" pitchFamily="49" charset="0"/>
                 <a:cs typeface="Consolas" pitchFamily="49" charset="0"/>
               </a:rPr>
-              <a:t>elif: </a:t>
+              <a:t>elif </a:t>
             </a:r>
             <a:r>
               <a:rPr lang="en-US" sz="2600" b="1" noProof="1" smtClean="0">

--- a/4. Complex-Conditions/4. Complex-Conditions.pptx
+++ b/4. Complex-Conditions/4. Complex-Conditions.pptx
@@ -254,7 +254,7 @@
             <a:fld id="{FE5B4EDC-59C0-49C7-8ADA-5A781B329E02}" type="datetimeFigureOut">
               <a:rPr lang="en-US"/>
               <a:pPr/>
-              <a:t>2/18/2017</a:t>
+              <a:t>2/19/2017</a:t>
             </a:fld>
             <a:endParaRPr dirty="0"/>
           </a:p>
@@ -292,16 +292,10 @@
               <a:t>© Software University Foundation – </a:t>
             </a:r>
             <a:r>
-              <a:rPr lang="en-US" sz="1000" u="sng" dirty="0">
-                <a:hlinkClick r:id="rId2"/>
-              </a:rPr>
-              <a:t>http</a:t>
-            </a:r>
-            <a:r>
               <a:rPr lang="en-US" sz="1000" u="sng" dirty="0" smtClean="0">
                 <a:hlinkClick r:id="rId2"/>
               </a:rPr>
-              <a:t>:#softuni.org</a:t>
+              <a:t>http://softuni.org</a:t>
             </a:r>
             <a:endParaRPr lang="en-US" sz="1000" dirty="0"/>
           </a:p>
@@ -459,7 +453,7 @@
             <a:fld id="{F2D8D46A-B586-417D-BFBD-8C8FE0AAF762}" type="datetimeFigureOut">
               <a:rPr lang="en-US" smtClean="0"/>
               <a:pPr/>
-              <a:t>2/18/2017</a:t>
+              <a:t>2/19/2017</a:t>
             </a:fld>
             <a:endParaRPr lang="en-US"/>
           </a:p>
@@ -592,7 +586,7 @@
               <a:rPr lang="en-US" sz="1000" u="sng" dirty="0" smtClean="0">
                 <a:hlinkClick r:id="rId2"/>
               </a:rPr>
-              <a:t>http:#softuni.org</a:t>
+              <a:t>http://softuni.org</a:t>
             </a:r>
             <a:endParaRPr lang="en-US" sz="1000" dirty="0" smtClean="0"/>
           </a:p>
@@ -830,7 +824,7 @@
               <a:rPr lang="en-US" sz="1000" u="sng" dirty="0" smtClean="0">
                 <a:hlinkClick r:id="rId3"/>
               </a:rPr>
-              <a:t>http:#softuni.org</a:t>
+              <a:t>http://softuni.org</a:t>
             </a:r>
             <a:endParaRPr lang="en-US" sz="1000" dirty="0" smtClean="0"/>
           </a:p>
@@ -967,7 +961,7 @@
               <a:rPr lang="en-US" sz="1000" u="sng" dirty="0" smtClean="0">
                 <a:hlinkClick r:id="rId3"/>
               </a:rPr>
-              <a:t>http:#softuni.org</a:t>
+              <a:t>http://softuni.org</a:t>
             </a:r>
             <a:endParaRPr lang="en-US" sz="1000" dirty="0" smtClean="0"/>
           </a:p>
@@ -1102,7 +1096,7 @@
               <a:rPr lang="en-US" sz="1000" u="sng" dirty="0" smtClean="0">
                 <a:hlinkClick r:id="rId3"/>
               </a:rPr>
-              <a:t>http:#softuni.org</a:t>
+              <a:t>http://softuni.org</a:t>
             </a:r>
             <a:endParaRPr lang="en-US" sz="1000" dirty="0" smtClean="0"/>
           </a:p>
@@ -1244,7 +1238,7 @@
                 </a:solidFill>
                 <a:hlinkClick r:id="rId3"/>
               </a:rPr>
-              <a:t>http:#softuni.org</a:t>
+              <a:t>http://softuni.org</a:t>
             </a:r>
             <a:endParaRPr lang="en-US" sz="1000" dirty="0" smtClean="0">
               <a:solidFill>
@@ -1410,7 +1404,7 @@
               <a:rPr lang="en-US" sz="1000" u="sng" dirty="0" smtClean="0">
                 <a:hlinkClick r:id="rId3"/>
               </a:rPr>
-              <a:t>http:#softuni.org</a:t>
+              <a:t>http://softuni.org</a:t>
             </a:r>
             <a:endParaRPr lang="en-US" sz="1000" dirty="0" smtClean="0"/>
           </a:p>
@@ -1545,7 +1539,7 @@
               <a:rPr lang="en-US" sz="1000" u="sng" dirty="0" smtClean="0">
                 <a:hlinkClick r:id="rId3"/>
               </a:rPr>
-              <a:t>http:#softuni.org</a:t>
+              <a:t>http://softuni.org</a:t>
             </a:r>
             <a:endParaRPr lang="en-US" sz="1000" dirty="0" smtClean="0"/>
           </a:p>
@@ -2209,7 +2203,7 @@
             <a:fld id="{055373AC-9AA7-423B-BA00-BA1C74164DBD}" type="datetime1">
               <a:rPr lang="en-US" smtClean="0"/>
               <a:pPr/>
-              <a:t>2/18/2017</a:t>
+              <a:t>2/19/2017</a:t>
             </a:fld>
             <a:endParaRPr lang="en-US" dirty="0"/>
           </a:p>
@@ -3483,7 +3477,7 @@
             <a:fld id="{055373AC-9AA7-423B-BA00-BA1C74164DBD}" type="datetime1">
               <a:rPr lang="en-US" smtClean="0"/>
               <a:pPr/>
-              <a:t>2/18/2017</a:t>
+              <a:t>2/19/2017</a:t>
             </a:fld>
             <a:endParaRPr lang="en-US" dirty="0"/>
           </a:p>
@@ -4439,16 +4433,10 @@
           <a:lstStyle/>
           <a:p>
             <a:r>
-              <a:rPr lang="en-US" sz="1800" dirty="0">
-                <a:hlinkClick r:id="rId8"/>
-              </a:rPr>
-              <a:t>http</a:t>
-            </a:r>
-            <a:r>
               <a:rPr lang="en-US" sz="1800" dirty="0" smtClean="0">
                 <a:hlinkClick r:id="rId8"/>
               </a:rPr>
-              <a:t>:#softuni.bg</a:t>
+              <a:t>http://softuni.bg</a:t>
             </a:r>
             <a:endParaRPr lang="en-US" sz="1800" dirty="0"/>
           </a:p>
@@ -5351,7 +5339,23 @@
             </a:pPr>
             <a:r>
               <a:rPr lang="bg-BG" dirty="0" smtClean="0"/>
-              <a:t>надясно от лявата му страна, наляво то дясната му страна, надолу от горната му страна и нагоре от долната му страна</a:t>
+              <a:t>надясно от лявата му страна, </a:t>
+            </a:r>
+            <a:r>
+              <a:rPr lang="bg-BG" smtClean="0"/>
+              <a:t>наляво </a:t>
+            </a:r>
+            <a:r>
+              <a:rPr lang="bg-BG" smtClean="0"/>
+              <a:t>от</a:t>
+            </a:r>
+            <a:r>
+              <a:rPr lang="bg-BG" smtClean="0"/>
+              <a:t> </a:t>
+            </a:r>
+            <a:r>
+              <a:rPr lang="bg-BG" dirty="0" smtClean="0"/>
+              <a:t>дясната му страна, надолу от горната му страна и нагоре от долната му страна</a:t>
             </a:r>
             <a:endParaRPr lang="en-US" dirty="0"/>
           </a:p>
@@ -5529,7 +5533,41 @@
                 <a:latin typeface="Consolas" pitchFamily="49" charset="0"/>
                 <a:cs typeface="Consolas" pitchFamily="49" charset="0"/>
               </a:rPr>
-              <a:t>if (x &gt;= x1 </a:t>
+              <a:t>if </a:t>
+            </a:r>
+            <a:r>
+              <a:rPr lang="en-US" b="1" noProof="1" smtClean="0">
+                <a:solidFill>
+                  <a:srgbClr val="FBEEDC"/>
+                </a:solidFill>
+                <a:effectLst>
+                  <a:outerShdw blurRad="38100" dist="38100" dir="2700000" algn="tl">
+                    <a:srgbClr val="000000">
+                      <a:alpha val="43137"/>
+                    </a:srgbClr>
+                  </a:outerShdw>
+                </a:effectLst>
+                <a:latin typeface="Consolas" pitchFamily="49" charset="0"/>
+                <a:cs typeface="Consolas" pitchFamily="49" charset="0"/>
+              </a:rPr>
+              <a:t>x </a:t>
+            </a:r>
+            <a:r>
+              <a:rPr lang="en-US" b="1" noProof="1" smtClean="0">
+                <a:solidFill>
+                  <a:srgbClr val="FBEEDC"/>
+                </a:solidFill>
+                <a:effectLst>
+                  <a:outerShdw blurRad="38100" dist="38100" dir="2700000" algn="tl">
+                    <a:srgbClr val="000000">
+                      <a:alpha val="43137"/>
+                    </a:srgbClr>
+                  </a:outerShdw>
+                </a:effectLst>
+                <a:latin typeface="Consolas" pitchFamily="49" charset="0"/>
+                <a:cs typeface="Consolas" pitchFamily="49" charset="0"/>
+              </a:rPr>
+              <a:t>&gt;= x1 </a:t>
             </a:r>
             <a:r>
               <a:rPr lang="en-US" b="1" noProof="1" smtClean="0">
@@ -5671,8 +5709,39 @@
                 <a:latin typeface="Consolas" pitchFamily="49" charset="0"/>
                 <a:cs typeface="Consolas" pitchFamily="49" charset="0"/>
               </a:rPr>
-              <a:t> y &lt;= y2):</a:t>
-            </a:r>
+              <a:t> y &lt;= </a:t>
+            </a:r>
+            <a:r>
+              <a:rPr lang="en-US" b="1" noProof="1" smtClean="0">
+                <a:solidFill>
+                  <a:srgbClr val="FBEEDC"/>
+                </a:solidFill>
+                <a:effectLst>
+                  <a:outerShdw blurRad="38100" dist="38100" dir="2700000" algn="tl">
+                    <a:srgbClr val="000000">
+                      <a:alpha val="43137"/>
+                    </a:srgbClr>
+                  </a:outerShdw>
+                </a:effectLst>
+                <a:latin typeface="Consolas" pitchFamily="49" charset="0"/>
+                <a:cs typeface="Consolas" pitchFamily="49" charset="0"/>
+              </a:rPr>
+              <a:t>y2:</a:t>
+            </a:r>
+            <a:endParaRPr lang="en-US" b="1" noProof="1" smtClean="0">
+              <a:solidFill>
+                <a:srgbClr val="FBEEDC"/>
+              </a:solidFill>
+              <a:effectLst>
+                <a:outerShdw blurRad="38100" dist="38100" dir="2700000" algn="tl">
+                  <a:srgbClr val="000000">
+                    <a:alpha val="43137"/>
+                  </a:srgbClr>
+                </a:outerShdw>
+              </a:effectLst>
+              <a:latin typeface="Consolas" pitchFamily="49" charset="0"/>
+              <a:cs typeface="Consolas" pitchFamily="49" charset="0"/>
+            </a:endParaRPr>
           </a:p>
           <a:p>
             <a:pPr eaLnBrk="0" hangingPunct="0">
@@ -5821,16 +5890,10 @@
               <a:t> </a:t>
             </a:r>
             <a:r>
-              <a:rPr lang="en-US" dirty="0">
-                <a:hlinkClick r:id="rId2"/>
-              </a:rPr>
-              <a:t>https</a:t>
-            </a:r>
-            <a:r>
               <a:rPr lang="en-US" dirty="0" smtClean="0">
                 <a:hlinkClick r:id="rId2"/>
               </a:rPr>
-              <a:t>:#judge.softuni.bg/Contests/Practice/Index/153#2</a:t>
+              <a:t>https://judge.softuni.bg/Contests/Practice/Index/153#2</a:t>
             </a:r>
             <a:endParaRPr lang="en-US" dirty="0"/>
           </a:p>
@@ -8249,16 +8312,10 @@
               <a:t> </a:t>
             </a:r>
             <a:r>
-              <a:rPr lang="en-US" dirty="0">
-                <a:hlinkClick r:id="rId2"/>
-              </a:rPr>
-              <a:t>https</a:t>
-            </a:r>
-            <a:r>
               <a:rPr lang="en-US" dirty="0" smtClean="0">
                 <a:hlinkClick r:id="rId2"/>
               </a:rPr>
-              <a:t>:#judge.softuni.bg/Contests/Practice/Index/153#</a:t>
+              <a:t>https://judge.softuni.bg/Contests/Practice/Index/153#</a:t>
             </a:r>
             <a:r>
               <a:rPr lang="bg-BG" dirty="0" smtClean="0">
@@ -9793,16 +9850,10 @@
               <a:t> </a:t>
             </a:r>
             <a:r>
-              <a:rPr lang="en-US" dirty="0">
-                <a:hlinkClick r:id="rId2"/>
-              </a:rPr>
-              <a:t>https</a:t>
-            </a:r>
-            <a:r>
               <a:rPr lang="en-US" dirty="0" smtClean="0">
                 <a:hlinkClick r:id="rId2"/>
               </a:rPr>
-              <a:t>:#judge.softuni.bg/Contests/Practice/Index/153#</a:t>
+              <a:t>https://judge.softuni.bg/Contests/Practice/Index/153#</a:t>
             </a:r>
             <a:r>
               <a:rPr lang="bg-BG" dirty="0" smtClean="0">
@@ -12585,16 +12636,10 @@
               <a:t> </a:t>
             </a:r>
             <a:r>
-              <a:rPr lang="en-US" dirty="0">
-                <a:hlinkClick r:id="rId3"/>
-              </a:rPr>
-              <a:t>https</a:t>
-            </a:r>
-            <a:r>
               <a:rPr lang="en-US" dirty="0" smtClean="0">
                 <a:hlinkClick r:id="rId3"/>
               </a:rPr>
-              <a:t>:#judge.softuni.bg/Contests/Practice/Index/153#</a:t>
+              <a:t>https://judge.softuni.bg/Contests/Practice/Index/153#</a:t>
             </a:r>
             <a:r>
               <a:rPr lang="bg-BG" dirty="0" smtClean="0">
@@ -12764,7 +12809,7 @@
               <a:t>', логическо '</a:t>
             </a:r>
             <a:r>
-              <a:rPr lang="bg-BG" dirty="0" smtClean="0">
+              <a:rPr lang="bg-BG" b="1" dirty="0" smtClean="0">
                 <a:solidFill>
                   <a:schemeClr val="tx2">
                     <a:lumMod val="75000"/>
@@ -16638,16 +16683,10 @@
               <a:t> </a:t>
             </a:r>
             <a:r>
-              <a:rPr lang="en-US" dirty="0">
-                <a:hlinkClick r:id="rId2"/>
-              </a:rPr>
-              <a:t>https</a:t>
-            </a:r>
-            <a:r>
               <a:rPr lang="en-US" dirty="0" smtClean="0">
                 <a:hlinkClick r:id="rId2"/>
               </a:rPr>
-              <a:t>:#judge.softuni.bg/Contests/Practice/Index/153#6</a:t>
+              <a:t>https://judge.softuni.bg/Contests/Practice/Index/153#6</a:t>
             </a:r>
             <a:endParaRPr lang="en-US" dirty="0"/>
           </a:p>
@@ -18653,24 +18692,7 @@
                 <a:latin typeface="Consolas" pitchFamily="49" charset="0"/>
                 <a:cs typeface="Consolas" pitchFamily="49" charset="0"/>
               </a:rPr>
-              <a:t>    </a:t>
-            </a:r>
-            <a:r>
-              <a:rPr lang="en-US" sz="2100" b="1" noProof="1" smtClean="0">
-                <a:solidFill>
-                  <a:srgbClr val="FBEEDC"/>
-                </a:solidFill>
-                <a:effectLst>
-                  <a:outerShdw blurRad="38100" dist="38100" dir="2700000" algn="tl">
-                    <a:srgbClr val="000000">
-                      <a:alpha val="43137"/>
-                    </a:srgbClr>
-                  </a:outerShdw>
-                </a:effectLst>
-                <a:latin typeface="Consolas" pitchFamily="49" charset="0"/>
-                <a:cs typeface="Consolas" pitchFamily="49" charset="0"/>
-              </a:rPr>
-              <a:t>commission </a:t>
+              <a:t>    commission </a:t>
             </a:r>
             <a:r>
               <a:rPr lang="en-US" sz="2100" b="1" noProof="1">
@@ -18876,24 +18898,7 @@
                 <a:latin typeface="Consolas" pitchFamily="49" charset="0"/>
                 <a:cs typeface="Consolas" pitchFamily="49" charset="0"/>
               </a:rPr>
-              <a:t>    </a:t>
-            </a:r>
-            <a:r>
-              <a:rPr lang="en-US" sz="2100" b="1" noProof="1" smtClean="0">
-                <a:solidFill>
-                  <a:srgbClr val="FBEEDC"/>
-                </a:solidFill>
-                <a:effectLst>
-                  <a:outerShdw blurRad="38100" dist="38100" dir="2700000" algn="tl">
-                    <a:srgbClr val="000000">
-                      <a:alpha val="43137"/>
-                    </a:srgbClr>
-                  </a:outerShdw>
-                </a:effectLst>
-                <a:latin typeface="Consolas" pitchFamily="49" charset="0"/>
-                <a:cs typeface="Consolas" pitchFamily="49" charset="0"/>
-              </a:rPr>
-              <a:t>commission </a:t>
+              <a:t>    commission </a:t>
             </a:r>
             <a:r>
               <a:rPr lang="en-US" sz="2100" b="1" noProof="1">
@@ -19358,24 +19363,7 @@
                 <a:latin typeface="Consolas" pitchFamily="49" charset="0"/>
                 <a:cs typeface="Consolas" pitchFamily="49" charset="0"/>
               </a:rPr>
-              <a:t>if </a:t>
-            </a:r>
-            <a:r>
-              <a:rPr lang="en-US" sz="2100" b="1" noProof="1" smtClean="0">
-                <a:solidFill>
-                  <a:srgbClr val="FBEEDC"/>
-                </a:solidFill>
-                <a:effectLst>
-                  <a:outerShdw blurRad="38100" dist="38100" dir="2700000" algn="tl">
-                    <a:srgbClr val="000000">
-                      <a:alpha val="43137"/>
-                    </a:srgbClr>
-                  </a:outerShdw>
-                </a:effectLst>
-                <a:latin typeface="Consolas" pitchFamily="49" charset="0"/>
-                <a:cs typeface="Consolas" pitchFamily="49" charset="0"/>
-              </a:rPr>
-              <a:t>commission </a:t>
+              <a:t>if commission </a:t>
             </a:r>
             <a:r>
               <a:rPr lang="en-US" sz="2100" b="1" noProof="1">
@@ -19559,16 +19547,10 @@
               <a:t> </a:t>
             </a:r>
             <a:r>
-              <a:rPr lang="en-US" dirty="0">
-                <a:hlinkClick r:id="rId2"/>
-              </a:rPr>
-              <a:t>https</a:t>
-            </a:r>
-            <a:r>
               <a:rPr lang="en-US" dirty="0" smtClean="0">
                 <a:hlinkClick r:id="rId2"/>
               </a:rPr>
-              <a:t>:#judge.softuni.bg/Contests/Practice/Index/153#7</a:t>
+              <a:t>https://judge.softuni.bg/Contests/Practice/Index/153#7</a:t>
             </a:r>
             <a:endParaRPr lang="en-US" dirty="0"/>
           </a:p>
@@ -20886,7 +20868,13 @@
               <a:rPr lang="en-US" dirty="0" smtClean="0">
                 <a:hlinkClick r:id="rId3"/>
               </a:rPr>
-              <a:t>https:#softuni.bg/courses/programming-basics/</a:t>
+              <a:t>https://softuni.bg/courses/programming-basics</a:t>
+            </a:r>
+            <a:r>
+              <a:rPr lang="en-US" dirty="0" smtClean="0">
+                <a:hlinkClick r:id="rId3"/>
+              </a:rPr>
+              <a:t>/</a:t>
             </a:r>
             <a:endParaRPr lang="en-US" dirty="0"/>
           </a:p>
@@ -25081,16 +25069,10 @@
               <a:t> </a:t>
             </a:r>
             <a:r>
-              <a:rPr lang="en-US" dirty="0">
-                <a:hlinkClick r:id="rId2"/>
-              </a:rPr>
-              <a:t>https</a:t>
-            </a:r>
-            <a:r>
               <a:rPr lang="en-US" dirty="0" smtClean="0">
                 <a:hlinkClick r:id="rId2"/>
               </a:rPr>
-              <a:t>:#judge.softuni.bg/Contests/Practice/Index/153#0</a:t>
+              <a:t>https://judge.softuni.bg/Contests/Practice/Index/153#0</a:t>
             </a:r>
             <a:endParaRPr lang="en-US" dirty="0"/>
           </a:p>
@@ -28422,16 +28404,10 @@
               <a:t> </a:t>
             </a:r>
             <a:r>
-              <a:rPr lang="en-US" dirty="0">
-                <a:hlinkClick r:id="rId2"/>
-              </a:rPr>
-              <a:t>https</a:t>
-            </a:r>
-            <a:r>
               <a:rPr lang="en-US" dirty="0" smtClean="0">
                 <a:hlinkClick r:id="rId2"/>
               </a:rPr>
-              <a:t>:#judge.softuni.bg/Contests/Practice/Index/153#1</a:t>
+              <a:t>https://judge.softuni.bg/Contests/Practice/Index/153#1</a:t>
             </a:r>
             <a:endParaRPr lang="en-US" dirty="0"/>
           </a:p>

--- a/4. Complex-Conditions/4. Complex-Conditions.pptx
+++ b/4. Complex-Conditions/4. Complex-Conditions.pptx
@@ -254,7 +254,7 @@
             <a:fld id="{FE5B4EDC-59C0-49C7-8ADA-5A781B329E02}" type="datetimeFigureOut">
               <a:rPr lang="en-US"/>
               <a:pPr/>
-              <a:t>2/19/2017</a:t>
+              <a:t>2/28/2017</a:t>
             </a:fld>
             <a:endParaRPr dirty="0"/>
           </a:p>
@@ -453,7 +453,7 @@
             <a:fld id="{F2D8D46A-B586-417D-BFBD-8C8FE0AAF762}" type="datetimeFigureOut">
               <a:rPr lang="en-US" smtClean="0"/>
               <a:pPr/>
-              <a:t>2/19/2017</a:t>
+              <a:t>2/28/2017</a:t>
             </a:fld>
             <a:endParaRPr lang="en-US"/>
           </a:p>
@@ -2203,7 +2203,7 @@
             <a:fld id="{055373AC-9AA7-423B-BA00-BA1C74164DBD}" type="datetime1">
               <a:rPr lang="en-US" smtClean="0"/>
               <a:pPr/>
-              <a:t>2/19/2017</a:t>
+              <a:t>2/28/2017</a:t>
             </a:fld>
             <a:endParaRPr lang="en-US" dirty="0"/>
           </a:p>
@@ -3477,7 +3477,7 @@
             <a:fld id="{055373AC-9AA7-423B-BA00-BA1C74164DBD}" type="datetime1">
               <a:rPr lang="en-US" smtClean="0"/>
               <a:pPr/>
-              <a:t>2/19/2017</a:t>
+              <a:t>2/28/2017</a:t>
             </a:fld>
             <a:endParaRPr lang="en-US" dirty="0"/>
           </a:p>
@@ -5343,15 +5343,7 @@
             </a:r>
             <a:r>
               <a:rPr lang="bg-BG" smtClean="0"/>
-              <a:t>наляво </a:t>
-            </a:r>
-            <a:r>
-              <a:rPr lang="bg-BG" smtClean="0"/>
-              <a:t>от</a:t>
-            </a:r>
-            <a:r>
-              <a:rPr lang="bg-BG" smtClean="0"/>
-              <a:t> </a:t>
+              <a:t>наляво от </a:t>
             </a:r>
             <a:r>
               <a:rPr lang="bg-BG" dirty="0" smtClean="0"/>
@@ -5446,7 +5438,58 @@
                 <a:latin typeface="Consolas" pitchFamily="49" charset="0"/>
                 <a:cs typeface="Consolas" pitchFamily="49" charset="0"/>
               </a:rPr>
-              <a:t>x = 8; y = -1</a:t>
+              <a:t>x, y </a:t>
+            </a:r>
+            <a:r>
+              <a:rPr lang="en-US" b="1" noProof="1" smtClean="0">
+                <a:solidFill>
+                  <a:srgbClr val="FBEEDC"/>
+                </a:solidFill>
+                <a:effectLst>
+                  <a:outerShdw blurRad="38100" dist="38100" dir="2700000" algn="tl">
+                    <a:srgbClr val="000000">
+                      <a:alpha val="43137"/>
+                    </a:srgbClr>
+                  </a:outerShdw>
+                </a:effectLst>
+                <a:latin typeface="Consolas" pitchFamily="49" charset="0"/>
+                <a:cs typeface="Consolas" pitchFamily="49" charset="0"/>
+              </a:rPr>
+              <a:t>= </a:t>
+            </a:r>
+            <a:r>
+              <a:rPr lang="en-US" b="1" noProof="1" smtClean="0">
+                <a:solidFill>
+                  <a:srgbClr val="FBEEDC"/>
+                </a:solidFill>
+                <a:effectLst>
+                  <a:outerShdw blurRad="38100" dist="38100" dir="2700000" algn="tl">
+                    <a:srgbClr val="000000">
+                      <a:alpha val="43137"/>
+                    </a:srgbClr>
+                  </a:outerShdw>
+                </a:effectLst>
+                <a:latin typeface="Consolas" pitchFamily="49" charset="0"/>
+                <a:cs typeface="Consolas" pitchFamily="49" charset="0"/>
+              </a:rPr>
+              <a:t>8, </a:t>
+            </a:r>
+            <a:r>
+              <a:rPr lang="en-US" b="1" noProof="1" smtClean="0">
+                <a:solidFill>
+                  <a:srgbClr val="FBEEDC"/>
+                </a:solidFill>
+                <a:effectLst>
+                  <a:outerShdw blurRad="38100" dist="38100" dir="2700000" algn="tl">
+                    <a:srgbClr val="000000">
+                      <a:alpha val="43137"/>
+                    </a:srgbClr>
+                  </a:outerShdw>
+                </a:effectLst>
+                <a:latin typeface="Consolas" pitchFamily="49" charset="0"/>
+                <a:cs typeface="Consolas" pitchFamily="49" charset="0"/>
+              </a:rPr>
+              <a:t>-1</a:t>
             </a:r>
           </a:p>
           <a:p>
@@ -5460,6 +5503,23 @@
               <a:buSzPct val="70000"/>
             </a:pPr>
             <a:r>
+              <a:rPr lang="en-US" b="1" noProof="1">
+                <a:solidFill>
+                  <a:srgbClr val="FBEEDC"/>
+                </a:solidFill>
+                <a:effectLst>
+                  <a:outerShdw blurRad="38100" dist="38100" dir="2700000" algn="tl">
+                    <a:srgbClr val="000000">
+                      <a:alpha val="43137"/>
+                    </a:srgbClr>
+                  </a:outerShdw>
+                </a:effectLst>
+                <a:latin typeface="Consolas" pitchFamily="49" charset="0"/>
+                <a:cs typeface="Consolas" pitchFamily="49" charset="0"/>
+              </a:rPr>
+              <a:t>x</a:t>
+            </a:r>
+            <a:r>
               <a:rPr lang="en-US" b="1" noProof="1" smtClean="0">
                 <a:solidFill>
                   <a:srgbClr val="FBEEDC"/>
@@ -5474,7 +5534,58 @@
                 <a:latin typeface="Consolas" pitchFamily="49" charset="0"/>
                 <a:cs typeface="Consolas" pitchFamily="49" charset="0"/>
               </a:rPr>
-              <a:t>x1 = 2; y1 = -3</a:t>
+              <a:t>1, y1 </a:t>
+            </a:r>
+            <a:r>
+              <a:rPr lang="en-US" b="1" noProof="1" smtClean="0">
+                <a:solidFill>
+                  <a:srgbClr val="FBEEDC"/>
+                </a:solidFill>
+                <a:effectLst>
+                  <a:outerShdw blurRad="38100" dist="38100" dir="2700000" algn="tl">
+                    <a:srgbClr val="000000">
+                      <a:alpha val="43137"/>
+                    </a:srgbClr>
+                  </a:outerShdw>
+                </a:effectLst>
+                <a:latin typeface="Consolas" pitchFamily="49" charset="0"/>
+                <a:cs typeface="Consolas" pitchFamily="49" charset="0"/>
+              </a:rPr>
+              <a:t>= </a:t>
+            </a:r>
+            <a:r>
+              <a:rPr lang="en-US" b="1" noProof="1" smtClean="0">
+                <a:solidFill>
+                  <a:srgbClr val="FBEEDC"/>
+                </a:solidFill>
+                <a:effectLst>
+                  <a:outerShdw blurRad="38100" dist="38100" dir="2700000" algn="tl">
+                    <a:srgbClr val="000000">
+                      <a:alpha val="43137"/>
+                    </a:srgbClr>
+                  </a:outerShdw>
+                </a:effectLst>
+                <a:latin typeface="Consolas" pitchFamily="49" charset="0"/>
+                <a:cs typeface="Consolas" pitchFamily="49" charset="0"/>
+              </a:rPr>
+              <a:t>2, -</a:t>
+            </a:r>
+            <a:r>
+              <a:rPr lang="en-US" b="1" noProof="1" smtClean="0">
+                <a:solidFill>
+                  <a:srgbClr val="FBEEDC"/>
+                </a:solidFill>
+                <a:effectLst>
+                  <a:outerShdw blurRad="38100" dist="38100" dir="2700000" algn="tl">
+                    <a:srgbClr val="000000">
+                      <a:alpha val="43137"/>
+                    </a:srgbClr>
+                  </a:outerShdw>
+                </a:effectLst>
+                <a:latin typeface="Consolas" pitchFamily="49" charset="0"/>
+                <a:cs typeface="Consolas" pitchFamily="49" charset="0"/>
+              </a:rPr>
+              <a:t>3</a:t>
             </a:r>
           </a:p>
           <a:p>
@@ -5488,6 +5599,23 @@
               <a:buSzPct val="70000"/>
             </a:pPr>
             <a:r>
+              <a:rPr lang="en-US" b="1" noProof="1">
+                <a:solidFill>
+                  <a:srgbClr val="FBEEDC"/>
+                </a:solidFill>
+                <a:effectLst>
+                  <a:outerShdw blurRad="38100" dist="38100" dir="2700000" algn="tl">
+                    <a:srgbClr val="000000">
+                      <a:alpha val="43137"/>
+                    </a:srgbClr>
+                  </a:outerShdw>
+                </a:effectLst>
+                <a:latin typeface="Consolas" pitchFamily="49" charset="0"/>
+                <a:cs typeface="Consolas" pitchFamily="49" charset="0"/>
+              </a:rPr>
+              <a:t>x</a:t>
+            </a:r>
+            <a:r>
               <a:rPr lang="en-US" b="1" noProof="1" smtClean="0">
                 <a:solidFill>
                   <a:srgbClr val="FBEEDC"/>
@@ -5502,22 +5630,8 @@
                 <a:latin typeface="Consolas" pitchFamily="49" charset="0"/>
                 <a:cs typeface="Consolas" pitchFamily="49" charset="0"/>
               </a:rPr>
-              <a:t>x2 = 12; y2 = 3</a:t>
-            </a:r>
-          </a:p>
-          <a:p>
-            <a:pPr eaLnBrk="0" hangingPunct="0">
-              <a:spcBef>
-                <a:spcPts val="600"/>
-              </a:spcBef>
-              <a:buClr>
-                <a:schemeClr val="accent5">
-                  <a:lumMod val="40000"/>
-                  <a:lumOff val="60000"/>
-                </a:schemeClr>
-              </a:buClr>
-              <a:buSzPct val="70000"/>
-            </a:pPr>
+              <a:t>2, y2 </a:t>
+            </a:r>
             <a:r>
               <a:rPr lang="en-US" b="1" noProof="1" smtClean="0">
                 <a:solidFill>
@@ -5533,7 +5647,7 @@
                 <a:latin typeface="Consolas" pitchFamily="49" charset="0"/>
                 <a:cs typeface="Consolas" pitchFamily="49" charset="0"/>
               </a:rPr>
-              <a:t>if </a:t>
+              <a:t>= </a:t>
             </a:r>
             <a:r>
               <a:rPr lang="en-US" b="1" noProof="1" smtClean="0">
@@ -5550,183 +5664,7 @@
                 <a:latin typeface="Consolas" pitchFamily="49" charset="0"/>
                 <a:cs typeface="Consolas" pitchFamily="49" charset="0"/>
               </a:rPr>
-              <a:t>x </a:t>
-            </a:r>
-            <a:r>
-              <a:rPr lang="en-US" b="1" noProof="1" smtClean="0">
-                <a:solidFill>
-                  <a:srgbClr val="FBEEDC"/>
-                </a:solidFill>
-                <a:effectLst>
-                  <a:outerShdw blurRad="38100" dist="38100" dir="2700000" algn="tl">
-                    <a:srgbClr val="000000">
-                      <a:alpha val="43137"/>
-                    </a:srgbClr>
-                  </a:outerShdw>
-                </a:effectLst>
-                <a:latin typeface="Consolas" pitchFamily="49" charset="0"/>
-                <a:cs typeface="Consolas" pitchFamily="49" charset="0"/>
-              </a:rPr>
-              <a:t>&gt;= x1 </a:t>
-            </a:r>
-            <a:r>
-              <a:rPr lang="en-US" b="1" noProof="1" smtClean="0">
-                <a:solidFill>
-                  <a:schemeClr val="tx2">
-                    <a:lumMod val="75000"/>
-                  </a:schemeClr>
-                </a:solidFill>
-                <a:effectLst>
-                  <a:outerShdw blurRad="38100" dist="38100" dir="2700000" algn="tl">
-                    <a:srgbClr val="000000">
-                      <a:alpha val="43137"/>
-                    </a:srgbClr>
-                  </a:outerShdw>
-                </a:effectLst>
-                <a:latin typeface="Consolas" pitchFamily="49" charset="0"/>
-                <a:cs typeface="Consolas" pitchFamily="49" charset="0"/>
-              </a:rPr>
-              <a:t>and</a:t>
-            </a:r>
-            <a:r>
-              <a:rPr lang="en-US" b="1" noProof="1" smtClean="0">
-                <a:solidFill>
-                  <a:srgbClr val="FBEEDC"/>
-                </a:solidFill>
-                <a:effectLst>
-                  <a:outerShdw blurRad="38100" dist="38100" dir="2700000" algn="tl">
-                    <a:srgbClr val="000000">
-                      <a:alpha val="43137"/>
-                    </a:srgbClr>
-                  </a:outerShdw>
-                </a:effectLst>
-                <a:latin typeface="Consolas" pitchFamily="49" charset="0"/>
-                <a:cs typeface="Consolas" pitchFamily="49" charset="0"/>
-              </a:rPr>
-              <a:t> x &lt;= x2 </a:t>
-            </a:r>
-            <a:r>
-              <a:rPr lang="en-US" b="1" noProof="1" smtClean="0">
-                <a:solidFill>
-                  <a:schemeClr val="tx2">
-                    <a:lumMod val="75000"/>
-                  </a:schemeClr>
-                </a:solidFill>
-                <a:effectLst>
-                  <a:outerShdw blurRad="38100" dist="38100" dir="2700000" algn="tl">
-                    <a:srgbClr val="000000">
-                      <a:alpha val="43137"/>
-                    </a:srgbClr>
-                  </a:outerShdw>
-                </a:effectLst>
-                <a:latin typeface="Consolas" pitchFamily="49" charset="0"/>
-                <a:cs typeface="Consolas" pitchFamily="49" charset="0"/>
-              </a:rPr>
-              <a:t>and </a:t>
-            </a:r>
-            <a:r>
-              <a:rPr lang="en-US" b="1" noProof="1" smtClean="0">
-                <a:solidFill>
-                  <a:srgbClr val="FBEEDC"/>
-                </a:solidFill>
-                <a:effectLst>
-                  <a:outerShdw blurRad="38100" dist="38100" dir="2700000" algn="tl">
-                    <a:srgbClr val="000000">
-                      <a:alpha val="43137"/>
-                    </a:srgbClr>
-                  </a:outerShdw>
-                </a:effectLst>
-                <a:latin typeface="Consolas" pitchFamily="49" charset="0"/>
-                <a:cs typeface="Consolas" pitchFamily="49" charset="0"/>
-              </a:rPr>
-              <a:t>y &gt;=</a:t>
-            </a:r>
-            <a:r>
-              <a:rPr lang="bg-BG" b="1" noProof="1" smtClean="0">
-                <a:solidFill>
-                  <a:srgbClr val="FBEEDC"/>
-                </a:solidFill>
-                <a:effectLst>
-                  <a:outerShdw blurRad="38100" dist="38100" dir="2700000" algn="tl">
-                    <a:srgbClr val="000000">
-                      <a:alpha val="43137"/>
-                    </a:srgbClr>
-                  </a:outerShdw>
-                </a:effectLst>
-                <a:latin typeface="Consolas" pitchFamily="49" charset="0"/>
-                <a:cs typeface="Consolas" pitchFamily="49" charset="0"/>
-              </a:rPr>
-              <a:t> </a:t>
-            </a:r>
-            <a:r>
-              <a:rPr lang="en-US" b="1" noProof="1" smtClean="0">
-                <a:solidFill>
-                  <a:srgbClr val="FBEEDC"/>
-                </a:solidFill>
-                <a:effectLst>
-                  <a:outerShdw blurRad="38100" dist="38100" dir="2700000" algn="tl">
-                    <a:srgbClr val="000000">
-                      <a:alpha val="43137"/>
-                    </a:srgbClr>
-                  </a:outerShdw>
-                </a:effectLst>
-                <a:latin typeface="Consolas" pitchFamily="49" charset="0"/>
-                <a:cs typeface="Consolas" pitchFamily="49" charset="0"/>
-              </a:rPr>
-              <a:t>y1 </a:t>
-            </a:r>
-            <a:r>
-              <a:rPr lang="en-US" b="1" noProof="1" smtClean="0">
-                <a:solidFill>
-                  <a:schemeClr val="tx2">
-                    <a:lumMod val="75000"/>
-                  </a:schemeClr>
-                </a:solidFill>
-                <a:effectLst>
-                  <a:outerShdw blurRad="38100" dist="38100" dir="2700000" algn="tl">
-                    <a:srgbClr val="000000">
-                      <a:alpha val="43137"/>
-                    </a:srgbClr>
-                  </a:outerShdw>
-                </a:effectLst>
-                <a:latin typeface="Consolas" pitchFamily="49" charset="0"/>
-                <a:cs typeface="Consolas" pitchFamily="49" charset="0"/>
-              </a:rPr>
-              <a:t>and</a:t>
-            </a:r>
-            <a:r>
-              <a:rPr lang="en-US" b="1" noProof="1" smtClean="0">
-                <a:solidFill>
-                  <a:srgbClr val="FBEEDC"/>
-                </a:solidFill>
-                <a:effectLst>
-                  <a:outerShdw blurRad="38100" dist="38100" dir="2700000" algn="tl">
-                    <a:srgbClr val="000000">
-                      <a:alpha val="43137"/>
-                    </a:srgbClr>
-                  </a:outerShdw>
-                </a:effectLst>
-                <a:latin typeface="Consolas" pitchFamily="49" charset="0"/>
-                <a:cs typeface="Consolas" pitchFamily="49" charset="0"/>
-              </a:rPr>
-              <a:t> y &lt;= </a:t>
-            </a:r>
-            <a:r>
-              <a:rPr lang="en-US" b="1" noProof="1" smtClean="0">
-                <a:solidFill>
-                  <a:srgbClr val="FBEEDC"/>
-                </a:solidFill>
-                <a:effectLst>
-                  <a:outerShdw blurRad="38100" dist="38100" dir="2700000" algn="tl">
-                    <a:srgbClr val="000000">
-                      <a:alpha val="43137"/>
-                    </a:srgbClr>
-                  </a:outerShdw>
-                </a:effectLst>
-                <a:latin typeface="Consolas" pitchFamily="49" charset="0"/>
-                <a:cs typeface="Consolas" pitchFamily="49" charset="0"/>
-              </a:rPr>
-              <a:t>y2:</a:t>
+              <a:t>12, 3</a:t>
             </a:r>
             <a:endParaRPr lang="en-US" b="1" noProof="1" smtClean="0">
               <a:solidFill>
@@ -5742,6 +5680,179 @@
               <a:latin typeface="Consolas" pitchFamily="49" charset="0"/>
               <a:cs typeface="Consolas" pitchFamily="49" charset="0"/>
             </a:endParaRPr>
+          </a:p>
+          <a:p>
+            <a:pPr eaLnBrk="0" hangingPunct="0">
+              <a:spcBef>
+                <a:spcPts val="600"/>
+              </a:spcBef>
+              <a:buClr>
+                <a:schemeClr val="accent5">
+                  <a:lumMod val="40000"/>
+                  <a:lumOff val="60000"/>
+                </a:schemeClr>
+              </a:buClr>
+              <a:buSzPct val="70000"/>
+            </a:pPr>
+            <a:r>
+              <a:rPr lang="en-US" b="1" noProof="1" smtClean="0">
+                <a:solidFill>
+                  <a:srgbClr val="FBEEDC"/>
+                </a:solidFill>
+                <a:effectLst>
+                  <a:outerShdw blurRad="38100" dist="38100" dir="2700000" algn="tl">
+                    <a:srgbClr val="000000">
+                      <a:alpha val="43137"/>
+                    </a:srgbClr>
+                  </a:outerShdw>
+                </a:effectLst>
+                <a:latin typeface="Consolas" pitchFamily="49" charset="0"/>
+                <a:cs typeface="Consolas" pitchFamily="49" charset="0"/>
+              </a:rPr>
+              <a:t>if x &gt;= x1 </a:t>
+            </a:r>
+            <a:r>
+              <a:rPr lang="en-US" b="1" noProof="1" smtClean="0">
+                <a:solidFill>
+                  <a:schemeClr val="tx2">
+                    <a:lumMod val="75000"/>
+                  </a:schemeClr>
+                </a:solidFill>
+                <a:effectLst>
+                  <a:outerShdw blurRad="38100" dist="38100" dir="2700000" algn="tl">
+                    <a:srgbClr val="000000">
+                      <a:alpha val="43137"/>
+                    </a:srgbClr>
+                  </a:outerShdw>
+                </a:effectLst>
+                <a:latin typeface="Consolas" pitchFamily="49" charset="0"/>
+                <a:cs typeface="Consolas" pitchFamily="49" charset="0"/>
+              </a:rPr>
+              <a:t>and</a:t>
+            </a:r>
+            <a:r>
+              <a:rPr lang="en-US" b="1" noProof="1" smtClean="0">
+                <a:solidFill>
+                  <a:srgbClr val="FBEEDC"/>
+                </a:solidFill>
+                <a:effectLst>
+                  <a:outerShdw blurRad="38100" dist="38100" dir="2700000" algn="tl">
+                    <a:srgbClr val="000000">
+                      <a:alpha val="43137"/>
+                    </a:srgbClr>
+                  </a:outerShdw>
+                </a:effectLst>
+                <a:latin typeface="Consolas" pitchFamily="49" charset="0"/>
+                <a:cs typeface="Consolas" pitchFamily="49" charset="0"/>
+              </a:rPr>
+              <a:t> x &lt;= x2 </a:t>
+            </a:r>
+            <a:r>
+              <a:rPr lang="en-US" b="1" noProof="1" smtClean="0">
+                <a:solidFill>
+                  <a:schemeClr val="tx2">
+                    <a:lumMod val="75000"/>
+                  </a:schemeClr>
+                </a:solidFill>
+                <a:effectLst>
+                  <a:outerShdw blurRad="38100" dist="38100" dir="2700000" algn="tl">
+                    <a:srgbClr val="000000">
+                      <a:alpha val="43137"/>
+                    </a:srgbClr>
+                  </a:outerShdw>
+                </a:effectLst>
+                <a:latin typeface="Consolas" pitchFamily="49" charset="0"/>
+                <a:cs typeface="Consolas" pitchFamily="49" charset="0"/>
+              </a:rPr>
+              <a:t>and </a:t>
+            </a:r>
+            <a:r>
+              <a:rPr lang="en-US" b="1" noProof="1" smtClean="0">
+                <a:solidFill>
+                  <a:srgbClr val="FBEEDC"/>
+                </a:solidFill>
+                <a:effectLst>
+                  <a:outerShdw blurRad="38100" dist="38100" dir="2700000" algn="tl">
+                    <a:srgbClr val="000000">
+                      <a:alpha val="43137"/>
+                    </a:srgbClr>
+                  </a:outerShdw>
+                </a:effectLst>
+                <a:latin typeface="Consolas" pitchFamily="49" charset="0"/>
+                <a:cs typeface="Consolas" pitchFamily="49" charset="0"/>
+              </a:rPr>
+              <a:t>y &gt;=</a:t>
+            </a:r>
+            <a:r>
+              <a:rPr lang="bg-BG" b="1" noProof="1" smtClean="0">
+                <a:solidFill>
+                  <a:srgbClr val="FBEEDC"/>
+                </a:solidFill>
+                <a:effectLst>
+                  <a:outerShdw blurRad="38100" dist="38100" dir="2700000" algn="tl">
+                    <a:srgbClr val="000000">
+                      <a:alpha val="43137"/>
+                    </a:srgbClr>
+                  </a:outerShdw>
+                </a:effectLst>
+                <a:latin typeface="Consolas" pitchFamily="49" charset="0"/>
+                <a:cs typeface="Consolas" pitchFamily="49" charset="0"/>
+              </a:rPr>
+              <a:t> </a:t>
+            </a:r>
+            <a:r>
+              <a:rPr lang="en-US" b="1" noProof="1" smtClean="0">
+                <a:solidFill>
+                  <a:srgbClr val="FBEEDC"/>
+                </a:solidFill>
+                <a:effectLst>
+                  <a:outerShdw blurRad="38100" dist="38100" dir="2700000" algn="tl">
+                    <a:srgbClr val="000000">
+                      <a:alpha val="43137"/>
+                    </a:srgbClr>
+                  </a:outerShdw>
+                </a:effectLst>
+                <a:latin typeface="Consolas" pitchFamily="49" charset="0"/>
+                <a:cs typeface="Consolas" pitchFamily="49" charset="0"/>
+              </a:rPr>
+              <a:t>y1 </a:t>
+            </a:r>
+            <a:r>
+              <a:rPr lang="en-US" b="1" noProof="1" smtClean="0">
+                <a:solidFill>
+                  <a:schemeClr val="tx2">
+                    <a:lumMod val="75000"/>
+                  </a:schemeClr>
+                </a:solidFill>
+                <a:effectLst>
+                  <a:outerShdw blurRad="38100" dist="38100" dir="2700000" algn="tl">
+                    <a:srgbClr val="000000">
+                      <a:alpha val="43137"/>
+                    </a:srgbClr>
+                  </a:outerShdw>
+                </a:effectLst>
+                <a:latin typeface="Consolas" pitchFamily="49" charset="0"/>
+                <a:cs typeface="Consolas" pitchFamily="49" charset="0"/>
+              </a:rPr>
+              <a:t>and</a:t>
+            </a:r>
+            <a:r>
+              <a:rPr lang="en-US" b="1" noProof="1" smtClean="0">
+                <a:solidFill>
+                  <a:srgbClr val="FBEEDC"/>
+                </a:solidFill>
+                <a:effectLst>
+                  <a:outerShdw blurRad="38100" dist="38100" dir="2700000" algn="tl">
+                    <a:srgbClr val="000000">
+                      <a:alpha val="43137"/>
+                    </a:srgbClr>
+                  </a:outerShdw>
+                </a:effectLst>
+                <a:latin typeface="Consolas" pitchFamily="49" charset="0"/>
+                <a:cs typeface="Consolas" pitchFamily="49" charset="0"/>
+              </a:rPr>
+              <a:t> y &lt;= y2:</a:t>
+            </a:r>
           </a:p>
           <a:p>
             <a:pPr eaLnBrk="0" hangingPunct="0">
@@ -20868,13 +20979,7 @@
               <a:rPr lang="en-US" dirty="0" smtClean="0">
                 <a:hlinkClick r:id="rId3"/>
               </a:rPr>
-              <a:t>https://softuni.bg/courses/programming-basics</a:t>
-            </a:r>
-            <a:r>
-              <a:rPr lang="en-US" dirty="0" smtClean="0">
-                <a:hlinkClick r:id="rId3"/>
-              </a:rPr>
-              <a:t>/</a:t>
+              <a:t>https://softuni.bg/courses/programming-basics/</a:t>
             </a:r>
             <a:endParaRPr lang="en-US" dirty="0"/>
           </a:p>

--- a/4. Complex-Conditions/4. Complex-Conditions.pptx
+++ b/4. Complex-Conditions/4. Complex-Conditions.pptx
@@ -25,8 +25,8 @@
     <p:sldId id="432" r:id="rId14"/>
     <p:sldId id="439" r:id="rId15"/>
     <p:sldId id="459" r:id="rId16"/>
-    <p:sldId id="453" r:id="rId17"/>
-    <p:sldId id="433" r:id="rId18"/>
+    <p:sldId id="433" r:id="rId17"/>
+    <p:sldId id="453" r:id="rId18"/>
     <p:sldId id="454" r:id="rId19"/>
     <p:sldId id="451" r:id="rId20"/>
     <p:sldId id="452" r:id="rId21"/>
@@ -254,7 +254,7 @@
             <a:fld id="{FE5B4EDC-59C0-49C7-8ADA-5A781B329E02}" type="datetimeFigureOut">
               <a:rPr lang="en-US"/>
               <a:pPr/>
-              <a:t>2/28/2017</a:t>
+              <a:t>4/19/2017</a:t>
             </a:fld>
             <a:endParaRPr dirty="0"/>
           </a:p>
@@ -453,7 +453,7 @@
             <a:fld id="{F2D8D46A-B586-417D-BFBD-8C8FE0AAF762}" type="datetimeFigureOut">
               <a:rPr lang="en-US" smtClean="0"/>
               <a:pPr/>
-              <a:t>2/28/2017</a:t>
+              <a:t>4/19/2017</a:t>
             </a:fld>
             <a:endParaRPr lang="en-US"/>
           </a:p>
@@ -2203,7 +2203,7 @@
             <a:fld id="{055373AC-9AA7-423B-BA00-BA1C74164DBD}" type="datetime1">
               <a:rPr lang="en-US" smtClean="0"/>
               <a:pPr/>
-              <a:t>2/28/2017</a:t>
+              <a:t>4/19/2017</a:t>
             </a:fld>
             <a:endParaRPr lang="en-US" dirty="0"/>
           </a:p>
@@ -3477,7 +3477,7 @@
             <a:fld id="{055373AC-9AA7-423B-BA00-BA1C74164DBD}" type="datetime1">
               <a:rPr lang="en-US" smtClean="0"/>
               <a:pPr/>
-              <a:t>2/28/2017</a:t>
+              <a:t>4/19/2017</a:t>
             </a:fld>
             <a:endParaRPr lang="en-US" dirty="0"/>
           </a:p>
@@ -5438,58 +5438,7 @@
                 <a:latin typeface="Consolas" pitchFamily="49" charset="0"/>
                 <a:cs typeface="Consolas" pitchFamily="49" charset="0"/>
               </a:rPr>
-              <a:t>x, y </a:t>
-            </a:r>
-            <a:r>
-              <a:rPr lang="en-US" b="1" noProof="1" smtClean="0">
-                <a:solidFill>
-                  <a:srgbClr val="FBEEDC"/>
-                </a:solidFill>
-                <a:effectLst>
-                  <a:outerShdw blurRad="38100" dist="38100" dir="2700000" algn="tl">
-                    <a:srgbClr val="000000">
-                      <a:alpha val="43137"/>
-                    </a:srgbClr>
-                  </a:outerShdw>
-                </a:effectLst>
-                <a:latin typeface="Consolas" pitchFamily="49" charset="0"/>
-                <a:cs typeface="Consolas" pitchFamily="49" charset="0"/>
-              </a:rPr>
-              <a:t>= </a:t>
-            </a:r>
-            <a:r>
-              <a:rPr lang="en-US" b="1" noProof="1" smtClean="0">
-                <a:solidFill>
-                  <a:srgbClr val="FBEEDC"/>
-                </a:solidFill>
-                <a:effectLst>
-                  <a:outerShdw blurRad="38100" dist="38100" dir="2700000" algn="tl">
-                    <a:srgbClr val="000000">
-                      <a:alpha val="43137"/>
-                    </a:srgbClr>
-                  </a:outerShdw>
-                </a:effectLst>
-                <a:latin typeface="Consolas" pitchFamily="49" charset="0"/>
-                <a:cs typeface="Consolas" pitchFamily="49" charset="0"/>
-              </a:rPr>
-              <a:t>8, </a:t>
-            </a:r>
-            <a:r>
-              <a:rPr lang="en-US" b="1" noProof="1" smtClean="0">
-                <a:solidFill>
-                  <a:srgbClr val="FBEEDC"/>
-                </a:solidFill>
-                <a:effectLst>
-                  <a:outerShdw blurRad="38100" dist="38100" dir="2700000" algn="tl">
-                    <a:srgbClr val="000000">
-                      <a:alpha val="43137"/>
-                    </a:srgbClr>
-                  </a:outerShdw>
-                </a:effectLst>
-                <a:latin typeface="Consolas" pitchFamily="49" charset="0"/>
-                <a:cs typeface="Consolas" pitchFamily="49" charset="0"/>
-              </a:rPr>
-              <a:t>-1</a:t>
+              <a:t>x, y = 8, -1</a:t>
             </a:r>
           </a:p>
           <a:p>
@@ -5534,58 +5483,7 @@
                 <a:latin typeface="Consolas" pitchFamily="49" charset="0"/>
                 <a:cs typeface="Consolas" pitchFamily="49" charset="0"/>
               </a:rPr>
-              <a:t>1, y1 </a:t>
-            </a:r>
-            <a:r>
-              <a:rPr lang="en-US" b="1" noProof="1" smtClean="0">
-                <a:solidFill>
-                  <a:srgbClr val="FBEEDC"/>
-                </a:solidFill>
-                <a:effectLst>
-                  <a:outerShdw blurRad="38100" dist="38100" dir="2700000" algn="tl">
-                    <a:srgbClr val="000000">
-                      <a:alpha val="43137"/>
-                    </a:srgbClr>
-                  </a:outerShdw>
-                </a:effectLst>
-                <a:latin typeface="Consolas" pitchFamily="49" charset="0"/>
-                <a:cs typeface="Consolas" pitchFamily="49" charset="0"/>
-              </a:rPr>
-              <a:t>= </a:t>
-            </a:r>
-            <a:r>
-              <a:rPr lang="en-US" b="1" noProof="1" smtClean="0">
-                <a:solidFill>
-                  <a:srgbClr val="FBEEDC"/>
-                </a:solidFill>
-                <a:effectLst>
-                  <a:outerShdw blurRad="38100" dist="38100" dir="2700000" algn="tl">
-                    <a:srgbClr val="000000">
-                      <a:alpha val="43137"/>
-                    </a:srgbClr>
-                  </a:outerShdw>
-                </a:effectLst>
-                <a:latin typeface="Consolas" pitchFamily="49" charset="0"/>
-                <a:cs typeface="Consolas" pitchFamily="49" charset="0"/>
-              </a:rPr>
-              <a:t>2, -</a:t>
-            </a:r>
-            <a:r>
-              <a:rPr lang="en-US" b="1" noProof="1" smtClean="0">
-                <a:solidFill>
-                  <a:srgbClr val="FBEEDC"/>
-                </a:solidFill>
-                <a:effectLst>
-                  <a:outerShdw blurRad="38100" dist="38100" dir="2700000" algn="tl">
-                    <a:srgbClr val="000000">
-                      <a:alpha val="43137"/>
-                    </a:srgbClr>
-                  </a:outerShdw>
-                </a:effectLst>
-                <a:latin typeface="Consolas" pitchFamily="49" charset="0"/>
-                <a:cs typeface="Consolas" pitchFamily="49" charset="0"/>
-              </a:rPr>
-              <a:t>3</a:t>
+              <a:t>1, y1 = 2, -3</a:t>
             </a:r>
           </a:p>
           <a:p>
@@ -5630,56 +5528,8 @@
                 <a:latin typeface="Consolas" pitchFamily="49" charset="0"/>
                 <a:cs typeface="Consolas" pitchFamily="49" charset="0"/>
               </a:rPr>
-              <a:t>2, y2 </a:t>
-            </a:r>
-            <a:r>
-              <a:rPr lang="en-US" b="1" noProof="1" smtClean="0">
-                <a:solidFill>
-                  <a:srgbClr val="FBEEDC"/>
-                </a:solidFill>
-                <a:effectLst>
-                  <a:outerShdw blurRad="38100" dist="38100" dir="2700000" algn="tl">
-                    <a:srgbClr val="000000">
-                      <a:alpha val="43137"/>
-                    </a:srgbClr>
-                  </a:outerShdw>
-                </a:effectLst>
-                <a:latin typeface="Consolas" pitchFamily="49" charset="0"/>
-                <a:cs typeface="Consolas" pitchFamily="49" charset="0"/>
-              </a:rPr>
-              <a:t>= </a:t>
-            </a:r>
-            <a:r>
-              <a:rPr lang="en-US" b="1" noProof="1" smtClean="0">
-                <a:solidFill>
-                  <a:srgbClr val="FBEEDC"/>
-                </a:solidFill>
-                <a:effectLst>
-                  <a:outerShdw blurRad="38100" dist="38100" dir="2700000" algn="tl">
-                    <a:srgbClr val="000000">
-                      <a:alpha val="43137"/>
-                    </a:srgbClr>
-                  </a:outerShdw>
-                </a:effectLst>
-                <a:latin typeface="Consolas" pitchFamily="49" charset="0"/>
-                <a:cs typeface="Consolas" pitchFamily="49" charset="0"/>
-              </a:rPr>
-              <a:t>12, 3</a:t>
-            </a:r>
-            <a:endParaRPr lang="en-US" b="1" noProof="1" smtClean="0">
-              <a:solidFill>
-                <a:srgbClr val="FBEEDC"/>
-              </a:solidFill>
-              <a:effectLst>
-                <a:outerShdw blurRad="38100" dist="38100" dir="2700000" algn="tl">
-                  <a:srgbClr val="000000">
-                    <a:alpha val="43137"/>
-                  </a:srgbClr>
-                </a:outerShdw>
-              </a:effectLst>
-              <a:latin typeface="Consolas" pitchFamily="49" charset="0"/>
-              <a:cs typeface="Consolas" pitchFamily="49" charset="0"/>
-            </a:endParaRPr>
+              <a:t>2, y2 = 12, 3</a:t>
+            </a:r>
           </a:p>
           <a:p>
             <a:pPr eaLnBrk="0" hangingPunct="0">
@@ -6001,10 +5851,20 @@
               <a:t> </a:t>
             </a:r>
             <a:r>
+              <a:rPr lang="en-US" dirty="0">
+                <a:hlinkClick r:id="rId2"/>
+              </a:rPr>
+              <a:t>https://</a:t>
+            </a:r>
+            <a:r>
               <a:rPr lang="en-US" dirty="0" smtClean="0">
                 <a:hlinkClick r:id="rId2"/>
               </a:rPr>
-              <a:t>https://judge.softuni.bg/Contests/Practice/Index/153#2</a:t>
+              <a:t>judge.softuni.bg/Contests/Practice/Index/489#2</a:t>
+            </a:r>
+            <a:r>
+              <a:rPr lang="en-US" dirty="0" smtClean="0"/>
+              <a:t> </a:t>
             </a:r>
             <a:endParaRPr lang="en-US" dirty="0"/>
           </a:p>
@@ -8423,16 +8283,20 @@
               <a:t> </a:t>
             </a:r>
             <a:r>
+              <a:rPr lang="en-US" dirty="0">
+                <a:hlinkClick r:id="rId2"/>
+              </a:rPr>
+              <a:t>https://</a:t>
+            </a:r>
+            <a:r>
               <a:rPr lang="en-US" dirty="0" smtClean="0">
                 <a:hlinkClick r:id="rId2"/>
               </a:rPr>
-              <a:t>https://judge.softuni.bg/Contests/Practice/Index/153#</a:t>
-            </a:r>
-            <a:r>
-              <a:rPr lang="bg-BG" dirty="0" smtClean="0">
-                <a:hlinkClick r:id="rId2"/>
-              </a:rPr>
-              <a:t>3</a:t>
+              <a:t>judge.softuni.bg/Contests/Practice/Index/489#3</a:t>
+            </a:r>
+            <a:r>
+              <a:rPr lang="en-US" dirty="0" smtClean="0"/>
+              <a:t> </a:t>
             </a:r>
             <a:endParaRPr lang="en-US" dirty="0"/>
           </a:p>
@@ -8798,8 +8662,56 @@
                 <a:latin typeface="Consolas" pitchFamily="49" charset="0"/>
                 <a:cs typeface="Consolas" pitchFamily="49" charset="0"/>
               </a:rPr>
-              <a:t>girl1 = input()</a:t>
-            </a:r>
+              <a:t>friend1 </a:t>
+            </a:r>
+            <a:r>
+              <a:rPr lang="en-US" sz="2800" b="1" noProof="1" smtClean="0">
+                <a:solidFill>
+                  <a:srgbClr val="FBEEDC"/>
+                </a:solidFill>
+                <a:effectLst>
+                  <a:outerShdw blurRad="38100" dist="38100" dir="2700000" algn="tl">
+                    <a:srgbClr val="000000">
+                      <a:alpha val="43137"/>
+                    </a:srgbClr>
+                  </a:outerShdw>
+                </a:effectLst>
+                <a:latin typeface="Consolas" pitchFamily="49" charset="0"/>
+                <a:cs typeface="Consolas" pitchFamily="49" charset="0"/>
+              </a:rPr>
+              <a:t>= input</a:t>
+            </a:r>
+            <a:r>
+              <a:rPr lang="en-US" sz="2800" b="1" noProof="1" smtClean="0">
+                <a:solidFill>
+                  <a:srgbClr val="FBEEDC"/>
+                </a:solidFill>
+                <a:effectLst>
+                  <a:outerShdw blurRad="38100" dist="38100" dir="2700000" algn="tl">
+                    <a:srgbClr val="000000">
+                      <a:alpha val="43137"/>
+                    </a:srgbClr>
+                  </a:outerShdw>
+                </a:effectLst>
+                <a:latin typeface="Consolas" pitchFamily="49" charset="0"/>
+                <a:cs typeface="Consolas" pitchFamily="49" charset="0"/>
+              </a:rPr>
+              <a:t>().lower()</a:t>
+            </a:r>
+            <a:endParaRPr lang="en-US" sz="2800" b="1" noProof="1" smtClean="0">
+              <a:solidFill>
+                <a:srgbClr val="FBEEDC"/>
+              </a:solidFill>
+              <a:effectLst>
+                <a:outerShdw blurRad="38100" dist="38100" dir="2700000" algn="tl">
+                  <a:srgbClr val="000000">
+                    <a:alpha val="43137"/>
+                  </a:srgbClr>
+                </a:outerShdw>
+              </a:effectLst>
+              <a:latin typeface="Consolas" pitchFamily="49" charset="0"/>
+              <a:cs typeface="Consolas" pitchFamily="49" charset="0"/>
+            </a:endParaRPr>
           </a:p>
           <a:p>
             <a:pPr eaLnBrk="0" hangingPunct="0">
@@ -8829,8 +8741,56 @@
                 <a:latin typeface="Consolas" pitchFamily="49" charset="0"/>
                 <a:cs typeface="Consolas" pitchFamily="49" charset="0"/>
               </a:rPr>
-              <a:t>girl2 = input()</a:t>
-            </a:r>
+              <a:t>friend2 </a:t>
+            </a:r>
+            <a:r>
+              <a:rPr lang="en-US" sz="2800" b="1" noProof="1" smtClean="0">
+                <a:solidFill>
+                  <a:srgbClr val="FBEEDC"/>
+                </a:solidFill>
+                <a:effectLst>
+                  <a:outerShdw blurRad="38100" dist="38100" dir="2700000" algn="tl">
+                    <a:srgbClr val="000000">
+                      <a:alpha val="43137"/>
+                    </a:srgbClr>
+                  </a:outerShdw>
+                </a:effectLst>
+                <a:latin typeface="Consolas" pitchFamily="49" charset="0"/>
+                <a:cs typeface="Consolas" pitchFamily="49" charset="0"/>
+              </a:rPr>
+              <a:t>= input</a:t>
+            </a:r>
+            <a:r>
+              <a:rPr lang="en-US" sz="2800" b="1" noProof="1" smtClean="0">
+                <a:solidFill>
+                  <a:srgbClr val="FBEEDC"/>
+                </a:solidFill>
+                <a:effectLst>
+                  <a:outerShdw blurRad="38100" dist="38100" dir="2700000" algn="tl">
+                    <a:srgbClr val="000000">
+                      <a:alpha val="43137"/>
+                    </a:srgbClr>
+                  </a:outerShdw>
+                </a:effectLst>
+                <a:latin typeface="Consolas" pitchFamily="49" charset="0"/>
+                <a:cs typeface="Consolas" pitchFamily="49" charset="0"/>
+              </a:rPr>
+              <a:t>().lower()</a:t>
+            </a:r>
+            <a:endParaRPr lang="en-US" sz="2800" b="1" noProof="1" smtClean="0">
+              <a:solidFill>
+                <a:srgbClr val="FBEEDC"/>
+              </a:solidFill>
+              <a:effectLst>
+                <a:outerShdw blurRad="38100" dist="38100" dir="2700000" algn="tl">
+                  <a:srgbClr val="000000">
+                    <a:alpha val="43137"/>
+                  </a:srgbClr>
+                </a:outerShdw>
+              </a:effectLst>
+              <a:latin typeface="Consolas" pitchFamily="49" charset="0"/>
+              <a:cs typeface="Consolas" pitchFamily="49" charset="0"/>
+            </a:endParaRPr>
           </a:p>
           <a:p>
             <a:pPr eaLnBrk="0" hangingPunct="0">
@@ -8860,7 +8820,7 @@
                 <a:latin typeface="Consolas" pitchFamily="49" charset="0"/>
                 <a:cs typeface="Consolas" pitchFamily="49" charset="0"/>
               </a:rPr>
-              <a:t>if girl1 </a:t>
+              <a:t>if </a:t>
             </a:r>
             <a:r>
               <a:rPr lang="en-US" sz="2800" b="1" noProof="1">
@@ -8877,6 +8837,23 @@
                 <a:latin typeface="Consolas" pitchFamily="49" charset="0"/>
                 <a:cs typeface="Consolas" pitchFamily="49" charset="0"/>
               </a:rPr>
+              <a:t>(friend1 </a:t>
+            </a:r>
+            <a:r>
+              <a:rPr lang="en-US" sz="2800" b="1" noProof="1">
+                <a:solidFill>
+                  <a:srgbClr val="FBEEDC"/>
+                </a:solidFill>
+                <a:effectLst>
+                  <a:outerShdw blurRad="38100" dist="38100" dir="2700000" algn="tl">
+                    <a:srgbClr val="000000">
+                      <a:alpha val="43137"/>
+                    </a:srgbClr>
+                  </a:outerShdw>
+                </a:effectLst>
+                <a:latin typeface="Consolas" pitchFamily="49" charset="0"/>
+                <a:cs typeface="Consolas" pitchFamily="49" charset="0"/>
+              </a:rPr>
               <a:t>== </a:t>
             </a:r>
             <a:r>
@@ -8894,7 +8871,7 @@
                 <a:latin typeface="Consolas" pitchFamily="49" charset="0"/>
                 <a:cs typeface="Consolas" pitchFamily="49" charset="0"/>
               </a:rPr>
-              <a:t>'out' </a:t>
+              <a:t>'out') </a:t>
             </a:r>
             <a:r>
               <a:rPr lang="en-US" sz="2800" b="1" noProof="1" smtClean="0">
@@ -8930,7 +8907,7 @@
                 <a:latin typeface="Consolas" pitchFamily="49" charset="0"/>
                 <a:cs typeface="Consolas" pitchFamily="49" charset="0"/>
               </a:rPr>
-              <a:t> girl2 </a:t>
+              <a:t> </a:t>
             </a:r>
             <a:r>
               <a:rPr lang="en-US" sz="2800" b="1" noProof="1">
@@ -8947,6 +8924,40 @@
                 <a:latin typeface="Consolas" pitchFamily="49" charset="0"/>
                 <a:cs typeface="Consolas" pitchFamily="49" charset="0"/>
               </a:rPr>
+              <a:t>(</a:t>
+            </a:r>
+            <a:r>
+              <a:rPr lang="en-US" sz="2800" b="1" noProof="1" smtClean="0">
+                <a:solidFill>
+                  <a:srgbClr val="FBEEDC"/>
+                </a:solidFill>
+                <a:effectLst>
+                  <a:outerShdw blurRad="38100" dist="38100" dir="2700000" algn="tl">
+                    <a:srgbClr val="000000">
+                      <a:alpha val="43137"/>
+                    </a:srgbClr>
+                  </a:outerShdw>
+                </a:effectLst>
+                <a:latin typeface="Consolas" pitchFamily="49" charset="0"/>
+                <a:cs typeface="Consolas" pitchFamily="49" charset="0"/>
+              </a:rPr>
+              <a:t>friend2 </a:t>
+            </a:r>
+            <a:r>
+              <a:rPr lang="en-US" sz="2800" b="1" noProof="1">
+                <a:solidFill>
+                  <a:srgbClr val="FBEEDC"/>
+                </a:solidFill>
+                <a:effectLst>
+                  <a:outerShdw blurRad="38100" dist="38100" dir="2700000" algn="tl">
+                    <a:srgbClr val="000000">
+                      <a:alpha val="43137"/>
+                    </a:srgbClr>
+                  </a:outerShdw>
+                </a:effectLst>
+                <a:latin typeface="Consolas" pitchFamily="49" charset="0"/>
+                <a:cs typeface="Consolas" pitchFamily="49" charset="0"/>
+              </a:rPr>
               <a:t>== </a:t>
             </a:r>
             <a:r>
@@ -8964,8 +8975,22 @@
                 <a:latin typeface="Consolas" pitchFamily="49" charset="0"/>
                 <a:cs typeface="Consolas" pitchFamily="49" charset="0"/>
               </a:rPr>
-              <a:t>'out':</a:t>
-            </a:r>
+              <a:t>'out'):</a:t>
+            </a:r>
+            <a:endParaRPr lang="en-US" sz="2800" b="1" noProof="1" smtClean="0">
+              <a:solidFill>
+                <a:srgbClr val="FBEEDC"/>
+              </a:solidFill>
+              <a:effectLst>
+                <a:outerShdw blurRad="38100" dist="38100" dir="2700000" algn="tl">
+                  <a:srgbClr val="000000">
+                    <a:alpha val="43137"/>
+                  </a:srgbClr>
+                </a:outerShdw>
+              </a:effectLst>
+              <a:latin typeface="Consolas" pitchFamily="49" charset="0"/>
+              <a:cs typeface="Consolas" pitchFamily="49" charset="0"/>
+            </a:endParaRPr>
           </a:p>
           <a:p>
             <a:pPr eaLnBrk="0" hangingPunct="0">
@@ -9076,6 +9101,55 @@
               </a:rPr>
               <a:t>    print('Stay at home!')</a:t>
             </a:r>
+          </a:p>
+        </p:txBody>
+      </p:sp>
+      <p:sp>
+        <p:nvSpPr>
+          <p:cNvPr id="7" name="Rectangle 6"/>
+          <p:cNvSpPr/>
+          <p:nvPr/>
+        </p:nvSpPr>
+        <p:spPr>
+          <a:xfrm>
+            <a:off x="815004" y="6167735"/>
+            <a:ext cx="10668000" cy="461665"/>
+          </a:xfrm>
+          <a:prstGeom prst="rect">
+            <a:avLst/>
+          </a:prstGeom>
+        </p:spPr>
+        <p:txBody>
+          <a:bodyPr wrap="square">
+            <a:spAutoFit/>
+          </a:bodyPr>
+          <a:lstStyle/>
+          <a:p>
+            <a:r>
+              <a:rPr lang="bg-BG" dirty="0" smtClean="0"/>
+              <a:t>Тестване на решението:</a:t>
+            </a:r>
+            <a:r>
+              <a:rPr lang="en-US" dirty="0"/>
+              <a:t> </a:t>
+            </a:r>
+            <a:r>
+              <a:rPr lang="en-US" dirty="0">
+                <a:hlinkClick r:id="rId2"/>
+              </a:rPr>
+              <a:t>https://</a:t>
+            </a:r>
+            <a:r>
+              <a:rPr lang="en-US" dirty="0" smtClean="0">
+                <a:hlinkClick r:id="rId2"/>
+              </a:rPr>
+              <a:t>judge.softuni.bg/Contests/Practice/Index/489#4</a:t>
+            </a:r>
+            <a:r>
+              <a:rPr lang="en-US" dirty="0" smtClean="0"/>
+              <a:t>  </a:t>
+            </a:r>
+            <a:endParaRPr lang="en-US" dirty="0"/>
           </a:p>
         </p:txBody>
       </p:sp>
@@ -9101,6 +9175,664 @@
 </file>
 
 <file path=ppt/slides/slide15.xml><?xml version="1.0" encoding="utf-8"?>
+<p:sld xmlns:a="http://schemas.openxmlformats.org/drawingml/2006/main" xmlns:r="http://schemas.openxmlformats.org/officeDocument/2006/relationships" xmlns:p="http://schemas.openxmlformats.org/presentationml/2006/main">
+  <p:cSld>
+    <p:spTree>
+      <p:nvGrpSpPr>
+        <p:cNvPr id="1" name=""/>
+        <p:cNvGrpSpPr/>
+        <p:nvPr/>
+      </p:nvGrpSpPr>
+      <p:grpSpPr>
+        <a:xfrm>
+          <a:off x="0" y="0"/>
+          <a:ext cx="0" cy="0"/>
+          <a:chOff x="0" y="0"/>
+          <a:chExt cx="0" cy="0"/>
+        </a:xfrm>
+      </p:grpSpPr>
+      <p:sp>
+        <p:nvSpPr>
+          <p:cNvPr id="2" name="Slide Number Placeholder 1"/>
+          <p:cNvSpPr>
+            <a:spLocks noGrp="1"/>
+          </p:cNvSpPr>
+          <p:nvPr>
+            <p:ph type="sldNum" sz="quarter" idx="4"/>
+          </p:nvPr>
+        </p:nvSpPr>
+        <p:spPr/>
+        <p:txBody>
+          <a:bodyPr/>
+          <a:lstStyle/>
+          <a:p>
+            <a:fld id="{C014DD1E-5D91-48A3-AD6D-45FBA980D106}" type="slidenum">
+              <a:rPr lang="en-US" smtClean="0"/>
+              <a:pPr/>
+              <a:t>15</a:t>
+            </a:fld>
+            <a:endParaRPr lang="en-US" dirty="0"/>
+          </a:p>
+        </p:txBody>
+      </p:sp>
+      <p:sp>
+        <p:nvSpPr>
+          <p:cNvPr id="4" name="Title 3"/>
+          <p:cNvSpPr>
+            <a:spLocks noGrp="1"/>
+          </p:cNvSpPr>
+          <p:nvPr>
+            <p:ph type="title"/>
+          </p:nvPr>
+        </p:nvSpPr>
+        <p:spPr/>
+        <p:txBody>
+          <a:bodyPr/>
+          <a:lstStyle/>
+          <a:p>
+            <a:r>
+              <a:rPr lang="bg-BG" dirty="0" smtClean="0"/>
+              <a:t>Логическо отрицание</a:t>
+            </a:r>
+            <a:endParaRPr lang="en-US" dirty="0"/>
+          </a:p>
+        </p:txBody>
+      </p:sp>
+      <p:sp>
+        <p:nvSpPr>
+          <p:cNvPr id="5" name="Content Placeholder 2"/>
+          <p:cNvSpPr>
+            <a:spLocks noGrp="1"/>
+          </p:cNvSpPr>
+          <p:nvPr>
+            <p:ph idx="1"/>
+          </p:nvPr>
+        </p:nvSpPr>
+        <p:spPr>
+          <a:xfrm>
+            <a:off x="190413" y="1151121"/>
+            <a:ext cx="11804822" cy="5570355"/>
+          </a:xfrm>
+        </p:spPr>
+        <p:txBody>
+          <a:bodyPr>
+            <a:normAutofit/>
+          </a:bodyPr>
+          <a:lstStyle/>
+          <a:p>
+            <a:pPr>
+              <a:lnSpc>
+                <a:spcPct val="100000"/>
+              </a:lnSpc>
+            </a:pPr>
+            <a:r>
+              <a:rPr lang="bg-BG" dirty="0"/>
+              <a:t>Логическо </a:t>
+            </a:r>
+            <a:r>
+              <a:rPr lang="bg-BG" b="1" dirty="0" smtClean="0">
+                <a:solidFill>
+                  <a:schemeClr val="tx2">
+                    <a:lumMod val="75000"/>
+                  </a:schemeClr>
+                </a:solidFill>
+              </a:rPr>
+              <a:t>отрицание</a:t>
+            </a:r>
+            <a:r>
+              <a:rPr lang="bg-BG" dirty="0" smtClean="0"/>
+              <a:t> (оператор </a:t>
+            </a:r>
+            <a:r>
+              <a:rPr lang="en-US" b="1" dirty="0" smtClean="0">
+                <a:solidFill>
+                  <a:schemeClr val="tx2">
+                    <a:lumMod val="75000"/>
+                  </a:schemeClr>
+                </a:solidFill>
+                <a:latin typeface="Consolas" panose="020B0609020204030204" pitchFamily="49" charset="0"/>
+              </a:rPr>
+              <a:t>not</a:t>
+            </a:r>
+            <a:r>
+              <a:rPr lang="en-US" dirty="0" smtClean="0"/>
+              <a:t>) </a:t>
+            </a:r>
+            <a:r>
+              <a:rPr lang="bg-BG" dirty="0" smtClean="0"/>
+              <a:t>означава да </a:t>
+            </a:r>
+            <a:r>
+              <a:rPr lang="bg-BG" b="1" dirty="0" smtClean="0">
+                <a:solidFill>
+                  <a:schemeClr val="tx2">
+                    <a:lumMod val="75000"/>
+                  </a:schemeClr>
+                </a:solidFill>
+              </a:rPr>
+              <a:t>не е</a:t>
+            </a:r>
+            <a:r>
+              <a:rPr lang="bg-BG" dirty="0" smtClean="0">
+                <a:solidFill>
+                  <a:schemeClr val="tx2">
+                    <a:lumMod val="75000"/>
+                  </a:schemeClr>
+                </a:solidFill>
+              </a:rPr>
+              <a:t> изпълнено </a:t>
+            </a:r>
+            <a:r>
+              <a:rPr lang="bg-BG" dirty="0" smtClean="0"/>
+              <a:t>дадено услови</a:t>
+            </a:r>
+            <a:r>
+              <a:rPr lang="en-US" dirty="0" smtClean="0"/>
+              <a:t>e</a:t>
+            </a:r>
+          </a:p>
+          <a:p>
+            <a:pPr>
+              <a:lnSpc>
+                <a:spcPct val="100000"/>
+              </a:lnSpc>
+            </a:pPr>
+            <a:r>
+              <a:rPr lang="bg-BG" dirty="0" smtClean="0"/>
+              <a:t>Пример:</a:t>
+            </a:r>
+          </a:p>
+          <a:p>
+            <a:pPr lvl="1">
+              <a:lnSpc>
+                <a:spcPct val="100000"/>
+              </a:lnSpc>
+            </a:pPr>
+            <a:r>
+              <a:rPr lang="bg-BG" dirty="0" smtClean="0"/>
+              <a:t>Дадено число е </a:t>
+            </a:r>
+            <a:r>
+              <a:rPr lang="bg-BG" dirty="0" smtClean="0">
+                <a:solidFill>
+                  <a:schemeClr val="tx2">
+                    <a:lumMod val="75000"/>
+                  </a:schemeClr>
+                </a:solidFill>
+              </a:rPr>
+              <a:t>валидно</a:t>
+            </a:r>
+            <a:r>
+              <a:rPr lang="bg-BG" dirty="0" smtClean="0"/>
+              <a:t>, ако</a:t>
+            </a:r>
+            <a:r>
+              <a:rPr lang="bg-BG" dirty="0"/>
+              <a:t> </a:t>
+            </a:r>
+            <a:r>
+              <a:rPr lang="bg-BG" dirty="0" smtClean="0"/>
+              <a:t>е в диапазона </a:t>
+            </a:r>
+            <a:r>
+              <a:rPr lang="en-US" dirty="0" smtClean="0"/>
+              <a:t>[</a:t>
+            </a:r>
+            <a:r>
+              <a:rPr lang="en-US" dirty="0" smtClean="0">
+                <a:solidFill>
+                  <a:schemeClr val="tx2">
+                    <a:lumMod val="75000"/>
+                  </a:schemeClr>
+                </a:solidFill>
+              </a:rPr>
+              <a:t>100</a:t>
+            </a:r>
+            <a:r>
+              <a:rPr lang="en-US" dirty="0" smtClean="0"/>
+              <a:t>…</a:t>
+            </a:r>
+            <a:r>
+              <a:rPr lang="en-US" dirty="0" smtClean="0">
+                <a:solidFill>
+                  <a:schemeClr val="tx2">
+                    <a:lumMod val="75000"/>
+                  </a:schemeClr>
+                </a:solidFill>
+              </a:rPr>
+              <a:t>200</a:t>
+            </a:r>
+            <a:r>
+              <a:rPr lang="en-US" dirty="0" smtClean="0"/>
+              <a:t>]</a:t>
+            </a:r>
+            <a:r>
+              <a:rPr lang="bg-BG" dirty="0" smtClean="0"/>
+              <a:t> или е </a:t>
+            </a:r>
+            <a:r>
+              <a:rPr lang="bg-BG" dirty="0" smtClean="0">
+                <a:solidFill>
+                  <a:schemeClr val="tx2">
+                    <a:lumMod val="75000"/>
+                  </a:schemeClr>
+                </a:solidFill>
+              </a:rPr>
+              <a:t>0</a:t>
+            </a:r>
+            <a:endParaRPr lang="en-US" dirty="0" smtClean="0">
+              <a:solidFill>
+                <a:schemeClr val="tx2">
+                  <a:lumMod val="75000"/>
+                </a:schemeClr>
+              </a:solidFill>
+            </a:endParaRPr>
+          </a:p>
+          <a:p>
+            <a:pPr lvl="1">
+              <a:lnSpc>
+                <a:spcPct val="100000"/>
+              </a:lnSpc>
+            </a:pPr>
+            <a:r>
+              <a:rPr lang="bg-BG" dirty="0" smtClean="0"/>
+              <a:t>Да се направи проверка за </a:t>
+            </a:r>
+            <a:r>
+              <a:rPr lang="bg-BG" dirty="0" smtClean="0">
+                <a:solidFill>
+                  <a:schemeClr val="tx2">
+                    <a:lumMod val="75000"/>
+                  </a:schemeClr>
+                </a:solidFill>
+              </a:rPr>
+              <a:t>невалидно число</a:t>
+            </a:r>
+            <a:endParaRPr lang="en-US" dirty="0">
+              <a:solidFill>
+                <a:schemeClr val="tx2">
+                  <a:lumMod val="75000"/>
+                </a:schemeClr>
+              </a:solidFill>
+            </a:endParaRPr>
+          </a:p>
+        </p:txBody>
+      </p:sp>
+      <p:sp>
+        <p:nvSpPr>
+          <p:cNvPr id="6" name="Rectangle 5"/>
+          <p:cNvSpPr>
+            <a:spLocks noChangeArrowheads="1"/>
+          </p:cNvSpPr>
+          <p:nvPr/>
+        </p:nvSpPr>
+        <p:spPr bwMode="auto">
+          <a:xfrm>
+            <a:off x="752402" y="4419600"/>
+            <a:ext cx="10654402" cy="1514261"/>
+          </a:xfrm>
+          <a:prstGeom prst="rect">
+            <a:avLst/>
+          </a:prstGeom>
+          <a:solidFill>
+            <a:schemeClr val="accent5">
+              <a:lumMod val="40000"/>
+              <a:lumOff val="60000"/>
+              <a:alpha val="20000"/>
+            </a:schemeClr>
+          </a:solidFill>
+          <a:ln w="12700">
+            <a:solidFill>
+              <a:schemeClr val="accent5">
+                <a:lumMod val="60000"/>
+                <a:lumOff val="40000"/>
+              </a:schemeClr>
+            </a:solidFill>
+          </a:ln>
+        </p:spPr>
+        <p:txBody>
+          <a:bodyPr wrap="square">
+            <a:spAutoFit/>
+          </a:bodyPr>
+          <a:lstStyle/>
+          <a:p>
+            <a:pPr eaLnBrk="0" hangingPunct="0">
+              <a:lnSpc>
+                <a:spcPct val="110000"/>
+              </a:lnSpc>
+              <a:buClr>
+                <a:schemeClr val="accent5">
+                  <a:lumMod val="40000"/>
+                  <a:lumOff val="60000"/>
+                </a:schemeClr>
+              </a:buClr>
+              <a:buSzPct val="70000"/>
+            </a:pPr>
+            <a:r>
+              <a:rPr lang="en-US" sz="2800" b="1" noProof="1" smtClean="0">
+                <a:solidFill>
+                  <a:srgbClr val="FBEEDC"/>
+                </a:solidFill>
+                <a:effectLst>
+                  <a:outerShdw blurRad="38100" dist="38100" dir="2700000" algn="tl">
+                    <a:srgbClr val="000000">
+                      <a:alpha val="43137"/>
+                    </a:srgbClr>
+                  </a:outerShdw>
+                </a:effectLst>
+                <a:latin typeface="Consolas" pitchFamily="49" charset="0"/>
+                <a:cs typeface="Consolas" pitchFamily="49" charset="0"/>
+              </a:rPr>
+              <a:t>inRange = </a:t>
+            </a:r>
+            <a:r>
+              <a:rPr lang="bg-BG" sz="2800" b="1" noProof="1" smtClean="0">
+                <a:solidFill>
+                  <a:srgbClr val="FBEEDC"/>
+                </a:solidFill>
+                <a:effectLst>
+                  <a:outerShdw blurRad="38100" dist="38100" dir="2700000" algn="tl">
+                    <a:srgbClr val="000000">
+                      <a:alpha val="43137"/>
+                    </a:srgbClr>
+                  </a:outerShdw>
+                </a:effectLst>
+                <a:latin typeface="Consolas" pitchFamily="49" charset="0"/>
+                <a:cs typeface="Consolas" pitchFamily="49" charset="0"/>
+              </a:rPr>
+              <a:t>(</a:t>
+            </a:r>
+            <a:r>
+              <a:rPr lang="en-US" sz="2800" b="1" noProof="1" smtClean="0">
+                <a:solidFill>
+                  <a:srgbClr val="FBEEDC"/>
+                </a:solidFill>
+                <a:effectLst>
+                  <a:outerShdw blurRad="38100" dist="38100" dir="2700000" algn="tl">
+                    <a:srgbClr val="000000">
+                      <a:alpha val="43137"/>
+                    </a:srgbClr>
+                  </a:outerShdw>
+                </a:effectLst>
+                <a:latin typeface="Consolas" pitchFamily="49" charset="0"/>
+                <a:cs typeface="Consolas" pitchFamily="49" charset="0"/>
+              </a:rPr>
+              <a:t>num </a:t>
+            </a:r>
+            <a:r>
+              <a:rPr lang="en-US" sz="2800" b="1" noProof="1">
+                <a:solidFill>
+                  <a:srgbClr val="FBEEDC"/>
+                </a:solidFill>
+                <a:effectLst>
+                  <a:outerShdw blurRad="38100" dist="38100" dir="2700000" algn="tl">
+                    <a:srgbClr val="000000">
+                      <a:alpha val="43137"/>
+                    </a:srgbClr>
+                  </a:outerShdw>
+                </a:effectLst>
+                <a:latin typeface="Consolas" pitchFamily="49" charset="0"/>
+                <a:cs typeface="Consolas" pitchFamily="49" charset="0"/>
+              </a:rPr>
+              <a:t>&gt;= 100 </a:t>
+            </a:r>
+            <a:r>
+              <a:rPr lang="en-US" sz="2800" b="1" noProof="1" smtClean="0">
+                <a:solidFill>
+                  <a:srgbClr val="FBEEDC"/>
+                </a:solidFill>
+                <a:effectLst>
+                  <a:outerShdw blurRad="38100" dist="38100" dir="2700000" algn="tl">
+                    <a:srgbClr val="000000">
+                      <a:alpha val="43137"/>
+                    </a:srgbClr>
+                  </a:outerShdw>
+                </a:effectLst>
+                <a:latin typeface="Consolas" pitchFamily="49" charset="0"/>
+                <a:cs typeface="Consolas" pitchFamily="49" charset="0"/>
+              </a:rPr>
+              <a:t>and </a:t>
+            </a:r>
+            <a:r>
+              <a:rPr lang="en-US" sz="2800" b="1" noProof="1">
+                <a:solidFill>
+                  <a:srgbClr val="FBEEDC"/>
+                </a:solidFill>
+                <a:effectLst>
+                  <a:outerShdw blurRad="38100" dist="38100" dir="2700000" algn="tl">
+                    <a:srgbClr val="000000">
+                      <a:alpha val="43137"/>
+                    </a:srgbClr>
+                  </a:outerShdw>
+                </a:effectLst>
+                <a:latin typeface="Consolas" pitchFamily="49" charset="0"/>
+                <a:cs typeface="Consolas" pitchFamily="49" charset="0"/>
+              </a:rPr>
+              <a:t>num &lt;= </a:t>
+            </a:r>
+            <a:r>
+              <a:rPr lang="en-US" sz="2800" b="1" noProof="1" smtClean="0">
+                <a:solidFill>
+                  <a:srgbClr val="FBEEDC"/>
+                </a:solidFill>
+                <a:effectLst>
+                  <a:outerShdw blurRad="38100" dist="38100" dir="2700000" algn="tl">
+                    <a:srgbClr val="000000">
+                      <a:alpha val="43137"/>
+                    </a:srgbClr>
+                  </a:outerShdw>
+                </a:effectLst>
+                <a:latin typeface="Consolas" pitchFamily="49" charset="0"/>
+                <a:cs typeface="Consolas" pitchFamily="49" charset="0"/>
+              </a:rPr>
+              <a:t>200</a:t>
+            </a:r>
+            <a:r>
+              <a:rPr lang="bg-BG" sz="2800" b="1" noProof="1" smtClean="0">
+                <a:solidFill>
+                  <a:srgbClr val="FBEEDC"/>
+                </a:solidFill>
+                <a:effectLst>
+                  <a:outerShdw blurRad="38100" dist="38100" dir="2700000" algn="tl">
+                    <a:srgbClr val="000000">
+                      <a:alpha val="43137"/>
+                    </a:srgbClr>
+                  </a:outerShdw>
+                </a:effectLst>
+                <a:latin typeface="Consolas" pitchFamily="49" charset="0"/>
+                <a:cs typeface="Consolas" pitchFamily="49" charset="0"/>
+              </a:rPr>
+              <a:t>)</a:t>
+            </a:r>
+            <a:r>
+              <a:rPr lang="en-US" sz="2800" b="1" noProof="1" smtClean="0">
+                <a:solidFill>
+                  <a:srgbClr val="FBEEDC"/>
+                </a:solidFill>
+                <a:effectLst>
+                  <a:outerShdw blurRad="38100" dist="38100" dir="2700000" algn="tl">
+                    <a:srgbClr val="000000">
+                      <a:alpha val="43137"/>
+                    </a:srgbClr>
+                  </a:outerShdw>
+                </a:effectLst>
+                <a:latin typeface="Consolas" pitchFamily="49" charset="0"/>
+                <a:cs typeface="Consolas" pitchFamily="49" charset="0"/>
+              </a:rPr>
+              <a:t> or num == 0</a:t>
+            </a:r>
+          </a:p>
+          <a:p>
+            <a:pPr eaLnBrk="0" hangingPunct="0">
+              <a:lnSpc>
+                <a:spcPct val="110000"/>
+              </a:lnSpc>
+              <a:buClr>
+                <a:schemeClr val="accent5">
+                  <a:lumMod val="40000"/>
+                  <a:lumOff val="60000"/>
+                </a:schemeClr>
+              </a:buClr>
+              <a:buSzPct val="70000"/>
+            </a:pPr>
+            <a:r>
+              <a:rPr lang="en-US" sz="2800" b="1" noProof="1" smtClean="0">
+                <a:solidFill>
+                  <a:srgbClr val="FBEEDC"/>
+                </a:solidFill>
+                <a:effectLst>
+                  <a:outerShdw blurRad="38100" dist="38100" dir="2700000" algn="tl">
+                    <a:srgbClr val="000000">
+                      <a:alpha val="43137"/>
+                    </a:srgbClr>
+                  </a:outerShdw>
+                </a:effectLst>
+                <a:latin typeface="Consolas" pitchFamily="49" charset="0"/>
+                <a:cs typeface="Consolas" pitchFamily="49" charset="0"/>
+              </a:rPr>
+              <a:t>if </a:t>
+            </a:r>
+            <a:r>
+              <a:rPr lang="en-US" sz="2800" b="1" noProof="1" smtClean="0">
+                <a:solidFill>
+                  <a:schemeClr val="tx2">
+                    <a:lumMod val="75000"/>
+                  </a:schemeClr>
+                </a:solidFill>
+                <a:effectLst>
+                  <a:outerShdw blurRad="38100" dist="38100" dir="2700000" algn="tl">
+                    <a:srgbClr val="000000">
+                      <a:alpha val="43137"/>
+                    </a:srgbClr>
+                  </a:outerShdw>
+                </a:effectLst>
+                <a:latin typeface="Consolas" pitchFamily="49" charset="0"/>
+                <a:cs typeface="Consolas" pitchFamily="49" charset="0"/>
+              </a:rPr>
+              <a:t>not </a:t>
+            </a:r>
+            <a:r>
+              <a:rPr lang="en-US" sz="2800" b="1" noProof="1" smtClean="0">
+                <a:solidFill>
+                  <a:srgbClr val="FBEEDC"/>
+                </a:solidFill>
+                <a:effectLst>
+                  <a:outerShdw blurRad="38100" dist="38100" dir="2700000" algn="tl">
+                    <a:srgbClr val="000000">
+                      <a:alpha val="43137"/>
+                    </a:srgbClr>
+                  </a:outerShdw>
+                </a:effectLst>
+                <a:latin typeface="Consolas" pitchFamily="49" charset="0"/>
+                <a:cs typeface="Consolas" pitchFamily="49" charset="0"/>
+              </a:rPr>
+              <a:t>inRange:</a:t>
+            </a:r>
+          </a:p>
+          <a:p>
+            <a:pPr eaLnBrk="0" hangingPunct="0">
+              <a:lnSpc>
+                <a:spcPct val="110000"/>
+              </a:lnSpc>
+              <a:buClr>
+                <a:schemeClr val="accent5">
+                  <a:lumMod val="40000"/>
+                  <a:lumOff val="60000"/>
+                </a:schemeClr>
+              </a:buClr>
+              <a:buSzPct val="70000"/>
+            </a:pPr>
+            <a:r>
+              <a:rPr lang="en-US" sz="2800" b="1" noProof="1" smtClean="0">
+                <a:solidFill>
+                  <a:srgbClr val="FBEEDC"/>
+                </a:solidFill>
+                <a:effectLst>
+                  <a:outerShdw blurRad="38100" dist="38100" dir="2700000" algn="tl">
+                    <a:srgbClr val="000000">
+                      <a:alpha val="43137"/>
+                    </a:srgbClr>
+                  </a:outerShdw>
+                </a:effectLst>
+                <a:latin typeface="Consolas" pitchFamily="49" charset="0"/>
+                <a:cs typeface="Consolas" pitchFamily="49" charset="0"/>
+              </a:rPr>
+              <a:t>    print('invalid')</a:t>
+            </a:r>
+          </a:p>
+        </p:txBody>
+      </p:sp>
+      <p:sp>
+        <p:nvSpPr>
+          <p:cNvPr id="7" name="Rectangle 6"/>
+          <p:cNvSpPr/>
+          <p:nvPr/>
+        </p:nvSpPr>
+        <p:spPr>
+          <a:xfrm>
+            <a:off x="815004" y="6096000"/>
+            <a:ext cx="10668000" cy="461665"/>
+          </a:xfrm>
+          <a:prstGeom prst="rect">
+            <a:avLst/>
+          </a:prstGeom>
+        </p:spPr>
+        <p:txBody>
+          <a:bodyPr wrap="square">
+            <a:spAutoFit/>
+          </a:bodyPr>
+          <a:lstStyle/>
+          <a:p>
+            <a:r>
+              <a:rPr lang="bg-BG" dirty="0" smtClean="0"/>
+              <a:t>Тестване на решението:</a:t>
+            </a:r>
+            <a:r>
+              <a:rPr lang="en-US" dirty="0"/>
+              <a:t> </a:t>
+            </a:r>
+            <a:r>
+              <a:rPr lang="en-US" dirty="0">
+                <a:hlinkClick r:id="rId2"/>
+              </a:rPr>
+              <a:t>https://</a:t>
+            </a:r>
+            <a:r>
+              <a:rPr lang="en-US" dirty="0" smtClean="0">
+                <a:hlinkClick r:id="rId2"/>
+              </a:rPr>
+              <a:t>judge.softuni.bg/Contests/Practice/Index/489#5</a:t>
+            </a:r>
+            <a:r>
+              <a:rPr lang="en-US" dirty="0" smtClean="0"/>
+              <a:t> </a:t>
+            </a:r>
+            <a:endParaRPr lang="en-US" dirty="0"/>
+          </a:p>
+        </p:txBody>
+      </p:sp>
+    </p:spTree>
+    <p:extLst>
+      <p:ext uri="{BB962C8B-B14F-4D97-AF65-F5344CB8AC3E}">
+        <p14:creationId xmlns:p14="http://schemas.microsoft.com/office/powerpoint/2010/main" val="2284544619"/>
+      </p:ext>
+    </p:extLst>
+  </p:cSld>
+  <p:clrMapOvr>
+    <a:masterClrMapping/>
+  </p:clrMapOvr>
+  <mc:AlternateContent xmlns:mc="http://schemas.openxmlformats.org/markup-compatibility/2006" xmlns:p14="http://schemas.microsoft.com/office/powerpoint/2010/main">
+    <mc:Choice Requires="p14">
+      <p:transition p14:dur="0"/>
+    </mc:Choice>
+    <mc:Fallback xmlns="">
+      <p:transition/>
+    </mc:Fallback>
+  </mc:AlternateContent>
+</p:sld>
+</file>
+
+<file path=ppt/slides/slide16.xml><?xml version="1.0" encoding="utf-8"?>
 <p:sld xmlns:a="http://schemas.openxmlformats.org/drawingml/2006/main" xmlns:r="http://schemas.openxmlformats.org/officeDocument/2006/relationships" xmlns:p="http://schemas.openxmlformats.org/presentationml/2006/main">
   <p:cSld>
     <p:spTree>
@@ -9343,660 +10075,6 @@
 </p:sld>
 </file>
 
-<file path=ppt/slides/slide16.xml><?xml version="1.0" encoding="utf-8"?>
-<p:sld xmlns:a="http://schemas.openxmlformats.org/drawingml/2006/main" xmlns:r="http://schemas.openxmlformats.org/officeDocument/2006/relationships" xmlns:p="http://schemas.openxmlformats.org/presentationml/2006/main">
-  <p:cSld>
-    <p:spTree>
-      <p:nvGrpSpPr>
-        <p:cNvPr id="1" name=""/>
-        <p:cNvGrpSpPr/>
-        <p:nvPr/>
-      </p:nvGrpSpPr>
-      <p:grpSpPr>
-        <a:xfrm>
-          <a:off x="0" y="0"/>
-          <a:ext cx="0" cy="0"/>
-          <a:chOff x="0" y="0"/>
-          <a:chExt cx="0" cy="0"/>
-        </a:xfrm>
-      </p:grpSpPr>
-      <p:sp>
-        <p:nvSpPr>
-          <p:cNvPr id="2" name="Slide Number Placeholder 1"/>
-          <p:cNvSpPr>
-            <a:spLocks noGrp="1"/>
-          </p:cNvSpPr>
-          <p:nvPr>
-            <p:ph type="sldNum" sz="quarter" idx="4"/>
-          </p:nvPr>
-        </p:nvSpPr>
-        <p:spPr/>
-        <p:txBody>
-          <a:bodyPr/>
-          <a:lstStyle/>
-          <a:p>
-            <a:fld id="{C014DD1E-5D91-48A3-AD6D-45FBA980D106}" type="slidenum">
-              <a:rPr lang="en-US" smtClean="0"/>
-              <a:pPr/>
-              <a:t>16</a:t>
-            </a:fld>
-            <a:endParaRPr lang="en-US" dirty="0"/>
-          </a:p>
-        </p:txBody>
-      </p:sp>
-      <p:sp>
-        <p:nvSpPr>
-          <p:cNvPr id="4" name="Title 3"/>
-          <p:cNvSpPr>
-            <a:spLocks noGrp="1"/>
-          </p:cNvSpPr>
-          <p:nvPr>
-            <p:ph type="title"/>
-          </p:nvPr>
-        </p:nvSpPr>
-        <p:spPr/>
-        <p:txBody>
-          <a:bodyPr/>
-          <a:lstStyle/>
-          <a:p>
-            <a:r>
-              <a:rPr lang="bg-BG" dirty="0" smtClean="0"/>
-              <a:t>Логическо отрицание</a:t>
-            </a:r>
-            <a:endParaRPr lang="en-US" dirty="0"/>
-          </a:p>
-        </p:txBody>
-      </p:sp>
-      <p:sp>
-        <p:nvSpPr>
-          <p:cNvPr id="5" name="Content Placeholder 2"/>
-          <p:cNvSpPr>
-            <a:spLocks noGrp="1"/>
-          </p:cNvSpPr>
-          <p:nvPr>
-            <p:ph idx="1"/>
-          </p:nvPr>
-        </p:nvSpPr>
-        <p:spPr>
-          <a:xfrm>
-            <a:off x="190413" y="1151121"/>
-            <a:ext cx="11804822" cy="5570355"/>
-          </a:xfrm>
-        </p:spPr>
-        <p:txBody>
-          <a:bodyPr>
-            <a:normAutofit/>
-          </a:bodyPr>
-          <a:lstStyle/>
-          <a:p>
-            <a:pPr>
-              <a:lnSpc>
-                <a:spcPct val="100000"/>
-              </a:lnSpc>
-            </a:pPr>
-            <a:r>
-              <a:rPr lang="bg-BG" dirty="0"/>
-              <a:t>Логическо </a:t>
-            </a:r>
-            <a:r>
-              <a:rPr lang="bg-BG" b="1" dirty="0" smtClean="0">
-                <a:solidFill>
-                  <a:schemeClr val="tx2">
-                    <a:lumMod val="75000"/>
-                  </a:schemeClr>
-                </a:solidFill>
-              </a:rPr>
-              <a:t>отрицание</a:t>
-            </a:r>
-            <a:r>
-              <a:rPr lang="bg-BG" dirty="0" smtClean="0"/>
-              <a:t> (оператор </a:t>
-            </a:r>
-            <a:r>
-              <a:rPr lang="en-US" b="1" dirty="0" smtClean="0">
-                <a:solidFill>
-                  <a:schemeClr val="tx2">
-                    <a:lumMod val="75000"/>
-                  </a:schemeClr>
-                </a:solidFill>
-                <a:latin typeface="Consolas" panose="020B0609020204030204" pitchFamily="49" charset="0"/>
-              </a:rPr>
-              <a:t>not</a:t>
-            </a:r>
-            <a:r>
-              <a:rPr lang="en-US" dirty="0" smtClean="0"/>
-              <a:t>) </a:t>
-            </a:r>
-            <a:r>
-              <a:rPr lang="bg-BG" dirty="0" smtClean="0"/>
-              <a:t>означава да </a:t>
-            </a:r>
-            <a:r>
-              <a:rPr lang="bg-BG" b="1" dirty="0" smtClean="0">
-                <a:solidFill>
-                  <a:schemeClr val="tx2">
-                    <a:lumMod val="75000"/>
-                  </a:schemeClr>
-                </a:solidFill>
-              </a:rPr>
-              <a:t>не е</a:t>
-            </a:r>
-            <a:r>
-              <a:rPr lang="bg-BG" dirty="0" smtClean="0">
-                <a:solidFill>
-                  <a:schemeClr val="tx2">
-                    <a:lumMod val="75000"/>
-                  </a:schemeClr>
-                </a:solidFill>
-              </a:rPr>
-              <a:t> изпълнено </a:t>
-            </a:r>
-            <a:r>
-              <a:rPr lang="bg-BG" dirty="0" smtClean="0"/>
-              <a:t>дадено услови</a:t>
-            </a:r>
-            <a:r>
-              <a:rPr lang="en-US" dirty="0" smtClean="0"/>
-              <a:t>e</a:t>
-            </a:r>
-          </a:p>
-          <a:p>
-            <a:pPr>
-              <a:lnSpc>
-                <a:spcPct val="100000"/>
-              </a:lnSpc>
-            </a:pPr>
-            <a:r>
-              <a:rPr lang="bg-BG" dirty="0" smtClean="0"/>
-              <a:t>Пример:</a:t>
-            </a:r>
-          </a:p>
-          <a:p>
-            <a:pPr lvl="1">
-              <a:lnSpc>
-                <a:spcPct val="100000"/>
-              </a:lnSpc>
-            </a:pPr>
-            <a:r>
-              <a:rPr lang="bg-BG" dirty="0" smtClean="0"/>
-              <a:t>Дадено число е </a:t>
-            </a:r>
-            <a:r>
-              <a:rPr lang="bg-BG" dirty="0" smtClean="0">
-                <a:solidFill>
-                  <a:schemeClr val="tx2">
-                    <a:lumMod val="75000"/>
-                  </a:schemeClr>
-                </a:solidFill>
-              </a:rPr>
-              <a:t>валидно</a:t>
-            </a:r>
-            <a:r>
-              <a:rPr lang="bg-BG" dirty="0" smtClean="0"/>
-              <a:t>, ако</a:t>
-            </a:r>
-            <a:r>
-              <a:rPr lang="bg-BG" dirty="0"/>
-              <a:t> </a:t>
-            </a:r>
-            <a:r>
-              <a:rPr lang="bg-BG" dirty="0" smtClean="0"/>
-              <a:t>е в диапазона </a:t>
-            </a:r>
-            <a:r>
-              <a:rPr lang="en-US" dirty="0" smtClean="0"/>
-              <a:t>[</a:t>
-            </a:r>
-            <a:r>
-              <a:rPr lang="en-US" dirty="0" smtClean="0">
-                <a:solidFill>
-                  <a:schemeClr val="tx2">
-                    <a:lumMod val="75000"/>
-                  </a:schemeClr>
-                </a:solidFill>
-              </a:rPr>
-              <a:t>100</a:t>
-            </a:r>
-            <a:r>
-              <a:rPr lang="en-US" dirty="0" smtClean="0"/>
-              <a:t>…</a:t>
-            </a:r>
-            <a:r>
-              <a:rPr lang="en-US" dirty="0" smtClean="0">
-                <a:solidFill>
-                  <a:schemeClr val="tx2">
-                    <a:lumMod val="75000"/>
-                  </a:schemeClr>
-                </a:solidFill>
-              </a:rPr>
-              <a:t>200</a:t>
-            </a:r>
-            <a:r>
-              <a:rPr lang="en-US" dirty="0" smtClean="0"/>
-              <a:t>]</a:t>
-            </a:r>
-            <a:r>
-              <a:rPr lang="bg-BG" dirty="0" smtClean="0"/>
-              <a:t> или е </a:t>
-            </a:r>
-            <a:r>
-              <a:rPr lang="bg-BG" dirty="0" smtClean="0">
-                <a:solidFill>
-                  <a:schemeClr val="tx2">
-                    <a:lumMod val="75000"/>
-                  </a:schemeClr>
-                </a:solidFill>
-              </a:rPr>
-              <a:t>0</a:t>
-            </a:r>
-            <a:endParaRPr lang="en-US" dirty="0" smtClean="0">
-              <a:solidFill>
-                <a:schemeClr val="tx2">
-                  <a:lumMod val="75000"/>
-                </a:schemeClr>
-              </a:solidFill>
-            </a:endParaRPr>
-          </a:p>
-          <a:p>
-            <a:pPr lvl="1">
-              <a:lnSpc>
-                <a:spcPct val="100000"/>
-              </a:lnSpc>
-            </a:pPr>
-            <a:r>
-              <a:rPr lang="bg-BG" dirty="0" smtClean="0"/>
-              <a:t>Да се направи проверка за </a:t>
-            </a:r>
-            <a:r>
-              <a:rPr lang="bg-BG" dirty="0" smtClean="0">
-                <a:solidFill>
-                  <a:schemeClr val="tx2">
-                    <a:lumMod val="75000"/>
-                  </a:schemeClr>
-                </a:solidFill>
-              </a:rPr>
-              <a:t>невалидно число</a:t>
-            </a:r>
-            <a:endParaRPr lang="en-US" dirty="0">
-              <a:solidFill>
-                <a:schemeClr val="tx2">
-                  <a:lumMod val="75000"/>
-                </a:schemeClr>
-              </a:solidFill>
-            </a:endParaRPr>
-          </a:p>
-        </p:txBody>
-      </p:sp>
-      <p:sp>
-        <p:nvSpPr>
-          <p:cNvPr id="6" name="Rectangle 5"/>
-          <p:cNvSpPr>
-            <a:spLocks noChangeArrowheads="1"/>
-          </p:cNvSpPr>
-          <p:nvPr/>
-        </p:nvSpPr>
-        <p:spPr bwMode="auto">
-          <a:xfrm>
-            <a:off x="752402" y="4419600"/>
-            <a:ext cx="10654402" cy="1514261"/>
-          </a:xfrm>
-          <a:prstGeom prst="rect">
-            <a:avLst/>
-          </a:prstGeom>
-          <a:solidFill>
-            <a:schemeClr val="accent5">
-              <a:lumMod val="40000"/>
-              <a:lumOff val="60000"/>
-              <a:alpha val="20000"/>
-            </a:schemeClr>
-          </a:solidFill>
-          <a:ln w="12700">
-            <a:solidFill>
-              <a:schemeClr val="accent5">
-                <a:lumMod val="60000"/>
-                <a:lumOff val="40000"/>
-              </a:schemeClr>
-            </a:solidFill>
-          </a:ln>
-        </p:spPr>
-        <p:txBody>
-          <a:bodyPr wrap="square">
-            <a:spAutoFit/>
-          </a:bodyPr>
-          <a:lstStyle/>
-          <a:p>
-            <a:pPr eaLnBrk="0" hangingPunct="0">
-              <a:lnSpc>
-                <a:spcPct val="110000"/>
-              </a:lnSpc>
-              <a:buClr>
-                <a:schemeClr val="accent5">
-                  <a:lumMod val="40000"/>
-                  <a:lumOff val="60000"/>
-                </a:schemeClr>
-              </a:buClr>
-              <a:buSzPct val="70000"/>
-            </a:pPr>
-            <a:r>
-              <a:rPr lang="en-US" sz="2800" b="1" noProof="1" smtClean="0">
-                <a:solidFill>
-                  <a:srgbClr val="FBEEDC"/>
-                </a:solidFill>
-                <a:effectLst>
-                  <a:outerShdw blurRad="38100" dist="38100" dir="2700000" algn="tl">
-                    <a:srgbClr val="000000">
-                      <a:alpha val="43137"/>
-                    </a:srgbClr>
-                  </a:outerShdw>
-                </a:effectLst>
-                <a:latin typeface="Consolas" pitchFamily="49" charset="0"/>
-                <a:cs typeface="Consolas" pitchFamily="49" charset="0"/>
-              </a:rPr>
-              <a:t>inRange = </a:t>
-            </a:r>
-            <a:r>
-              <a:rPr lang="bg-BG" sz="2800" b="1" noProof="1" smtClean="0">
-                <a:solidFill>
-                  <a:srgbClr val="FBEEDC"/>
-                </a:solidFill>
-                <a:effectLst>
-                  <a:outerShdw blurRad="38100" dist="38100" dir="2700000" algn="tl">
-                    <a:srgbClr val="000000">
-                      <a:alpha val="43137"/>
-                    </a:srgbClr>
-                  </a:outerShdw>
-                </a:effectLst>
-                <a:latin typeface="Consolas" pitchFamily="49" charset="0"/>
-                <a:cs typeface="Consolas" pitchFamily="49" charset="0"/>
-              </a:rPr>
-              <a:t>(</a:t>
-            </a:r>
-            <a:r>
-              <a:rPr lang="en-US" sz="2800" b="1" noProof="1" smtClean="0">
-                <a:solidFill>
-                  <a:srgbClr val="FBEEDC"/>
-                </a:solidFill>
-                <a:effectLst>
-                  <a:outerShdw blurRad="38100" dist="38100" dir="2700000" algn="tl">
-                    <a:srgbClr val="000000">
-                      <a:alpha val="43137"/>
-                    </a:srgbClr>
-                  </a:outerShdw>
-                </a:effectLst>
-                <a:latin typeface="Consolas" pitchFamily="49" charset="0"/>
-                <a:cs typeface="Consolas" pitchFamily="49" charset="0"/>
-              </a:rPr>
-              <a:t>num </a:t>
-            </a:r>
-            <a:r>
-              <a:rPr lang="en-US" sz="2800" b="1" noProof="1">
-                <a:solidFill>
-                  <a:srgbClr val="FBEEDC"/>
-                </a:solidFill>
-                <a:effectLst>
-                  <a:outerShdw blurRad="38100" dist="38100" dir="2700000" algn="tl">
-                    <a:srgbClr val="000000">
-                      <a:alpha val="43137"/>
-                    </a:srgbClr>
-                  </a:outerShdw>
-                </a:effectLst>
-                <a:latin typeface="Consolas" pitchFamily="49" charset="0"/>
-                <a:cs typeface="Consolas" pitchFamily="49" charset="0"/>
-              </a:rPr>
-              <a:t>&gt;= 100 </a:t>
-            </a:r>
-            <a:r>
-              <a:rPr lang="en-US" sz="2800" b="1" noProof="1" smtClean="0">
-                <a:solidFill>
-                  <a:srgbClr val="FBEEDC"/>
-                </a:solidFill>
-                <a:effectLst>
-                  <a:outerShdw blurRad="38100" dist="38100" dir="2700000" algn="tl">
-                    <a:srgbClr val="000000">
-                      <a:alpha val="43137"/>
-                    </a:srgbClr>
-                  </a:outerShdw>
-                </a:effectLst>
-                <a:latin typeface="Consolas" pitchFamily="49" charset="0"/>
-                <a:cs typeface="Consolas" pitchFamily="49" charset="0"/>
-              </a:rPr>
-              <a:t>and </a:t>
-            </a:r>
-            <a:r>
-              <a:rPr lang="en-US" sz="2800" b="1" noProof="1">
-                <a:solidFill>
-                  <a:srgbClr val="FBEEDC"/>
-                </a:solidFill>
-                <a:effectLst>
-                  <a:outerShdw blurRad="38100" dist="38100" dir="2700000" algn="tl">
-                    <a:srgbClr val="000000">
-                      <a:alpha val="43137"/>
-                    </a:srgbClr>
-                  </a:outerShdw>
-                </a:effectLst>
-                <a:latin typeface="Consolas" pitchFamily="49" charset="0"/>
-                <a:cs typeface="Consolas" pitchFamily="49" charset="0"/>
-              </a:rPr>
-              <a:t>num &lt;= </a:t>
-            </a:r>
-            <a:r>
-              <a:rPr lang="en-US" sz="2800" b="1" noProof="1" smtClean="0">
-                <a:solidFill>
-                  <a:srgbClr val="FBEEDC"/>
-                </a:solidFill>
-                <a:effectLst>
-                  <a:outerShdw blurRad="38100" dist="38100" dir="2700000" algn="tl">
-                    <a:srgbClr val="000000">
-                      <a:alpha val="43137"/>
-                    </a:srgbClr>
-                  </a:outerShdw>
-                </a:effectLst>
-                <a:latin typeface="Consolas" pitchFamily="49" charset="0"/>
-                <a:cs typeface="Consolas" pitchFamily="49" charset="0"/>
-              </a:rPr>
-              <a:t>200</a:t>
-            </a:r>
-            <a:r>
-              <a:rPr lang="bg-BG" sz="2800" b="1" noProof="1" smtClean="0">
-                <a:solidFill>
-                  <a:srgbClr val="FBEEDC"/>
-                </a:solidFill>
-                <a:effectLst>
-                  <a:outerShdw blurRad="38100" dist="38100" dir="2700000" algn="tl">
-                    <a:srgbClr val="000000">
-                      <a:alpha val="43137"/>
-                    </a:srgbClr>
-                  </a:outerShdw>
-                </a:effectLst>
-                <a:latin typeface="Consolas" pitchFamily="49" charset="0"/>
-                <a:cs typeface="Consolas" pitchFamily="49" charset="0"/>
-              </a:rPr>
-              <a:t>)</a:t>
-            </a:r>
-            <a:r>
-              <a:rPr lang="en-US" sz="2800" b="1" noProof="1" smtClean="0">
-                <a:solidFill>
-                  <a:srgbClr val="FBEEDC"/>
-                </a:solidFill>
-                <a:effectLst>
-                  <a:outerShdw blurRad="38100" dist="38100" dir="2700000" algn="tl">
-                    <a:srgbClr val="000000">
-                      <a:alpha val="43137"/>
-                    </a:srgbClr>
-                  </a:outerShdw>
-                </a:effectLst>
-                <a:latin typeface="Consolas" pitchFamily="49" charset="0"/>
-                <a:cs typeface="Consolas" pitchFamily="49" charset="0"/>
-              </a:rPr>
-              <a:t> or num == 0</a:t>
-            </a:r>
-          </a:p>
-          <a:p>
-            <a:pPr eaLnBrk="0" hangingPunct="0">
-              <a:lnSpc>
-                <a:spcPct val="110000"/>
-              </a:lnSpc>
-              <a:buClr>
-                <a:schemeClr val="accent5">
-                  <a:lumMod val="40000"/>
-                  <a:lumOff val="60000"/>
-                </a:schemeClr>
-              </a:buClr>
-              <a:buSzPct val="70000"/>
-            </a:pPr>
-            <a:r>
-              <a:rPr lang="en-US" sz="2800" b="1" noProof="1" smtClean="0">
-                <a:solidFill>
-                  <a:srgbClr val="FBEEDC"/>
-                </a:solidFill>
-                <a:effectLst>
-                  <a:outerShdw blurRad="38100" dist="38100" dir="2700000" algn="tl">
-                    <a:srgbClr val="000000">
-                      <a:alpha val="43137"/>
-                    </a:srgbClr>
-                  </a:outerShdw>
-                </a:effectLst>
-                <a:latin typeface="Consolas" pitchFamily="49" charset="0"/>
-                <a:cs typeface="Consolas" pitchFamily="49" charset="0"/>
-              </a:rPr>
-              <a:t>if </a:t>
-            </a:r>
-            <a:r>
-              <a:rPr lang="en-US" sz="2800" b="1" noProof="1" smtClean="0">
-                <a:solidFill>
-                  <a:schemeClr val="tx2">
-                    <a:lumMod val="75000"/>
-                  </a:schemeClr>
-                </a:solidFill>
-                <a:effectLst>
-                  <a:outerShdw blurRad="38100" dist="38100" dir="2700000" algn="tl">
-                    <a:srgbClr val="000000">
-                      <a:alpha val="43137"/>
-                    </a:srgbClr>
-                  </a:outerShdw>
-                </a:effectLst>
-                <a:latin typeface="Consolas" pitchFamily="49" charset="0"/>
-                <a:cs typeface="Consolas" pitchFamily="49" charset="0"/>
-              </a:rPr>
-              <a:t>not </a:t>
-            </a:r>
-            <a:r>
-              <a:rPr lang="en-US" sz="2800" b="1" noProof="1" smtClean="0">
-                <a:solidFill>
-                  <a:srgbClr val="FBEEDC"/>
-                </a:solidFill>
-                <a:effectLst>
-                  <a:outerShdw blurRad="38100" dist="38100" dir="2700000" algn="tl">
-                    <a:srgbClr val="000000">
-                      <a:alpha val="43137"/>
-                    </a:srgbClr>
-                  </a:outerShdw>
-                </a:effectLst>
-                <a:latin typeface="Consolas" pitchFamily="49" charset="0"/>
-                <a:cs typeface="Consolas" pitchFamily="49" charset="0"/>
-              </a:rPr>
-              <a:t>inRange:</a:t>
-            </a:r>
-          </a:p>
-          <a:p>
-            <a:pPr eaLnBrk="0" hangingPunct="0">
-              <a:lnSpc>
-                <a:spcPct val="110000"/>
-              </a:lnSpc>
-              <a:buClr>
-                <a:schemeClr val="accent5">
-                  <a:lumMod val="40000"/>
-                  <a:lumOff val="60000"/>
-                </a:schemeClr>
-              </a:buClr>
-              <a:buSzPct val="70000"/>
-            </a:pPr>
-            <a:r>
-              <a:rPr lang="en-US" sz="2800" b="1" noProof="1" smtClean="0">
-                <a:solidFill>
-                  <a:srgbClr val="FBEEDC"/>
-                </a:solidFill>
-                <a:effectLst>
-                  <a:outerShdw blurRad="38100" dist="38100" dir="2700000" algn="tl">
-                    <a:srgbClr val="000000">
-                      <a:alpha val="43137"/>
-                    </a:srgbClr>
-                  </a:outerShdw>
-                </a:effectLst>
-                <a:latin typeface="Consolas" pitchFamily="49" charset="0"/>
-                <a:cs typeface="Consolas" pitchFamily="49" charset="0"/>
-              </a:rPr>
-              <a:t>    print('invalid')</a:t>
-            </a:r>
-          </a:p>
-        </p:txBody>
-      </p:sp>
-      <p:sp>
-        <p:nvSpPr>
-          <p:cNvPr id="7" name="Rectangle 6"/>
-          <p:cNvSpPr/>
-          <p:nvPr/>
-        </p:nvSpPr>
-        <p:spPr>
-          <a:xfrm>
-            <a:off x="815004" y="6096000"/>
-            <a:ext cx="10668000" cy="461665"/>
-          </a:xfrm>
-          <a:prstGeom prst="rect">
-            <a:avLst/>
-          </a:prstGeom>
-        </p:spPr>
-        <p:txBody>
-          <a:bodyPr wrap="square">
-            <a:spAutoFit/>
-          </a:bodyPr>
-          <a:lstStyle/>
-          <a:p>
-            <a:r>
-              <a:rPr lang="bg-BG" dirty="0" smtClean="0"/>
-              <a:t>Тестване на решението:</a:t>
-            </a:r>
-            <a:r>
-              <a:rPr lang="en-US" dirty="0"/>
-              <a:t> </a:t>
-            </a:r>
-            <a:r>
-              <a:rPr lang="en-US" dirty="0" smtClean="0">
-                <a:hlinkClick r:id="rId2"/>
-              </a:rPr>
-              <a:t>https://judge.softuni.bg/Contests/Practice/Index/153#</a:t>
-            </a:r>
-            <a:r>
-              <a:rPr lang="bg-BG" dirty="0" smtClean="0">
-                <a:hlinkClick r:id="rId2"/>
-              </a:rPr>
-              <a:t>4</a:t>
-            </a:r>
-            <a:endParaRPr lang="en-US" dirty="0"/>
-          </a:p>
-        </p:txBody>
-      </p:sp>
-    </p:spTree>
-    <p:extLst>
-      <p:ext uri="{BB962C8B-B14F-4D97-AF65-F5344CB8AC3E}">
-        <p14:creationId xmlns:p14="http://schemas.microsoft.com/office/powerpoint/2010/main" val="2284544619"/>
-      </p:ext>
-    </p:extLst>
-  </p:cSld>
-  <p:clrMapOvr>
-    <a:masterClrMapping/>
-  </p:clrMapOvr>
-  <mc:AlternateContent xmlns:mc="http://schemas.openxmlformats.org/markup-compatibility/2006" xmlns:p14="http://schemas.microsoft.com/office/powerpoint/2010/main">
-    <mc:Choice Requires="p14">
-      <p:transition p14:dur="0"/>
-    </mc:Choice>
-    <mc:Fallback xmlns="">
-      <p:transition/>
-    </mc:Fallback>
-  </mc:AlternateContent>
-</p:sld>
-</file>
-
 <file path=ppt/slides/slide17.xml><?xml version="1.0" encoding="utf-8"?>
 <p:sld xmlns:a="http://schemas.openxmlformats.org/drawingml/2006/main" xmlns:r="http://schemas.openxmlformats.org/officeDocument/2006/relationships" xmlns:p="http://schemas.openxmlformats.org/presentationml/2006/main">
   <p:cSld>
@@ -11243,6 +11321,23 @@
             <a:r>
               <a:rPr lang="en-US" sz="2800" b="1" noProof="1" smtClean="0">
                 <a:solidFill>
+                  <a:srgbClr val="FBEEDC"/>
+                </a:solidFill>
+                <a:effectLst>
+                  <a:outerShdw blurRad="38100" dist="38100" dir="2700000" algn="tl">
+                    <a:srgbClr val="000000">
+                      <a:alpha val="43137"/>
+                    </a:srgbClr>
+                  </a:outerShdw>
+                </a:effectLst>
+                <a:latin typeface="Consolas" pitchFamily="49" charset="0"/>
+                <a:cs typeface="Consolas" pitchFamily="49" charset="0"/>
+              </a:rPr>
+              <a:t>(</a:t>
+            </a:r>
+            <a:r>
+              <a:rPr lang="en-US" sz="2800" b="1" noProof="1" smtClean="0">
+                <a:solidFill>
                   <a:schemeClr val="tx2">
                     <a:lumMod val="75000"/>
                   </a:schemeClr>
@@ -11274,7 +11369,24 @@
                 <a:latin typeface="Consolas" pitchFamily="49" charset="0"/>
                 <a:cs typeface="Consolas" pitchFamily="49" charset="0"/>
               </a:rPr>
-              <a:t>(x == x1 or x == x2) and </a:t>
+              <a:t>(</a:t>
+            </a:r>
+            <a:r>
+              <a:rPr lang="en-US" sz="2800" b="1" noProof="1" smtClean="0">
+                <a:solidFill>
+                  <a:srgbClr val="FBEEDC"/>
+                </a:solidFill>
+                <a:effectLst>
+                  <a:outerShdw blurRad="38100" dist="38100" dir="2700000" algn="tl">
+                    <a:srgbClr val="000000">
+                      <a:alpha val="43137"/>
+                    </a:srgbClr>
+                  </a:outerShdw>
+                </a:effectLst>
+                <a:latin typeface="Consolas" pitchFamily="49" charset="0"/>
+                <a:cs typeface="Consolas" pitchFamily="49" charset="0"/>
+              </a:rPr>
+              <a:t>x == x1 or x == x2) and </a:t>
             </a:r>
           </a:p>
           <a:p>
@@ -11322,7 +11434,41 @@
                 <a:latin typeface="Consolas" pitchFamily="49" charset="0"/>
                 <a:cs typeface="Consolas" pitchFamily="49" charset="0"/>
               </a:rPr>
-              <a:t>    (y &gt;= y1) and (y &lt;= y2)</a:t>
+              <a:t>    </a:t>
+            </a:r>
+            <a:r>
+              <a:rPr lang="en-US" sz="2800" b="1" noProof="1" smtClean="0">
+                <a:solidFill>
+                  <a:srgbClr val="FBEEDC"/>
+                </a:solidFill>
+                <a:effectLst>
+                  <a:outerShdw blurRad="38100" dist="38100" dir="2700000" algn="tl">
+                    <a:srgbClr val="000000">
+                      <a:alpha val="43137"/>
+                    </a:srgbClr>
+                  </a:outerShdw>
+                </a:effectLst>
+                <a:latin typeface="Consolas" pitchFamily="49" charset="0"/>
+                <a:cs typeface="Consolas" pitchFamily="49" charset="0"/>
+              </a:rPr>
+              <a:t>(</a:t>
+            </a:r>
+            <a:r>
+              <a:rPr lang="en-US" sz="2800" b="1" noProof="1" smtClean="0">
+                <a:solidFill>
+                  <a:srgbClr val="FBEEDC"/>
+                </a:solidFill>
+                <a:effectLst>
+                  <a:outerShdw blurRad="38100" dist="38100" dir="2700000" algn="tl">
+                    <a:srgbClr val="000000">
+                      <a:alpha val="43137"/>
+                    </a:srgbClr>
+                  </a:outerShdw>
+                </a:effectLst>
+                <a:latin typeface="Consolas" pitchFamily="49" charset="0"/>
+                <a:cs typeface="Consolas" pitchFamily="49" charset="0"/>
+              </a:rPr>
+              <a:t>y &gt;= y1) and (y &lt;= y2)</a:t>
             </a:r>
             <a:r>
               <a:rPr lang="en-US" sz="2800" b="1" noProof="1" smtClean="0">
@@ -11425,7 +11571,24 @@
                 <a:latin typeface="Consolas" pitchFamily="49" charset="0"/>
                 <a:cs typeface="Consolas" pitchFamily="49" charset="0"/>
               </a:rPr>
-              <a:t>(y == y1 or y == y2) and </a:t>
+              <a:t>(y == </a:t>
+            </a:r>
+            <a:r>
+              <a:rPr lang="en-US" sz="2800" b="1" noProof="1" smtClean="0">
+                <a:solidFill>
+                  <a:srgbClr val="FBEEDC"/>
+                </a:solidFill>
+                <a:effectLst>
+                  <a:outerShdw blurRad="38100" dist="38100" dir="2700000" algn="tl">
+                    <a:srgbClr val="000000">
+                      <a:alpha val="43137"/>
+                    </a:srgbClr>
+                  </a:outerShdw>
+                </a:effectLst>
+                <a:latin typeface="Consolas" pitchFamily="49" charset="0"/>
+                <a:cs typeface="Consolas" pitchFamily="49" charset="0"/>
+              </a:rPr>
+              <a:t>y1 or y == y2) and </a:t>
             </a:r>
           </a:p>
           <a:p>
@@ -11473,7 +11636,24 @@
                 <a:latin typeface="Consolas" pitchFamily="49" charset="0"/>
                 <a:cs typeface="Consolas" pitchFamily="49" charset="0"/>
               </a:rPr>
-              <a:t>    (x &gt;= x1) and (x &lt;= x2)</a:t>
+              <a:t>    (x &gt;= x1) and (x &lt;= x2</a:t>
+            </a:r>
+            <a:r>
+              <a:rPr lang="en-US" sz="2800" b="1" noProof="1" smtClean="0">
+                <a:solidFill>
+                  <a:srgbClr val="FBEEDC"/>
+                </a:solidFill>
+                <a:effectLst>
+                  <a:outerShdw blurRad="38100" dist="38100" dir="2700000" algn="tl">
+                    <a:srgbClr val="000000">
+                      <a:alpha val="43137"/>
+                    </a:srgbClr>
+                  </a:outerShdw>
+                </a:effectLst>
+                <a:latin typeface="Consolas" pitchFamily="49" charset="0"/>
+                <a:cs typeface="Consolas" pitchFamily="49" charset="0"/>
+              </a:rPr>
+              <a:t>)</a:t>
             </a:r>
             <a:r>
               <a:rPr lang="en-US" sz="2800" b="1" noProof="1" smtClean="0">
@@ -11492,7 +11672,7 @@
                 <a:latin typeface="Consolas" pitchFamily="49" charset="0"/>
                 <a:cs typeface="Consolas" pitchFamily="49" charset="0"/>
               </a:rPr>
-              <a:t>)</a:t>
+              <a:t>))</a:t>
             </a:r>
             <a:r>
               <a:rPr lang="en-US" sz="2800" b="1" noProof="1" smtClean="0">
@@ -11511,6 +11691,20 @@
               </a:rPr>
               <a:t>:</a:t>
             </a:r>
+            <a:endParaRPr lang="en-US" sz="2800" b="1" noProof="1" smtClean="0">
+              <a:solidFill>
+                <a:srgbClr val="FBEEDC"/>
+              </a:solidFill>
+              <a:effectLst>
+                <a:outerShdw blurRad="38100" dist="38100" dir="2700000" algn="tl">
+                  <a:srgbClr val="000000">
+                    <a:alpha val="43137"/>
+                  </a:srgbClr>
+                </a:outerShdw>
+              </a:effectLst>
+              <a:latin typeface="Consolas" pitchFamily="49" charset="0"/>
+              <a:cs typeface="Consolas" pitchFamily="49" charset="0"/>
+            </a:endParaRPr>
           </a:p>
           <a:p>
             <a:pPr eaLnBrk="0" hangingPunct="0">
@@ -12747,16 +12941,20 @@
               <a:t> </a:t>
             </a:r>
             <a:r>
+              <a:rPr lang="en-US" dirty="0">
+                <a:hlinkClick r:id="rId3"/>
+              </a:rPr>
+              <a:t>https://</a:t>
+            </a:r>
+            <a:r>
               <a:rPr lang="en-US" dirty="0" smtClean="0">
                 <a:hlinkClick r:id="rId3"/>
               </a:rPr>
-              <a:t>https://judge.softuni.bg/Contests/Practice/Index/153#</a:t>
-            </a:r>
-            <a:r>
-              <a:rPr lang="bg-BG" dirty="0" smtClean="0">
-                <a:hlinkClick r:id="rId3"/>
-              </a:rPr>
-              <a:t>5</a:t>
+              <a:t>judge.softuni.bg/Contests/Practice/Index/489#6</a:t>
+            </a:r>
+            <a:r>
+              <a:rPr lang="en-US" dirty="0" smtClean="0"/>
+              <a:t> </a:t>
             </a:r>
             <a:endParaRPr lang="en-US" dirty="0"/>
           </a:p>
@@ -13101,7 +13299,11 @@
           <a:p>
             <a:r>
               <a:rPr lang="bg-BG" dirty="0" smtClean="0"/>
-              <a:t>Задачи с по-сложни проверки</a:t>
+              <a:t>Задачи с по-сложни </a:t>
+            </a:r>
+            <a:r>
+              <a:rPr lang="bg-BG" dirty="0" smtClean="0"/>
+              <a:t>проверки</a:t>
             </a:r>
             <a:endParaRPr lang="bg-BG" dirty="0"/>
           </a:p>
@@ -16794,10 +16996,20 @@
               <a:t> </a:t>
             </a:r>
             <a:r>
+              <a:rPr lang="en-US" dirty="0">
+                <a:hlinkClick r:id="rId2"/>
+              </a:rPr>
+              <a:t>https://</a:t>
+            </a:r>
+            <a:r>
               <a:rPr lang="en-US" dirty="0" smtClean="0">
                 <a:hlinkClick r:id="rId2"/>
               </a:rPr>
-              <a:t>https://judge.softuni.bg/Contests/Practice/Index/153#6</a:t>
+              <a:t>judge.softuni.bg/Contests/Practice/Index/489#7</a:t>
+            </a:r>
+            <a:r>
+              <a:rPr lang="en-US" dirty="0" smtClean="0"/>
+              <a:t> </a:t>
             </a:r>
             <a:endParaRPr lang="en-US" dirty="0"/>
           </a:p>
@@ -19536,8 +19748,73 @@
                 <a:latin typeface="Consolas" pitchFamily="49" charset="0"/>
                 <a:cs typeface="Consolas" pitchFamily="49" charset="0"/>
               </a:rPr>
-              <a:t>  print(round(sales * commission, 2))</a:t>
-            </a:r>
+              <a:t>  print</a:t>
+            </a:r>
+            <a:r>
+              <a:rPr lang="en-US" sz="2100" b="1" noProof="1" smtClean="0">
+                <a:solidFill>
+                  <a:srgbClr val="FBEEDC"/>
+                </a:solidFill>
+                <a:effectLst>
+                  <a:outerShdw blurRad="38100" dist="38100" dir="2700000" algn="tl">
+                    <a:srgbClr val="000000">
+                      <a:alpha val="43137"/>
+                    </a:srgbClr>
+                  </a:outerShdw>
+                </a:effectLst>
+                <a:latin typeface="Consolas" pitchFamily="49" charset="0"/>
+                <a:cs typeface="Consolas" pitchFamily="49" charset="0"/>
+              </a:rPr>
+              <a:t>("{0:.2f}".format(sales </a:t>
+            </a:r>
+            <a:r>
+              <a:rPr lang="en-US" sz="2100" b="1" noProof="1" smtClean="0">
+                <a:solidFill>
+                  <a:srgbClr val="FBEEDC"/>
+                </a:solidFill>
+                <a:effectLst>
+                  <a:outerShdw blurRad="38100" dist="38100" dir="2700000" algn="tl">
+                    <a:srgbClr val="000000">
+                      <a:alpha val="43137"/>
+                    </a:srgbClr>
+                  </a:outerShdw>
+                </a:effectLst>
+                <a:latin typeface="Consolas" pitchFamily="49" charset="0"/>
+                <a:cs typeface="Consolas" pitchFamily="49" charset="0"/>
+              </a:rPr>
+              <a:t>* </a:t>
+            </a:r>
+            <a:r>
+              <a:rPr lang="en-US" sz="2100" b="1" noProof="1" smtClean="0">
+                <a:solidFill>
+                  <a:srgbClr val="FBEEDC"/>
+                </a:solidFill>
+                <a:effectLst>
+                  <a:outerShdw blurRad="38100" dist="38100" dir="2700000" algn="tl">
+                    <a:srgbClr val="000000">
+                      <a:alpha val="43137"/>
+                    </a:srgbClr>
+                  </a:outerShdw>
+                </a:effectLst>
+                <a:latin typeface="Consolas" pitchFamily="49" charset="0"/>
+                <a:cs typeface="Consolas" pitchFamily="49" charset="0"/>
+              </a:rPr>
+              <a:t>commission))</a:t>
+            </a:r>
+            <a:endParaRPr lang="en-US" sz="2100" b="1" noProof="1" smtClean="0">
+              <a:solidFill>
+                <a:srgbClr val="FBEEDC"/>
+              </a:solidFill>
+              <a:effectLst>
+                <a:outerShdw blurRad="38100" dist="38100" dir="2700000" algn="tl">
+                  <a:srgbClr val="000000">
+                    <a:alpha val="43137"/>
+                  </a:srgbClr>
+                </a:outerShdw>
+              </a:effectLst>
+              <a:latin typeface="Consolas" pitchFamily="49" charset="0"/>
+              <a:cs typeface="Consolas" pitchFamily="49" charset="0"/>
+            </a:endParaRPr>
           </a:p>
           <a:p>
             <a:pPr eaLnBrk="0" hangingPunct="0">
@@ -19658,10 +19935,20 @@
               <a:t> </a:t>
             </a:r>
             <a:r>
+              <a:rPr lang="en-US" dirty="0">
+                <a:hlinkClick r:id="rId2"/>
+              </a:rPr>
+              <a:t>https://</a:t>
+            </a:r>
+            <a:r>
               <a:rPr lang="en-US" dirty="0" smtClean="0">
                 <a:hlinkClick r:id="rId2"/>
               </a:rPr>
-              <a:t>https://judge.softuni.bg/Contests/Practice/Index/153#7</a:t>
+              <a:t>judge.softuni.bg/Contests/Practice/Index/489#8</a:t>
+            </a:r>
+            <a:r>
+              <a:rPr lang="en-US" dirty="0" smtClean="0"/>
+              <a:t> </a:t>
             </a:r>
             <a:endParaRPr lang="en-US" dirty="0"/>
           </a:p>
@@ -25174,10 +25461,20 @@
               <a:t> </a:t>
             </a:r>
             <a:r>
+              <a:rPr lang="en-US" dirty="0">
+                <a:hlinkClick r:id="rId2"/>
+              </a:rPr>
+              <a:t>https://</a:t>
+            </a:r>
+            <a:r>
               <a:rPr lang="en-US" dirty="0" smtClean="0">
                 <a:hlinkClick r:id="rId2"/>
               </a:rPr>
-              <a:t>https://judge.softuni.bg/Contests/Practice/Index/153#0</a:t>
+              <a:t>judge.softuni.bg/Contests/Practice/Index/489#0</a:t>
+            </a:r>
+            <a:r>
+              <a:rPr lang="en-US" dirty="0" smtClean="0"/>
+              <a:t> </a:t>
             </a:r>
             <a:endParaRPr lang="en-US" dirty="0"/>
           </a:p>
@@ -27554,8 +27851,8 @@
         </p:nvSpPr>
         <p:spPr bwMode="auto">
           <a:xfrm>
-            <a:off x="912812" y="1126153"/>
-            <a:ext cx="10363200" cy="4832092"/>
+            <a:off x="912812" y="829539"/>
+            <a:ext cx="10363200" cy="5293757"/>
           </a:xfrm>
           <a:prstGeom prst="rect">
             <a:avLst/>
@@ -27592,70 +27889,22 @@
               <a:buSzPct val="70000"/>
             </a:pPr>
             <a:r>
-              <a:rPr lang="en-US" sz="2800" b="1" noProof="1" smtClean="0">
-                <a:solidFill>
-                  <a:srgbClr val="FBEEDC"/>
-                </a:solidFill>
-                <a:effectLst>
-                  <a:outerShdw blurRad="38100" dist="38100" dir="2700000" algn="tl">
-                    <a:srgbClr val="000000">
-                      <a:alpha val="43137"/>
-                    </a:srgbClr>
-                  </a:outerShdw>
-                </a:effectLst>
-                <a:latin typeface="Consolas" pitchFamily="49" charset="0"/>
-                <a:cs typeface="Consolas" pitchFamily="49" charset="0"/>
-              </a:rPr>
-              <a:t>product </a:t>
-            </a:r>
-            <a:r>
-              <a:rPr lang="en-US" sz="2800" b="1" noProof="1">
-                <a:solidFill>
-                  <a:srgbClr val="FBEEDC"/>
-                </a:solidFill>
-                <a:effectLst>
-                  <a:outerShdw blurRad="38100" dist="38100" dir="2700000" algn="tl">
-                    <a:srgbClr val="000000">
-                      <a:alpha val="43137"/>
-                    </a:srgbClr>
-                  </a:outerShdw>
-                </a:effectLst>
-                <a:latin typeface="Consolas" pitchFamily="49" charset="0"/>
-                <a:cs typeface="Consolas" pitchFamily="49" charset="0"/>
-              </a:rPr>
-              <a:t>= </a:t>
-            </a:r>
-            <a:r>
-              <a:rPr lang="en-US" sz="2800" b="1" noProof="1" smtClean="0">
-                <a:solidFill>
-                  <a:srgbClr val="FBEEDC"/>
-                </a:solidFill>
-                <a:effectLst>
-                  <a:outerShdw blurRad="38100" dist="38100" dir="2700000" algn="tl">
-                    <a:srgbClr val="000000">
-                      <a:alpha val="43137"/>
-                    </a:srgbClr>
-                  </a:outerShdw>
-                </a:effectLst>
-                <a:latin typeface="Consolas" pitchFamily="49" charset="0"/>
-                <a:cs typeface="Consolas" pitchFamily="49" charset="0"/>
-              </a:rPr>
-              <a:t>input().lower()</a:t>
-            </a:r>
-            <a:endParaRPr lang="en-US" sz="2800" b="1" noProof="1">
-              <a:solidFill>
-                <a:srgbClr val="FBEEDC"/>
-              </a:solidFill>
-              <a:effectLst>
-                <a:outerShdw blurRad="38100" dist="38100" dir="2700000" algn="tl">
-                  <a:srgbClr val="000000">
-                    <a:alpha val="43137"/>
-                  </a:srgbClr>
-                </a:outerShdw>
-              </a:effectLst>
-              <a:latin typeface="Consolas" pitchFamily="49" charset="0"/>
-              <a:cs typeface="Consolas" pitchFamily="49" charset="0"/>
-            </a:endParaRPr>
+              <a:rPr lang="en-US" sz="2600" b="1" noProof="1">
+                <a:solidFill>
+                  <a:srgbClr val="FBEEDC"/>
+                </a:solidFill>
+                <a:effectLst>
+                  <a:outerShdw blurRad="38100" dist="38100" dir="2700000" algn="tl">
+                    <a:srgbClr val="000000">
+                      <a:alpha val="43137"/>
+                    </a:srgbClr>
+                  </a:outerShdw>
+                </a:effectLst>
+                <a:latin typeface="Consolas" pitchFamily="49" charset="0"/>
+                <a:cs typeface="Consolas" pitchFamily="49" charset="0"/>
+              </a:rPr>
+              <a:t>product = input().lower()</a:t>
+            </a:r>
           </a:p>
           <a:p>
             <a:pPr eaLnBrk="0" hangingPunct="0">
@@ -27668,70 +27917,22 @@
               <a:buSzPct val="70000"/>
             </a:pPr>
             <a:r>
-              <a:rPr lang="en-US" sz="2800" b="1" noProof="1" smtClean="0">
-                <a:solidFill>
-                  <a:srgbClr val="FBEEDC"/>
-                </a:solidFill>
-                <a:effectLst>
-                  <a:outerShdw blurRad="38100" dist="38100" dir="2700000" algn="tl">
-                    <a:srgbClr val="000000">
-                      <a:alpha val="43137"/>
-                    </a:srgbClr>
-                  </a:outerShdw>
-                </a:effectLst>
-                <a:latin typeface="Consolas" pitchFamily="49" charset="0"/>
-                <a:cs typeface="Consolas" pitchFamily="49" charset="0"/>
-              </a:rPr>
-              <a:t>town </a:t>
-            </a:r>
-            <a:r>
-              <a:rPr lang="en-US" sz="2800" b="1" noProof="1">
-                <a:solidFill>
-                  <a:srgbClr val="FBEEDC"/>
-                </a:solidFill>
-                <a:effectLst>
-                  <a:outerShdw blurRad="38100" dist="38100" dir="2700000" algn="tl">
-                    <a:srgbClr val="000000">
-                      <a:alpha val="43137"/>
-                    </a:srgbClr>
-                  </a:outerShdw>
-                </a:effectLst>
-                <a:latin typeface="Consolas" pitchFamily="49" charset="0"/>
-                <a:cs typeface="Consolas" pitchFamily="49" charset="0"/>
-              </a:rPr>
-              <a:t>= </a:t>
-            </a:r>
-            <a:r>
-              <a:rPr lang="en-US" sz="2800" b="1" noProof="1" smtClean="0">
-                <a:solidFill>
-                  <a:srgbClr val="FBEEDC"/>
-                </a:solidFill>
-                <a:effectLst>
-                  <a:outerShdw blurRad="38100" dist="38100" dir="2700000" algn="tl">
-                    <a:srgbClr val="000000">
-                      <a:alpha val="43137"/>
-                    </a:srgbClr>
-                  </a:outerShdw>
-                </a:effectLst>
-                <a:latin typeface="Consolas" pitchFamily="49" charset="0"/>
-                <a:cs typeface="Consolas" pitchFamily="49" charset="0"/>
-              </a:rPr>
-              <a:t>input().lower()</a:t>
-            </a:r>
-            <a:endParaRPr lang="en-US" sz="2800" b="1" noProof="1">
-              <a:solidFill>
-                <a:srgbClr val="FBEEDC"/>
-              </a:solidFill>
-              <a:effectLst>
-                <a:outerShdw blurRad="38100" dist="38100" dir="2700000" algn="tl">
-                  <a:srgbClr val="000000">
-                    <a:alpha val="43137"/>
-                  </a:srgbClr>
-                </a:outerShdw>
-              </a:effectLst>
-              <a:latin typeface="Consolas" pitchFamily="49" charset="0"/>
-              <a:cs typeface="Consolas" pitchFamily="49" charset="0"/>
-            </a:endParaRPr>
+              <a:rPr lang="en-US" sz="2600" b="1" noProof="1">
+                <a:solidFill>
+                  <a:srgbClr val="FBEEDC"/>
+                </a:solidFill>
+                <a:effectLst>
+                  <a:outerShdw blurRad="38100" dist="38100" dir="2700000" algn="tl">
+                    <a:srgbClr val="000000">
+                      <a:alpha val="43137"/>
+                    </a:srgbClr>
+                  </a:outerShdw>
+                </a:effectLst>
+                <a:latin typeface="Consolas" pitchFamily="49" charset="0"/>
+                <a:cs typeface="Consolas" pitchFamily="49" charset="0"/>
+              </a:rPr>
+              <a:t>town = input().lower()</a:t>
+            </a:r>
           </a:p>
           <a:p>
             <a:pPr eaLnBrk="0" hangingPunct="0">
@@ -27744,70 +27945,22 @@
               <a:buSzPct val="70000"/>
             </a:pPr>
             <a:r>
-              <a:rPr lang="en-US" sz="2800" b="1" noProof="1" smtClean="0">
-                <a:solidFill>
-                  <a:srgbClr val="FBEEDC"/>
-                </a:solidFill>
-                <a:effectLst>
-                  <a:outerShdw blurRad="38100" dist="38100" dir="2700000" algn="tl">
-                    <a:srgbClr val="000000">
-                      <a:alpha val="43137"/>
-                    </a:srgbClr>
-                  </a:outerShdw>
-                </a:effectLst>
-                <a:latin typeface="Consolas" pitchFamily="49" charset="0"/>
-                <a:cs typeface="Consolas" pitchFamily="49" charset="0"/>
-              </a:rPr>
-              <a:t>quantity </a:t>
-            </a:r>
-            <a:r>
-              <a:rPr lang="en-US" sz="2800" b="1" noProof="1">
-                <a:solidFill>
-                  <a:srgbClr val="FBEEDC"/>
-                </a:solidFill>
-                <a:effectLst>
-                  <a:outerShdw blurRad="38100" dist="38100" dir="2700000" algn="tl">
-                    <a:srgbClr val="000000">
-                      <a:alpha val="43137"/>
-                    </a:srgbClr>
-                  </a:outerShdw>
-                </a:effectLst>
-                <a:latin typeface="Consolas" pitchFamily="49" charset="0"/>
-                <a:cs typeface="Consolas" pitchFamily="49" charset="0"/>
-              </a:rPr>
-              <a:t>= </a:t>
-            </a:r>
-            <a:r>
-              <a:rPr lang="en-US" sz="2800" b="1" noProof="1" smtClean="0">
-                <a:solidFill>
-                  <a:srgbClr val="FBEEDC"/>
-                </a:solidFill>
-                <a:effectLst>
-                  <a:outerShdw blurRad="38100" dist="38100" dir="2700000" algn="tl">
-                    <a:srgbClr val="000000">
-                      <a:alpha val="43137"/>
-                    </a:srgbClr>
-                  </a:outerShdw>
-                </a:effectLst>
-                <a:latin typeface="Consolas" pitchFamily="49" charset="0"/>
-                <a:cs typeface="Consolas" pitchFamily="49" charset="0"/>
-              </a:rPr>
-              <a:t>float(input())</a:t>
-            </a:r>
-            <a:endParaRPr lang="en-US" sz="2800" b="1" noProof="1">
-              <a:solidFill>
-                <a:srgbClr val="FBEEDC"/>
-              </a:solidFill>
-              <a:effectLst>
-                <a:outerShdw blurRad="38100" dist="38100" dir="2700000" algn="tl">
-                  <a:srgbClr val="000000">
-                    <a:alpha val="43137"/>
-                  </a:srgbClr>
-                </a:outerShdw>
-              </a:effectLst>
-              <a:latin typeface="Consolas" pitchFamily="49" charset="0"/>
-              <a:cs typeface="Consolas" pitchFamily="49" charset="0"/>
-            </a:endParaRPr>
+              <a:rPr lang="en-US" sz="2600" b="1" noProof="1">
+                <a:solidFill>
+                  <a:srgbClr val="FBEEDC"/>
+                </a:solidFill>
+                <a:effectLst>
+                  <a:outerShdw blurRad="38100" dist="38100" dir="2700000" algn="tl">
+                    <a:srgbClr val="000000">
+                      <a:alpha val="43137"/>
+                    </a:srgbClr>
+                  </a:outerShdw>
+                </a:effectLst>
+                <a:latin typeface="Consolas" pitchFamily="49" charset="0"/>
+                <a:cs typeface="Consolas" pitchFamily="49" charset="0"/>
+              </a:rPr>
+              <a:t>quantity = float(input())</a:t>
+            </a:r>
           </a:p>
           <a:p>
             <a:pPr eaLnBrk="0" hangingPunct="0">
@@ -27820,87 +27973,22 @@
               <a:buSzPct val="70000"/>
             </a:pPr>
             <a:r>
-              <a:rPr lang="en-US" sz="2800" b="1" noProof="1">
-                <a:solidFill>
-                  <a:srgbClr val="FBEEDC"/>
-                </a:solidFill>
-                <a:effectLst>
-                  <a:outerShdw blurRad="38100" dist="38100" dir="2700000" algn="tl">
-                    <a:srgbClr val="000000">
-                      <a:alpha val="43137"/>
-                    </a:srgbClr>
-                  </a:outerShdw>
-                </a:effectLst>
-                <a:latin typeface="Consolas" pitchFamily="49" charset="0"/>
-                <a:cs typeface="Consolas" pitchFamily="49" charset="0"/>
-              </a:rPr>
-              <a:t>if </a:t>
-            </a:r>
-            <a:r>
-              <a:rPr lang="en-US" sz="2800" b="1" noProof="1" smtClean="0">
-                <a:solidFill>
-                  <a:srgbClr val="FBEEDC"/>
-                </a:solidFill>
-                <a:effectLst>
-                  <a:outerShdw blurRad="38100" dist="38100" dir="2700000" algn="tl">
-                    <a:srgbClr val="000000">
-                      <a:alpha val="43137"/>
-                    </a:srgbClr>
-                  </a:outerShdw>
-                </a:effectLst>
-                <a:latin typeface="Consolas" pitchFamily="49" charset="0"/>
-                <a:cs typeface="Consolas" pitchFamily="49" charset="0"/>
-              </a:rPr>
-              <a:t>town </a:t>
-            </a:r>
-            <a:r>
-              <a:rPr lang="en-US" sz="2800" b="1" noProof="1">
-                <a:solidFill>
-                  <a:srgbClr val="FBEEDC"/>
-                </a:solidFill>
-                <a:effectLst>
-                  <a:outerShdw blurRad="38100" dist="38100" dir="2700000" algn="tl">
-                    <a:srgbClr val="000000">
-                      <a:alpha val="43137"/>
-                    </a:srgbClr>
-                  </a:outerShdw>
-                </a:effectLst>
-                <a:latin typeface="Consolas" pitchFamily="49" charset="0"/>
-                <a:cs typeface="Consolas" pitchFamily="49" charset="0"/>
-              </a:rPr>
-              <a:t>== </a:t>
-            </a:r>
-            <a:r>
-              <a:rPr lang="en-US" sz="2800" b="1" noProof="1" smtClean="0">
-                <a:solidFill>
-                  <a:srgbClr val="FBEEDC"/>
-                </a:solidFill>
-                <a:effectLst>
-                  <a:outerShdw blurRad="38100" dist="38100" dir="2700000" algn="tl">
-                    <a:srgbClr val="000000">
-                      <a:alpha val="43137"/>
-                    </a:srgbClr>
-                  </a:outerShdw>
-                </a:effectLst>
-                <a:latin typeface="Consolas" pitchFamily="49" charset="0"/>
-                <a:cs typeface="Consolas" pitchFamily="49" charset="0"/>
-              </a:rPr>
-              <a:t>'sofia':</a:t>
-            </a:r>
-            <a:endParaRPr lang="en-US" sz="2800" b="1" noProof="1">
-              <a:solidFill>
-                <a:srgbClr val="FBEEDC"/>
-              </a:solidFill>
-              <a:effectLst>
-                <a:outerShdw blurRad="38100" dist="38100" dir="2700000" algn="tl">
-                  <a:srgbClr val="000000">
-                    <a:alpha val="43137"/>
-                  </a:srgbClr>
-                </a:outerShdw>
-              </a:effectLst>
-              <a:latin typeface="Consolas" pitchFamily="49" charset="0"/>
-              <a:cs typeface="Consolas" pitchFamily="49" charset="0"/>
-            </a:endParaRPr>
+              <a:rPr lang="en-US" sz="2600" b="1" noProof="1">
+                <a:solidFill>
+                  <a:srgbClr val="FBEEDC"/>
+                </a:solidFill>
+                <a:effectLst>
+                  <a:outerShdw blurRad="38100" dist="38100" dir="2700000" algn="tl">
+                    <a:srgbClr val="000000">
+                      <a:alpha val="43137"/>
+                    </a:srgbClr>
+                  </a:outerShdw>
+                </a:effectLst>
+                <a:latin typeface="Consolas" pitchFamily="49" charset="0"/>
+                <a:cs typeface="Consolas" pitchFamily="49" charset="0"/>
+              </a:rPr>
+              <a:t>price = -1</a:t>
+            </a:r>
           </a:p>
           <a:p>
             <a:pPr eaLnBrk="0" hangingPunct="0">
@@ -27913,72 +28001,21 @@
               <a:buSzPct val="70000"/>
             </a:pPr>
             <a:r>
-              <a:rPr lang="en-US" sz="2800" b="1" noProof="1">
-                <a:solidFill>
-                  <a:srgbClr val="FBEEDC"/>
-                </a:solidFill>
-                <a:effectLst>
-                  <a:outerShdw blurRad="38100" dist="38100" dir="2700000" algn="tl">
-                    <a:srgbClr val="000000">
-                      <a:alpha val="43137"/>
-                    </a:srgbClr>
-                  </a:outerShdw>
-                </a:effectLst>
-                <a:latin typeface="Consolas" pitchFamily="49" charset="0"/>
-                <a:cs typeface="Consolas" pitchFamily="49" charset="0"/>
-              </a:rPr>
-              <a:t> </a:t>
-            </a:r>
-            <a:r>
-              <a:rPr lang="en-US" sz="2800" b="1" noProof="1" smtClean="0">
-                <a:solidFill>
-                  <a:srgbClr val="FBEEDC"/>
-                </a:solidFill>
-                <a:effectLst>
-                  <a:outerShdw blurRad="38100" dist="38100" dir="2700000" algn="tl">
-                    <a:srgbClr val="000000">
-                      <a:alpha val="43137"/>
-                    </a:srgbClr>
-                  </a:outerShdw>
-                </a:effectLst>
-                <a:latin typeface="Consolas" pitchFamily="49" charset="0"/>
-                <a:cs typeface="Consolas" pitchFamily="49" charset="0"/>
-              </a:rPr>
-              <a:t>   if product </a:t>
-            </a:r>
-            <a:r>
-              <a:rPr lang="en-US" sz="2800" b="1" noProof="1">
-                <a:solidFill>
-                  <a:srgbClr val="FBEEDC"/>
-                </a:solidFill>
-                <a:effectLst>
-                  <a:outerShdw blurRad="38100" dist="38100" dir="2700000" algn="tl">
-                    <a:srgbClr val="000000">
-                      <a:alpha val="43137"/>
-                    </a:srgbClr>
-                  </a:outerShdw>
-                </a:effectLst>
-                <a:latin typeface="Consolas" pitchFamily="49" charset="0"/>
-                <a:cs typeface="Consolas" pitchFamily="49" charset="0"/>
-              </a:rPr>
-              <a:t>== </a:t>
-            </a:r>
-            <a:r>
-              <a:rPr lang="en-US" sz="2800" b="1" noProof="1" smtClean="0">
-                <a:solidFill>
-                  <a:srgbClr val="FBEEDC"/>
-                </a:solidFill>
-                <a:effectLst>
-                  <a:outerShdw blurRad="38100" dist="38100" dir="2700000" algn="tl">
-                    <a:srgbClr val="000000">
-                      <a:alpha val="43137"/>
-                    </a:srgbClr>
-                  </a:outerShdw>
-                </a:effectLst>
-                <a:latin typeface="Consolas" pitchFamily="49" charset="0"/>
-                <a:cs typeface="Consolas" pitchFamily="49" charset="0"/>
-              </a:rPr>
-              <a:t>'coffee':</a:t>
+              <a:rPr lang="en-US" sz="2600" b="1" noProof="1">
+                <a:solidFill>
+                  <a:srgbClr val="FBEEDC"/>
+                </a:solidFill>
+                <a:effectLst>
+                  <a:outerShdw blurRad="38100" dist="38100" dir="2700000" algn="tl">
+                    <a:srgbClr val="000000">
+                      <a:alpha val="43137"/>
+                    </a:srgbClr>
+                  </a:outerShdw>
+                </a:effectLst>
+                <a:latin typeface="Consolas" pitchFamily="49" charset="0"/>
+                <a:cs typeface="Consolas" pitchFamily="49" charset="0"/>
+              </a:rPr>
+              <a:t>if town == 'sofia':</a:t>
             </a:r>
           </a:p>
           <a:p>
@@ -27992,72 +28029,21 @@
               <a:buSzPct val="70000"/>
             </a:pPr>
             <a:r>
-              <a:rPr lang="en-US" sz="2800" b="1" noProof="1">
-                <a:solidFill>
-                  <a:srgbClr val="FBEEDC"/>
-                </a:solidFill>
-                <a:effectLst>
-                  <a:outerShdw blurRad="38100" dist="38100" dir="2700000" algn="tl">
-                    <a:srgbClr val="000000">
-                      <a:alpha val="43137"/>
-                    </a:srgbClr>
-                  </a:outerShdw>
-                </a:effectLst>
-                <a:latin typeface="Consolas" pitchFamily="49" charset="0"/>
-                <a:cs typeface="Consolas" pitchFamily="49" charset="0"/>
-              </a:rPr>
-              <a:t> </a:t>
-            </a:r>
-            <a:r>
-              <a:rPr lang="en-US" sz="2800" b="1" noProof="1" smtClean="0">
-                <a:solidFill>
-                  <a:srgbClr val="FBEEDC"/>
-                </a:solidFill>
-                <a:effectLst>
-                  <a:outerShdw blurRad="38100" dist="38100" dir="2700000" algn="tl">
-                    <a:srgbClr val="000000">
-                      <a:alpha val="43137"/>
-                    </a:srgbClr>
-                  </a:outerShdw>
-                </a:effectLst>
-                <a:latin typeface="Consolas" pitchFamily="49" charset="0"/>
-                <a:cs typeface="Consolas" pitchFamily="49" charset="0"/>
-              </a:rPr>
-              <a:t>       print(0.50 </a:t>
-            </a:r>
-            <a:r>
-              <a:rPr lang="en-US" sz="2800" b="1" noProof="1">
-                <a:solidFill>
-                  <a:srgbClr val="FBEEDC"/>
-                </a:solidFill>
-                <a:effectLst>
-                  <a:outerShdw blurRad="38100" dist="38100" dir="2700000" algn="tl">
-                    <a:srgbClr val="000000">
-                      <a:alpha val="43137"/>
-                    </a:srgbClr>
-                  </a:outerShdw>
-                </a:effectLst>
-                <a:latin typeface="Consolas" pitchFamily="49" charset="0"/>
-                <a:cs typeface="Consolas" pitchFamily="49" charset="0"/>
-              </a:rPr>
-              <a:t>* quantity</a:t>
-            </a:r>
-            <a:r>
-              <a:rPr lang="en-US" sz="2800" b="1" noProof="1" smtClean="0">
-                <a:solidFill>
-                  <a:srgbClr val="FBEEDC"/>
-                </a:solidFill>
-                <a:effectLst>
-                  <a:outerShdw blurRad="38100" dist="38100" dir="2700000" algn="tl">
-                    <a:srgbClr val="000000">
-                      <a:alpha val="43137"/>
-                    </a:srgbClr>
-                  </a:outerShdw>
-                </a:effectLst>
-                <a:latin typeface="Consolas" pitchFamily="49" charset="0"/>
-                <a:cs typeface="Consolas" pitchFamily="49" charset="0"/>
-              </a:rPr>
-              <a:t>)</a:t>
+              <a:rPr lang="en-US" sz="2600" b="1" noProof="1">
+                <a:solidFill>
+                  <a:srgbClr val="FBEEDC"/>
+                </a:solidFill>
+                <a:effectLst>
+                  <a:outerShdw blurRad="38100" dist="38100" dir="2700000" algn="tl">
+                    <a:srgbClr val="000000">
+                      <a:alpha val="43137"/>
+                    </a:srgbClr>
+                  </a:outerShdw>
+                </a:effectLst>
+                <a:latin typeface="Consolas" pitchFamily="49" charset="0"/>
+                <a:cs typeface="Consolas" pitchFamily="49" charset="0"/>
+              </a:rPr>
+              <a:t>    if product == 'coffee':</a:t>
             </a:r>
           </a:p>
           <a:p>
@@ -28071,72 +28057,22 @@
               <a:buSzPct val="70000"/>
             </a:pPr>
             <a:r>
-              <a:rPr lang="en-US" sz="2800" b="1" noProof="1">
-                <a:solidFill>
-                  <a:srgbClr val="FBEEDC"/>
-                </a:solidFill>
-                <a:effectLst>
-                  <a:outerShdw blurRad="38100" dist="38100" dir="2700000" algn="tl">
-                    <a:srgbClr val="000000">
-                      <a:alpha val="43137"/>
-                    </a:srgbClr>
-                  </a:outerShdw>
-                </a:effectLst>
-                <a:latin typeface="Consolas" pitchFamily="49" charset="0"/>
-                <a:cs typeface="Consolas" pitchFamily="49" charset="0"/>
-              </a:rPr>
-              <a:t> </a:t>
-            </a:r>
-            <a:r>
-              <a:rPr lang="en-US" sz="2800" b="1" noProof="1" smtClean="0">
-                <a:solidFill>
-                  <a:srgbClr val="FBEEDC"/>
-                </a:solidFill>
-                <a:effectLst>
-                  <a:outerShdw blurRad="38100" dist="38100" dir="2700000" algn="tl">
-                    <a:srgbClr val="000000">
-                      <a:alpha val="43137"/>
-                    </a:srgbClr>
-                  </a:outerShdw>
-                </a:effectLst>
-                <a:latin typeface="Consolas" pitchFamily="49" charset="0"/>
-                <a:cs typeface="Consolas" pitchFamily="49" charset="0"/>
-              </a:rPr>
-              <a:t>   </a:t>
-            </a:r>
-            <a:r>
-              <a:rPr lang="en-US" sz="2800" b="1" i="1" noProof="1" smtClean="0">
-                <a:solidFill>
-                  <a:schemeClr val="tx2">
-                    <a:lumMod val="75000"/>
-                  </a:schemeClr>
-                </a:solidFill>
-                <a:effectLst>
-                  <a:outerShdw blurRad="38100" dist="38100" dir="2700000" algn="tl">
-                    <a:srgbClr val="000000">
-                      <a:alpha val="43137"/>
-                    </a:srgbClr>
-                  </a:outerShdw>
-                </a:effectLst>
-                <a:latin typeface="Consolas" pitchFamily="49" charset="0"/>
-                <a:cs typeface="Consolas" pitchFamily="49" charset="0"/>
-              </a:rPr>
-              <a:t># TODO: finish this …</a:t>
-            </a:r>
-            <a:endParaRPr lang="en-US" sz="2800" b="1" noProof="1" smtClean="0">
-              <a:solidFill>
-                <a:srgbClr val="FBEEDC"/>
-              </a:solidFill>
-              <a:effectLst>
-                <a:outerShdw blurRad="38100" dist="38100" dir="2700000" algn="tl">
-                  <a:srgbClr val="000000">
-                    <a:alpha val="43137"/>
-                  </a:srgbClr>
-                </a:outerShdw>
-              </a:effectLst>
-              <a:latin typeface="Consolas" pitchFamily="49" charset="0"/>
-              <a:cs typeface="Consolas" pitchFamily="49" charset="0"/>
-            </a:endParaRPr>
+              <a:rPr lang="en-US" sz="2600" b="1" noProof="1">
+                <a:solidFill>
+                  <a:srgbClr val="FBEEDC"/>
+                </a:solidFill>
+                <a:effectLst>
+                  <a:outerShdw blurRad="38100" dist="38100" dir="2700000" algn="tl">
+                    <a:srgbClr val="000000">
+                      <a:alpha val="43137"/>
+                    </a:srgbClr>
+                  </a:outerShdw>
+                </a:effectLst>
+                <a:latin typeface="Consolas" pitchFamily="49" charset="0"/>
+                <a:cs typeface="Consolas" pitchFamily="49" charset="0"/>
+              </a:rPr>
+              <a:t>        price = 0.50 * quantity</a:t>
+            </a:r>
           </a:p>
           <a:p>
             <a:pPr eaLnBrk="0" hangingPunct="0">
@@ -28149,72 +28085,95 @@
               <a:buSzPct val="70000"/>
             </a:pPr>
             <a:r>
-              <a:rPr lang="en-US" sz="2800" b="1" noProof="1">
-                <a:solidFill>
-                  <a:srgbClr val="FBEEDC"/>
-                </a:solidFill>
-                <a:effectLst>
-                  <a:outerShdw blurRad="38100" dist="38100" dir="2700000" algn="tl">
-                    <a:srgbClr val="000000">
-                      <a:alpha val="43137"/>
-                    </a:srgbClr>
-                  </a:outerShdw>
-                </a:effectLst>
-                <a:latin typeface="Consolas" pitchFamily="49" charset="0"/>
-                <a:cs typeface="Consolas" pitchFamily="49" charset="0"/>
-              </a:rPr>
-              <a:t>if </a:t>
-            </a:r>
-            <a:r>
-              <a:rPr lang="en-US" sz="2800" b="1" noProof="1" smtClean="0">
-                <a:solidFill>
-                  <a:srgbClr val="FBEEDC"/>
-                </a:solidFill>
-                <a:effectLst>
-                  <a:outerShdw blurRad="38100" dist="38100" dir="2700000" algn="tl">
-                    <a:srgbClr val="000000">
-                      <a:alpha val="43137"/>
-                    </a:srgbClr>
-                  </a:outerShdw>
-                </a:effectLst>
-                <a:latin typeface="Consolas" pitchFamily="49" charset="0"/>
-                <a:cs typeface="Consolas" pitchFamily="49" charset="0"/>
-              </a:rPr>
-              <a:t>town </a:t>
-            </a:r>
-            <a:r>
-              <a:rPr lang="en-US" sz="2800" b="1" noProof="1">
-                <a:solidFill>
-                  <a:srgbClr val="FBEEDC"/>
-                </a:solidFill>
-                <a:effectLst>
-                  <a:outerShdw blurRad="38100" dist="38100" dir="2700000" algn="tl">
-                    <a:srgbClr val="000000">
-                      <a:alpha val="43137"/>
-                    </a:srgbClr>
-                  </a:outerShdw>
-                </a:effectLst>
-                <a:latin typeface="Consolas" pitchFamily="49" charset="0"/>
-                <a:cs typeface="Consolas" pitchFamily="49" charset="0"/>
-              </a:rPr>
-              <a:t>== </a:t>
-            </a:r>
-            <a:r>
-              <a:rPr lang="en-US" sz="2800" b="1" noProof="1" smtClean="0">
-                <a:solidFill>
-                  <a:srgbClr val="FBEEDC"/>
-                </a:solidFill>
-                <a:effectLst>
-                  <a:outerShdw blurRad="38100" dist="38100" dir="2700000" algn="tl">
-                    <a:srgbClr val="000000">
-                      <a:alpha val="43137"/>
-                    </a:srgbClr>
-                  </a:outerShdw>
-                </a:effectLst>
-                <a:latin typeface="Consolas" pitchFamily="49" charset="0"/>
-                <a:cs typeface="Consolas" pitchFamily="49" charset="0"/>
-              </a:rPr>
-              <a:t>'varna':</a:t>
+              <a:rPr lang="en-US" sz="2600" b="1" noProof="1">
+                <a:solidFill>
+                  <a:srgbClr val="FBEEDC"/>
+                </a:solidFill>
+                <a:effectLst>
+                  <a:outerShdw blurRad="38100" dist="38100" dir="2700000" algn="tl">
+                    <a:srgbClr val="000000">
+                      <a:alpha val="43137"/>
+                    </a:srgbClr>
+                  </a:outerShdw>
+                </a:effectLst>
+                <a:latin typeface="Consolas" pitchFamily="49" charset="0"/>
+                <a:cs typeface="Consolas" pitchFamily="49" charset="0"/>
+              </a:rPr>
+              <a:t>    </a:t>
+            </a:r>
+            <a:r>
+              <a:rPr lang="en-US" sz="2600" b="1" noProof="1">
+                <a:solidFill>
+                  <a:srgbClr val="FBEEDC"/>
+                </a:solidFill>
+                <a:effectLst>
+                  <a:outerShdw blurRad="38100" dist="38100" dir="2700000" algn="tl">
+                    <a:srgbClr val="000000">
+                      <a:alpha val="43137"/>
+                    </a:srgbClr>
+                  </a:outerShdw>
+                </a:effectLst>
+                <a:latin typeface="Consolas" pitchFamily="49" charset="0"/>
+                <a:cs typeface="Consolas" pitchFamily="49" charset="0"/>
+              </a:rPr>
+              <a:t> </a:t>
+            </a:r>
+            <a:r>
+              <a:rPr lang="en-US" sz="2600" b="1" i="1" noProof="1">
+                <a:solidFill>
+                  <a:schemeClr val="tx2">
+                    <a:lumMod val="75000"/>
+                  </a:schemeClr>
+                </a:solidFill>
+                <a:effectLst>
+                  <a:outerShdw blurRad="38100" dist="38100" dir="2700000" algn="tl">
+                    <a:srgbClr val="000000">
+                      <a:alpha val="43137"/>
+                    </a:srgbClr>
+                  </a:outerShdw>
+                </a:effectLst>
+                <a:latin typeface="Consolas" pitchFamily="49" charset="0"/>
+                <a:cs typeface="Consolas" pitchFamily="49" charset="0"/>
+              </a:rPr>
+              <a:t># TODO: finish </a:t>
+            </a:r>
+            <a:r>
+              <a:rPr lang="en-US" sz="2600" b="1" i="1" noProof="1">
+                <a:solidFill>
+                  <a:schemeClr val="tx2">
+                    <a:lumMod val="75000"/>
+                  </a:schemeClr>
+                </a:solidFill>
+                <a:effectLst>
+                  <a:outerShdw blurRad="38100" dist="38100" dir="2700000" algn="tl">
+                    <a:srgbClr val="000000">
+                      <a:alpha val="43137"/>
+                    </a:srgbClr>
+                  </a:outerShdw>
+                </a:effectLst>
+                <a:latin typeface="Consolas" pitchFamily="49" charset="0"/>
+                <a:cs typeface="Consolas" pitchFamily="49" charset="0"/>
+              </a:rPr>
+              <a:t>this </a:t>
+            </a:r>
+            <a:r>
+              <a:rPr lang="en-US" sz="2600" b="1" i="1" noProof="1" smtClean="0">
+                <a:solidFill>
+                  <a:schemeClr val="tx2">
+                    <a:lumMod val="75000"/>
+                  </a:schemeClr>
+                </a:solidFill>
+                <a:effectLst>
+                  <a:outerShdw blurRad="38100" dist="38100" dir="2700000" algn="tl">
+                    <a:srgbClr val="000000">
+                      <a:alpha val="43137"/>
+                    </a:srgbClr>
+                  </a:outerShdw>
+                </a:effectLst>
+                <a:latin typeface="Consolas" pitchFamily="49" charset="0"/>
+                <a:cs typeface="Consolas" pitchFamily="49" charset="0"/>
+              </a:rPr>
+              <a:t>…</a:t>
             </a:r>
           </a:p>
           <a:p>
@@ -28228,7 +28187,69 @@
               <a:buSzPct val="70000"/>
             </a:pPr>
             <a:r>
-              <a:rPr lang="en-US" sz="2800" b="1" noProof="1">
+              <a:rPr lang="en-US" sz="2600" b="1" noProof="1" smtClean="0">
+                <a:solidFill>
+                  <a:srgbClr val="FBEEDC"/>
+                </a:solidFill>
+                <a:effectLst>
+                  <a:outerShdw blurRad="38100" dist="38100" dir="2700000" algn="tl">
+                    <a:srgbClr val="000000">
+                      <a:alpha val="43137"/>
+                    </a:srgbClr>
+                  </a:outerShdw>
+                </a:effectLst>
+                <a:latin typeface="Consolas" pitchFamily="49" charset="0"/>
+                <a:cs typeface="Consolas" pitchFamily="49" charset="0"/>
+              </a:rPr>
+              <a:t>if </a:t>
+            </a:r>
+            <a:r>
+              <a:rPr lang="en-US" sz="2600" b="1" noProof="1">
+                <a:solidFill>
+                  <a:srgbClr val="FBEEDC"/>
+                </a:solidFill>
+                <a:effectLst>
+                  <a:outerShdw blurRad="38100" dist="38100" dir="2700000" algn="tl">
+                    <a:srgbClr val="000000">
+                      <a:alpha val="43137"/>
+                    </a:srgbClr>
+                  </a:outerShdw>
+                </a:effectLst>
+                <a:latin typeface="Consolas" pitchFamily="49" charset="0"/>
+                <a:cs typeface="Consolas" pitchFamily="49" charset="0"/>
+              </a:rPr>
+              <a:t>town == 'varna':</a:t>
+            </a:r>
+          </a:p>
+          <a:p>
+            <a:pPr eaLnBrk="0" hangingPunct="0">
+              <a:buClr>
+                <a:schemeClr val="accent5">
+                  <a:lumMod val="40000"/>
+                  <a:lumOff val="60000"/>
+                </a:schemeClr>
+              </a:buClr>
+              <a:buSzPct val="70000"/>
+            </a:pPr>
+            <a:r>
+              <a:rPr lang="en-US" sz="2600" b="1" noProof="1">
+                <a:solidFill>
+                  <a:srgbClr val="FBEEDC"/>
+                </a:solidFill>
+                <a:effectLst>
+                  <a:outerShdw blurRad="38100" dist="38100" dir="2700000" algn="tl">
+                    <a:srgbClr val="000000">
+                      <a:alpha val="43137"/>
+                    </a:srgbClr>
+                  </a:outerShdw>
+                </a:effectLst>
+                <a:latin typeface="Consolas" pitchFamily="49" charset="0"/>
+                <a:cs typeface="Consolas" pitchFamily="49" charset="0"/>
+              </a:rPr>
+              <a:t>    </a:t>
+            </a:r>
+            <a:r>
+              <a:rPr lang="en-US" sz="2600" b="1" noProof="1">
                 <a:solidFill>
                   <a:srgbClr val="FBEEDC"/>
                 </a:solidFill>
@@ -28245,24 +28266,7 @@
               <a:t> </a:t>
             </a:r>
             <a:r>
-              <a:rPr lang="en-US" sz="2800" b="1" noProof="1" smtClean="0">
-                <a:solidFill>
-                  <a:srgbClr val="FBEEDC"/>
-                </a:solidFill>
-                <a:effectLst>
-                  <a:outerShdw blurRad="38100" dist="38100" dir="2700000" algn="tl">
-                    <a:srgbClr val="000000">
-                      <a:alpha val="43137"/>
-                    </a:srgbClr>
-                  </a:outerShdw>
-                </a:effectLst>
-                <a:latin typeface="Consolas" pitchFamily="49" charset="0"/>
-                <a:cs typeface="Consolas" pitchFamily="49" charset="0"/>
-              </a:rPr>
-              <a:t>   </a:t>
-            </a:r>
-            <a:r>
-              <a:rPr lang="en-US" sz="2800" b="1" noProof="1" smtClean="0">
+              <a:rPr lang="en-US" sz="2600" b="1" i="1" noProof="1">
                 <a:solidFill>
                   <a:schemeClr val="tx2">
                     <a:lumMod val="75000"/>
@@ -28278,9 +28282,141 @@
                 <a:latin typeface="Consolas" pitchFamily="49" charset="0"/>
                 <a:cs typeface="Consolas" pitchFamily="49" charset="0"/>
               </a:rPr>
-              <a:t># TODO: finish this …</a:t>
-            </a:r>
-            <a:endParaRPr lang="en-US" sz="2800" b="1" noProof="1">
+              <a:t># TODO: </a:t>
+            </a:r>
+            <a:r>
+              <a:rPr lang="en-US" sz="2600" b="1" i="1" noProof="1">
+                <a:solidFill>
+                  <a:schemeClr val="tx2">
+                    <a:lumMod val="75000"/>
+                  </a:schemeClr>
+                </a:solidFill>
+                <a:effectLst>
+                  <a:outerShdw blurRad="38100" dist="38100" dir="2700000" algn="tl">
+                    <a:srgbClr val="000000">
+                      <a:alpha val="43137"/>
+                    </a:srgbClr>
+                  </a:outerShdw>
+                </a:effectLst>
+                <a:latin typeface="Consolas" pitchFamily="49" charset="0"/>
+                <a:cs typeface="Consolas" pitchFamily="49" charset="0"/>
+              </a:rPr>
+              <a:t>finish </a:t>
+            </a:r>
+            <a:r>
+              <a:rPr lang="en-US" sz="2600" b="1" i="1" noProof="1" smtClean="0">
+                <a:solidFill>
+                  <a:schemeClr val="tx2">
+                    <a:lumMod val="75000"/>
+                  </a:schemeClr>
+                </a:solidFill>
+                <a:effectLst>
+                  <a:outerShdw blurRad="38100" dist="38100" dir="2700000" algn="tl">
+                    <a:srgbClr val="000000">
+                      <a:alpha val="43137"/>
+                    </a:srgbClr>
+                  </a:outerShdw>
+                </a:effectLst>
+                <a:latin typeface="Consolas" pitchFamily="49" charset="0"/>
+                <a:cs typeface="Consolas" pitchFamily="49" charset="0"/>
+              </a:rPr>
+              <a:t>this</a:t>
+            </a:r>
+          </a:p>
+          <a:p>
+            <a:pPr eaLnBrk="0" hangingPunct="0">
+              <a:buClr>
+                <a:schemeClr val="accent5">
+                  <a:lumMod val="40000"/>
+                  <a:lumOff val="60000"/>
+                </a:schemeClr>
+              </a:buClr>
+              <a:buSzPct val="70000"/>
+            </a:pPr>
+            <a:r>
+              <a:rPr lang="en-US" sz="2600" b="1" noProof="1" smtClean="0">
+                <a:solidFill>
+                  <a:srgbClr val="FBEEDC"/>
+                </a:solidFill>
+                <a:effectLst>
+                  <a:outerShdw blurRad="38100" dist="38100" dir="2700000" algn="tl">
+                    <a:srgbClr val="000000">
+                      <a:alpha val="43137"/>
+                    </a:srgbClr>
+                  </a:outerShdw>
+                </a:effectLst>
+                <a:latin typeface="Consolas" pitchFamily="49" charset="0"/>
+                <a:cs typeface="Consolas" pitchFamily="49" charset="0"/>
+              </a:rPr>
+              <a:t>if town == 'plovdiv':</a:t>
+            </a:r>
+          </a:p>
+          <a:p>
+            <a:pPr eaLnBrk="0" hangingPunct="0">
+              <a:buClr>
+                <a:schemeClr val="accent5">
+                  <a:lumMod val="40000"/>
+                  <a:lumOff val="60000"/>
+                </a:schemeClr>
+              </a:buClr>
+              <a:buSzPct val="70000"/>
+            </a:pPr>
+            <a:r>
+              <a:rPr lang="en-US" sz="2600" b="1" noProof="1" smtClean="0">
+                <a:solidFill>
+                  <a:srgbClr val="FBEEDC"/>
+                </a:solidFill>
+                <a:effectLst>
+                  <a:outerShdw blurRad="38100" dist="38100" dir="2700000" algn="tl">
+                    <a:srgbClr val="000000">
+                      <a:alpha val="43137"/>
+                    </a:srgbClr>
+                  </a:outerShdw>
+                </a:effectLst>
+                <a:latin typeface="Consolas" pitchFamily="49" charset="0"/>
+                <a:cs typeface="Consolas" pitchFamily="49" charset="0"/>
+              </a:rPr>
+              <a:t>     </a:t>
+            </a:r>
+            <a:r>
+              <a:rPr lang="en-US" sz="2600" b="1" i="1" noProof="1">
+                <a:solidFill>
+                  <a:schemeClr val="tx2">
+                    <a:lumMod val="75000"/>
+                  </a:schemeClr>
+                </a:solidFill>
+                <a:effectLst>
+                  <a:outerShdw blurRad="38100" dist="38100" dir="2700000" algn="tl">
+                    <a:srgbClr val="000000">
+                      <a:alpha val="43137"/>
+                    </a:srgbClr>
+                  </a:outerShdw>
+                </a:effectLst>
+                <a:latin typeface="Consolas" pitchFamily="49" charset="0"/>
+                <a:cs typeface="Consolas" pitchFamily="49" charset="0"/>
+              </a:rPr>
+              <a:t># TODO: finish </a:t>
+            </a:r>
+            <a:r>
+              <a:rPr lang="en-US" sz="2600" b="1" i="1" noProof="1">
+                <a:solidFill>
+                  <a:schemeClr val="tx2">
+                    <a:lumMod val="75000"/>
+                  </a:schemeClr>
+                </a:solidFill>
+                <a:effectLst>
+                  <a:outerShdw blurRad="38100" dist="38100" dir="2700000" algn="tl">
+                    <a:srgbClr val="000000">
+                      <a:alpha val="43137"/>
+                    </a:srgbClr>
+                  </a:outerShdw>
+                </a:effectLst>
+                <a:latin typeface="Consolas" pitchFamily="49" charset="0"/>
+                <a:cs typeface="Consolas" pitchFamily="49" charset="0"/>
+              </a:rPr>
+              <a:t>this </a:t>
+            </a:r>
+            <a:endParaRPr lang="en-US" sz="2600" b="1" i="1" noProof="1" smtClean="0">
               <a:solidFill>
                 <a:schemeClr val="tx2">
                   <a:lumMod val="75000"/>
@@ -28308,159 +28444,74 @@
               <a:buSzPct val="70000"/>
             </a:pPr>
             <a:r>
-              <a:rPr lang="en-US" sz="2800" b="1" noProof="1" smtClean="0">
-                <a:solidFill>
-                  <a:srgbClr val="FBEEDC"/>
-                </a:solidFill>
-                <a:effectLst>
-                  <a:outerShdw blurRad="38100" dist="38100" dir="2700000" algn="tl">
-                    <a:srgbClr val="000000">
-                      <a:alpha val="43137"/>
-                    </a:srgbClr>
-                  </a:outerShdw>
-                </a:effectLst>
-                <a:latin typeface="Consolas" pitchFamily="49" charset="0"/>
-                <a:cs typeface="Consolas" pitchFamily="49" charset="0"/>
-              </a:rPr>
-              <a:t>if town </a:t>
-            </a:r>
-            <a:r>
-              <a:rPr lang="en-US" sz="2800" b="1" noProof="1">
-                <a:solidFill>
-                  <a:srgbClr val="FBEEDC"/>
-                </a:solidFill>
-                <a:effectLst>
-                  <a:outerShdw blurRad="38100" dist="38100" dir="2700000" algn="tl">
-                    <a:srgbClr val="000000">
-                      <a:alpha val="43137"/>
-                    </a:srgbClr>
-                  </a:outerShdw>
-                </a:effectLst>
-                <a:latin typeface="Consolas" pitchFamily="49" charset="0"/>
-                <a:cs typeface="Consolas" pitchFamily="49" charset="0"/>
-              </a:rPr>
-              <a:t>== </a:t>
-            </a:r>
-            <a:r>
-              <a:rPr lang="en-US" sz="2800" b="1" noProof="1" smtClean="0">
-                <a:solidFill>
-                  <a:srgbClr val="FBEEDC"/>
-                </a:solidFill>
-                <a:effectLst>
-                  <a:outerShdw blurRad="38100" dist="38100" dir="2700000" algn="tl">
-                    <a:srgbClr val="000000">
-                      <a:alpha val="43137"/>
-                    </a:srgbClr>
-                  </a:outerShdw>
-                </a:effectLst>
-                <a:latin typeface="Consolas" pitchFamily="49" charset="0"/>
-                <a:cs typeface="Consolas" pitchFamily="49" charset="0"/>
-              </a:rPr>
-              <a:t>'plovdiv':</a:t>
-            </a:r>
-          </a:p>
-          <a:p>
-            <a:pPr eaLnBrk="0" hangingPunct="0">
-              <a:buClr>
-                <a:schemeClr val="accent5">
-                  <a:lumMod val="40000"/>
-                  <a:lumOff val="60000"/>
-                </a:schemeClr>
-              </a:buClr>
-              <a:buSzPct val="70000"/>
-            </a:pPr>
-            <a:r>
-              <a:rPr lang="en-US" sz="2800" b="1" noProof="1">
-                <a:solidFill>
-                  <a:srgbClr val="FBEEDC"/>
-                </a:solidFill>
-                <a:effectLst>
-                  <a:outerShdw blurRad="38100" dist="38100" dir="2700000" algn="tl">
-                    <a:srgbClr val="000000">
-                      <a:alpha val="43137"/>
-                    </a:srgbClr>
-                  </a:outerShdw>
-                </a:effectLst>
-                <a:latin typeface="Consolas" pitchFamily="49" charset="0"/>
-                <a:cs typeface="Consolas" pitchFamily="49" charset="0"/>
-              </a:rPr>
-              <a:t> </a:t>
-            </a:r>
-            <a:r>
-              <a:rPr lang="en-US" sz="2800" b="1" noProof="1" smtClean="0">
-                <a:solidFill>
-                  <a:srgbClr val="FBEEDC"/>
-                </a:solidFill>
-                <a:effectLst>
-                  <a:outerShdw blurRad="38100" dist="38100" dir="2700000" algn="tl">
-                    <a:srgbClr val="000000">
-                      <a:alpha val="43137"/>
-                    </a:srgbClr>
-                  </a:outerShdw>
-                </a:effectLst>
-                <a:latin typeface="Consolas" pitchFamily="49" charset="0"/>
-                <a:cs typeface="Consolas" pitchFamily="49" charset="0"/>
-              </a:rPr>
-              <a:t>   </a:t>
-            </a:r>
-            <a:r>
-              <a:rPr lang="en-US" sz="2800" b="1" noProof="1" smtClean="0">
-                <a:solidFill>
-                  <a:schemeClr val="tx2">
-                    <a:lumMod val="75000"/>
-                  </a:schemeClr>
-                </a:solidFill>
-                <a:effectLst>
-                  <a:outerShdw blurRad="38100" dist="38100" dir="2700000" algn="tl">
-                    <a:srgbClr val="000000">
-                      <a:alpha val="43137"/>
-                    </a:srgbClr>
-                  </a:outerShdw>
-                </a:effectLst>
-                <a:latin typeface="Consolas" pitchFamily="49" charset="0"/>
-                <a:cs typeface="Consolas" pitchFamily="49" charset="0"/>
-              </a:rPr>
-              <a:t># </a:t>
-            </a:r>
-            <a:r>
-              <a:rPr lang="en-US" sz="2800" b="1" noProof="1">
-                <a:solidFill>
-                  <a:schemeClr val="tx2">
-                    <a:lumMod val="75000"/>
-                  </a:schemeClr>
-                </a:solidFill>
-                <a:effectLst>
-                  <a:outerShdw blurRad="38100" dist="38100" dir="2700000" algn="tl">
-                    <a:srgbClr val="000000">
-                      <a:alpha val="43137"/>
-                    </a:srgbClr>
-                  </a:outerShdw>
-                </a:effectLst>
-                <a:latin typeface="Consolas" pitchFamily="49" charset="0"/>
-                <a:cs typeface="Consolas" pitchFamily="49" charset="0"/>
-              </a:rPr>
-              <a:t>TODO: finish this </a:t>
-            </a:r>
-            <a:r>
-              <a:rPr lang="en-US" sz="2800" b="1" noProof="1" smtClean="0">
-                <a:solidFill>
-                  <a:schemeClr val="tx2">
-                    <a:lumMod val="75000"/>
-                  </a:schemeClr>
-                </a:solidFill>
-                <a:effectLst>
-                  <a:outerShdw blurRad="38100" dist="38100" dir="2700000" algn="tl">
-                    <a:srgbClr val="000000">
-                      <a:alpha val="43137"/>
-                    </a:srgbClr>
-                  </a:outerShdw>
-                </a:effectLst>
-                <a:latin typeface="Consolas" pitchFamily="49" charset="0"/>
-                <a:cs typeface="Consolas" pitchFamily="49" charset="0"/>
-              </a:rPr>
-              <a:t>…</a:t>
-            </a:r>
-            <a:endParaRPr lang="en-US" sz="2800" b="1" noProof="1">
+              <a:rPr lang="en-US" sz="2600" b="1" noProof="1" smtClean="0">
+                <a:solidFill>
+                  <a:srgbClr val="FBEEDC"/>
+                </a:solidFill>
+                <a:effectLst>
+                  <a:outerShdw blurRad="38100" dist="38100" dir="2700000" algn="tl">
+                    <a:srgbClr val="000000">
+                      <a:alpha val="43137"/>
+                    </a:srgbClr>
+                  </a:outerShdw>
+                </a:effectLst>
+                <a:latin typeface="Consolas" pitchFamily="49" charset="0"/>
+                <a:cs typeface="Consolas" pitchFamily="49" charset="0"/>
+              </a:rPr>
+              <a:t>print</a:t>
+            </a:r>
+            <a:r>
+              <a:rPr lang="en-US" sz="2600" b="1" noProof="1">
+                <a:solidFill>
+                  <a:srgbClr val="FBEEDC"/>
+                </a:solidFill>
+                <a:effectLst>
+                  <a:outerShdw blurRad="38100" dist="38100" dir="2700000" algn="tl">
+                    <a:srgbClr val="000000">
+                      <a:alpha val="43137"/>
+                    </a:srgbClr>
+                  </a:outerShdw>
+                </a:effectLst>
+                <a:latin typeface="Consolas" pitchFamily="49" charset="0"/>
+                <a:cs typeface="Consolas" pitchFamily="49" charset="0"/>
+              </a:rPr>
+              <a:t>("{0:.2f}".</a:t>
+            </a:r>
+            <a:r>
+              <a:rPr lang="en-US" sz="2600" b="1" noProof="1">
+                <a:solidFill>
+                  <a:srgbClr val="FBEEDC"/>
+                </a:solidFill>
+                <a:effectLst>
+                  <a:outerShdw blurRad="38100" dist="38100" dir="2700000" algn="tl">
+                    <a:srgbClr val="000000">
+                      <a:alpha val="43137"/>
+                    </a:srgbClr>
+                  </a:outerShdw>
+                </a:effectLst>
+                <a:latin typeface="Consolas" pitchFamily="49" charset="0"/>
+                <a:cs typeface="Consolas" pitchFamily="49" charset="0"/>
+              </a:rPr>
+              <a:t>format(price</a:t>
+            </a:r>
+            <a:r>
+              <a:rPr lang="en-US" sz="2600" b="1" noProof="1" smtClean="0">
+                <a:solidFill>
+                  <a:srgbClr val="FBEEDC"/>
+                </a:solidFill>
+                <a:effectLst>
+                  <a:outerShdw blurRad="38100" dist="38100" dir="2700000" algn="tl">
+                    <a:srgbClr val="000000">
+                      <a:alpha val="43137"/>
+                    </a:srgbClr>
+                  </a:outerShdw>
+                </a:effectLst>
+                <a:latin typeface="Consolas" pitchFamily="49" charset="0"/>
+                <a:cs typeface="Consolas" pitchFamily="49" charset="0"/>
+              </a:rPr>
+              <a:t>))</a:t>
+            </a:r>
+            <a:endParaRPr lang="en-US" sz="2600" b="1" noProof="1">
               <a:solidFill>
                 <a:schemeClr val="tx2">
                   <a:lumMod val="75000"/>
@@ -28509,10 +28560,20 @@
               <a:t> </a:t>
             </a:r>
             <a:r>
+              <a:rPr lang="en-US" dirty="0">
+                <a:hlinkClick r:id="rId2"/>
+              </a:rPr>
+              <a:t>https://</a:t>
+            </a:r>
+            <a:r>
               <a:rPr lang="en-US" dirty="0" smtClean="0">
                 <a:hlinkClick r:id="rId2"/>
               </a:rPr>
-              <a:t>https://judge.softuni.bg/Contests/Practice/Index/153#1</a:t>
+              <a:t>judge.softuni.bg/Contests/Practice/Index/489#1</a:t>
+            </a:r>
+            <a:r>
+              <a:rPr lang="en-US" dirty="0" smtClean="0"/>
+              <a:t> </a:t>
             </a:r>
             <a:endParaRPr lang="en-US" dirty="0"/>
           </a:p>
